--- a/slides/classthree/slides.pptx
+++ b/slides/classthree/slides.pptx
@@ -9338,11 +9338,7 @@
           <a:p>
             <a:r>
               <a:rPr lang="en-US" dirty="0" smtClean="0"/>
-              <a:t>Anatomy of a </a:t>
-            </a:r>
-            <a:r>
-              <a:rPr lang="en-US" dirty="0" smtClean="0"/>
-              <a:t>Rule</a:t>
+              <a:t>Anatomy of a Rule</a:t>
             </a:r>
             <a:endParaRPr lang="en-US" dirty="0"/>
           </a:p>
@@ -9378,11 +9374,6 @@
               </a:rPr>
               <a:t>selector</a:t>
             </a:r>
-            <a:endParaRPr lang="en-US" dirty="0" smtClean="0">
-              <a:solidFill>
-                <a:srgbClr val="FDA023"/>
-              </a:solidFill>
-            </a:endParaRPr>
           </a:p>
           <a:p>
             <a:r>
@@ -9393,11 +9384,6 @@
               </a:rPr>
               <a:t>property</a:t>
             </a:r>
-            <a:endParaRPr lang="en-US" dirty="0" smtClean="0">
-              <a:solidFill>
-                <a:srgbClr val="64A73B"/>
-              </a:solidFill>
-            </a:endParaRPr>
           </a:p>
           <a:p>
             <a:r>
@@ -9408,11 +9394,6 @@
               </a:rPr>
               <a:t>property value</a:t>
             </a:r>
-            <a:endParaRPr lang="en-US" dirty="0" smtClean="0">
-              <a:solidFill>
-                <a:schemeClr val="tx2"/>
-              </a:solidFill>
-            </a:endParaRPr>
           </a:p>
         </p:txBody>
       </p:sp>
@@ -9624,11 +9605,7 @@
             </a:r>
             <a:r>
               <a:rPr lang="en-US" sz="2800" dirty="0" smtClean="0"/>
-              <a:t> </a:t>
-            </a:r>
-            <a:r>
-              <a:rPr lang="en-US" sz="2800" dirty="0" smtClean="0"/>
-              <a:t>{ </a:t>
+              <a:t> { </a:t>
             </a:r>
             <a:r>
               <a:rPr lang="en-US" sz="2800" dirty="0" smtClean="0">
@@ -9652,13 +9629,8 @@
             </a:r>
             <a:r>
               <a:rPr lang="en-US" sz="2800" dirty="0" smtClean="0"/>
-              <a:t>; </a:t>
-            </a:r>
-            <a:r>
-              <a:rPr lang="en-US" sz="2800" dirty="0" smtClean="0"/>
-              <a:t>}</a:t>
-            </a:r>
-            <a:endParaRPr lang="en-US" sz="2800" dirty="0" smtClean="0"/>
+              <a:t>; }</a:t>
+            </a:r>
           </a:p>
           <a:p>
             <a:pPr marL="0" indent="0">
@@ -9866,7 +9838,6 @@
               <a:rPr lang="en-US" sz="2800" dirty="0" smtClean="0"/>
               <a:t>; }</a:t>
             </a:r>
-            <a:endParaRPr lang="en-US" sz="2800" dirty="0" smtClean="0"/>
           </a:p>
         </p:txBody>
       </p:sp>
@@ -10645,13 +10616,6 @@
               </a:rPr>
               <a:t>&lt;/body&gt;</a:t>
             </a:r>
-            <a:endParaRPr lang="en-US" dirty="0">
-              <a:solidFill>
-                <a:srgbClr val="000000"/>
-              </a:solidFill>
-              <a:latin typeface="Courier New"/>
-              <a:cs typeface="Courier New"/>
-            </a:endParaRPr>
           </a:p>
         </p:txBody>
       </p:sp>
@@ -10902,13 +10866,6 @@
               </a:rPr>
               <a:t>&lt;/body&gt;</a:t>
             </a:r>
-            <a:endParaRPr lang="en-US" dirty="0">
-              <a:solidFill>
-                <a:srgbClr val="000000"/>
-              </a:solidFill>
-              <a:latin typeface="Courier New"/>
-              <a:cs typeface="Courier New"/>
-            </a:endParaRPr>
           </a:p>
         </p:txBody>
       </p:sp>
@@ -11159,13 +11116,6 @@
               </a:rPr>
               <a:t>&lt;/body&gt;</a:t>
             </a:r>
-            <a:endParaRPr lang="en-US" dirty="0">
-              <a:solidFill>
-                <a:srgbClr val="000000"/>
-              </a:solidFill>
-              <a:latin typeface="Courier New"/>
-              <a:cs typeface="Courier New"/>
-            </a:endParaRPr>
           </a:p>
         </p:txBody>
       </p:sp>
@@ -11416,13 +11366,6 @@
               </a:rPr>
               <a:t>&lt;/body&gt;</a:t>
             </a:r>
-            <a:endParaRPr lang="en-US" dirty="0">
-              <a:solidFill>
-                <a:srgbClr val="000000"/>
-              </a:solidFill>
-              <a:latin typeface="Courier New"/>
-              <a:cs typeface="Courier New"/>
-            </a:endParaRPr>
           </a:p>
         </p:txBody>
       </p:sp>
@@ -11714,13 +11657,6 @@
               </a:rPr>
               <a:t>&lt;/body&gt;</a:t>
             </a:r>
-            <a:endParaRPr lang="en-US" dirty="0">
-              <a:solidFill>
-                <a:srgbClr val="000000"/>
-              </a:solidFill>
-              <a:latin typeface="Courier New"/>
-              <a:cs typeface="Courier New"/>
-            </a:endParaRPr>
           </a:p>
         </p:txBody>
       </p:sp>
@@ -11973,13 +11909,6 @@
               </a:rPr>
               <a:t>&lt;/body&gt;</a:t>
             </a:r>
-            <a:endParaRPr lang="en-US" dirty="0">
-              <a:solidFill>
-                <a:srgbClr val="000000"/>
-              </a:solidFill>
-              <a:latin typeface="Courier New"/>
-              <a:cs typeface="Courier New"/>
-            </a:endParaRPr>
           </a:p>
         </p:txBody>
       </p:sp>
@@ -12230,13 +12159,6 @@
               </a:rPr>
               <a:t>&lt;/body&gt;</a:t>
             </a:r>
-            <a:endParaRPr lang="en-US" dirty="0">
-              <a:solidFill>
-                <a:srgbClr val="000000"/>
-              </a:solidFill>
-              <a:latin typeface="Courier New"/>
-              <a:cs typeface="Courier New"/>
-            </a:endParaRPr>
           </a:p>
         </p:txBody>
       </p:sp>
@@ -12483,13 +12405,6 @@
               </a:rPr>
               <a:t>&lt;/body&gt;</a:t>
             </a:r>
-            <a:endParaRPr lang="en-US" sz="1400" dirty="0">
-              <a:solidFill>
-                <a:srgbClr val="000000"/>
-              </a:solidFill>
-              <a:latin typeface="Courier New"/>
-              <a:cs typeface="Courier New"/>
-            </a:endParaRPr>
           </a:p>
         </p:txBody>
       </p:sp>
@@ -14382,18 +14297,35 @@
           </a:p>
           <a:p>
             <a:r>
+              <a:rPr lang="en-US" dirty="0" smtClean="0"/>
+              <a:t>Lindsey – </a:t>
+            </a:r>
+            <a:r>
+              <a:rPr lang="en-US" dirty="0" smtClean="0">
+                <a:hlinkClick r:id="rId5"/>
+              </a:rPr>
+              <a:t>http://hyvee.com</a:t>
+            </a:r>
+            <a:r>
+              <a:rPr lang="en-US" smtClean="0"/>
+              <a:t> </a:t>
+            </a:r>
+            <a:endParaRPr lang="en-US" dirty="0" smtClean="0"/>
+          </a:p>
+          <a:p>
+            <a:r>
               <a:rPr lang="en-US" dirty="0"/>
               <a:t>Miles - </a:t>
             </a:r>
             <a:r>
               <a:rPr lang="en-US" dirty="0">
-                <a:hlinkClick r:id="rId5"/>
+                <a:hlinkClick r:id="rId6"/>
               </a:rPr>
               <a:t>http://thewildernessdowntown.com</a:t>
             </a:r>
             <a:r>
               <a:rPr lang="en-US" dirty="0" smtClean="0">
-                <a:hlinkClick r:id="rId5"/>
+                <a:hlinkClick r:id="rId6"/>
               </a:rPr>
               <a:t>/</a:t>
             </a:r>

--- a/slides/classthree/slides.pptx
+++ b/slides/classthree/slides.pptx
@@ -5,7 +5,7 @@
     <p:sldMasterId id="2147483660" r:id="rId1"/>
   </p:sldMasterIdLst>
   <p:notesMasterIdLst>
-    <p:notesMasterId r:id="rId41"/>
+    <p:notesMasterId r:id="rId42"/>
   </p:notesMasterIdLst>
   <p:sldIdLst>
     <p:sldId id="256" r:id="rId2"/>
@@ -28,25 +28,26 @@
     <p:sldId id="313" r:id="rId19"/>
     <p:sldId id="327" r:id="rId20"/>
     <p:sldId id="328" r:id="rId21"/>
-    <p:sldId id="329" r:id="rId22"/>
-    <p:sldId id="330" r:id="rId23"/>
-    <p:sldId id="331" r:id="rId24"/>
-    <p:sldId id="332" r:id="rId25"/>
-    <p:sldId id="333" r:id="rId26"/>
-    <p:sldId id="334" r:id="rId27"/>
-    <p:sldId id="335" r:id="rId28"/>
-    <p:sldId id="336" r:id="rId29"/>
+    <p:sldId id="339" r:id="rId22"/>
+    <p:sldId id="329" r:id="rId23"/>
+    <p:sldId id="330" r:id="rId24"/>
+    <p:sldId id="331" r:id="rId25"/>
+    <p:sldId id="332" r:id="rId26"/>
+    <p:sldId id="333" r:id="rId27"/>
+    <p:sldId id="334" r:id="rId28"/>
+    <p:sldId id="335" r:id="rId29"/>
     <p:sldId id="315" r:id="rId30"/>
     <p:sldId id="337" r:id="rId31"/>
-    <p:sldId id="312" r:id="rId32"/>
-    <p:sldId id="268" r:id="rId33"/>
-    <p:sldId id="322" r:id="rId34"/>
-    <p:sldId id="323" r:id="rId35"/>
-    <p:sldId id="324" r:id="rId36"/>
-    <p:sldId id="325" r:id="rId37"/>
-    <p:sldId id="326" r:id="rId38"/>
-    <p:sldId id="270" r:id="rId39"/>
-    <p:sldId id="267" r:id="rId40"/>
+    <p:sldId id="340" r:id="rId32"/>
+    <p:sldId id="312" r:id="rId33"/>
+    <p:sldId id="268" r:id="rId34"/>
+    <p:sldId id="322" r:id="rId35"/>
+    <p:sldId id="323" r:id="rId36"/>
+    <p:sldId id="324" r:id="rId37"/>
+    <p:sldId id="325" r:id="rId38"/>
+    <p:sldId id="326" r:id="rId39"/>
+    <p:sldId id="270" r:id="rId40"/>
+    <p:sldId id="267" r:id="rId41"/>
   </p:sldIdLst>
   <p:sldSz cx="9144000" cy="6858000" type="screen4x3"/>
   <p:notesSz cx="6858000" cy="9144000"/>
@@ -896,7 +897,7 @@
           <a:p>
             <a:r>
               <a:rPr lang="en-US" dirty="0" smtClean="0"/>
-              <a:t>Break – 8 minutes</a:t>
+              <a:t>20 minutes</a:t>
             </a:r>
             <a:endParaRPr lang="en-US" dirty="0"/>
           </a:p>
@@ -928,7 +929,7 @@
     </p:spTree>
     <p:extLst>
       <p:ext uri="{BB962C8B-B14F-4D97-AF65-F5344CB8AC3E}">
-        <p14:creationId xmlns:p14="http://schemas.microsoft.com/office/powerpoint/2010/main" val="2491357436"/>
+        <p14:creationId xmlns:p14="http://schemas.microsoft.com/office/powerpoint/2010/main" val="156239481"/>
       </p:ext>
     </p:extLst>
   </p:cSld>
@@ -984,7 +985,7 @@
           <a:p>
             <a:r>
               <a:rPr lang="en-US" dirty="0" smtClean="0"/>
-              <a:t>35 minutes</a:t>
+              <a:t>Break – 8 minutes</a:t>
             </a:r>
             <a:endParaRPr lang="en-US" dirty="0"/>
           </a:p>
@@ -1016,7 +1017,7 @@
     </p:spTree>
     <p:extLst>
       <p:ext uri="{BB962C8B-B14F-4D97-AF65-F5344CB8AC3E}">
-        <p14:creationId xmlns:p14="http://schemas.microsoft.com/office/powerpoint/2010/main" val="1220344411"/>
+        <p14:creationId xmlns:p14="http://schemas.microsoft.com/office/powerpoint/2010/main" val="2491357436"/>
       </p:ext>
     </p:extLst>
   </p:cSld>
@@ -1072,7 +1073,7 @@
           <a:p>
             <a:r>
               <a:rPr lang="en-US" dirty="0" smtClean="0"/>
-              <a:t>20 minutes</a:t>
+              <a:t>35 minutes</a:t>
             </a:r>
             <a:endParaRPr lang="en-US" dirty="0"/>
           </a:p>
@@ -1095,7 +1096,7 @@
           <a:p>
             <a:fld id="{F0AB357A-3C6D-9E43-AB07-807CDFEA83A0}" type="slidenum">
               <a:rPr lang="en-US" smtClean="0"/>
-              <a:t>38</a:t>
+              <a:t>33</a:t>
             </a:fld>
             <a:endParaRPr lang="en-US"/>
           </a:p>
@@ -1104,7 +1105,7 @@
     </p:spTree>
     <p:extLst>
       <p:ext uri="{BB962C8B-B14F-4D97-AF65-F5344CB8AC3E}">
-        <p14:creationId xmlns:p14="http://schemas.microsoft.com/office/powerpoint/2010/main" val="156239481"/>
+        <p14:creationId xmlns:p14="http://schemas.microsoft.com/office/powerpoint/2010/main" val="1220344411"/>
       </p:ext>
     </p:extLst>
   </p:cSld>
@@ -1160,15 +1161,7 @@
           <a:p>
             <a:r>
               <a:rPr lang="en-US" dirty="0" smtClean="0"/>
-              <a:t>http://</a:t>
-            </a:r>
-            <a:r>
-              <a:rPr lang="en-US" dirty="0" err="1" smtClean="0"/>
-              <a:t>dl.dropbox.com</a:t>
-            </a:r>
-            <a:r>
-              <a:rPr lang="en-US" dirty="0" smtClean="0"/>
-              <a:t>/u/41609448/art329/assignments/index.html#schedule_class3</a:t>
+              <a:t>20 minutes</a:t>
             </a:r>
             <a:endParaRPr lang="en-US" dirty="0"/>
           </a:p>
@@ -1192,6 +1185,102 @@
             <a:fld id="{F0AB357A-3C6D-9E43-AB07-807CDFEA83A0}" type="slidenum">
               <a:rPr lang="en-US" smtClean="0"/>
               <a:t>39</a:t>
+            </a:fld>
+            <a:endParaRPr lang="en-US"/>
+          </a:p>
+        </p:txBody>
+      </p:sp>
+    </p:spTree>
+    <p:extLst>
+      <p:ext uri="{BB962C8B-B14F-4D97-AF65-F5344CB8AC3E}">
+        <p14:creationId xmlns:p14="http://schemas.microsoft.com/office/powerpoint/2010/main" val="156239481"/>
+      </p:ext>
+    </p:extLst>
+  </p:cSld>
+  <p:clrMapOvr>
+    <a:masterClrMapping/>
+  </p:clrMapOvr>
+</p:notes>
+</file>
+
+<file path=ppt/notesSlides/notesSlide17.xml><?xml version="1.0" encoding="utf-8"?>
+<p:notes xmlns:a="http://schemas.openxmlformats.org/drawingml/2006/main" xmlns:r="http://schemas.openxmlformats.org/officeDocument/2006/relationships" xmlns:p="http://schemas.openxmlformats.org/presentationml/2006/main">
+  <p:cSld>
+    <p:spTree>
+      <p:nvGrpSpPr>
+        <p:cNvPr id="1" name=""/>
+        <p:cNvGrpSpPr/>
+        <p:nvPr/>
+      </p:nvGrpSpPr>
+      <p:grpSpPr>
+        <a:xfrm>
+          <a:off x="0" y="0"/>
+          <a:ext cx="0" cy="0"/>
+          <a:chOff x="0" y="0"/>
+          <a:chExt cx="0" cy="0"/>
+        </a:xfrm>
+      </p:grpSpPr>
+      <p:sp>
+        <p:nvSpPr>
+          <p:cNvPr id="2" name="Slide Image Placeholder 1"/>
+          <p:cNvSpPr>
+            <a:spLocks noGrp="1" noRot="1" noChangeAspect="1"/>
+          </p:cNvSpPr>
+          <p:nvPr>
+            <p:ph type="sldImg"/>
+          </p:nvPr>
+        </p:nvSpPr>
+        <p:spPr/>
+      </p:sp>
+      <p:sp>
+        <p:nvSpPr>
+          <p:cNvPr id="3" name="Notes Placeholder 2"/>
+          <p:cNvSpPr>
+            <a:spLocks noGrp="1"/>
+          </p:cNvSpPr>
+          <p:nvPr>
+            <p:ph type="body" idx="1"/>
+          </p:nvPr>
+        </p:nvSpPr>
+        <p:spPr/>
+        <p:txBody>
+          <a:bodyPr/>
+          <a:lstStyle/>
+          <a:p>
+            <a:r>
+              <a:rPr lang="en-US" dirty="0" smtClean="0"/>
+              <a:t>http://</a:t>
+            </a:r>
+            <a:r>
+              <a:rPr lang="en-US" dirty="0" err="1" smtClean="0"/>
+              <a:t>dl.dropbox.com</a:t>
+            </a:r>
+            <a:r>
+              <a:rPr lang="en-US" dirty="0" smtClean="0"/>
+              <a:t>/u/41609448/art329/assignments/index.html#schedule_class3</a:t>
+            </a:r>
+            <a:endParaRPr lang="en-US" dirty="0"/>
+          </a:p>
+        </p:txBody>
+      </p:sp>
+      <p:sp>
+        <p:nvSpPr>
+          <p:cNvPr id="4" name="Slide Number Placeholder 3"/>
+          <p:cNvSpPr>
+            <a:spLocks noGrp="1"/>
+          </p:cNvSpPr>
+          <p:nvPr>
+            <p:ph type="sldNum" sz="quarter" idx="10"/>
+          </p:nvPr>
+        </p:nvSpPr>
+        <p:spPr/>
+        <p:txBody>
+          <a:bodyPr/>
+          <a:lstStyle/>
+          <a:p>
+            <a:fld id="{F0AB357A-3C6D-9E43-AB07-807CDFEA83A0}" type="slidenum">
+              <a:rPr lang="en-US" smtClean="0"/>
+              <a:t>40</a:t>
             </a:fld>
             <a:endParaRPr lang="en-US"/>
           </a:p>
@@ -7850,6 +7939,13 @@
   <p:clrMapOvr>
     <a:masterClrMapping/>
   </p:clrMapOvr>
+  <p:timing>
+    <p:tnLst>
+      <p:par>
+        <p:cTn xmlns:p14="http://schemas.microsoft.com/office/powerpoint/2010/main" id="1" dur="indefinite" restart="never" nodeType="tmRoot"/>
+      </p:par>
+    </p:tnLst>
+  </p:timing>
 </p:sld>
 </file>
 
@@ -8714,17 +8810,18 @@
           <a:p>
             <a:r>
               <a:rPr lang="en-US" dirty="0" smtClean="0"/>
-              <a:t>target – browser window</a:t>
-            </a:r>
-          </a:p>
-          <a:p>
-            <a:r>
-              <a:rPr lang="en-US" dirty="0" smtClean="0"/>
-              <a:t>title – </a:t>
-            </a:r>
-            <a:r>
-              <a:rPr lang="en-US" smtClean="0"/>
-              <a:t>popover text</a:t>
+              <a:t>target – browser </a:t>
+            </a:r>
+            <a:r>
+              <a:rPr lang="en-US" dirty="0" smtClean="0"/>
+              <a:t>window: _blank, _self, _parent</a:t>
+            </a:r>
+            <a:endParaRPr lang="en-US" dirty="0" smtClean="0"/>
+          </a:p>
+          <a:p>
+            <a:r>
+              <a:rPr lang="en-US" dirty="0" smtClean="0"/>
+              <a:t>title – popover text</a:t>
             </a:r>
           </a:p>
           <a:p>
@@ -10355,10 +10452,14 @@
           <a:lstStyle/>
           <a:p>
             <a:r>
-              <a:rPr lang="en-US" smtClean="0"/>
-              <a:t>http://www.w3.org/TR/CSS2/selector.html</a:t>
-            </a:r>
-            <a:endParaRPr lang="en-US"/>
+              <a:rPr lang="en-US" dirty="0" smtClean="0"/>
+              <a:t>http://www.w3.org/TR/CSS2/</a:t>
+            </a:r>
+            <a:r>
+              <a:rPr lang="en-US" dirty="0" err="1" smtClean="0"/>
+              <a:t>selector.html</a:t>
+            </a:r>
+            <a:endParaRPr lang="en-US" dirty="0"/>
           </a:p>
         </p:txBody>
       </p:sp>
@@ -10415,46 +10516,250 @@
           <a:lstStyle/>
           <a:p>
             <a:r>
-              <a:rPr lang="en-US" dirty="0"/>
+              <a:rPr lang="en-US" dirty="0" smtClean="0"/>
+              <a:t>Example</a:t>
+            </a:r>
+            <a:endParaRPr lang="en-US" dirty="0"/>
+          </a:p>
+        </p:txBody>
+      </p:sp>
+      <p:sp>
+        <p:nvSpPr>
+          <p:cNvPr id="3" name="Content Placeholder 2"/>
+          <p:cNvSpPr>
+            <a:spLocks noGrp="1"/>
+          </p:cNvSpPr>
+          <p:nvPr>
+            <p:ph sz="quarter" idx="13"/>
+          </p:nvPr>
+        </p:nvSpPr>
+        <p:spPr/>
+        <p:txBody>
+          <a:bodyPr>
+            <a:normAutofit/>
+          </a:bodyPr>
+          <a:lstStyle/>
+          <a:p>
+            <a:pPr marL="0" indent="0">
+              <a:buNone/>
+            </a:pPr>
+            <a:r>
+              <a:rPr lang="en-US" sz="1400" dirty="0">
+                <a:solidFill>
+                  <a:srgbClr val="000000"/>
+                </a:solidFill>
+                <a:latin typeface="Courier New"/>
+                <a:cs typeface="Courier New"/>
+              </a:rPr>
+              <a:t>&lt;body&gt;</a:t>
+            </a:r>
+          </a:p>
+          <a:p>
+            <a:pPr marL="0" indent="0">
+              <a:buNone/>
+            </a:pPr>
+            <a:r>
+              <a:rPr lang="en-US" sz="1400" dirty="0">
+                <a:solidFill>
+                  <a:srgbClr val="000000"/>
+                </a:solidFill>
+                <a:latin typeface="Courier New"/>
+                <a:cs typeface="Courier New"/>
+              </a:rPr>
+              <a:t>&lt;p&gt;Welcome to our site.&lt;/p&gt;</a:t>
+            </a:r>
+          </a:p>
+          <a:p>
+            <a:pPr marL="0" indent="0">
+              <a:buNone/>
+            </a:pPr>
+            <a:r>
+              <a:rPr lang="en-US" sz="1400" dirty="0">
+                <a:solidFill>
+                  <a:srgbClr val="000000"/>
+                </a:solidFill>
+                <a:latin typeface="Courier New"/>
+                <a:cs typeface="Courier New"/>
+              </a:rPr>
+              <a:t>&lt;div id="content"&gt;</a:t>
+            </a:r>
+          </a:p>
+          <a:p>
+            <a:pPr marL="0" indent="0">
+              <a:buNone/>
+            </a:pPr>
+            <a:r>
+              <a:rPr lang="en-US" sz="1400" dirty="0">
+                <a:solidFill>
+                  <a:srgbClr val="000000"/>
+                </a:solidFill>
+                <a:latin typeface="Courier New"/>
+                <a:cs typeface="Courier New"/>
+              </a:rPr>
+              <a:t>	&lt;p&gt;&lt;a </a:t>
+            </a:r>
+            <a:r>
+              <a:rPr lang="en-US" sz="1400" dirty="0" err="1">
+                <a:solidFill>
+                  <a:srgbClr val="000000"/>
+                </a:solidFill>
+                <a:latin typeface="Courier New"/>
+                <a:cs typeface="Courier New"/>
+              </a:rPr>
+              <a:t>href</a:t>
+            </a:r>
+            <a:r>
+              <a:rPr lang="en-US" sz="1400" dirty="0">
+                <a:solidFill>
+                  <a:srgbClr val="000000"/>
+                </a:solidFill>
+                <a:latin typeface="Courier New"/>
+                <a:cs typeface="Courier New"/>
+              </a:rPr>
+              <a:t>="http://</a:t>
+            </a:r>
+            <a:r>
+              <a:rPr lang="en-US" sz="1400" dirty="0" err="1">
+                <a:solidFill>
+                  <a:srgbClr val="000000"/>
+                </a:solidFill>
+                <a:latin typeface="Courier New"/>
+                <a:cs typeface="Courier New"/>
+              </a:rPr>
+              <a:t>google.com</a:t>
+            </a:r>
+            <a:r>
+              <a:rPr lang="en-US" sz="1400" dirty="0">
+                <a:solidFill>
+                  <a:srgbClr val="000000"/>
+                </a:solidFill>
+                <a:latin typeface="Courier New"/>
+                <a:cs typeface="Courier New"/>
+              </a:rPr>
+              <a:t>"&gt;Visit Google&lt;/a&gt; if you want a search engine.&lt;/p&gt;</a:t>
+            </a:r>
+          </a:p>
+          <a:p>
+            <a:pPr marL="0" indent="0">
+              <a:buNone/>
+            </a:pPr>
+            <a:r>
+              <a:rPr lang="en-US" sz="1400" dirty="0">
+                <a:solidFill>
+                  <a:srgbClr val="000000"/>
+                </a:solidFill>
+                <a:latin typeface="Courier New"/>
+                <a:cs typeface="Courier New"/>
+              </a:rPr>
+              <a:t>	&lt;span class="message"&gt;</a:t>
+            </a:r>
+          </a:p>
+          <a:p>
+            <a:pPr marL="0" indent="0">
+              <a:buNone/>
+            </a:pPr>
+            <a:r>
+              <a:rPr lang="en-US" sz="1400" dirty="0">
+                <a:solidFill>
+                  <a:srgbClr val="000000"/>
+                </a:solidFill>
+                <a:latin typeface="Courier New"/>
+                <a:cs typeface="Courier New"/>
+              </a:rPr>
+              <a:t>		&lt;p&gt;For more details, keep reading.&lt;/p&gt;</a:t>
+            </a:r>
+          </a:p>
+          <a:p>
+            <a:pPr marL="0" indent="0">
+              <a:buNone/>
+            </a:pPr>
+            <a:r>
+              <a:rPr lang="en-US" sz="1400" dirty="0">
+                <a:solidFill>
+                  <a:srgbClr val="000000"/>
+                </a:solidFill>
+                <a:latin typeface="Courier New"/>
+                <a:cs typeface="Courier New"/>
+              </a:rPr>
+              <a:t>	&lt;/span&gt;</a:t>
+            </a:r>
+          </a:p>
+          <a:p>
+            <a:pPr marL="0" indent="0">
+              <a:buNone/>
+            </a:pPr>
+            <a:r>
+              <a:rPr lang="en-US" sz="1400" dirty="0">
+                <a:solidFill>
+                  <a:srgbClr val="000000"/>
+                </a:solidFill>
+                <a:latin typeface="Courier New"/>
+                <a:cs typeface="Courier New"/>
+              </a:rPr>
+              <a:t>&lt;/div&gt;</a:t>
+            </a:r>
+          </a:p>
+          <a:p>
+            <a:pPr marL="0" indent="0">
+              <a:buNone/>
+            </a:pPr>
+            <a:r>
+              <a:rPr lang="en-US" sz="1400" dirty="0">
+                <a:solidFill>
+                  <a:srgbClr val="000000"/>
+                </a:solidFill>
+                <a:latin typeface="Courier New"/>
+                <a:cs typeface="Courier New"/>
+              </a:rPr>
+              <a:t>&lt;/body&gt;</a:t>
+            </a:r>
+          </a:p>
+        </p:txBody>
+      </p:sp>
+      <p:sp>
+        <p:nvSpPr>
+          <p:cNvPr id="4" name="Content Placeholder 3"/>
+          <p:cNvSpPr>
+            <a:spLocks noGrp="1"/>
+          </p:cNvSpPr>
+          <p:nvPr>
+            <p:ph sz="quarter" idx="14"/>
+          </p:nvPr>
+        </p:nvSpPr>
+        <p:spPr/>
+        <p:txBody>
+          <a:bodyPr>
+            <a:noAutofit/>
+          </a:bodyPr>
+          <a:lstStyle/>
+          <a:p>
+            <a:pPr marL="0" indent="0">
+              <a:buNone/>
+            </a:pPr>
+            <a:r>
+              <a:rPr lang="en-US" sz="1400" dirty="0">
+                <a:solidFill>
+                  <a:srgbClr val="000000"/>
+                </a:solidFill>
+                <a:latin typeface="Courier New"/>
+                <a:cs typeface="Courier New"/>
+              </a:rPr>
               <a:t>* { margin: 0; padding: 0; }</a:t>
             </a:r>
           </a:p>
-        </p:txBody>
-      </p:sp>
-      <p:sp>
-        <p:nvSpPr>
-          <p:cNvPr id="3" name="Content Placeholder 2"/>
-          <p:cNvSpPr>
-            <a:spLocks noGrp="1"/>
-          </p:cNvSpPr>
-          <p:nvPr>
-            <p:ph idx="1"/>
-          </p:nvPr>
-        </p:nvSpPr>
-        <p:spPr>
-          <a:xfrm>
-            <a:off x="1062217" y="2119257"/>
-            <a:ext cx="6998052" cy="3603812"/>
-          </a:xfrm>
-        </p:spPr>
-        <p:txBody>
-          <a:bodyPr>
-            <a:normAutofit fontScale="85000" lnSpcReduction="10000"/>
-          </a:bodyPr>
-          <a:lstStyle/>
           <a:p>
             <a:pPr marL="0" indent="0">
               <a:buNone/>
             </a:pPr>
             <a:r>
-              <a:rPr lang="en-US" dirty="0">
+              <a:rPr lang="en-US" sz="1400" dirty="0">
                 <a:solidFill>
                   <a:srgbClr val="000000"/>
                 </a:solidFill>
                 <a:latin typeface="Courier New"/>
                 <a:cs typeface="Courier New"/>
               </a:rPr>
-              <a:t>&lt;body&gt;</a:t>
+              <a:t>p { padding-bottom: 10px; }</a:t>
             </a:r>
           </a:p>
           <a:p>
@@ -10462,14 +10767,14 @@
               <a:buNone/>
             </a:pPr>
             <a:r>
-              <a:rPr lang="en-US" dirty="0">
+              <a:rPr lang="en-US" sz="1400" dirty="0">
                 <a:solidFill>
                   <a:srgbClr val="000000"/>
                 </a:solidFill>
                 <a:latin typeface="Courier New"/>
                 <a:cs typeface="Courier New"/>
               </a:rPr>
-              <a:t>&lt;p&gt;Welcome to our site.&lt;/p&gt;</a:t>
+              <a:t>div p { color: green; }</a:t>
             </a:r>
           </a:p>
           <a:p>
@@ -10477,14 +10782,14 @@
               <a:buNone/>
             </a:pPr>
             <a:r>
-              <a:rPr lang="en-US" dirty="0">
+              <a:rPr lang="en-US" sz="1400" dirty="0">
                 <a:solidFill>
                   <a:srgbClr val="000000"/>
                 </a:solidFill>
                 <a:latin typeface="Courier New"/>
                 <a:cs typeface="Courier New"/>
               </a:rPr>
-              <a:t>&lt;div id="content"&gt;</a:t>
+              <a:t>div &gt; p { color: blue; }</a:t>
             </a:r>
           </a:p>
           <a:p>
@@ -10492,54 +10797,104 @@
               <a:buNone/>
             </a:pPr>
             <a:r>
-              <a:rPr lang="en-US" dirty="0">
+              <a:rPr lang="en-US" sz="1400" dirty="0" err="1">
                 <a:solidFill>
                   <a:srgbClr val="000000"/>
                 </a:solidFill>
                 <a:latin typeface="Courier New"/>
                 <a:cs typeface="Courier New"/>
               </a:rPr>
-              <a:t>	&lt;p&gt;&lt;a </a:t>
-            </a:r>
-            <a:r>
-              <a:rPr lang="en-US" dirty="0" err="1">
+              <a:t>a:link</a:t>
+            </a:r>
+            <a:r>
+              <a:rPr lang="en-US" sz="1400" dirty="0">
                 <a:solidFill>
                   <a:srgbClr val="000000"/>
                 </a:solidFill>
                 <a:latin typeface="Courier New"/>
                 <a:cs typeface="Courier New"/>
               </a:rPr>
-              <a:t>href</a:t>
-            </a:r>
-            <a:r>
-              <a:rPr lang="en-US" dirty="0">
+              <a:t>, </a:t>
+            </a:r>
+            <a:r>
+              <a:rPr lang="en-US" sz="1400" dirty="0" err="1">
                 <a:solidFill>
                   <a:srgbClr val="000000"/>
                 </a:solidFill>
                 <a:latin typeface="Courier New"/>
                 <a:cs typeface="Courier New"/>
               </a:rPr>
-              <a:t>="http://</a:t>
-            </a:r>
-            <a:r>
-              <a:rPr lang="en-US" dirty="0" err="1">
+              <a:t>a:visited</a:t>
+            </a:r>
+            <a:r>
+              <a:rPr lang="en-US" sz="1400" dirty="0">
                 <a:solidFill>
                   <a:srgbClr val="000000"/>
                 </a:solidFill>
                 <a:latin typeface="Courier New"/>
                 <a:cs typeface="Courier New"/>
               </a:rPr>
-              <a:t>google.com</a:t>
-            </a:r>
-            <a:r>
-              <a:rPr lang="en-US" dirty="0">
+              <a:t>, </a:t>
+            </a:r>
+            <a:r>
+              <a:rPr lang="en-US" sz="1400" dirty="0" err="1">
                 <a:solidFill>
                   <a:srgbClr val="000000"/>
                 </a:solidFill>
                 <a:latin typeface="Courier New"/>
                 <a:cs typeface="Courier New"/>
               </a:rPr>
-              <a:t>"&gt;Visit Google&lt;/a&gt; if you want a search engine.&lt;/p&gt;</a:t>
+              <a:t>a:active</a:t>
+            </a:r>
+            <a:r>
+              <a:rPr lang="en-US" sz="1400" dirty="0">
+                <a:solidFill>
+                  <a:srgbClr val="000000"/>
+                </a:solidFill>
+                <a:latin typeface="Courier New"/>
+                <a:cs typeface="Courier New"/>
+              </a:rPr>
+              <a:t>, </a:t>
+            </a:r>
+            <a:r>
+              <a:rPr lang="en-US" sz="1400" dirty="0" err="1">
+                <a:solidFill>
+                  <a:srgbClr val="000000"/>
+                </a:solidFill>
+                <a:latin typeface="Courier New"/>
+                <a:cs typeface="Courier New"/>
+              </a:rPr>
+              <a:t>a:hover</a:t>
+            </a:r>
+            <a:r>
+              <a:rPr lang="en-US" sz="1400" dirty="0">
+                <a:solidFill>
+                  <a:srgbClr val="000000"/>
+                </a:solidFill>
+                <a:latin typeface="Courier New"/>
+                <a:cs typeface="Courier New"/>
+              </a:rPr>
+              <a:t>, </a:t>
+            </a:r>
+            <a:r>
+              <a:rPr lang="en-US" sz="1400" dirty="0" err="1">
+                <a:solidFill>
+                  <a:srgbClr val="000000"/>
+                </a:solidFill>
+                <a:latin typeface="Courier New"/>
+                <a:cs typeface="Courier New"/>
+              </a:rPr>
+              <a:t>a:focus</a:t>
+            </a:r>
+            <a:r>
+              <a:rPr lang="en-US" sz="1400" dirty="0">
+                <a:solidFill>
+                  <a:srgbClr val="000000"/>
+                </a:solidFill>
+                <a:latin typeface="Courier New"/>
+                <a:cs typeface="Courier New"/>
+              </a:rPr>
+              <a:t> { color: black; }</a:t>
             </a:r>
           </a:p>
           <a:p>
@@ -10547,14 +10902,14 @@
               <a:buNone/>
             </a:pPr>
             <a:r>
-              <a:rPr lang="en-US" dirty="0">
+              <a:rPr lang="en-US" sz="1400" dirty="0">
                 <a:solidFill>
                   <a:srgbClr val="000000"/>
                 </a:solidFill>
                 <a:latin typeface="Courier New"/>
                 <a:cs typeface="Courier New"/>
               </a:rPr>
-              <a:t>	&lt;span class="message"&gt;</a:t>
+              <a:t>.message { background: red; }</a:t>
             </a:r>
           </a:p>
           <a:p>
@@ -10562,59 +10917,14 @@
               <a:buNone/>
             </a:pPr>
             <a:r>
-              <a:rPr lang="en-US" dirty="0">
+              <a:rPr lang="en-US" sz="1400" dirty="0">
                 <a:solidFill>
                   <a:srgbClr val="000000"/>
                 </a:solidFill>
                 <a:latin typeface="Courier New"/>
                 <a:cs typeface="Courier New"/>
               </a:rPr>
-              <a:t>		&lt;p&gt;For more details, keep reading.&lt;/p&gt;</a:t>
-            </a:r>
-          </a:p>
-          <a:p>
-            <a:pPr marL="0" indent="0">
-              <a:buNone/>
-            </a:pPr>
-            <a:r>
-              <a:rPr lang="en-US" dirty="0">
-                <a:solidFill>
-                  <a:srgbClr val="000000"/>
-                </a:solidFill>
-                <a:latin typeface="Courier New"/>
-                <a:cs typeface="Courier New"/>
-              </a:rPr>
-              <a:t>	&lt;/span&gt;</a:t>
-            </a:r>
-          </a:p>
-          <a:p>
-            <a:pPr marL="0" indent="0">
-              <a:buNone/>
-            </a:pPr>
-            <a:r>
-              <a:rPr lang="en-US" dirty="0">
-                <a:solidFill>
-                  <a:srgbClr val="000000"/>
-                </a:solidFill>
-                <a:latin typeface="Courier New"/>
-                <a:cs typeface="Courier New"/>
-              </a:rPr>
-              <a:t>&lt;/div&gt;</a:t>
-            </a:r>
-          </a:p>
-          <a:p>
-            <a:pPr marL="0" indent="0">
-              <a:buNone/>
-            </a:pPr>
-            <a:r>
-              <a:rPr lang="en-US" dirty="0">
-                <a:solidFill>
-                  <a:srgbClr val="000000"/>
-                </a:solidFill>
-                <a:latin typeface="Courier New"/>
-                <a:cs typeface="Courier New"/>
-              </a:rPr>
-              <a:t>&lt;/body&gt;</a:t>
+              <a:t>#content { width: 200px; }</a:t>
             </a:r>
           </a:p>
         </p:txBody>
@@ -10622,13 +10932,20 @@
     </p:spTree>
     <p:extLst>
       <p:ext uri="{BB962C8B-B14F-4D97-AF65-F5344CB8AC3E}">
-        <p14:creationId xmlns:p14="http://schemas.microsoft.com/office/powerpoint/2010/main" val="775764395"/>
+        <p14:creationId xmlns:p14="http://schemas.microsoft.com/office/powerpoint/2010/main" val="2141280921"/>
       </p:ext>
     </p:extLst>
   </p:cSld>
   <p:clrMapOvr>
     <a:masterClrMapping/>
   </p:clrMapOvr>
+  <p:timing>
+    <p:tnLst>
+      <p:par>
+        <p:cTn xmlns:p14="http://schemas.microsoft.com/office/powerpoint/2010/main" id="1" dur="indefinite" restart="never" nodeType="tmRoot"/>
+      </p:par>
+    </p:tnLst>
+  </p:timing>
 </p:sld>
 </file>
 
@@ -10666,7 +10983,7 @@
           <a:p>
             <a:r>
               <a:rPr lang="en-US" dirty="0"/>
-              <a:t>p { padding-bottom: 10px; }</a:t>
+              <a:t>* { margin: 0; padding: 0; }</a:t>
             </a:r>
           </a:p>
         </p:txBody>
@@ -10697,7 +11014,7 @@
               <a:buNone/>
             </a:pPr>
             <a:r>
-              <a:rPr lang="en-US" dirty="0">
+              <a:rPr lang="en-US" b="1" dirty="0">
                 <a:solidFill>
                   <a:srgbClr val="000000"/>
                 </a:solidFill>
@@ -10712,7 +11029,7 @@
               <a:buNone/>
             </a:pPr>
             <a:r>
-              <a:rPr lang="en-US" dirty="0">
+              <a:rPr lang="en-US" b="1" dirty="0">
                 <a:solidFill>
                   <a:srgbClr val="000000"/>
                 </a:solidFill>
@@ -10727,7 +11044,7 @@
               <a:buNone/>
             </a:pPr>
             <a:r>
-              <a:rPr lang="en-US" dirty="0">
+              <a:rPr lang="en-US" b="1" dirty="0">
                 <a:solidFill>
                   <a:srgbClr val="000000"/>
                 </a:solidFill>
@@ -10742,7 +11059,7 @@
               <a:buNone/>
             </a:pPr>
             <a:r>
-              <a:rPr lang="en-US" dirty="0">
+              <a:rPr lang="en-US" b="1" dirty="0">
                 <a:solidFill>
                   <a:srgbClr val="000000"/>
                 </a:solidFill>
@@ -10752,7 +11069,7 @@
               <a:t>	&lt;p&gt;&lt;a </a:t>
             </a:r>
             <a:r>
-              <a:rPr lang="en-US" dirty="0" err="1">
+              <a:rPr lang="en-US" b="1" dirty="0" err="1">
                 <a:solidFill>
                   <a:srgbClr val="000000"/>
                 </a:solidFill>
@@ -10762,7 +11079,7 @@
               <a:t>href</a:t>
             </a:r>
             <a:r>
-              <a:rPr lang="en-US" dirty="0">
+              <a:rPr lang="en-US" b="1" dirty="0">
                 <a:solidFill>
                   <a:srgbClr val="000000"/>
                 </a:solidFill>
@@ -10772,7 +11089,7 @@
               <a:t>="http://</a:t>
             </a:r>
             <a:r>
-              <a:rPr lang="en-US" dirty="0" err="1">
+              <a:rPr lang="en-US" b="1" dirty="0" err="1">
                 <a:solidFill>
                   <a:srgbClr val="000000"/>
                 </a:solidFill>
@@ -10782,7 +11099,7 @@
               <a:t>google.com</a:t>
             </a:r>
             <a:r>
-              <a:rPr lang="en-US" dirty="0">
+              <a:rPr lang="en-US" b="1" dirty="0">
                 <a:solidFill>
                   <a:srgbClr val="000000"/>
                 </a:solidFill>
@@ -10797,7 +11114,7 @@
               <a:buNone/>
             </a:pPr>
             <a:r>
-              <a:rPr lang="en-US" dirty="0">
+              <a:rPr lang="en-US" b="1" dirty="0">
                 <a:solidFill>
                   <a:srgbClr val="000000"/>
                 </a:solidFill>
@@ -10812,7 +11129,7 @@
               <a:buNone/>
             </a:pPr>
             <a:r>
-              <a:rPr lang="en-US" dirty="0">
+              <a:rPr lang="en-US" b="1" dirty="0">
                 <a:solidFill>
                   <a:srgbClr val="000000"/>
                 </a:solidFill>
@@ -10827,7 +11144,7 @@
               <a:buNone/>
             </a:pPr>
             <a:r>
-              <a:rPr lang="en-US" dirty="0">
+              <a:rPr lang="en-US" b="1" dirty="0">
                 <a:solidFill>
                   <a:srgbClr val="000000"/>
                 </a:solidFill>
@@ -10842,7 +11159,7 @@
               <a:buNone/>
             </a:pPr>
             <a:r>
-              <a:rPr lang="en-US" dirty="0">
+              <a:rPr lang="en-US" b="1" dirty="0">
                 <a:solidFill>
                   <a:srgbClr val="000000"/>
                 </a:solidFill>
@@ -10857,7 +11174,7 @@
               <a:buNone/>
             </a:pPr>
             <a:r>
-              <a:rPr lang="en-US" dirty="0">
+              <a:rPr lang="en-US" b="1" dirty="0">
                 <a:solidFill>
                   <a:srgbClr val="000000"/>
                 </a:solidFill>
@@ -10872,13 +11189,20 @@
     </p:spTree>
     <p:extLst>
       <p:ext uri="{BB962C8B-B14F-4D97-AF65-F5344CB8AC3E}">
-        <p14:creationId xmlns:p14="http://schemas.microsoft.com/office/powerpoint/2010/main" val="2114841051"/>
+        <p14:creationId xmlns:p14="http://schemas.microsoft.com/office/powerpoint/2010/main" val="775764395"/>
       </p:ext>
     </p:extLst>
   </p:cSld>
   <p:clrMapOvr>
     <a:masterClrMapping/>
   </p:clrMapOvr>
+  <p:timing>
+    <p:tnLst>
+      <p:par>
+        <p:cTn xmlns:p14="http://schemas.microsoft.com/office/powerpoint/2010/main" id="1" dur="indefinite" restart="never" nodeType="tmRoot"/>
+      </p:par>
+    </p:tnLst>
+  </p:timing>
 </p:sld>
 </file>
 
@@ -10916,7 +11240,7 @@
           <a:p>
             <a:r>
               <a:rPr lang="en-US" dirty="0"/>
-              <a:t>div p { color: green; }</a:t>
+              <a:t>p { padding-bottom: 10px; }</a:t>
             </a:r>
           </a:p>
         </p:txBody>
@@ -10962,6 +11286,21 @@
               <a:buNone/>
             </a:pPr>
             <a:r>
+              <a:rPr lang="en-US" b="1" dirty="0">
+                <a:solidFill>
+                  <a:srgbClr val="000000"/>
+                </a:solidFill>
+                <a:latin typeface="Courier New"/>
+                <a:cs typeface="Courier New"/>
+              </a:rPr>
+              <a:t>&lt;p&gt;Welcome to our site.&lt;/p&gt;</a:t>
+            </a:r>
+          </a:p>
+          <a:p>
+            <a:pPr marL="0" indent="0">
+              <a:buNone/>
+            </a:pPr>
+            <a:r>
               <a:rPr lang="en-US" dirty="0">
                 <a:solidFill>
                   <a:srgbClr val="000000"/>
@@ -10969,7 +11308,7 @@
                 <a:latin typeface="Courier New"/>
                 <a:cs typeface="Courier New"/>
               </a:rPr>
-              <a:t>&lt;p&gt;Welcome to our site.&lt;/p&gt;</a:t>
+              <a:t>&lt;div id="content"&gt;</a:t>
             </a:r>
           </a:p>
           <a:p>
@@ -10984,7 +11323,57 @@
                 <a:latin typeface="Courier New"/>
                 <a:cs typeface="Courier New"/>
               </a:rPr>
-              <a:t>&lt;div id="content"&gt;</a:t>
+              <a:t>	</a:t>
+            </a:r>
+            <a:r>
+              <a:rPr lang="en-US" b="1" dirty="0">
+                <a:solidFill>
+                  <a:srgbClr val="000000"/>
+                </a:solidFill>
+                <a:latin typeface="Courier New"/>
+                <a:cs typeface="Courier New"/>
+              </a:rPr>
+              <a:t>&lt;p&gt;&lt;a </a:t>
+            </a:r>
+            <a:r>
+              <a:rPr lang="en-US" b="1" dirty="0" err="1">
+                <a:solidFill>
+                  <a:srgbClr val="000000"/>
+                </a:solidFill>
+                <a:latin typeface="Courier New"/>
+                <a:cs typeface="Courier New"/>
+              </a:rPr>
+              <a:t>href</a:t>
+            </a:r>
+            <a:r>
+              <a:rPr lang="en-US" b="1" dirty="0">
+                <a:solidFill>
+                  <a:srgbClr val="000000"/>
+                </a:solidFill>
+                <a:latin typeface="Courier New"/>
+                <a:cs typeface="Courier New"/>
+              </a:rPr>
+              <a:t>="http://</a:t>
+            </a:r>
+            <a:r>
+              <a:rPr lang="en-US" b="1" dirty="0" err="1">
+                <a:solidFill>
+                  <a:srgbClr val="000000"/>
+                </a:solidFill>
+                <a:latin typeface="Courier New"/>
+                <a:cs typeface="Courier New"/>
+              </a:rPr>
+              <a:t>google.com</a:t>
+            </a:r>
+            <a:r>
+              <a:rPr lang="en-US" b="1" dirty="0">
+                <a:solidFill>
+                  <a:srgbClr val="000000"/>
+                </a:solidFill>
+                <a:latin typeface="Courier New"/>
+                <a:cs typeface="Courier New"/>
+              </a:rPr>
+              <a:t>"&gt;Visit Google&lt;/a&gt; if you want a search engine.&lt;/p&gt;</a:t>
             </a:r>
           </a:p>
           <a:p>
@@ -10999,77 +11388,32 @@
                 <a:latin typeface="Courier New"/>
                 <a:cs typeface="Courier New"/>
               </a:rPr>
-              <a:t>	&lt;p&gt;&lt;a </a:t>
-            </a:r>
-            <a:r>
-              <a:rPr lang="en-US" dirty="0" err="1">
+              <a:t>	&lt;span class="message"&gt;</a:t>
+            </a:r>
+          </a:p>
+          <a:p>
+            <a:pPr marL="0" indent="0">
+              <a:buNone/>
+            </a:pPr>
+            <a:r>
+              <a:rPr lang="en-US" dirty="0">
                 <a:solidFill>
                   <a:srgbClr val="000000"/>
                 </a:solidFill>
                 <a:latin typeface="Courier New"/>
                 <a:cs typeface="Courier New"/>
               </a:rPr>
-              <a:t>href</a:t>
-            </a:r>
-            <a:r>
-              <a:rPr lang="en-US" dirty="0">
+              <a:t>		</a:t>
+            </a:r>
+            <a:r>
+              <a:rPr lang="en-US" b="1" dirty="0">
                 <a:solidFill>
                   <a:srgbClr val="000000"/>
                 </a:solidFill>
                 <a:latin typeface="Courier New"/>
                 <a:cs typeface="Courier New"/>
               </a:rPr>
-              <a:t>="http://</a:t>
-            </a:r>
-            <a:r>
-              <a:rPr lang="en-US" dirty="0" err="1">
-                <a:solidFill>
-                  <a:srgbClr val="000000"/>
-                </a:solidFill>
-                <a:latin typeface="Courier New"/>
-                <a:cs typeface="Courier New"/>
-              </a:rPr>
-              <a:t>google.com</a:t>
-            </a:r>
-            <a:r>
-              <a:rPr lang="en-US" dirty="0">
-                <a:solidFill>
-                  <a:srgbClr val="000000"/>
-                </a:solidFill>
-                <a:latin typeface="Courier New"/>
-                <a:cs typeface="Courier New"/>
-              </a:rPr>
-              <a:t>"&gt;Visit Google&lt;/a&gt; if you want a search engine.&lt;/p&gt;</a:t>
-            </a:r>
-          </a:p>
-          <a:p>
-            <a:pPr marL="0" indent="0">
-              <a:buNone/>
-            </a:pPr>
-            <a:r>
-              <a:rPr lang="en-US" dirty="0">
-                <a:solidFill>
-                  <a:srgbClr val="000000"/>
-                </a:solidFill>
-                <a:latin typeface="Courier New"/>
-                <a:cs typeface="Courier New"/>
-              </a:rPr>
-              <a:t>	&lt;span class="message"&gt;</a:t>
-            </a:r>
-          </a:p>
-          <a:p>
-            <a:pPr marL="0" indent="0">
-              <a:buNone/>
-            </a:pPr>
-            <a:r>
-              <a:rPr lang="en-US" dirty="0">
-                <a:solidFill>
-                  <a:srgbClr val="000000"/>
-                </a:solidFill>
-                <a:latin typeface="Courier New"/>
-                <a:cs typeface="Courier New"/>
-              </a:rPr>
-              <a:t>		&lt;p&gt;For more details, keep reading.&lt;/p&gt;</a:t>
+              <a:t>&lt;p&gt;For more details, keep reading.&lt;/p&gt;</a:t>
             </a:r>
           </a:p>
           <a:p>
@@ -11129,6 +11473,13 @@
   <p:clrMapOvr>
     <a:masterClrMapping/>
   </p:clrMapOvr>
+  <p:timing>
+    <p:tnLst>
+      <p:par>
+        <p:cTn xmlns:p14="http://schemas.microsoft.com/office/powerpoint/2010/main" id="1" dur="indefinite" restart="never" nodeType="tmRoot"/>
+      </p:par>
+    </p:tnLst>
+  </p:timing>
 </p:sld>
 </file>
 
@@ -11166,7 +11517,7 @@
           <a:p>
             <a:r>
               <a:rPr lang="en-US" dirty="0"/>
-              <a:t>div &gt; p { color: blue; }</a:t>
+              <a:t>div p { color: green; }</a:t>
             </a:r>
           </a:p>
         </p:txBody>
@@ -11249,19 +11600,64 @@
                 <a:latin typeface="Courier New"/>
                 <a:cs typeface="Courier New"/>
               </a:rPr>
-              <a:t>	&lt;p&gt;&lt;a </a:t>
-            </a:r>
-            <a:r>
-              <a:rPr lang="en-US" dirty="0" err="1">
+              <a:t>	</a:t>
+            </a:r>
+            <a:r>
+              <a:rPr lang="en-US" b="1" dirty="0">
                 <a:solidFill>
                   <a:srgbClr val="000000"/>
                 </a:solidFill>
                 <a:latin typeface="Courier New"/>
                 <a:cs typeface="Courier New"/>
               </a:rPr>
+              <a:t>&lt;p&gt;&lt;a </a:t>
+            </a:r>
+            <a:r>
+              <a:rPr lang="en-US" b="1" dirty="0" err="1">
+                <a:solidFill>
+                  <a:srgbClr val="000000"/>
+                </a:solidFill>
+                <a:latin typeface="Courier New"/>
+                <a:cs typeface="Courier New"/>
+              </a:rPr>
               <a:t>href</a:t>
             </a:r>
             <a:r>
+              <a:rPr lang="en-US" b="1" dirty="0">
+                <a:solidFill>
+                  <a:srgbClr val="000000"/>
+                </a:solidFill>
+                <a:latin typeface="Courier New"/>
+                <a:cs typeface="Courier New"/>
+              </a:rPr>
+              <a:t>="http://</a:t>
+            </a:r>
+            <a:r>
+              <a:rPr lang="en-US" b="1" dirty="0" err="1">
+                <a:solidFill>
+                  <a:srgbClr val="000000"/>
+                </a:solidFill>
+                <a:latin typeface="Courier New"/>
+                <a:cs typeface="Courier New"/>
+              </a:rPr>
+              <a:t>google.com</a:t>
+            </a:r>
+            <a:r>
+              <a:rPr lang="en-US" b="1" dirty="0">
+                <a:solidFill>
+                  <a:srgbClr val="000000"/>
+                </a:solidFill>
+                <a:latin typeface="Courier New"/>
+                <a:cs typeface="Courier New"/>
+              </a:rPr>
+              <a:t>"&gt;Visit Google&lt;/a&gt; if you want a search engine.&lt;/p&gt;</a:t>
+            </a:r>
+          </a:p>
+          <a:p>
+            <a:pPr marL="0" indent="0">
+              <a:buNone/>
+            </a:pPr>
+            <a:r>
               <a:rPr lang="en-US" dirty="0">
                 <a:solidFill>
                   <a:srgbClr val="000000"/>
@@ -11269,57 +11665,32 @@
                 <a:latin typeface="Courier New"/>
                 <a:cs typeface="Courier New"/>
               </a:rPr>
-              <a:t>="http://</a:t>
-            </a:r>
-            <a:r>
-              <a:rPr lang="en-US" dirty="0" err="1">
+              <a:t>	&lt;span class="message"&gt;</a:t>
+            </a:r>
+          </a:p>
+          <a:p>
+            <a:pPr marL="0" indent="0">
+              <a:buNone/>
+            </a:pPr>
+            <a:r>
+              <a:rPr lang="en-US" dirty="0">
                 <a:solidFill>
                   <a:srgbClr val="000000"/>
                 </a:solidFill>
                 <a:latin typeface="Courier New"/>
                 <a:cs typeface="Courier New"/>
               </a:rPr>
-              <a:t>google.com</a:t>
-            </a:r>
-            <a:r>
-              <a:rPr lang="en-US" dirty="0">
+              <a:t>		</a:t>
+            </a:r>
+            <a:r>
+              <a:rPr lang="en-US" b="1" dirty="0">
                 <a:solidFill>
                   <a:srgbClr val="000000"/>
                 </a:solidFill>
                 <a:latin typeface="Courier New"/>
                 <a:cs typeface="Courier New"/>
               </a:rPr>
-              <a:t>"&gt;Visit Google&lt;/a&gt; if you want a search engine.&lt;/p&gt;</a:t>
-            </a:r>
-          </a:p>
-          <a:p>
-            <a:pPr marL="0" indent="0">
-              <a:buNone/>
-            </a:pPr>
-            <a:r>
-              <a:rPr lang="en-US" dirty="0">
-                <a:solidFill>
-                  <a:srgbClr val="000000"/>
-                </a:solidFill>
-                <a:latin typeface="Courier New"/>
-                <a:cs typeface="Courier New"/>
-              </a:rPr>
-              <a:t>	&lt;span class="message"&gt;</a:t>
-            </a:r>
-          </a:p>
-          <a:p>
-            <a:pPr marL="0" indent="0">
-              <a:buNone/>
-            </a:pPr>
-            <a:r>
-              <a:rPr lang="en-US" dirty="0">
-                <a:solidFill>
-                  <a:srgbClr val="000000"/>
-                </a:solidFill>
-                <a:latin typeface="Courier New"/>
-                <a:cs typeface="Courier New"/>
-              </a:rPr>
-              <a:t>		&lt;p&gt;For more details, keep reading.&lt;/p&gt;</a:t>
+              <a:t>&lt;p&gt;For more details, keep reading.&lt;/p&gt;</a:t>
             </a:r>
           </a:p>
           <a:p>
@@ -11379,6 +11750,13 @@
   <p:clrMapOvr>
     <a:masterClrMapping/>
   </p:clrMapOvr>
+  <p:timing>
+    <p:tnLst>
+      <p:par>
+        <p:cTn xmlns:p14="http://schemas.microsoft.com/office/powerpoint/2010/main" id="1" dur="indefinite" restart="never" nodeType="tmRoot"/>
+      </p:par>
+    </p:tnLst>
+  </p:timing>
 </p:sld>
 </file>
 
@@ -11411,53 +11789,12 @@
         </p:nvSpPr>
         <p:spPr/>
         <p:txBody>
-          <a:bodyPr>
-            <a:noAutofit/>
-          </a:bodyPr>
-          <a:lstStyle/>
-          <a:p>
-            <a:r>
-              <a:rPr lang="en-US" sz="3200" dirty="0" err="1"/>
-              <a:t>a:link</a:t>
-            </a:r>
-            <a:r>
-              <a:rPr lang="en-US" sz="3200" dirty="0"/>
-              <a:t>, </a:t>
-            </a:r>
-            <a:r>
-              <a:rPr lang="en-US" sz="3200" dirty="0" err="1"/>
-              <a:t>a:visited</a:t>
-            </a:r>
-            <a:r>
-              <a:rPr lang="en-US" sz="3200" dirty="0"/>
-              <a:t>, </a:t>
-            </a:r>
-            <a:r>
-              <a:rPr lang="en-US" sz="3200" dirty="0" err="1"/>
-              <a:t>a:active</a:t>
-            </a:r>
-            <a:r>
-              <a:rPr lang="en-US" sz="3200" dirty="0" smtClean="0"/>
-              <a:t>,</a:t>
-            </a:r>
-            <a:br>
-              <a:rPr lang="en-US" sz="3200" dirty="0" smtClean="0"/>
-            </a:br>
-            <a:r>
-              <a:rPr lang="en-US" sz="3200" dirty="0" err="1" smtClean="0"/>
-              <a:t>a:hover</a:t>
-            </a:r>
-            <a:r>
-              <a:rPr lang="en-US" sz="3200" dirty="0"/>
-              <a:t>, </a:t>
-            </a:r>
-            <a:r>
-              <a:rPr lang="en-US" sz="3200" dirty="0" err="1"/>
-              <a:t>a:focus</a:t>
-            </a:r>
-            <a:r>
-              <a:rPr lang="en-US" sz="3200" dirty="0"/>
-              <a:t> { color: black; }</a:t>
+          <a:bodyPr/>
+          <a:lstStyle/>
+          <a:p>
+            <a:r>
+              <a:rPr lang="en-US" dirty="0"/>
+              <a:t>div &gt; p { color: blue; }</a:t>
             </a:r>
           </a:p>
         </p:txBody>
@@ -11540,20 +11877,30 @@
                 <a:latin typeface="Courier New"/>
                 <a:cs typeface="Courier New"/>
               </a:rPr>
-              <a:t>	&lt;p&gt;&lt;a </a:t>
-            </a:r>
-            <a:r>
-              <a:rPr lang="en-US" dirty="0" err="1">
+              <a:t>	</a:t>
+            </a:r>
+            <a:r>
+              <a:rPr lang="en-US" b="1" dirty="0">
                 <a:solidFill>
                   <a:srgbClr val="000000"/>
                 </a:solidFill>
                 <a:latin typeface="Courier New"/>
                 <a:cs typeface="Courier New"/>
               </a:rPr>
+              <a:t>&lt;p&gt;&lt;a </a:t>
+            </a:r>
+            <a:r>
+              <a:rPr lang="en-US" b="1" dirty="0" err="1">
+                <a:solidFill>
+                  <a:srgbClr val="000000"/>
+                </a:solidFill>
+                <a:latin typeface="Courier New"/>
+                <a:cs typeface="Courier New"/>
+              </a:rPr>
               <a:t>href</a:t>
             </a:r>
             <a:r>
-              <a:rPr lang="en-US" dirty="0">
+              <a:rPr lang="en-US" b="1" dirty="0">
                 <a:solidFill>
                   <a:srgbClr val="000000"/>
                 </a:solidFill>
@@ -11563,7 +11910,7 @@
               <a:t>="http://</a:t>
             </a:r>
             <a:r>
-              <a:rPr lang="en-US" dirty="0" err="1">
+              <a:rPr lang="en-US" b="1" dirty="0" err="1">
                 <a:solidFill>
                   <a:srgbClr val="000000"/>
                 </a:solidFill>
@@ -11573,7 +11920,7 @@
               <a:t>google.com</a:t>
             </a:r>
             <a:r>
-              <a:rPr lang="en-US" dirty="0">
+              <a:rPr lang="en-US" b="1" dirty="0">
                 <a:solidFill>
                   <a:srgbClr val="000000"/>
                 </a:solidFill>
@@ -11670,6 +12017,13 @@
   <p:clrMapOvr>
     <a:masterClrMapping/>
   </p:clrMapOvr>
+  <p:timing>
+    <p:tnLst>
+      <p:par>
+        <p:cTn xmlns:p14="http://schemas.microsoft.com/office/powerpoint/2010/main" id="1" dur="indefinite" restart="never" nodeType="tmRoot"/>
+      </p:par>
+    </p:tnLst>
+  </p:timing>
 </p:sld>
 </file>
 
@@ -11703,13 +12057,52 @@
         <p:spPr/>
         <p:txBody>
           <a:bodyPr>
-            <a:normAutofit fontScale="90000"/>
+            <a:noAutofit/>
           </a:bodyPr>
           <a:lstStyle/>
           <a:p>
             <a:r>
-              <a:rPr lang="en-US" dirty="0"/>
-              <a:t>.message { background: red; }</a:t>
+              <a:rPr lang="en-US" sz="3200" dirty="0" err="1"/>
+              <a:t>a:link</a:t>
+            </a:r>
+            <a:r>
+              <a:rPr lang="en-US" sz="3200" dirty="0"/>
+              <a:t>, </a:t>
+            </a:r>
+            <a:r>
+              <a:rPr lang="en-US" sz="3200" dirty="0" err="1"/>
+              <a:t>a:visited</a:t>
+            </a:r>
+            <a:r>
+              <a:rPr lang="en-US" sz="3200" dirty="0"/>
+              <a:t>, </a:t>
+            </a:r>
+            <a:r>
+              <a:rPr lang="en-US" sz="3200" dirty="0" err="1"/>
+              <a:t>a:active</a:t>
+            </a:r>
+            <a:r>
+              <a:rPr lang="en-US" sz="3200" dirty="0" smtClean="0"/>
+              <a:t>,</a:t>
+            </a:r>
+            <a:br>
+              <a:rPr lang="en-US" sz="3200" dirty="0" smtClean="0"/>
+            </a:br>
+            <a:r>
+              <a:rPr lang="en-US" sz="3200" dirty="0" err="1" smtClean="0"/>
+              <a:t>a:hover</a:t>
+            </a:r>
+            <a:r>
+              <a:rPr lang="en-US" sz="3200" dirty="0"/>
+              <a:t>, </a:t>
+            </a:r>
+            <a:r>
+              <a:rPr lang="en-US" sz="3200" dirty="0" err="1"/>
+              <a:t>a:focus</a:t>
+            </a:r>
+            <a:r>
+              <a:rPr lang="en-US" sz="3200" dirty="0"/>
+              <a:t> { color: black; }</a:t>
             </a:r>
           </a:p>
         </p:txBody>
@@ -11792,19 +12185,59 @@
                 <a:latin typeface="Courier New"/>
                 <a:cs typeface="Courier New"/>
               </a:rPr>
-              <a:t>	&lt;p&gt;&lt;a </a:t>
-            </a:r>
-            <a:r>
-              <a:rPr lang="en-US" dirty="0" err="1">
+              <a:t>	&lt;p&gt;</a:t>
+            </a:r>
+            <a:r>
+              <a:rPr lang="en-US" b="1" dirty="0">
                 <a:solidFill>
                   <a:srgbClr val="000000"/>
                 </a:solidFill>
                 <a:latin typeface="Courier New"/>
                 <a:cs typeface="Courier New"/>
               </a:rPr>
+              <a:t>&lt;a </a:t>
+            </a:r>
+            <a:r>
+              <a:rPr lang="en-US" b="1" dirty="0" err="1">
+                <a:solidFill>
+                  <a:srgbClr val="000000"/>
+                </a:solidFill>
+                <a:latin typeface="Courier New"/>
+                <a:cs typeface="Courier New"/>
+              </a:rPr>
               <a:t>href</a:t>
             </a:r>
             <a:r>
+              <a:rPr lang="en-US" b="1" dirty="0">
+                <a:solidFill>
+                  <a:srgbClr val="000000"/>
+                </a:solidFill>
+                <a:latin typeface="Courier New"/>
+                <a:cs typeface="Courier New"/>
+              </a:rPr>
+              <a:t>="http://</a:t>
+            </a:r>
+            <a:r>
+              <a:rPr lang="en-US" b="1" dirty="0" err="1">
+                <a:solidFill>
+                  <a:srgbClr val="000000"/>
+                </a:solidFill>
+                <a:latin typeface="Courier New"/>
+                <a:cs typeface="Courier New"/>
+              </a:rPr>
+              <a:t>google.com</a:t>
+            </a:r>
+            <a:r>
+              <a:rPr lang="en-US" b="1" dirty="0">
+                <a:solidFill>
+                  <a:srgbClr val="000000"/>
+                </a:solidFill>
+                <a:latin typeface="Courier New"/>
+                <a:cs typeface="Courier New"/>
+              </a:rPr>
+              <a:t>"&gt;Visit Google&lt;/a&gt;</a:t>
+            </a:r>
+            <a:r>
               <a:rPr lang="en-US" dirty="0">
                 <a:solidFill>
                   <a:srgbClr val="000000"/>
@@ -11812,27 +12245,7 @@
                 <a:latin typeface="Courier New"/>
                 <a:cs typeface="Courier New"/>
               </a:rPr>
-              <a:t>="http://</a:t>
-            </a:r>
-            <a:r>
-              <a:rPr lang="en-US" dirty="0" err="1">
-                <a:solidFill>
-                  <a:srgbClr val="000000"/>
-                </a:solidFill>
-                <a:latin typeface="Courier New"/>
-                <a:cs typeface="Courier New"/>
-              </a:rPr>
-              <a:t>google.com</a:t>
-            </a:r>
-            <a:r>
-              <a:rPr lang="en-US" dirty="0">
-                <a:solidFill>
-                  <a:srgbClr val="000000"/>
-                </a:solidFill>
-                <a:latin typeface="Courier New"/>
-                <a:cs typeface="Courier New"/>
-              </a:rPr>
-              <a:t>"&gt;Visit Google&lt;/a&gt; if you want a search engine.&lt;/p&gt;</a:t>
+              <a:t> if you want a search engine.&lt;/p&gt;</a:t>
             </a:r>
           </a:p>
           <a:p>
@@ -11922,6 +12335,13 @@
   <p:clrMapOvr>
     <a:masterClrMapping/>
   </p:clrMapOvr>
+  <p:timing>
+    <p:tnLst>
+      <p:par>
+        <p:cTn xmlns:p14="http://schemas.microsoft.com/office/powerpoint/2010/main" id="1" dur="indefinite" restart="never" nodeType="tmRoot"/>
+      </p:par>
+    </p:tnLst>
+  </p:timing>
 </p:sld>
 </file>
 
@@ -11954,12 +12374,14 @@
         </p:nvSpPr>
         <p:spPr/>
         <p:txBody>
-          <a:bodyPr/>
+          <a:bodyPr>
+            <a:normAutofit fontScale="90000"/>
+          </a:bodyPr>
           <a:lstStyle/>
           <a:p>
             <a:r>
               <a:rPr lang="en-US" dirty="0"/>
-              <a:t>#content { width: 200px; }</a:t>
+              <a:t>.message { background: red; }</a:t>
             </a:r>
           </a:p>
         </p:txBody>
@@ -12097,7 +12519,17 @@
                 <a:latin typeface="Courier New"/>
                 <a:cs typeface="Courier New"/>
               </a:rPr>
-              <a:t>	&lt;span class="message"&gt;</a:t>
+              <a:t>	</a:t>
+            </a:r>
+            <a:r>
+              <a:rPr lang="en-US" b="1" dirty="0">
+                <a:solidFill>
+                  <a:srgbClr val="000000"/>
+                </a:solidFill>
+                <a:latin typeface="Courier New"/>
+                <a:cs typeface="Courier New"/>
+              </a:rPr>
+              <a:t>&lt;span class="message"&gt;</a:t>
             </a:r>
           </a:p>
           <a:p>
@@ -12105,7 +12537,7 @@
               <a:buNone/>
             </a:pPr>
             <a:r>
-              <a:rPr lang="en-US" dirty="0">
+              <a:rPr lang="en-US" b="1" dirty="0">
                 <a:solidFill>
                   <a:srgbClr val="000000"/>
                 </a:solidFill>
@@ -12120,7 +12552,7 @@
               <a:buNone/>
             </a:pPr>
             <a:r>
-              <a:rPr lang="en-US" dirty="0">
+              <a:rPr lang="en-US" b="1" dirty="0">
                 <a:solidFill>
                   <a:srgbClr val="000000"/>
                 </a:solidFill>
@@ -12172,6 +12604,13 @@
   <p:clrMapOvr>
     <a:masterClrMapping/>
   </p:clrMapOvr>
+  <p:timing>
+    <p:tnLst>
+      <p:par>
+        <p:cTn xmlns:p14="http://schemas.microsoft.com/office/powerpoint/2010/main" id="1" dur="indefinite" restart="never" nodeType="tmRoot"/>
+      </p:par>
+    </p:tnLst>
+  </p:timing>
 </p:sld>
 </file>
 
@@ -12208,10 +12647,9 @@
           <a:lstStyle/>
           <a:p>
             <a:r>
-              <a:rPr lang="en-US" dirty="0" smtClean="0"/>
-              <a:t>Example</a:t>
-            </a:r>
-            <a:endParaRPr lang="en-US" dirty="0"/>
+              <a:rPr lang="en-US" dirty="0"/>
+              <a:t>#content { width: 200px; }</a:t>
+            </a:r>
           </a:p>
         </p:txBody>
       </p:sp>
@@ -12222,13 +12660,18 @@
             <a:spLocks noGrp="1"/>
           </p:cNvSpPr>
           <p:nvPr>
-            <p:ph sz="quarter" idx="13"/>
-          </p:nvPr>
-        </p:nvSpPr>
-        <p:spPr/>
+            <p:ph idx="1"/>
+          </p:nvPr>
+        </p:nvSpPr>
+        <p:spPr>
+          <a:xfrm>
+            <a:off x="1062217" y="2119257"/>
+            <a:ext cx="6998052" cy="3603812"/>
+          </a:xfrm>
+        </p:spPr>
         <p:txBody>
           <a:bodyPr>
-            <a:normAutofit/>
+            <a:normAutofit fontScale="85000" lnSpcReduction="10000"/>
           </a:bodyPr>
           <a:lstStyle/>
           <a:p>
@@ -12236,7 +12679,7 @@
               <a:buNone/>
             </a:pPr>
             <a:r>
-              <a:rPr lang="en-US" sz="1400" dirty="0">
+              <a:rPr lang="en-US" dirty="0">
                 <a:solidFill>
                   <a:srgbClr val="000000"/>
                 </a:solidFill>
@@ -12251,7 +12694,7 @@
               <a:buNone/>
             </a:pPr>
             <a:r>
-              <a:rPr lang="en-US" sz="1400" dirty="0">
+              <a:rPr lang="en-US" dirty="0">
                 <a:solidFill>
                   <a:srgbClr val="000000"/>
                 </a:solidFill>
@@ -12266,7 +12709,7 @@
               <a:buNone/>
             </a:pPr>
             <a:r>
-              <a:rPr lang="en-US" sz="1400" dirty="0">
+              <a:rPr lang="en-US" b="1" dirty="0">
                 <a:solidFill>
                   <a:srgbClr val="000000"/>
                 </a:solidFill>
@@ -12281,7 +12724,7 @@
               <a:buNone/>
             </a:pPr>
             <a:r>
-              <a:rPr lang="en-US" sz="1400" dirty="0">
+              <a:rPr lang="en-US" b="1" dirty="0">
                 <a:solidFill>
                   <a:srgbClr val="000000"/>
                 </a:solidFill>
@@ -12291,7 +12734,7 @@
               <a:t>	&lt;p&gt;&lt;a </a:t>
             </a:r>
             <a:r>
-              <a:rPr lang="en-US" sz="1400" dirty="0" err="1">
+              <a:rPr lang="en-US" b="1" dirty="0" err="1">
                 <a:solidFill>
                   <a:srgbClr val="000000"/>
                 </a:solidFill>
@@ -12301,7 +12744,7 @@
               <a:t>href</a:t>
             </a:r>
             <a:r>
-              <a:rPr lang="en-US" sz="1400" dirty="0">
+              <a:rPr lang="en-US" b="1" dirty="0">
                 <a:solidFill>
                   <a:srgbClr val="000000"/>
                 </a:solidFill>
@@ -12311,7 +12754,7 @@
               <a:t>="http://</a:t>
             </a:r>
             <a:r>
-              <a:rPr lang="en-US" sz="1400" dirty="0" err="1">
+              <a:rPr lang="en-US" b="1" dirty="0" err="1">
                 <a:solidFill>
                   <a:srgbClr val="000000"/>
                 </a:solidFill>
@@ -12321,7 +12764,7 @@
               <a:t>google.com</a:t>
             </a:r>
             <a:r>
-              <a:rPr lang="en-US" sz="1400" dirty="0">
+              <a:rPr lang="en-US" b="1" dirty="0">
                 <a:solidFill>
                   <a:srgbClr val="000000"/>
                 </a:solidFill>
@@ -12336,7 +12779,7 @@
               <a:buNone/>
             </a:pPr>
             <a:r>
-              <a:rPr lang="en-US" sz="1400" dirty="0">
+              <a:rPr lang="en-US" b="1" dirty="0">
                 <a:solidFill>
                   <a:srgbClr val="000000"/>
                 </a:solidFill>
@@ -12351,7 +12794,7 @@
               <a:buNone/>
             </a:pPr>
             <a:r>
-              <a:rPr lang="en-US" sz="1400" dirty="0">
+              <a:rPr lang="en-US" b="1" dirty="0">
                 <a:solidFill>
                   <a:srgbClr val="000000"/>
                 </a:solidFill>
@@ -12366,7 +12809,7 @@
               <a:buNone/>
             </a:pPr>
             <a:r>
-              <a:rPr lang="en-US" sz="1400" dirty="0">
+              <a:rPr lang="en-US" b="1" dirty="0">
                 <a:solidFill>
                   <a:srgbClr val="000000"/>
                 </a:solidFill>
@@ -12381,7 +12824,7 @@
               <a:buNone/>
             </a:pPr>
             <a:r>
-              <a:rPr lang="en-US" sz="1400" dirty="0">
+              <a:rPr lang="en-US" b="1" dirty="0">
                 <a:solidFill>
                   <a:srgbClr val="000000"/>
                 </a:solidFill>
@@ -12396,7 +12839,7 @@
               <a:buNone/>
             </a:pPr>
             <a:r>
-              <a:rPr lang="en-US" sz="1400" dirty="0">
+              <a:rPr lang="en-US" dirty="0">
                 <a:solidFill>
                   <a:srgbClr val="000000"/>
                 </a:solidFill>
@@ -12404,219 +12847,6 @@
                 <a:cs typeface="Courier New"/>
               </a:rPr>
               <a:t>&lt;/body&gt;</a:t>
-            </a:r>
-          </a:p>
-        </p:txBody>
-      </p:sp>
-      <p:sp>
-        <p:nvSpPr>
-          <p:cNvPr id="4" name="Content Placeholder 3"/>
-          <p:cNvSpPr>
-            <a:spLocks noGrp="1"/>
-          </p:cNvSpPr>
-          <p:nvPr>
-            <p:ph sz="quarter" idx="14"/>
-          </p:nvPr>
-        </p:nvSpPr>
-        <p:spPr/>
-        <p:txBody>
-          <a:bodyPr>
-            <a:noAutofit/>
-          </a:bodyPr>
-          <a:lstStyle/>
-          <a:p>
-            <a:pPr marL="0" indent="0">
-              <a:buNone/>
-            </a:pPr>
-            <a:r>
-              <a:rPr lang="en-US" sz="1400" dirty="0">
-                <a:solidFill>
-                  <a:srgbClr val="000000"/>
-                </a:solidFill>
-                <a:latin typeface="Courier New"/>
-                <a:cs typeface="Courier New"/>
-              </a:rPr>
-              <a:t>* { margin: 0; padding: 0; }</a:t>
-            </a:r>
-          </a:p>
-          <a:p>
-            <a:pPr marL="0" indent="0">
-              <a:buNone/>
-            </a:pPr>
-            <a:r>
-              <a:rPr lang="en-US" sz="1400" dirty="0">
-                <a:solidFill>
-                  <a:srgbClr val="000000"/>
-                </a:solidFill>
-                <a:latin typeface="Courier New"/>
-                <a:cs typeface="Courier New"/>
-              </a:rPr>
-              <a:t>p { padding-bottom: 10px; }</a:t>
-            </a:r>
-          </a:p>
-          <a:p>
-            <a:pPr marL="0" indent="0">
-              <a:buNone/>
-            </a:pPr>
-            <a:r>
-              <a:rPr lang="en-US" sz="1400" dirty="0">
-                <a:solidFill>
-                  <a:srgbClr val="000000"/>
-                </a:solidFill>
-                <a:latin typeface="Courier New"/>
-                <a:cs typeface="Courier New"/>
-              </a:rPr>
-              <a:t>div p { color: green; }</a:t>
-            </a:r>
-          </a:p>
-          <a:p>
-            <a:pPr marL="0" indent="0">
-              <a:buNone/>
-            </a:pPr>
-            <a:r>
-              <a:rPr lang="en-US" sz="1400" dirty="0">
-                <a:solidFill>
-                  <a:srgbClr val="000000"/>
-                </a:solidFill>
-                <a:latin typeface="Courier New"/>
-                <a:cs typeface="Courier New"/>
-              </a:rPr>
-              <a:t>div &gt; p { color: blue; }</a:t>
-            </a:r>
-          </a:p>
-          <a:p>
-            <a:pPr marL="0" indent="0">
-              <a:buNone/>
-            </a:pPr>
-            <a:r>
-              <a:rPr lang="en-US" sz="1400" dirty="0" err="1">
-                <a:solidFill>
-                  <a:srgbClr val="000000"/>
-                </a:solidFill>
-                <a:latin typeface="Courier New"/>
-                <a:cs typeface="Courier New"/>
-              </a:rPr>
-              <a:t>a:link</a:t>
-            </a:r>
-            <a:r>
-              <a:rPr lang="en-US" sz="1400" dirty="0">
-                <a:solidFill>
-                  <a:srgbClr val="000000"/>
-                </a:solidFill>
-                <a:latin typeface="Courier New"/>
-                <a:cs typeface="Courier New"/>
-              </a:rPr>
-              <a:t>, </a:t>
-            </a:r>
-            <a:r>
-              <a:rPr lang="en-US" sz="1400" dirty="0" err="1">
-                <a:solidFill>
-                  <a:srgbClr val="000000"/>
-                </a:solidFill>
-                <a:latin typeface="Courier New"/>
-                <a:cs typeface="Courier New"/>
-              </a:rPr>
-              <a:t>a:visited</a:t>
-            </a:r>
-            <a:r>
-              <a:rPr lang="en-US" sz="1400" dirty="0">
-                <a:solidFill>
-                  <a:srgbClr val="000000"/>
-                </a:solidFill>
-                <a:latin typeface="Courier New"/>
-                <a:cs typeface="Courier New"/>
-              </a:rPr>
-              <a:t>, </a:t>
-            </a:r>
-            <a:r>
-              <a:rPr lang="en-US" sz="1400" dirty="0" err="1">
-                <a:solidFill>
-                  <a:srgbClr val="000000"/>
-                </a:solidFill>
-                <a:latin typeface="Courier New"/>
-                <a:cs typeface="Courier New"/>
-              </a:rPr>
-              <a:t>a:active</a:t>
-            </a:r>
-            <a:r>
-              <a:rPr lang="en-US" sz="1400" dirty="0">
-                <a:solidFill>
-                  <a:srgbClr val="000000"/>
-                </a:solidFill>
-                <a:latin typeface="Courier New"/>
-                <a:cs typeface="Courier New"/>
-              </a:rPr>
-              <a:t>, </a:t>
-            </a:r>
-            <a:r>
-              <a:rPr lang="en-US" sz="1400" dirty="0" err="1">
-                <a:solidFill>
-                  <a:srgbClr val="000000"/>
-                </a:solidFill>
-                <a:latin typeface="Courier New"/>
-                <a:cs typeface="Courier New"/>
-              </a:rPr>
-              <a:t>a:hover</a:t>
-            </a:r>
-            <a:r>
-              <a:rPr lang="en-US" sz="1400" dirty="0">
-                <a:solidFill>
-                  <a:srgbClr val="000000"/>
-                </a:solidFill>
-                <a:latin typeface="Courier New"/>
-                <a:cs typeface="Courier New"/>
-              </a:rPr>
-              <a:t>, </a:t>
-            </a:r>
-            <a:r>
-              <a:rPr lang="en-US" sz="1400" dirty="0" err="1">
-                <a:solidFill>
-                  <a:srgbClr val="000000"/>
-                </a:solidFill>
-                <a:latin typeface="Courier New"/>
-                <a:cs typeface="Courier New"/>
-              </a:rPr>
-              <a:t>a:focus</a:t>
-            </a:r>
-            <a:r>
-              <a:rPr lang="en-US" sz="1400" dirty="0">
-                <a:solidFill>
-                  <a:srgbClr val="000000"/>
-                </a:solidFill>
-                <a:latin typeface="Courier New"/>
-                <a:cs typeface="Courier New"/>
-              </a:rPr>
-              <a:t> { color: black; }</a:t>
-            </a:r>
-          </a:p>
-          <a:p>
-            <a:pPr marL="0" indent="0">
-              <a:buNone/>
-            </a:pPr>
-            <a:r>
-              <a:rPr lang="en-US" sz="1400" dirty="0">
-                <a:solidFill>
-                  <a:srgbClr val="000000"/>
-                </a:solidFill>
-                <a:latin typeface="Courier New"/>
-                <a:cs typeface="Courier New"/>
-              </a:rPr>
-              <a:t>.message { background: red; }</a:t>
-            </a:r>
-          </a:p>
-          <a:p>
-            <a:pPr marL="0" indent="0">
-              <a:buNone/>
-            </a:pPr>
-            <a:r>
-              <a:rPr lang="en-US" sz="1400" dirty="0">
-                <a:solidFill>
-                  <a:srgbClr val="000000"/>
-                </a:solidFill>
-                <a:latin typeface="Courier New"/>
-                <a:cs typeface="Courier New"/>
-              </a:rPr>
-              <a:t>#content { width: 200px; }</a:t>
             </a:r>
           </a:p>
         </p:txBody>
@@ -12624,13 +12854,20 @@
     </p:spTree>
     <p:extLst>
       <p:ext uri="{BB962C8B-B14F-4D97-AF65-F5344CB8AC3E}">
-        <p14:creationId xmlns:p14="http://schemas.microsoft.com/office/powerpoint/2010/main" val="1946796893"/>
+        <p14:creationId xmlns:p14="http://schemas.microsoft.com/office/powerpoint/2010/main" val="2114841051"/>
       </p:ext>
     </p:extLst>
   </p:cSld>
   <p:clrMapOvr>
     <a:masterClrMapping/>
   </p:clrMapOvr>
+  <p:timing>
+    <p:tnLst>
+      <p:par>
+        <p:cTn xmlns:p14="http://schemas.microsoft.com/office/powerpoint/2010/main" id="1" dur="indefinite" restart="never" nodeType="tmRoot"/>
+      </p:par>
+    </p:tnLst>
+  </p:timing>
 </p:sld>
 </file>
 
@@ -13086,6 +13323,13 @@
   <p:clrMapOvr>
     <a:masterClrMapping/>
   </p:clrMapOvr>
+  <p:timing>
+    <p:tnLst>
+      <p:par>
+        <p:cTn xmlns:p14="http://schemas.microsoft.com/office/powerpoint/2010/main" id="1" dur="indefinite" restart="never" nodeType="tmRoot"/>
+      </p:par>
+    </p:tnLst>
+  </p:timing>
 </p:sld>
 </file>
 
@@ -13108,7 +13352,7 @@
       </p:grpSpPr>
       <p:sp>
         <p:nvSpPr>
-          <p:cNvPr id="3" name="Title 2"/>
+          <p:cNvPr id="4" name="Title 3"/>
           <p:cNvSpPr>
             <a:spLocks noGrp="1"/>
           </p:cNvSpPr>
@@ -13118,12 +13362,37 @@
         </p:nvSpPr>
         <p:spPr/>
         <p:txBody>
+          <a:bodyPr>
+            <a:normAutofit fontScale="90000"/>
+          </a:bodyPr>
+          <a:lstStyle/>
+          <a:p>
+            <a:r>
+              <a:rPr lang="en-US" dirty="0" smtClean="0"/>
+              <a:t>Exercise / Activity</a:t>
+            </a:r>
+            <a:endParaRPr lang="en-US" dirty="0"/>
+          </a:p>
+        </p:txBody>
+      </p:sp>
+      <p:sp>
+        <p:nvSpPr>
+          <p:cNvPr id="5" name="Text Placeholder 4"/>
+          <p:cNvSpPr>
+            <a:spLocks noGrp="1"/>
+          </p:cNvSpPr>
+          <p:nvPr>
+            <p:ph type="body" idx="1"/>
+          </p:nvPr>
+        </p:nvSpPr>
+        <p:spPr/>
+        <p:txBody>
           <a:bodyPr/>
           <a:lstStyle/>
           <a:p>
             <a:r>
               <a:rPr lang="en-US" dirty="0" smtClean="0"/>
-              <a:t>Break</a:t>
+              <a:t>Layout</a:t>
             </a:r>
             <a:endParaRPr lang="en-US" dirty="0"/>
           </a:p>
@@ -13131,12 +13400,12 @@
       </p:sp>
       <p:sp>
         <p:nvSpPr>
-          <p:cNvPr id="4" name="Text Placeholder 3"/>
-          <p:cNvSpPr>
-            <a:spLocks noGrp="1"/>
-          </p:cNvSpPr>
-          <p:nvPr>
-            <p:ph type="body" idx="1"/>
+          <p:cNvPr id="6" name="Text Placeholder 5"/>
+          <p:cNvSpPr>
+            <a:spLocks noGrp="1"/>
+          </p:cNvSpPr>
+          <p:nvPr>
+            <p:ph type="body" sz="quarter" idx="3"/>
           </p:nvPr>
         </p:nvSpPr>
         <p:spPr/>
@@ -13144,14 +13413,137 @@
           <a:bodyPr/>
           <a:lstStyle/>
           <a:p>
-            <a:endParaRPr lang="en-US"/>
+            <a:r>
+              <a:rPr lang="en-US" dirty="0" smtClean="0"/>
+              <a:t>Color &amp; Typography</a:t>
+            </a:r>
+            <a:endParaRPr lang="en-US" dirty="0"/>
+          </a:p>
+        </p:txBody>
+      </p:sp>
+      <p:sp>
+        <p:nvSpPr>
+          <p:cNvPr id="7" name="Content Placeholder 6"/>
+          <p:cNvSpPr>
+            <a:spLocks noGrp="1"/>
+          </p:cNvSpPr>
+          <p:nvPr>
+            <p:ph sz="quarter" idx="13"/>
+          </p:nvPr>
+        </p:nvSpPr>
+        <p:spPr/>
+        <p:txBody>
+          <a:bodyPr/>
+          <a:lstStyle/>
+          <a:p>
+            <a:pPr>
+              <a:buFont typeface="Wingdings" charset="2"/>
+              <a:buChar char="v"/>
+            </a:pPr>
+            <a:r>
+              <a:rPr lang="en-US" dirty="0" smtClean="0"/>
+              <a:t>Move something</a:t>
+            </a:r>
+          </a:p>
+          <a:p>
+            <a:pPr>
+              <a:buFont typeface="Wingdings" charset="2"/>
+              <a:buChar char="v"/>
+            </a:pPr>
+            <a:r>
+              <a:rPr lang="en-US" dirty="0" smtClean="0"/>
+              <a:t>Hide something</a:t>
+            </a:r>
+          </a:p>
+          <a:p>
+            <a:pPr>
+              <a:buFont typeface="Wingdings" charset="2"/>
+              <a:buChar char="v"/>
+            </a:pPr>
+            <a:r>
+              <a:rPr lang="en-US" dirty="0" smtClean="0"/>
+              <a:t>Change width, height</a:t>
+            </a:r>
+          </a:p>
+          <a:p>
+            <a:pPr>
+              <a:buFont typeface="Wingdings" charset="2"/>
+              <a:buChar char="v"/>
+            </a:pPr>
+            <a:r>
+              <a:rPr lang="en-US" dirty="0" smtClean="0"/>
+              <a:t>Change margin, padding</a:t>
+            </a:r>
+          </a:p>
+          <a:p>
+            <a:pPr>
+              <a:buFont typeface="Wingdings" charset="2"/>
+              <a:buChar char="v"/>
+            </a:pPr>
+            <a:r>
+              <a:rPr lang="en-US" dirty="0" smtClean="0"/>
+              <a:t>Float something</a:t>
+            </a:r>
+          </a:p>
+          <a:p>
+            <a:pPr>
+              <a:buFont typeface="Wingdings" charset="2"/>
+              <a:buChar char="v"/>
+            </a:pPr>
+            <a:r>
+              <a:rPr lang="en-US" dirty="0" smtClean="0"/>
+              <a:t>Change list-style</a:t>
+            </a:r>
+          </a:p>
+        </p:txBody>
+      </p:sp>
+      <p:sp>
+        <p:nvSpPr>
+          <p:cNvPr id="8" name="Content Placeholder 7"/>
+          <p:cNvSpPr>
+            <a:spLocks noGrp="1"/>
+          </p:cNvSpPr>
+          <p:nvPr>
+            <p:ph sz="quarter" idx="14"/>
+          </p:nvPr>
+        </p:nvSpPr>
+        <p:spPr/>
+        <p:txBody>
+          <a:bodyPr/>
+          <a:lstStyle/>
+          <a:p>
+            <a:r>
+              <a:rPr lang="en-US" dirty="0" smtClean="0"/>
+              <a:t>Change color, background</a:t>
+            </a:r>
+          </a:p>
+          <a:p>
+            <a:r>
+              <a:rPr lang="en-US" dirty="0" smtClean="0"/>
+              <a:t>Add border</a:t>
+            </a:r>
+          </a:p>
+          <a:p>
+            <a:r>
+              <a:rPr lang="en-US" dirty="0" smtClean="0"/>
+              <a:t>Make italic, bold, uppercase, small caps</a:t>
+            </a:r>
+          </a:p>
+          <a:p>
+            <a:r>
+              <a:rPr lang="en-US" dirty="0" smtClean="0"/>
+              <a:t>Change font size, family, alignment</a:t>
+            </a:r>
+          </a:p>
+          <a:p>
+            <a:endParaRPr lang="en-US" dirty="0"/>
           </a:p>
         </p:txBody>
       </p:sp>
     </p:spTree>
     <p:extLst>
       <p:ext uri="{BB962C8B-B14F-4D97-AF65-F5344CB8AC3E}">
-        <p14:creationId xmlns:p14="http://schemas.microsoft.com/office/powerpoint/2010/main" val="3610379708"/>
+        <p14:creationId xmlns:p14="http://schemas.microsoft.com/office/powerpoint/2010/main" val="276724819"/>
       </p:ext>
     </p:extLst>
   </p:cSld>
@@ -13187,12 +13579,12 @@
       </p:grpSpPr>
       <p:sp>
         <p:nvSpPr>
-          <p:cNvPr id="2" name="Title 1"/>
-          <p:cNvSpPr>
-            <a:spLocks noGrp="1"/>
-          </p:cNvSpPr>
-          <p:nvPr>
-            <p:ph type="ctrTitle"/>
+          <p:cNvPr id="3" name="Title 2"/>
+          <p:cNvSpPr>
+            <a:spLocks noGrp="1"/>
+          </p:cNvSpPr>
+          <p:nvPr>
+            <p:ph type="title"/>
           </p:nvPr>
         </p:nvSpPr>
         <p:spPr/>
@@ -13202,7 +13594,7 @@
           <a:p>
             <a:r>
               <a:rPr lang="en-US" dirty="0" smtClean="0"/>
-              <a:t>Lesson: Chapter 2</a:t>
+              <a:t>Break</a:t>
             </a:r>
             <a:endParaRPr lang="en-US" dirty="0"/>
           </a:p>
@@ -13210,12 +13602,12 @@
       </p:sp>
       <p:sp>
         <p:nvSpPr>
-          <p:cNvPr id="3" name="Subtitle 2"/>
-          <p:cNvSpPr>
-            <a:spLocks noGrp="1"/>
-          </p:cNvSpPr>
-          <p:nvPr>
-            <p:ph type="subTitle" idx="1"/>
+          <p:cNvPr id="4" name="Text Placeholder 3"/>
+          <p:cNvSpPr>
+            <a:spLocks noGrp="1"/>
+          </p:cNvSpPr>
+          <p:nvPr>
+            <p:ph type="body" idx="1"/>
           </p:nvPr>
         </p:nvSpPr>
         <p:spPr/>
@@ -13223,22 +13615,14 @@
           <a:bodyPr/>
           <a:lstStyle/>
           <a:p>
-            <a:r>
-              <a:rPr lang="en-US" dirty="0"/>
-              <a:t>Pre-production (Part </a:t>
-            </a:r>
-            <a:r>
-              <a:rPr lang="en-US" dirty="0" smtClean="0"/>
-              <a:t>I)</a:t>
-            </a:r>
-            <a:endParaRPr lang="en-US" dirty="0"/>
+            <a:endParaRPr lang="en-US"/>
           </a:p>
         </p:txBody>
       </p:sp>
     </p:spTree>
     <p:extLst>
       <p:ext uri="{BB962C8B-B14F-4D97-AF65-F5344CB8AC3E}">
-        <p14:creationId xmlns:p14="http://schemas.microsoft.com/office/powerpoint/2010/main" val="1158543244"/>
+        <p14:creationId xmlns:p14="http://schemas.microsoft.com/office/powerpoint/2010/main" val="3610379708"/>
       </p:ext>
     </p:extLst>
   </p:cSld>
@@ -13279,7 +13663,7 @@
             <a:spLocks noGrp="1"/>
           </p:cNvSpPr>
           <p:nvPr>
-            <p:ph type="title"/>
+            <p:ph type="ctrTitle"/>
           </p:nvPr>
         </p:nvSpPr>
         <p:spPr/>
@@ -13289,7 +13673,7 @@
           <a:p>
             <a:r>
               <a:rPr lang="en-US" dirty="0" smtClean="0"/>
-              <a:t>Visual Metaphor</a:t>
+              <a:t>Lesson: Chapter 2</a:t>
             </a:r>
             <a:endParaRPr lang="en-US" dirty="0"/>
           </a:p>
@@ -13297,12 +13681,12 @@
       </p:sp>
       <p:sp>
         <p:nvSpPr>
-          <p:cNvPr id="3" name="Content Placeholder 2"/>
-          <p:cNvSpPr>
-            <a:spLocks noGrp="1"/>
-          </p:cNvSpPr>
-          <p:nvPr>
-            <p:ph idx="1"/>
+          <p:cNvPr id="3" name="Subtitle 2"/>
+          <p:cNvSpPr>
+            <a:spLocks noGrp="1"/>
+          </p:cNvSpPr>
+          <p:nvPr>
+            <p:ph type="subTitle" idx="1"/>
           </p:nvPr>
         </p:nvSpPr>
         <p:spPr/>
@@ -13311,59 +13695,34 @@
           <a:lstStyle/>
           <a:p>
             <a:r>
-              <a:rPr lang="en-US" dirty="0" smtClean="0"/>
-              <a:t>Takes advantage of familiar visual elements</a:t>
-            </a:r>
-          </a:p>
-          <a:p>
-            <a:r>
-              <a:rPr lang="en-US" dirty="0" smtClean="0"/>
-              <a:t>Reinforces the site's theme</a:t>
-            </a:r>
-          </a:p>
-          <a:p>
-            <a:r>
-              <a:rPr lang="en-US" dirty="0" smtClean="0"/>
-              <a:t>Literal interpretation or nuances</a:t>
-            </a:r>
-          </a:p>
-          <a:p>
-            <a:r>
-              <a:rPr lang="en-US" dirty="0" smtClean="0"/>
-              <a:t>Examples</a:t>
-            </a:r>
-          </a:p>
-          <a:p>
-            <a:pPr lvl="1"/>
-            <a:r>
-              <a:rPr lang="en-US" dirty="0" smtClean="0"/>
-              <a:t>Corkboard for a job posting website</a:t>
+              <a:rPr lang="en-US" dirty="0"/>
+              <a:t>Pre-production (Part </a:t>
+            </a:r>
+            <a:r>
+              <a:rPr lang="en-US" dirty="0" smtClean="0"/>
+              <a:t>I)</a:t>
             </a:r>
             <a:endParaRPr lang="en-US" dirty="0"/>
-          </a:p>
-          <a:p>
-            <a:pPr lvl="1"/>
-            <a:r>
-              <a:rPr lang="en-US" dirty="0" err="1" smtClean="0"/>
-              <a:t>Wirebound</a:t>
-            </a:r>
-            <a:r>
-              <a:rPr lang="en-US" dirty="0" smtClean="0"/>
-              <a:t> notebook for blog</a:t>
-            </a:r>
           </a:p>
         </p:txBody>
       </p:sp>
     </p:spTree>
     <p:extLst>
       <p:ext uri="{BB962C8B-B14F-4D97-AF65-F5344CB8AC3E}">
-        <p14:creationId xmlns:p14="http://schemas.microsoft.com/office/powerpoint/2010/main" val="2932359442"/>
+        <p14:creationId xmlns:p14="http://schemas.microsoft.com/office/powerpoint/2010/main" val="1158543244"/>
       </p:ext>
     </p:extLst>
   </p:cSld>
   <p:clrMapOvr>
     <a:masterClrMapping/>
   </p:clrMapOvr>
+  <p:timing>
+    <p:tnLst>
+      <p:par>
+        <p:cTn xmlns:p14="http://schemas.microsoft.com/office/powerpoint/2010/main" id="1" dur="indefinite" restart="never" nodeType="tmRoot"/>
+      </p:par>
+    </p:tnLst>
+  </p:timing>
 </p:sld>
 </file>
 
@@ -13401,7 +13760,7 @@
           <a:p>
             <a:r>
               <a:rPr lang="en-US" dirty="0" smtClean="0"/>
-              <a:t>Theme</a:t>
+              <a:t>Visual Metaphor</a:t>
             </a:r>
             <a:endParaRPr lang="en-US" dirty="0"/>
           </a:p>
@@ -13424,40 +13783,65 @@
           <a:p>
             <a:r>
               <a:rPr lang="en-US" dirty="0" smtClean="0"/>
-              <a:t>Represents your site's purpose and content</a:t>
-            </a:r>
-          </a:p>
-          <a:p>
+              <a:t>Takes advantage of familiar visual elements</a:t>
+            </a:r>
+          </a:p>
+          <a:p>
+            <a:r>
+              <a:rPr lang="en-US" dirty="0" smtClean="0"/>
+              <a:t>Reinforces the site's theme</a:t>
+            </a:r>
+          </a:p>
+          <a:p>
+            <a:r>
+              <a:rPr lang="en-US" dirty="0" smtClean="0"/>
+              <a:t>Literal interpretation or nuances</a:t>
+            </a:r>
+          </a:p>
+          <a:p>
+            <a:r>
+              <a:rPr lang="en-US" dirty="0" smtClean="0"/>
+              <a:t>Examples</a:t>
+            </a:r>
+          </a:p>
+          <a:p>
+            <a:pPr lvl="1"/>
+            <a:r>
+              <a:rPr lang="en-US" dirty="0" smtClean="0"/>
+              <a:t>Corkboard for a job posting website</a:t>
+            </a:r>
+            <a:endParaRPr lang="en-US" dirty="0"/>
+          </a:p>
+          <a:p>
+            <a:pPr lvl="1"/>
             <a:r>
               <a:rPr lang="en-US" dirty="0" err="1" smtClean="0"/>
-              <a:t>Amazon.com</a:t>
-            </a:r>
-            <a:r>
-              <a:rPr lang="en-US" dirty="0" smtClean="0"/>
-              <a:t>: an online merchant that focuses on books</a:t>
-            </a:r>
-          </a:p>
-          <a:p>
-            <a:r>
-              <a:rPr lang="en-US" dirty="0" smtClean="0"/>
-              <a:t>Visual metaphor reinforces the theme</a:t>
-            </a:r>
-          </a:p>
-          <a:p>
-            <a:endParaRPr lang="en-US" dirty="0"/>
+              <a:t>Wirebound</a:t>
+            </a:r>
+            <a:r>
+              <a:rPr lang="en-US" dirty="0" smtClean="0"/>
+              <a:t> notebook for blog</a:t>
+            </a:r>
           </a:p>
         </p:txBody>
       </p:sp>
     </p:spTree>
     <p:extLst>
       <p:ext uri="{BB962C8B-B14F-4D97-AF65-F5344CB8AC3E}">
-        <p14:creationId xmlns:p14="http://schemas.microsoft.com/office/powerpoint/2010/main" val="3270696722"/>
+        <p14:creationId xmlns:p14="http://schemas.microsoft.com/office/powerpoint/2010/main" val="2932359442"/>
       </p:ext>
     </p:extLst>
   </p:cSld>
   <p:clrMapOvr>
     <a:masterClrMapping/>
   </p:clrMapOvr>
+  <p:timing>
+    <p:tnLst>
+      <p:par>
+        <p:cTn xmlns:p14="http://schemas.microsoft.com/office/powerpoint/2010/main" id="1" dur="indefinite" restart="never" nodeType="tmRoot"/>
+      </p:par>
+    </p:tnLst>
+  </p:timing>
 </p:sld>
 </file>
 
@@ -13495,7 +13879,7 @@
           <a:p>
             <a:r>
               <a:rPr lang="en-US" dirty="0" smtClean="0"/>
-              <a:t>Brainstorming</a:t>
+              <a:t>Theme</a:t>
             </a:r>
             <a:endParaRPr lang="en-US" dirty="0"/>
           </a:p>
@@ -13518,44 +13902,47 @@
           <a:p>
             <a:r>
               <a:rPr lang="en-US" dirty="0" smtClean="0"/>
-              <a:t>Helps develop visual metaphor</a:t>
-            </a:r>
-          </a:p>
-          <a:p>
-            <a:r>
-              <a:rPr lang="en-US" dirty="0" smtClean="0"/>
-              <a:t>Free-flow writing of ideas and thoughts</a:t>
-            </a:r>
-          </a:p>
-          <a:p>
-            <a:r>
-              <a:rPr lang="en-US" dirty="0" smtClean="0"/>
-              <a:t>Don't hold back; write everything</a:t>
-            </a:r>
-          </a:p>
-          <a:p>
-            <a:r>
-              <a:rPr lang="en-US" dirty="0" smtClean="0"/>
-              <a:t>Can be done several times for </a:t>
-            </a:r>
-            <a:r>
-              <a:rPr lang="en-US" smtClean="0"/>
-              <a:t>one project</a:t>
-            </a:r>
-            <a:endParaRPr lang="en-US"/>
+              <a:t>Represents your site's purpose and content</a:t>
+            </a:r>
+          </a:p>
+          <a:p>
+            <a:r>
+              <a:rPr lang="en-US" dirty="0" err="1" smtClean="0"/>
+              <a:t>Amazon.com</a:t>
+            </a:r>
+            <a:r>
+              <a:rPr lang="en-US" dirty="0" smtClean="0"/>
+              <a:t>: an online merchant that focuses on books</a:t>
+            </a:r>
+          </a:p>
+          <a:p>
+            <a:r>
+              <a:rPr lang="en-US" dirty="0" smtClean="0"/>
+              <a:t>Visual metaphor reinforces the theme</a:t>
+            </a:r>
+          </a:p>
+          <a:p>
+            <a:endParaRPr lang="en-US" dirty="0"/>
           </a:p>
         </p:txBody>
       </p:sp>
     </p:spTree>
     <p:extLst>
       <p:ext uri="{BB962C8B-B14F-4D97-AF65-F5344CB8AC3E}">
-        <p14:creationId xmlns:p14="http://schemas.microsoft.com/office/powerpoint/2010/main" val="3243312641"/>
+        <p14:creationId xmlns:p14="http://schemas.microsoft.com/office/powerpoint/2010/main" val="3270696722"/>
       </p:ext>
     </p:extLst>
   </p:cSld>
   <p:clrMapOvr>
     <a:masterClrMapping/>
   </p:clrMapOvr>
+  <p:timing>
+    <p:tnLst>
+      <p:par>
+        <p:cTn xmlns:p14="http://schemas.microsoft.com/office/powerpoint/2010/main" id="1" dur="indefinite" restart="never" nodeType="tmRoot"/>
+      </p:par>
+    </p:tnLst>
+  </p:timing>
 </p:sld>
 </file>
 
@@ -13593,7 +13980,7 @@
           <a:p>
             <a:r>
               <a:rPr lang="en-US" dirty="0" smtClean="0"/>
-              <a:t>Develop Theme</a:t>
+              <a:t>Brainstorming</a:t>
             </a:r>
             <a:endParaRPr lang="en-US" dirty="0"/>
           </a:p>
@@ -13616,67 +14003,51 @@
           <a:p>
             <a:r>
               <a:rPr lang="en-US" dirty="0" smtClean="0"/>
-              <a:t>Choose some color palettes</a:t>
-            </a:r>
-          </a:p>
-          <a:p>
-            <a:pPr lvl="1"/>
-            <a:r>
-              <a:rPr lang="en-US" dirty="0">
-                <a:hlinkClick r:id="rId2"/>
-              </a:rPr>
-              <a:t>http://colorschemedesigner.com</a:t>
-            </a:r>
-            <a:r>
-              <a:rPr lang="en-US" dirty="0" smtClean="0">
-                <a:hlinkClick r:id="rId2"/>
-              </a:rPr>
-              <a:t>/</a:t>
-            </a:r>
-            <a:r>
-              <a:rPr lang="en-US" dirty="0" smtClean="0"/>
-              <a:t> </a:t>
-            </a:r>
-          </a:p>
-          <a:p>
-            <a:r>
-              <a:rPr lang="en-US" dirty="0" smtClean="0"/>
-              <a:t>Design layouts based on content</a:t>
-            </a:r>
-          </a:p>
-          <a:p>
-            <a:pPr lvl="1"/>
-            <a:r>
-              <a:rPr lang="en-US" dirty="0" smtClean="0"/>
-              <a:t>Paper</a:t>
-            </a:r>
-          </a:p>
-          <a:p>
-            <a:pPr lvl="1"/>
-            <a:r>
-              <a:rPr lang="en-US" dirty="0" smtClean="0"/>
-              <a:t>Illustrator / Photoshop</a:t>
-            </a:r>
-          </a:p>
-          <a:p>
-            <a:r>
-              <a:rPr lang="en-US" dirty="0" smtClean="0"/>
-              <a:t>Use visual elements to reinforce the theme</a:t>
-            </a:r>
-            <a:endParaRPr lang="en-US" dirty="0"/>
+              <a:t>Helps develop visual metaphor</a:t>
+            </a:r>
+          </a:p>
+          <a:p>
+            <a:r>
+              <a:rPr lang="en-US" dirty="0" smtClean="0"/>
+              <a:t>Free-flow writing of ideas and thoughts</a:t>
+            </a:r>
+          </a:p>
+          <a:p>
+            <a:r>
+              <a:rPr lang="en-US" dirty="0" smtClean="0"/>
+              <a:t>Don't hold back; write everything</a:t>
+            </a:r>
+          </a:p>
+          <a:p>
+            <a:r>
+              <a:rPr lang="en-US" dirty="0" smtClean="0"/>
+              <a:t>Can be done several times for </a:t>
+            </a:r>
+            <a:r>
+              <a:rPr lang="en-US" smtClean="0"/>
+              <a:t>one project</a:t>
+            </a:r>
+            <a:endParaRPr lang="en-US"/>
           </a:p>
         </p:txBody>
       </p:sp>
     </p:spTree>
     <p:extLst>
       <p:ext uri="{BB962C8B-B14F-4D97-AF65-F5344CB8AC3E}">
-        <p14:creationId xmlns:p14="http://schemas.microsoft.com/office/powerpoint/2010/main" val="3037931721"/>
+        <p14:creationId xmlns:p14="http://schemas.microsoft.com/office/powerpoint/2010/main" val="3243312641"/>
       </p:ext>
     </p:extLst>
   </p:cSld>
   <p:clrMapOvr>
     <a:masterClrMapping/>
   </p:clrMapOvr>
+  <p:timing>
+    <p:tnLst>
+      <p:par>
+        <p:cTn xmlns:p14="http://schemas.microsoft.com/office/powerpoint/2010/main" id="1" dur="indefinite" restart="never" nodeType="tmRoot"/>
+      </p:par>
+    </p:tnLst>
+  </p:timing>
 </p:sld>
 </file>
 
@@ -13714,7 +14085,7 @@
           <a:p>
             <a:r>
               <a:rPr lang="en-US" dirty="0" smtClean="0"/>
-              <a:t>Interface Elements</a:t>
+              <a:t>Develop Theme</a:t>
             </a:r>
             <a:endParaRPr lang="en-US" dirty="0"/>
           </a:p>
@@ -13732,44 +14103,57 @@
         </p:nvSpPr>
         <p:spPr/>
         <p:txBody>
-          <a:bodyPr>
-            <a:normAutofit/>
-          </a:bodyPr>
-          <a:lstStyle/>
-          <a:p>
-            <a:r>
-              <a:rPr lang="en-US" dirty="0" smtClean="0"/>
-              <a:t>content – holds main text and images for page</a:t>
-            </a:r>
-          </a:p>
-          <a:p>
-            <a:r>
-              <a:rPr lang="en-US" dirty="0" smtClean="0"/>
-              <a:t>main navigation – important navigation</a:t>
-            </a:r>
-          </a:p>
-          <a:p>
-            <a:r>
-              <a:rPr lang="en-US" dirty="0" smtClean="0"/>
-              <a:t>sub navigation – navigation important, but not enough to be main</a:t>
-            </a:r>
-          </a:p>
-          <a:p>
-            <a:r>
-              <a:rPr lang="en-US" dirty="0" smtClean="0"/>
-              <a:t>sidebar – columns of html around content</a:t>
-            </a:r>
-          </a:p>
-          <a:p>
-            <a:r>
-              <a:rPr lang="en-US" dirty="0" smtClean="0"/>
-              <a:t>footer – block of html below content</a:t>
-            </a:r>
-          </a:p>
-          <a:p>
-            <a:r>
-              <a:rPr lang="en-US" dirty="0" smtClean="0"/>
-              <a:t>whitespace – negative space</a:t>
+          <a:bodyPr/>
+          <a:lstStyle/>
+          <a:p>
+            <a:r>
+              <a:rPr lang="en-US" dirty="0" smtClean="0"/>
+              <a:t>Choose some color palettes</a:t>
+            </a:r>
+          </a:p>
+          <a:p>
+            <a:pPr lvl="1"/>
+            <a:r>
+              <a:rPr lang="en-US" dirty="0">
+                <a:hlinkClick r:id="rId2"/>
+              </a:rPr>
+              <a:t>http://colorschemedesigner.com</a:t>
+            </a:r>
+            <a:r>
+              <a:rPr lang="en-US" dirty="0" smtClean="0">
+                <a:hlinkClick r:id="rId2"/>
+              </a:rPr>
+              <a:t>/</a:t>
+            </a:r>
+            <a:r>
+              <a:rPr lang="en-US" dirty="0" smtClean="0"/>
+              <a:t> </a:t>
+            </a:r>
+          </a:p>
+          <a:p>
+            <a:r>
+              <a:rPr lang="en-US" dirty="0" smtClean="0"/>
+              <a:t>Design layouts based on content</a:t>
+            </a:r>
+          </a:p>
+          <a:p>
+            <a:pPr lvl="1"/>
+            <a:r>
+              <a:rPr lang="en-US" dirty="0" smtClean="0"/>
+              <a:t>Paper</a:t>
+            </a:r>
+          </a:p>
+          <a:p>
+            <a:pPr lvl="1"/>
+            <a:r>
+              <a:rPr lang="en-US" dirty="0" smtClean="0"/>
+              <a:t>Illustrator / Photoshop</a:t>
+            </a:r>
+          </a:p>
+          <a:p>
+            <a:r>
+              <a:rPr lang="en-US" dirty="0" smtClean="0"/>
+              <a:t>Use visual elements to reinforce the theme</a:t>
             </a:r>
             <a:endParaRPr lang="en-US" dirty="0"/>
           </a:p>
@@ -13778,13 +14162,20 @@
     </p:spTree>
     <p:extLst>
       <p:ext uri="{BB962C8B-B14F-4D97-AF65-F5344CB8AC3E}">
-        <p14:creationId xmlns:p14="http://schemas.microsoft.com/office/powerpoint/2010/main" val="12080975"/>
+        <p14:creationId xmlns:p14="http://schemas.microsoft.com/office/powerpoint/2010/main" val="3037931721"/>
       </p:ext>
     </p:extLst>
   </p:cSld>
   <p:clrMapOvr>
     <a:masterClrMapping/>
   </p:clrMapOvr>
+  <p:timing>
+    <p:tnLst>
+      <p:par>
+        <p:cTn xmlns:p14="http://schemas.microsoft.com/office/powerpoint/2010/main" id="1" dur="indefinite" restart="never" nodeType="tmRoot"/>
+      </p:par>
+    </p:tnLst>
+  </p:timing>
 </p:sld>
 </file>
 
@@ -13807,7 +14198,7 @@
       </p:grpSpPr>
       <p:sp>
         <p:nvSpPr>
-          <p:cNvPr id="4" name="Title 3"/>
+          <p:cNvPr id="2" name="Title 1"/>
           <p:cNvSpPr>
             <a:spLocks noGrp="1"/>
           </p:cNvSpPr>
@@ -13817,240 +14208,67 @@
         </p:nvSpPr>
         <p:spPr/>
         <p:txBody>
+          <a:bodyPr/>
+          <a:lstStyle/>
+          <a:p>
+            <a:r>
+              <a:rPr lang="en-US" dirty="0" smtClean="0"/>
+              <a:t>Interface Elements</a:t>
+            </a:r>
+            <a:endParaRPr lang="en-US" dirty="0"/>
+          </a:p>
+        </p:txBody>
+      </p:sp>
+      <p:sp>
+        <p:nvSpPr>
+          <p:cNvPr id="3" name="Content Placeholder 2"/>
+          <p:cNvSpPr>
+            <a:spLocks noGrp="1"/>
+          </p:cNvSpPr>
+          <p:nvPr>
+            <p:ph idx="1"/>
+          </p:nvPr>
+        </p:nvSpPr>
+        <p:spPr/>
+        <p:txBody>
           <a:bodyPr>
-            <a:normAutofit fontScale="90000"/>
+            <a:normAutofit/>
           </a:bodyPr>
           <a:lstStyle/>
           <a:p>
             <a:r>
               <a:rPr lang="en-US" dirty="0" smtClean="0"/>
-              <a:t>Exercise &amp; Activity</a:t>
-            </a:r>
-            <a:endParaRPr lang="en-US" dirty="0"/>
-          </a:p>
-        </p:txBody>
-      </p:sp>
-      <p:sp>
-        <p:nvSpPr>
-          <p:cNvPr id="5" name="Text Placeholder 4"/>
-          <p:cNvSpPr>
-            <a:spLocks noGrp="1"/>
-          </p:cNvSpPr>
-          <p:nvPr>
-            <p:ph type="body" idx="1"/>
-          </p:nvPr>
-        </p:nvSpPr>
-        <p:spPr/>
-        <p:txBody>
-          <a:bodyPr/>
-          <a:lstStyle/>
-          <a:p>
-            <a:r>
-              <a:rPr lang="en-US" dirty="0" err="1" smtClean="0"/>
-              <a:t>Excercise</a:t>
-            </a:r>
-            <a:endParaRPr lang="en-US" dirty="0"/>
-          </a:p>
-        </p:txBody>
-      </p:sp>
-      <p:sp>
-        <p:nvSpPr>
-          <p:cNvPr id="6" name="Text Placeholder 5"/>
-          <p:cNvSpPr>
-            <a:spLocks noGrp="1"/>
-          </p:cNvSpPr>
-          <p:nvPr>
-            <p:ph type="body" sz="quarter" idx="3"/>
-          </p:nvPr>
-        </p:nvSpPr>
-        <p:spPr/>
-        <p:txBody>
-          <a:bodyPr/>
-          <a:lstStyle/>
-          <a:p>
-            <a:r>
-              <a:rPr lang="en-US" dirty="0" smtClean="0"/>
-              <a:t>Activity</a:t>
-            </a:r>
-            <a:endParaRPr lang="en-US" dirty="0"/>
-          </a:p>
-        </p:txBody>
-      </p:sp>
-      <p:sp>
-        <p:nvSpPr>
-          <p:cNvPr id="7" name="Content Placeholder 6"/>
-          <p:cNvSpPr>
-            <a:spLocks noGrp="1"/>
-          </p:cNvSpPr>
-          <p:nvPr>
-            <p:ph sz="quarter" idx="13"/>
-          </p:nvPr>
-        </p:nvSpPr>
-        <p:spPr/>
-        <p:txBody>
-          <a:bodyPr/>
-          <a:lstStyle/>
-          <a:p>
-            <a:pPr>
-              <a:buFont typeface="Wingdings" charset="2"/>
-              <a:buChar char="v"/>
-            </a:pPr>
-            <a:r>
-              <a:rPr lang="en-US" dirty="0" smtClean="0"/>
-              <a:t>Visual Metaphor: </a:t>
-            </a:r>
-            <a:r>
-              <a:rPr lang="en-US" dirty="0" smtClean="0">
-                <a:hlinkClick r:id="rId3"/>
-              </a:rPr>
-              <a:t>http://google.com</a:t>
-            </a:r>
-            <a:r>
-              <a:rPr lang="en-US" dirty="0" smtClean="0"/>
-              <a:t> </a:t>
-            </a:r>
-          </a:p>
-          <a:p>
-            <a:r>
-              <a:rPr lang="en-US" dirty="0" smtClean="0"/>
-              <a:t>Theme</a:t>
-            </a:r>
-            <a:r>
-              <a:rPr lang="en-US" dirty="0"/>
-              <a:t>: </a:t>
-            </a:r>
-            <a:r>
-              <a:rPr lang="en-US" dirty="0">
-                <a:hlinkClick r:id="rId4"/>
-              </a:rPr>
-              <a:t>http://www.usiouxfalls.edu</a:t>
-            </a:r>
-            <a:r>
-              <a:rPr lang="en-US" dirty="0" smtClean="0">
-                <a:hlinkClick r:id="rId4"/>
-              </a:rPr>
-              <a:t>/</a:t>
-            </a:r>
-            <a:r>
-              <a:rPr lang="en-US" dirty="0" smtClean="0"/>
-              <a:t> </a:t>
-            </a:r>
-          </a:p>
-          <a:p>
-            <a:r>
-              <a:rPr lang="en-US" dirty="0" smtClean="0"/>
-              <a:t>Interface elements</a:t>
-            </a:r>
-            <a:r>
-              <a:rPr lang="en-US" dirty="0"/>
-              <a:t>: </a:t>
-            </a:r>
-            <a:r>
-              <a:rPr lang="en-US" dirty="0">
-                <a:hlinkClick r:id="rId5"/>
-              </a:rPr>
-              <a:t>http://www.apple.com</a:t>
-            </a:r>
-            <a:r>
-              <a:rPr lang="en-US" dirty="0" smtClean="0">
-                <a:hlinkClick r:id="rId5"/>
-              </a:rPr>
-              <a:t>/</a:t>
-            </a:r>
-            <a:r>
-              <a:rPr lang="en-US" dirty="0" smtClean="0"/>
-              <a:t> </a:t>
-            </a:r>
-            <a:endParaRPr lang="en-US" dirty="0"/>
-          </a:p>
-        </p:txBody>
-      </p:sp>
-      <p:sp>
-        <p:nvSpPr>
-          <p:cNvPr id="8" name="Content Placeholder 7"/>
-          <p:cNvSpPr>
-            <a:spLocks noGrp="1"/>
-          </p:cNvSpPr>
-          <p:nvPr>
-            <p:ph sz="quarter" idx="14"/>
-          </p:nvPr>
-        </p:nvSpPr>
-        <p:spPr/>
-        <p:txBody>
-          <a:bodyPr/>
-          <a:lstStyle/>
-          <a:p>
-            <a:r>
-              <a:rPr lang="en-US" dirty="0" smtClean="0"/>
-              <a:t>Visual Metaphor</a:t>
-            </a:r>
-            <a:r>
-              <a:rPr lang="en-US" dirty="0"/>
-              <a:t>: </a:t>
-            </a:r>
-            <a:r>
-              <a:rPr lang="en-US" dirty="0">
-                <a:hlinkClick r:id="rId6"/>
-              </a:rPr>
-              <a:t>http://www.bing.com</a:t>
-            </a:r>
-            <a:r>
-              <a:rPr lang="en-US" dirty="0" smtClean="0">
-                <a:hlinkClick r:id="rId6"/>
-              </a:rPr>
-              <a:t>/</a:t>
-            </a:r>
-            <a:r>
-              <a:rPr lang="en-US" dirty="0" smtClean="0"/>
-              <a:t> </a:t>
-            </a:r>
-          </a:p>
-          <a:p>
-            <a:r>
-              <a:rPr lang="en-US" dirty="0" smtClean="0"/>
-              <a:t>Theme</a:t>
-            </a:r>
-            <a:r>
-              <a:rPr lang="en-US" dirty="0"/>
-              <a:t>: </a:t>
-            </a:r>
-            <a:r>
-              <a:rPr lang="en-US" dirty="0">
-                <a:hlinkClick r:id="rId7"/>
-              </a:rPr>
-              <a:t>http://l-s.com</a:t>
-            </a:r>
-            <a:r>
-              <a:rPr lang="en-US" dirty="0" smtClean="0">
-                <a:hlinkClick r:id="rId7"/>
-              </a:rPr>
-              <a:t>/</a:t>
-            </a:r>
-            <a:r>
-              <a:rPr lang="en-US" dirty="0" smtClean="0"/>
-              <a:t> </a:t>
-            </a:r>
-          </a:p>
-          <a:p>
-            <a:r>
-              <a:rPr lang="en-US" dirty="0"/>
-              <a:t>Interface elements: </a:t>
-            </a:r>
-            <a:r>
-              <a:rPr lang="en-US" dirty="0">
-                <a:hlinkClick r:id="rId8"/>
-              </a:rPr>
-              <a:t>http://</a:t>
-            </a:r>
-            <a:r>
-              <a:rPr lang="en-US" dirty="0" smtClean="0">
-                <a:hlinkClick r:id="rId8"/>
-              </a:rPr>
-              <a:t>www.microsoft.com</a:t>
-            </a:r>
-            <a:r>
-              <a:rPr lang="en-US" dirty="0" smtClean="0"/>
-              <a:t> </a:t>
+              <a:t>content – holds main text and images for page</a:t>
+            </a:r>
+          </a:p>
+          <a:p>
+            <a:r>
+              <a:rPr lang="en-US" dirty="0" smtClean="0"/>
+              <a:t>main navigation – important navigation</a:t>
+            </a:r>
+          </a:p>
+          <a:p>
+            <a:r>
+              <a:rPr lang="en-US" dirty="0" smtClean="0"/>
+              <a:t>sub navigation – navigation important, but not enough to be main</a:t>
+            </a:r>
+          </a:p>
+          <a:p>
+            <a:r>
+              <a:rPr lang="en-US" dirty="0" smtClean="0"/>
+              <a:t>sidebar – columns of html around content</a:t>
+            </a:r>
+          </a:p>
+          <a:p>
+            <a:r>
+              <a:rPr lang="en-US" dirty="0" smtClean="0"/>
+              <a:t>footer – block of html below content</a:t>
+            </a:r>
+          </a:p>
+          <a:p>
+            <a:r>
+              <a:rPr lang="en-US" dirty="0" smtClean="0"/>
+              <a:t>whitespace – negative space</a:t>
             </a:r>
             <a:endParaRPr lang="en-US" dirty="0"/>
           </a:p>
@@ -14059,7 +14277,7 @@
     </p:spTree>
     <p:extLst>
       <p:ext uri="{BB962C8B-B14F-4D97-AF65-F5344CB8AC3E}">
-        <p14:creationId xmlns:p14="http://schemas.microsoft.com/office/powerpoint/2010/main" val="1667360370"/>
+        <p14:creationId xmlns:p14="http://schemas.microsoft.com/office/powerpoint/2010/main" val="12080975"/>
       </p:ext>
     </p:extLst>
   </p:cSld>
@@ -14095,7 +14313,7 @@
       </p:grpSpPr>
       <p:sp>
         <p:nvSpPr>
-          <p:cNvPr id="9" name="Title 8"/>
+          <p:cNvPr id="4" name="Title 3"/>
           <p:cNvSpPr>
             <a:spLocks noGrp="1"/>
           </p:cNvSpPr>
@@ -14105,12 +14323,37 @@
         </p:nvSpPr>
         <p:spPr/>
         <p:txBody>
+          <a:bodyPr>
+            <a:normAutofit fontScale="90000"/>
+          </a:bodyPr>
+          <a:lstStyle/>
+          <a:p>
+            <a:r>
+              <a:rPr lang="en-US" dirty="0" smtClean="0"/>
+              <a:t>Exercise &amp; Activity</a:t>
+            </a:r>
+            <a:endParaRPr lang="en-US" dirty="0"/>
+          </a:p>
+        </p:txBody>
+      </p:sp>
+      <p:sp>
+        <p:nvSpPr>
+          <p:cNvPr id="5" name="Text Placeholder 4"/>
+          <p:cNvSpPr>
+            <a:spLocks noGrp="1"/>
+          </p:cNvSpPr>
+          <p:nvPr>
+            <p:ph type="body" idx="1"/>
+          </p:nvPr>
+        </p:nvSpPr>
+        <p:spPr/>
+        <p:txBody>
           <a:bodyPr/>
           <a:lstStyle/>
           <a:p>
             <a:r>
-              <a:rPr lang="en-US" dirty="0" smtClean="0"/>
-              <a:t>Class Four</a:t>
+              <a:rPr lang="en-US" dirty="0" err="1" smtClean="0"/>
+              <a:t>Excercise</a:t>
             </a:r>
             <a:endParaRPr lang="en-US" dirty="0"/>
           </a:p>
@@ -14118,12 +14361,12 @@
       </p:sp>
       <p:sp>
         <p:nvSpPr>
-          <p:cNvPr id="10" name="Text Placeholder 9"/>
-          <p:cNvSpPr>
-            <a:spLocks noGrp="1"/>
-          </p:cNvSpPr>
-          <p:nvPr>
-            <p:ph type="body" idx="1"/>
+          <p:cNvPr id="6" name="Text Placeholder 5"/>
+          <p:cNvSpPr>
+            <a:spLocks noGrp="1"/>
+          </p:cNvSpPr>
+          <p:nvPr>
+            <p:ph type="body" sz="quarter" idx="3"/>
           </p:nvPr>
         </p:nvSpPr>
         <p:spPr/>
@@ -14133,19 +14376,20 @@
           <a:p>
             <a:r>
               <a:rPr lang="en-US" dirty="0" smtClean="0"/>
-              <a:t>Pre-production (Part II)</a:t>
-            </a:r>
-          </a:p>
-        </p:txBody>
-      </p:sp>
-      <p:sp>
-        <p:nvSpPr>
-          <p:cNvPr id="11" name="Footer Placeholder 10"/>
-          <p:cNvSpPr>
-            <a:spLocks noGrp="1"/>
-          </p:cNvSpPr>
-          <p:nvPr>
-            <p:ph type="ftr" sz="quarter" idx="11"/>
+              <a:t>Activity</a:t>
+            </a:r>
+            <a:endParaRPr lang="en-US" dirty="0"/>
+          </a:p>
+        </p:txBody>
+      </p:sp>
+      <p:sp>
+        <p:nvSpPr>
+          <p:cNvPr id="7" name="Content Placeholder 6"/>
+          <p:cNvSpPr>
+            <a:spLocks noGrp="1"/>
+          </p:cNvSpPr>
+          <p:nvPr>
+            <p:ph sz="quarter" idx="13"/>
           </p:nvPr>
         </p:nvSpPr>
         <p:spPr/>
@@ -14153,31 +14397,166 @@
           <a:bodyPr/>
           <a:lstStyle/>
           <a:p>
-            <a:r>
-              <a:rPr lang="en-US" dirty="0" smtClean="0"/>
-              <a:t>Assignment</a:t>
+            <a:pPr>
+              <a:buFont typeface="Wingdings" charset="2"/>
+              <a:buChar char="v"/>
+            </a:pPr>
+            <a:r>
+              <a:rPr lang="en-US" dirty="0" smtClean="0"/>
+              <a:t>Visual Metaphor: </a:t>
+            </a:r>
+            <a:r>
+              <a:rPr lang="en-US" dirty="0" smtClean="0">
+                <a:hlinkClick r:id="rId3"/>
+              </a:rPr>
+              <a:t>http://google.com</a:t>
+            </a:r>
+            <a:r>
+              <a:rPr lang="en-US" dirty="0" smtClean="0"/>
+              <a:t> </a:t>
+            </a:r>
+          </a:p>
+          <a:p>
+            <a:r>
+              <a:rPr lang="en-US" dirty="0" smtClean="0"/>
+              <a:t>Theme</a:t>
             </a:r>
             <a:r>
               <a:rPr lang="en-US" dirty="0"/>
-              <a:t>: Read Chapter 2 (pages </a:t>
-            </a:r>
-            <a:r>
-              <a:rPr lang="en-US" dirty="0" smtClean="0"/>
-              <a:t>56 </a:t>
+              <a:t>: </a:t>
+            </a:r>
+            <a:r>
+              <a:rPr lang="en-US" dirty="0">
+                <a:hlinkClick r:id="rId4"/>
+              </a:rPr>
+              <a:t>http://www.usiouxfalls.edu</a:t>
+            </a:r>
+            <a:r>
+              <a:rPr lang="en-US" dirty="0" smtClean="0">
+                <a:hlinkClick r:id="rId4"/>
+              </a:rPr>
+              <a:t>/</a:t>
+            </a:r>
+            <a:r>
+              <a:rPr lang="en-US" dirty="0" smtClean="0"/>
+              <a:t> </a:t>
+            </a:r>
+          </a:p>
+          <a:p>
+            <a:r>
+              <a:rPr lang="en-US" dirty="0" smtClean="0"/>
+              <a:t>Interface elements</a:t>
             </a:r>
             <a:r>
               <a:rPr lang="en-US" dirty="0"/>
-              <a:t>– </a:t>
-            </a:r>
-            <a:r>
-              <a:rPr lang="en-US" dirty="0" smtClean="0"/>
-              <a:t>67),</a:t>
-            </a:r>
-          </a:p>
-          <a:p>
-            <a:r>
-              <a:rPr lang="en-US" dirty="0" smtClean="0"/>
-              <a:t>visualize your portfolio</a:t>
+              <a:t>: </a:t>
+            </a:r>
+            <a:r>
+              <a:rPr lang="en-US" dirty="0">
+                <a:hlinkClick r:id="rId5"/>
+              </a:rPr>
+              <a:t>http://www.apple.com</a:t>
+            </a:r>
+            <a:r>
+              <a:rPr lang="en-US" dirty="0" smtClean="0">
+                <a:hlinkClick r:id="rId5"/>
+              </a:rPr>
+              <a:t>/</a:t>
+            </a:r>
+            <a:r>
+              <a:rPr lang="en-US" dirty="0" smtClean="0"/>
+              <a:t> </a:t>
+            </a:r>
+            <a:endParaRPr lang="en-US" dirty="0"/>
+          </a:p>
+        </p:txBody>
+      </p:sp>
+      <p:sp>
+        <p:nvSpPr>
+          <p:cNvPr id="8" name="Content Placeholder 7"/>
+          <p:cNvSpPr>
+            <a:spLocks noGrp="1"/>
+          </p:cNvSpPr>
+          <p:nvPr>
+            <p:ph sz="quarter" idx="14"/>
+          </p:nvPr>
+        </p:nvSpPr>
+        <p:spPr/>
+        <p:txBody>
+          <a:bodyPr/>
+          <a:lstStyle/>
+          <a:p>
+            <a:r>
+              <a:rPr lang="en-US" dirty="0" smtClean="0"/>
+              <a:t>Visual Metaphor</a:t>
+            </a:r>
+            <a:r>
+              <a:rPr lang="en-US" dirty="0"/>
+              <a:t>: </a:t>
+            </a:r>
+            <a:r>
+              <a:rPr lang="en-US" dirty="0">
+                <a:hlinkClick r:id="rId6"/>
+              </a:rPr>
+              <a:t>http://www.bing.com</a:t>
+            </a:r>
+            <a:r>
+              <a:rPr lang="en-US" dirty="0" smtClean="0">
+                <a:hlinkClick r:id="rId6"/>
+              </a:rPr>
+              <a:t>/</a:t>
+            </a:r>
+            <a:r>
+              <a:rPr lang="en-US" dirty="0" smtClean="0"/>
+              <a:t> </a:t>
+            </a:r>
+          </a:p>
+          <a:p>
+            <a:r>
+              <a:rPr lang="en-US" dirty="0" smtClean="0"/>
+              <a:t>Theme</a:t>
+            </a:r>
+            <a:r>
+              <a:rPr lang="en-US" dirty="0"/>
+              <a:t>: </a:t>
+            </a:r>
+            <a:r>
+              <a:rPr lang="en-US" dirty="0">
+                <a:hlinkClick r:id="rId7"/>
+              </a:rPr>
+              <a:t>http://l-s.com</a:t>
+            </a:r>
+            <a:r>
+              <a:rPr lang="en-US" dirty="0" smtClean="0">
+                <a:hlinkClick r:id="rId7"/>
+              </a:rPr>
+              <a:t>/</a:t>
+            </a:r>
+            <a:r>
+              <a:rPr lang="en-US" dirty="0" smtClean="0"/>
+              <a:t> </a:t>
+            </a:r>
+          </a:p>
+          <a:p>
+            <a:r>
+              <a:rPr lang="en-US" dirty="0"/>
+              <a:t>Interface elements: </a:t>
+            </a:r>
+            <a:r>
+              <a:rPr lang="en-US" dirty="0">
+                <a:hlinkClick r:id="rId8"/>
+              </a:rPr>
+              <a:t>http://</a:t>
+            </a:r>
+            <a:r>
+              <a:rPr lang="en-US" dirty="0" smtClean="0">
+                <a:hlinkClick r:id="rId8"/>
+              </a:rPr>
+              <a:t>www.microsoft.com</a:t>
+            </a:r>
+            <a:r>
+              <a:rPr lang="en-US" dirty="0" smtClean="0"/>
+              <a:t> </a:t>
             </a:r>
             <a:endParaRPr lang="en-US" dirty="0"/>
           </a:p>
@@ -14186,7 +14565,7 @@
     </p:spTree>
     <p:extLst>
       <p:ext uri="{BB962C8B-B14F-4D97-AF65-F5344CB8AC3E}">
-        <p14:creationId xmlns:p14="http://schemas.microsoft.com/office/powerpoint/2010/main" val="472547524"/>
+        <p14:creationId xmlns:p14="http://schemas.microsoft.com/office/powerpoint/2010/main" val="1667360370"/>
       </p:ext>
     </p:extLst>
   </p:cSld>
@@ -14293,7 +14672,6 @@
               <a:rPr lang="en-US" dirty="0" smtClean="0"/>
               <a:t> </a:t>
             </a:r>
-            <a:endParaRPr lang="en-US" dirty="0" smtClean="0"/>
           </a:p>
           <a:p>
             <a:r>
@@ -14307,7 +14685,72 @@
               <a:t>http://hyvee.com</a:t>
             </a:r>
             <a:r>
-              <a:rPr lang="en-US" smtClean="0"/>
+              <a:rPr lang="en-US" dirty="0" smtClean="0"/>
+              <a:t> </a:t>
+            </a:r>
+            <a:endParaRPr lang="en-US" dirty="0" smtClean="0"/>
+          </a:p>
+          <a:p>
+            <a:r>
+              <a:rPr lang="en-US" dirty="0" smtClean="0"/>
+              <a:t>Sam – </a:t>
+            </a:r>
+            <a:r>
+              <a:rPr lang="en-US" dirty="0" smtClean="0">
+                <a:hlinkClick r:id="rId6"/>
+              </a:rPr>
+              <a:t>http://yahoo.com</a:t>
+            </a:r>
+            <a:r>
+              <a:rPr lang="en-US" dirty="0" smtClean="0"/>
+              <a:t> </a:t>
+            </a:r>
+          </a:p>
+          <a:p>
+            <a:r>
+              <a:rPr lang="en-US" dirty="0" smtClean="0"/>
+              <a:t>Kendra – </a:t>
+            </a:r>
+            <a:r>
+              <a:rPr lang="en-US" dirty="0" smtClean="0">
+                <a:hlinkClick r:id="rId7"/>
+              </a:rPr>
+              <a:t>http://peacelight.com</a:t>
+            </a:r>
+            <a:r>
+              <a:rPr lang="en-US" dirty="0" smtClean="0"/>
+              <a:t> </a:t>
+            </a:r>
+          </a:p>
+          <a:p>
+            <a:r>
+              <a:rPr lang="en-US" dirty="0" smtClean="0"/>
+              <a:t>Leah – </a:t>
+            </a:r>
+            <a:r>
+              <a:rPr lang="en-US" dirty="0" smtClean="0">
+                <a:hlinkClick r:id="rId8"/>
+              </a:rPr>
+              <a:t>http://mapmyrun.com</a:t>
+            </a:r>
+            <a:r>
+              <a:rPr lang="en-US" dirty="0" smtClean="0"/>
+              <a:t> </a:t>
+            </a:r>
+          </a:p>
+          <a:p>
+            <a:r>
+              <a:rPr lang="en-US" dirty="0" smtClean="0"/>
+              <a:t>Beth – </a:t>
+            </a:r>
+            <a:r>
+              <a:rPr lang="en-US" dirty="0" smtClean="0">
+                <a:hlinkClick r:id="rId9"/>
+              </a:rPr>
+              <a:t>http://iwastesomuchtime.com</a:t>
+            </a:r>
+            <a:r>
+              <a:rPr lang="en-US" dirty="0" smtClean="0"/>
               <a:t> </a:t>
             </a:r>
             <a:endParaRPr lang="en-US" dirty="0" smtClean="0"/>
@@ -14319,13 +14762,13 @@
             </a:r>
             <a:r>
               <a:rPr lang="en-US" dirty="0">
-                <a:hlinkClick r:id="rId6"/>
+                <a:hlinkClick r:id="rId10"/>
               </a:rPr>
               <a:t>http://thewildernessdowntown.com</a:t>
             </a:r>
             <a:r>
               <a:rPr lang="en-US" dirty="0" smtClean="0">
-                <a:hlinkClick r:id="rId6"/>
+                <a:hlinkClick r:id="rId10"/>
               </a:rPr>
               <a:t>/</a:t>
             </a:r>
@@ -14341,6 +14784,133 @@
     <p:extLst>
       <p:ext uri="{BB962C8B-B14F-4D97-AF65-F5344CB8AC3E}">
         <p14:creationId xmlns:p14="http://schemas.microsoft.com/office/powerpoint/2010/main" val="2577880583"/>
+      </p:ext>
+    </p:extLst>
+  </p:cSld>
+  <p:clrMapOvr>
+    <a:masterClrMapping/>
+  </p:clrMapOvr>
+  <p:timing>
+    <p:tnLst>
+      <p:par>
+        <p:cTn xmlns:p14="http://schemas.microsoft.com/office/powerpoint/2010/main" id="1" dur="indefinite" restart="never" nodeType="tmRoot"/>
+      </p:par>
+    </p:tnLst>
+  </p:timing>
+</p:sld>
+</file>
+
+<file path=ppt/slides/slide40.xml><?xml version="1.0" encoding="utf-8"?>
+<p:sld xmlns:a="http://schemas.openxmlformats.org/drawingml/2006/main" xmlns:r="http://schemas.openxmlformats.org/officeDocument/2006/relationships" xmlns:p="http://schemas.openxmlformats.org/presentationml/2006/main">
+  <p:cSld>
+    <p:spTree>
+      <p:nvGrpSpPr>
+        <p:cNvPr id="1" name=""/>
+        <p:cNvGrpSpPr/>
+        <p:nvPr/>
+      </p:nvGrpSpPr>
+      <p:grpSpPr>
+        <a:xfrm>
+          <a:off x="0" y="0"/>
+          <a:ext cx="0" cy="0"/>
+          <a:chOff x="0" y="0"/>
+          <a:chExt cx="0" cy="0"/>
+        </a:xfrm>
+      </p:grpSpPr>
+      <p:sp>
+        <p:nvSpPr>
+          <p:cNvPr id="9" name="Title 8"/>
+          <p:cNvSpPr>
+            <a:spLocks noGrp="1"/>
+          </p:cNvSpPr>
+          <p:nvPr>
+            <p:ph type="title"/>
+          </p:nvPr>
+        </p:nvSpPr>
+        <p:spPr/>
+        <p:txBody>
+          <a:bodyPr/>
+          <a:lstStyle/>
+          <a:p>
+            <a:r>
+              <a:rPr lang="en-US" dirty="0" smtClean="0"/>
+              <a:t>Class Four</a:t>
+            </a:r>
+            <a:endParaRPr lang="en-US" dirty="0"/>
+          </a:p>
+        </p:txBody>
+      </p:sp>
+      <p:sp>
+        <p:nvSpPr>
+          <p:cNvPr id="10" name="Text Placeholder 9"/>
+          <p:cNvSpPr>
+            <a:spLocks noGrp="1"/>
+          </p:cNvSpPr>
+          <p:nvPr>
+            <p:ph type="body" idx="1"/>
+          </p:nvPr>
+        </p:nvSpPr>
+        <p:spPr/>
+        <p:txBody>
+          <a:bodyPr/>
+          <a:lstStyle/>
+          <a:p>
+            <a:r>
+              <a:rPr lang="en-US" dirty="0" smtClean="0"/>
+              <a:t>Pre-production (Part II)</a:t>
+            </a:r>
+          </a:p>
+        </p:txBody>
+      </p:sp>
+      <p:sp>
+        <p:nvSpPr>
+          <p:cNvPr id="11" name="Footer Placeholder 10"/>
+          <p:cNvSpPr>
+            <a:spLocks noGrp="1"/>
+          </p:cNvSpPr>
+          <p:nvPr>
+            <p:ph type="ftr" sz="quarter" idx="11"/>
+          </p:nvPr>
+        </p:nvSpPr>
+        <p:spPr/>
+        <p:txBody>
+          <a:bodyPr/>
+          <a:lstStyle/>
+          <a:p>
+            <a:r>
+              <a:rPr lang="en-US" dirty="0" smtClean="0"/>
+              <a:t>Assignment</a:t>
+            </a:r>
+            <a:r>
+              <a:rPr lang="en-US" dirty="0"/>
+              <a:t>: Read Chapter 2 (pages </a:t>
+            </a:r>
+            <a:r>
+              <a:rPr lang="en-US" dirty="0" smtClean="0"/>
+              <a:t>56 </a:t>
+            </a:r>
+            <a:r>
+              <a:rPr lang="en-US" dirty="0"/>
+              <a:t>– </a:t>
+            </a:r>
+            <a:r>
+              <a:rPr lang="en-US" dirty="0" smtClean="0"/>
+              <a:t>67),</a:t>
+            </a:r>
+          </a:p>
+          <a:p>
+            <a:r>
+              <a:rPr lang="en-US" dirty="0" smtClean="0"/>
+              <a:t>visualize your portfolio</a:t>
+            </a:r>
+            <a:endParaRPr lang="en-US" dirty="0"/>
+          </a:p>
+        </p:txBody>
+      </p:sp>
+    </p:spTree>
+    <p:extLst>
+      <p:ext uri="{BB962C8B-B14F-4D97-AF65-F5344CB8AC3E}">
+        <p14:creationId xmlns:p14="http://schemas.microsoft.com/office/powerpoint/2010/main" val="472547524"/>
       </p:ext>
     </p:extLst>
   </p:cSld>
@@ -15931,6 +16501,13 @@
   <p:clrMapOvr>
     <a:masterClrMapping/>
   </p:clrMapOvr>
+  <p:timing>
+    <p:tnLst>
+      <p:par>
+        <p:cTn xmlns:p14="http://schemas.microsoft.com/office/powerpoint/2010/main" id="1" dur="indefinite" restart="never" nodeType="tmRoot"/>
+      </p:par>
+    </p:tnLst>
+  </p:timing>
 </p:sld>
 </file>
 

--- a/slides/classthree/slides.pptx
+++ b/slides/classthree/slides.pptx
@@ -5,25 +5,30 @@
     <p:sldMasterId id="2147483660" r:id="rId1"/>
   </p:sldMasterIdLst>
   <p:notesMasterIdLst>
-    <p:notesMasterId r:id="rId18"/>
+    <p:notesMasterId r:id="rId23"/>
   </p:notesMasterIdLst>
   <p:sldIdLst>
     <p:sldId id="256" r:id="rId2"/>
     <p:sldId id="257" r:id="rId3"/>
-    <p:sldId id="258" r:id="rId4"/>
-    <p:sldId id="259" r:id="rId5"/>
-    <p:sldId id="311" r:id="rId6"/>
-    <p:sldId id="327" r:id="rId7"/>
-    <p:sldId id="328" r:id="rId8"/>
-    <p:sldId id="339" r:id="rId9"/>
-    <p:sldId id="315" r:id="rId10"/>
+    <p:sldId id="342" r:id="rId4"/>
+    <p:sldId id="258" r:id="rId5"/>
+    <p:sldId id="259" r:id="rId6"/>
+    <p:sldId id="311" r:id="rId7"/>
+    <p:sldId id="327" r:id="rId8"/>
+    <p:sldId id="328" r:id="rId9"/>
+    <p:sldId id="339" r:id="rId10"/>
     <p:sldId id="337" r:id="rId11"/>
-    <p:sldId id="340" r:id="rId12"/>
-    <p:sldId id="312" r:id="rId13"/>
-    <p:sldId id="268" r:id="rId14"/>
-    <p:sldId id="341" r:id="rId15"/>
-    <p:sldId id="270" r:id="rId16"/>
-    <p:sldId id="267" r:id="rId17"/>
+    <p:sldId id="344" r:id="rId12"/>
+    <p:sldId id="345" r:id="rId13"/>
+    <p:sldId id="346" r:id="rId14"/>
+    <p:sldId id="315" r:id="rId15"/>
+    <p:sldId id="343" r:id="rId16"/>
+    <p:sldId id="340" r:id="rId17"/>
+    <p:sldId id="312" r:id="rId18"/>
+    <p:sldId id="268" r:id="rId19"/>
+    <p:sldId id="341" r:id="rId20"/>
+    <p:sldId id="270" r:id="rId21"/>
+    <p:sldId id="267" r:id="rId22"/>
   </p:sldIdLst>
   <p:sldSz cx="9144000" cy="6858000" type="screen4x3"/>
   <p:notesSz cx="6858000" cy="9144000"/>
@@ -207,7 +212,7 @@
           <a:p>
             <a:fld id="{9B5D41C8-0A92-DD47-AB00-F0EFFD66679B}" type="datetimeFigureOut">
               <a:rPr lang="en-US" smtClean="0"/>
-              <a:t>9/29/11</a:t>
+              <a:t>10/1/11</a:t>
             </a:fld>
             <a:endParaRPr lang="en-US"/>
           </a:p>
@@ -632,7 +637,7 @@
           <a:p>
             <a:fld id="{F0AB357A-3C6D-9E43-AB07-807CDFEA83A0}" type="slidenum">
               <a:rPr lang="en-US" smtClean="0"/>
-              <a:t>3</a:t>
+              <a:t>4</a:t>
             </a:fld>
             <a:endParaRPr lang="en-US"/>
           </a:p>
@@ -728,7 +733,7 @@
           <a:p>
             <a:fld id="{F0AB357A-3C6D-9E43-AB07-807CDFEA83A0}" type="slidenum">
               <a:rPr lang="en-US" smtClean="0"/>
-              <a:t>4</a:t>
+              <a:t>5</a:t>
             </a:fld>
             <a:endParaRPr lang="en-US"/>
           </a:p>
@@ -816,7 +821,7 @@
           <a:p>
             <a:fld id="{F0AB357A-3C6D-9E43-AB07-807CDFEA83A0}" type="slidenum">
               <a:rPr lang="en-US" smtClean="0"/>
-              <a:t>5</a:t>
+              <a:t>6</a:t>
             </a:fld>
             <a:endParaRPr lang="en-US"/>
           </a:p>
@@ -904,7 +909,7 @@
           <a:p>
             <a:fld id="{F0AB357A-3C6D-9E43-AB07-807CDFEA83A0}" type="slidenum">
               <a:rPr lang="en-US" smtClean="0"/>
-              <a:t>11</a:t>
+              <a:t>16</a:t>
             </a:fld>
             <a:endParaRPr lang="en-US"/>
           </a:p>
@@ -992,7 +997,7 @@
           <a:p>
             <a:fld id="{F0AB357A-3C6D-9E43-AB07-807CDFEA83A0}" type="slidenum">
               <a:rPr lang="en-US" smtClean="0"/>
-              <a:t>12</a:t>
+              <a:t>17</a:t>
             </a:fld>
             <a:endParaRPr lang="en-US"/>
           </a:p>
@@ -1080,7 +1085,7 @@
           <a:p>
             <a:fld id="{F0AB357A-3C6D-9E43-AB07-807CDFEA83A0}" type="slidenum">
               <a:rPr lang="en-US" smtClean="0"/>
-              <a:t>13</a:t>
+              <a:t>18</a:t>
             </a:fld>
             <a:endParaRPr lang="en-US"/>
           </a:p>
@@ -1168,7 +1173,7 @@
           <a:p>
             <a:fld id="{F0AB357A-3C6D-9E43-AB07-807CDFEA83A0}" type="slidenum">
               <a:rPr lang="en-US" smtClean="0"/>
-              <a:t>15</a:t>
+              <a:t>20</a:t>
             </a:fld>
             <a:endParaRPr lang="en-US"/>
           </a:p>
@@ -1264,7 +1269,7 @@
           <a:p>
             <a:fld id="{F0AB357A-3C6D-9E43-AB07-807CDFEA83A0}" type="slidenum">
               <a:rPr lang="en-US" smtClean="0"/>
-              <a:t>16</a:t>
+              <a:t>21</a:t>
             </a:fld>
             <a:endParaRPr lang="en-US"/>
           </a:p>
@@ -1911,7 +1916,7 @@
             <a:fld id="{B7C3F878-F5E8-489B-AC8A-64F2A7E22C28}" type="datetimeFigureOut">
               <a:rPr lang="en-US" smtClean="0"/>
               <a:pPr/>
-              <a:t>9/29/11</a:t>
+              <a:t>10/1/11</a:t>
             </a:fld>
             <a:endParaRPr lang="en-US"/>
           </a:p>
@@ -2118,7 +2123,7 @@
             <a:fld id="{B7C3F878-F5E8-489B-AC8A-64F2A7E22C28}" type="datetimeFigureOut">
               <a:rPr lang="en-US" smtClean="0"/>
               <a:pPr/>
-              <a:t>9/29/11</a:t>
+              <a:t>10/1/11</a:t>
             </a:fld>
             <a:endParaRPr lang="en-US"/>
           </a:p>
@@ -2325,7 +2330,7 @@
             <a:fld id="{B7C3F878-F5E8-489B-AC8A-64F2A7E22C28}" type="datetimeFigureOut">
               <a:rPr lang="en-US" smtClean="0"/>
               <a:pPr/>
-              <a:t>9/29/11</a:t>
+              <a:t>10/1/11</a:t>
             </a:fld>
             <a:endParaRPr lang="en-US"/>
           </a:p>
@@ -2518,7 +2523,7 @@
             <a:fld id="{B7C3F878-F5E8-489B-AC8A-64F2A7E22C28}" type="datetimeFigureOut">
               <a:rPr lang="en-US" smtClean="0"/>
               <a:pPr/>
-              <a:t>9/29/11</a:t>
+              <a:t>10/1/11</a:t>
             </a:fld>
             <a:endParaRPr lang="en-US"/>
           </a:p>
@@ -2759,7 +2764,7 @@
             <a:fld id="{B7C3F878-F5E8-489B-AC8A-64F2A7E22C28}" type="datetimeFigureOut">
               <a:rPr lang="en-US" smtClean="0"/>
               <a:pPr/>
-              <a:t>9/29/11</a:t>
+              <a:t>10/1/11</a:t>
             </a:fld>
             <a:endParaRPr lang="en-US"/>
           </a:p>
@@ -2874,7 +2879,7 @@
             <a:fld id="{B7C3F878-F5E8-489B-AC8A-64F2A7E22C28}" type="datetimeFigureOut">
               <a:rPr lang="en-US" smtClean="0"/>
               <a:pPr/>
-              <a:t>9/29/11</a:t>
+              <a:t>10/1/11</a:t>
             </a:fld>
             <a:endParaRPr lang="en-US"/>
           </a:p>
@@ -3306,7 +3311,7 @@
             <a:fld id="{B7C3F878-F5E8-489B-AC8A-64F2A7E22C28}" type="datetimeFigureOut">
               <a:rPr lang="en-US" smtClean="0"/>
               <a:pPr/>
-              <a:t>9/29/11</a:t>
+              <a:t>10/1/11</a:t>
             </a:fld>
             <a:endParaRPr lang="en-US"/>
           </a:p>
@@ -3587,7 +3592,7 @@
             <a:fld id="{B7C3F878-F5E8-489B-AC8A-64F2A7E22C28}" type="datetimeFigureOut">
               <a:rPr lang="en-US" smtClean="0"/>
               <a:pPr/>
-              <a:t>9/29/11</a:t>
+              <a:t>10/1/11</a:t>
             </a:fld>
             <a:endParaRPr lang="en-US"/>
           </a:p>
@@ -3679,7 +3684,7 @@
             <a:fld id="{B7C3F878-F5E8-489B-AC8A-64F2A7E22C28}" type="datetimeFigureOut">
               <a:rPr lang="en-US" smtClean="0"/>
               <a:pPr/>
-              <a:t>9/29/11</a:t>
+              <a:t>10/1/11</a:t>
             </a:fld>
             <a:endParaRPr lang="en-US"/>
           </a:p>
@@ -4518,7 +4523,7 @@
             <a:fld id="{B7C3F878-F5E8-489B-AC8A-64F2A7E22C28}" type="datetimeFigureOut">
               <a:rPr lang="en-US" smtClean="0"/>
               <a:pPr/>
-              <a:t>9/29/11</a:t>
+              <a:t>10/1/11</a:t>
             </a:fld>
             <a:endParaRPr lang="en-US"/>
           </a:p>
@@ -5351,7 +5356,7 @@
             <a:fld id="{B7C3F878-F5E8-489B-AC8A-64F2A7E22C28}" type="datetimeFigureOut">
               <a:rPr lang="en-US" smtClean="0"/>
               <a:pPr/>
-              <a:t>9/29/11</a:t>
+              <a:t>10/1/11</a:t>
             </a:fld>
             <a:endParaRPr lang="en-US"/>
           </a:p>
@@ -6007,7 +6012,7 @@
             <a:fld id="{B7C3F878-F5E8-489B-AC8A-64F2A7E22C28}" type="datetimeFigureOut">
               <a:rPr lang="en-US" smtClean="0"/>
               <a:pPr/>
-              <a:t>9/29/11</a:t>
+              <a:t>10/1/11</a:t>
             </a:fld>
             <a:endParaRPr lang="en-US" dirty="0"/>
           </a:p>
@@ -6780,6 +6785,1055 @@
       </p:grpSpPr>
       <p:sp>
         <p:nvSpPr>
+          <p:cNvPr id="2" name="Title 1"/>
+          <p:cNvSpPr>
+            <a:spLocks noGrp="1"/>
+          </p:cNvSpPr>
+          <p:nvPr>
+            <p:ph type="title"/>
+          </p:nvPr>
+        </p:nvSpPr>
+        <p:spPr/>
+        <p:txBody>
+          <a:bodyPr/>
+          <a:lstStyle/>
+          <a:p>
+            <a:r>
+              <a:rPr lang="en-US" dirty="0" smtClean="0"/>
+              <a:t>color</a:t>
+            </a:r>
+            <a:endParaRPr lang="en-US" dirty="0"/>
+          </a:p>
+        </p:txBody>
+      </p:sp>
+      <p:sp>
+        <p:nvSpPr>
+          <p:cNvPr id="3" name="Content Placeholder 2"/>
+          <p:cNvSpPr>
+            <a:spLocks noGrp="1"/>
+          </p:cNvSpPr>
+          <p:nvPr>
+            <p:ph idx="1"/>
+          </p:nvPr>
+        </p:nvSpPr>
+        <p:spPr/>
+        <p:txBody>
+          <a:bodyPr>
+            <a:normAutofit fontScale="92500" lnSpcReduction="20000"/>
+          </a:bodyPr>
+          <a:lstStyle/>
+          <a:p>
+            <a:r>
+              <a:rPr lang="en-US" dirty="0"/>
+              <a:t>Learn more: </a:t>
+            </a:r>
+            <a:r>
+              <a:rPr lang="en-US" dirty="0">
+                <a:hlinkClick r:id="rId2"/>
+              </a:rPr>
+              <a:t>http://www.w3.org/TR/CSS2/</a:t>
+            </a:r>
+            <a:r>
+              <a:rPr lang="en-US" dirty="0" err="1">
+                <a:hlinkClick r:id="rId2"/>
+              </a:rPr>
+              <a:t>colors.html#propdef-color</a:t>
+            </a:r>
+            <a:endParaRPr lang="en-US" dirty="0"/>
+          </a:p>
+          <a:p>
+            <a:r>
+              <a:rPr lang="en-US" dirty="0" smtClean="0"/>
+              <a:t>Names</a:t>
+            </a:r>
+            <a:r>
+              <a:rPr lang="en-US" dirty="0"/>
+              <a:t>: aqua, black, blue, fuchsia, gray, green, lime, maroon, navy, olive, orange, purple, red, silver, teal, white, and </a:t>
+            </a:r>
+            <a:r>
+              <a:rPr lang="en-US" dirty="0" smtClean="0"/>
+              <a:t>yellow</a:t>
+            </a:r>
+          </a:p>
+          <a:p>
+            <a:r>
+              <a:rPr lang="en-US" dirty="0" smtClean="0"/>
+              <a:t>Hexadecimal: #</a:t>
+            </a:r>
+            <a:r>
+              <a:rPr lang="en-US" dirty="0" err="1" smtClean="0"/>
+              <a:t>ffffff</a:t>
+            </a:r>
+            <a:r>
+              <a:rPr lang="en-US" dirty="0" smtClean="0"/>
+              <a:t>, #000000, #800000, #c0c0c0, #808080, #008080</a:t>
+            </a:r>
+          </a:p>
+          <a:p>
+            <a:r>
+              <a:rPr lang="en-US" dirty="0" smtClean="0"/>
+              <a:t>Shortcut: #</a:t>
+            </a:r>
+            <a:r>
+              <a:rPr lang="en-US" dirty="0" err="1" smtClean="0"/>
+              <a:t>fff</a:t>
+            </a:r>
+            <a:r>
+              <a:rPr lang="en-US" dirty="0" smtClean="0"/>
+              <a:t> = #</a:t>
+            </a:r>
+            <a:r>
+              <a:rPr lang="en-US" dirty="0" err="1" smtClean="0"/>
+              <a:t>ffffff</a:t>
+            </a:r>
+            <a:r>
+              <a:rPr lang="en-US" dirty="0" smtClean="0"/>
+              <a:t>, #0f0 = #00ff00, #123 = #112233</a:t>
+            </a:r>
+          </a:p>
+          <a:p>
+            <a:r>
+              <a:rPr lang="en-US" dirty="0" smtClean="0"/>
+              <a:t>RGB: </a:t>
+            </a:r>
+            <a:r>
+              <a:rPr lang="en-US" dirty="0" err="1" smtClean="0"/>
+              <a:t>rgb</a:t>
+            </a:r>
+            <a:r>
+              <a:rPr lang="en-US" dirty="0" smtClean="0"/>
+              <a:t>(255, 0, 0), </a:t>
+            </a:r>
+            <a:r>
+              <a:rPr lang="en-US" dirty="0" err="1" smtClean="0"/>
+              <a:t>rgb</a:t>
+            </a:r>
+            <a:r>
+              <a:rPr lang="en-US" dirty="0" smtClean="0"/>
+              <a:t>(100%, 0%, 0%)</a:t>
+            </a:r>
+          </a:p>
+        </p:txBody>
+      </p:sp>
+      <p:sp>
+        <p:nvSpPr>
+          <p:cNvPr id="4" name="Footer Placeholder 3"/>
+          <p:cNvSpPr>
+            <a:spLocks noGrp="1"/>
+          </p:cNvSpPr>
+          <p:nvPr>
+            <p:ph type="ftr" sz="quarter" idx="11"/>
+          </p:nvPr>
+        </p:nvSpPr>
+        <p:spPr/>
+        <p:txBody>
+          <a:bodyPr/>
+          <a:lstStyle/>
+          <a:p>
+            <a:r>
+              <a:rPr lang="en-US" smtClean="0"/>
+              <a:t>http://dl.dropbox.com/u/41609448/art329/slides/classfour/slides/color/index.html</a:t>
+            </a:r>
+            <a:endParaRPr lang="en-US"/>
+          </a:p>
+        </p:txBody>
+      </p:sp>
+    </p:spTree>
+    <p:extLst>
+      <p:ext uri="{BB962C8B-B14F-4D97-AF65-F5344CB8AC3E}">
+        <p14:creationId xmlns:p14="http://schemas.microsoft.com/office/powerpoint/2010/main" val="1990626582"/>
+      </p:ext>
+    </p:extLst>
+  </p:cSld>
+  <p:clrMapOvr>
+    <a:masterClrMapping/>
+  </p:clrMapOvr>
+</p:sld>
+</file>
+
+<file path=ppt/slides/slide12.xml><?xml version="1.0" encoding="utf-8"?>
+<p:sld xmlns:a="http://schemas.openxmlformats.org/drawingml/2006/main" xmlns:r="http://schemas.openxmlformats.org/officeDocument/2006/relationships" xmlns:p="http://schemas.openxmlformats.org/presentationml/2006/main">
+  <p:cSld>
+    <p:spTree>
+      <p:nvGrpSpPr>
+        <p:cNvPr id="1" name=""/>
+        <p:cNvGrpSpPr/>
+        <p:nvPr/>
+      </p:nvGrpSpPr>
+      <p:grpSpPr>
+        <a:xfrm>
+          <a:off x="0" y="0"/>
+          <a:ext cx="0" cy="0"/>
+          <a:chOff x="0" y="0"/>
+          <a:chExt cx="0" cy="0"/>
+        </a:xfrm>
+      </p:grpSpPr>
+      <p:sp>
+        <p:nvSpPr>
+          <p:cNvPr id="2" name="Title 1"/>
+          <p:cNvSpPr>
+            <a:spLocks noGrp="1"/>
+          </p:cNvSpPr>
+          <p:nvPr>
+            <p:ph type="title"/>
+          </p:nvPr>
+        </p:nvSpPr>
+        <p:spPr/>
+        <p:txBody>
+          <a:bodyPr/>
+          <a:lstStyle/>
+          <a:p>
+            <a:r>
+              <a:rPr lang="en-US" dirty="0" smtClean="0"/>
+              <a:t>background</a:t>
+            </a:r>
+            <a:endParaRPr lang="en-US" dirty="0"/>
+          </a:p>
+        </p:txBody>
+      </p:sp>
+      <p:sp>
+        <p:nvSpPr>
+          <p:cNvPr id="3" name="Content Placeholder 2"/>
+          <p:cNvSpPr>
+            <a:spLocks noGrp="1"/>
+          </p:cNvSpPr>
+          <p:nvPr>
+            <p:ph idx="1"/>
+          </p:nvPr>
+        </p:nvSpPr>
+        <p:spPr/>
+        <p:txBody>
+          <a:bodyPr>
+            <a:normAutofit fontScale="85000" lnSpcReduction="20000"/>
+          </a:bodyPr>
+          <a:lstStyle/>
+          <a:p>
+            <a:r>
+              <a:rPr lang="en-US" dirty="0"/>
+              <a:t>Learn more: </a:t>
+            </a:r>
+            <a:r>
+              <a:rPr lang="en-US" dirty="0">
+                <a:hlinkClick r:id="rId2"/>
+              </a:rPr>
+              <a:t>http://www.w3.org/TR/CSS2/</a:t>
+            </a:r>
+            <a:r>
+              <a:rPr lang="en-US" dirty="0" err="1">
+                <a:hlinkClick r:id="rId2"/>
+              </a:rPr>
+              <a:t>colors.html#background</a:t>
+            </a:r>
+            <a:endParaRPr lang="en-US" dirty="0"/>
+          </a:p>
+          <a:p>
+            <a:r>
+              <a:rPr lang="en-US" dirty="0" smtClean="0"/>
+              <a:t>background-color: &lt;color&gt;</a:t>
+            </a:r>
+          </a:p>
+          <a:p>
+            <a:r>
+              <a:rPr lang="en-US" dirty="0" smtClean="0"/>
+              <a:t>background-image: </a:t>
+            </a:r>
+            <a:r>
+              <a:rPr lang="en-US" dirty="0" err="1" smtClean="0"/>
+              <a:t>url</a:t>
+            </a:r>
+            <a:r>
+              <a:rPr lang="en-US" dirty="0" smtClean="0"/>
+              <a:t>('</a:t>
+            </a:r>
+            <a:r>
+              <a:rPr lang="en-US" dirty="0" err="1" smtClean="0"/>
+              <a:t>background.png</a:t>
+            </a:r>
+            <a:r>
+              <a:rPr lang="en-US" dirty="0" smtClean="0"/>
+              <a:t>');</a:t>
+            </a:r>
+          </a:p>
+          <a:p>
+            <a:r>
+              <a:rPr lang="en-US" dirty="0" smtClean="0"/>
+              <a:t>background-repeat: repeat, repeat-x, repeat-y, no-repeat</a:t>
+            </a:r>
+          </a:p>
+          <a:p>
+            <a:r>
+              <a:rPr lang="en-US" dirty="0" smtClean="0"/>
+              <a:t>background-attachment: scroll, fixed</a:t>
+            </a:r>
+          </a:p>
+          <a:p>
+            <a:r>
+              <a:rPr lang="en-US" dirty="0" smtClean="0"/>
+              <a:t>background-position: %, 40px, (top, right, bottom, left)</a:t>
+            </a:r>
+          </a:p>
+          <a:p>
+            <a:r>
+              <a:rPr lang="en-US" dirty="0" smtClean="0"/>
+              <a:t>background: color, image, repeat, attachment, position</a:t>
+            </a:r>
+            <a:endParaRPr lang="en-US" dirty="0"/>
+          </a:p>
+        </p:txBody>
+      </p:sp>
+      <p:sp>
+        <p:nvSpPr>
+          <p:cNvPr id="4" name="Footer Placeholder 3"/>
+          <p:cNvSpPr>
+            <a:spLocks noGrp="1"/>
+          </p:cNvSpPr>
+          <p:nvPr>
+            <p:ph type="ftr" sz="quarter" idx="11"/>
+          </p:nvPr>
+        </p:nvSpPr>
+        <p:spPr/>
+        <p:txBody>
+          <a:bodyPr/>
+          <a:lstStyle/>
+          <a:p>
+            <a:r>
+              <a:rPr lang="en-US" dirty="0" smtClean="0"/>
+              <a:t>http://</a:t>
+            </a:r>
+            <a:r>
+              <a:rPr lang="en-US" dirty="0" err="1" smtClean="0"/>
+              <a:t>dl.dropbox.com</a:t>
+            </a:r>
+            <a:r>
+              <a:rPr lang="en-US" dirty="0" smtClean="0"/>
+              <a:t>/u/41609448/art329/slides/</a:t>
+            </a:r>
+            <a:r>
+              <a:rPr lang="en-US" dirty="0" err="1" smtClean="0"/>
+              <a:t>classfour</a:t>
+            </a:r>
+            <a:r>
+              <a:rPr lang="en-US" dirty="0" smtClean="0"/>
+              <a:t>/slides/background/</a:t>
+            </a:r>
+            <a:r>
+              <a:rPr lang="en-US" dirty="0" err="1" smtClean="0"/>
+              <a:t>index.html</a:t>
+            </a:r>
+            <a:endParaRPr lang="en-US" dirty="0"/>
+          </a:p>
+        </p:txBody>
+      </p:sp>
+    </p:spTree>
+    <p:extLst>
+      <p:ext uri="{BB962C8B-B14F-4D97-AF65-F5344CB8AC3E}">
+        <p14:creationId xmlns:p14="http://schemas.microsoft.com/office/powerpoint/2010/main" val="1497569621"/>
+      </p:ext>
+    </p:extLst>
+  </p:cSld>
+  <p:clrMapOvr>
+    <a:masterClrMapping/>
+  </p:clrMapOvr>
+</p:sld>
+</file>
+
+<file path=ppt/slides/slide13.xml><?xml version="1.0" encoding="utf-8"?>
+<p:sld xmlns:a="http://schemas.openxmlformats.org/drawingml/2006/main" xmlns:r="http://schemas.openxmlformats.org/officeDocument/2006/relationships" xmlns:p="http://schemas.openxmlformats.org/presentationml/2006/main">
+  <p:cSld>
+    <p:spTree>
+      <p:nvGrpSpPr>
+        <p:cNvPr id="1" name=""/>
+        <p:cNvGrpSpPr/>
+        <p:nvPr/>
+      </p:nvGrpSpPr>
+      <p:grpSpPr>
+        <a:xfrm>
+          <a:off x="0" y="0"/>
+          <a:ext cx="0" cy="0"/>
+          <a:chOff x="0" y="0"/>
+          <a:chExt cx="0" cy="0"/>
+        </a:xfrm>
+      </p:grpSpPr>
+      <p:sp>
+        <p:nvSpPr>
+          <p:cNvPr id="2" name="Title 1"/>
+          <p:cNvSpPr>
+            <a:spLocks noGrp="1"/>
+          </p:cNvSpPr>
+          <p:nvPr>
+            <p:ph type="title"/>
+          </p:nvPr>
+        </p:nvSpPr>
+        <p:spPr/>
+        <p:txBody>
+          <a:bodyPr/>
+          <a:lstStyle/>
+          <a:p>
+            <a:r>
+              <a:rPr lang="en-US" dirty="0" smtClean="0"/>
+              <a:t>border</a:t>
+            </a:r>
+            <a:endParaRPr lang="en-US" dirty="0"/>
+          </a:p>
+        </p:txBody>
+      </p:sp>
+      <p:sp>
+        <p:nvSpPr>
+          <p:cNvPr id="3" name="Content Placeholder 2"/>
+          <p:cNvSpPr>
+            <a:spLocks noGrp="1"/>
+          </p:cNvSpPr>
+          <p:nvPr>
+            <p:ph idx="1"/>
+          </p:nvPr>
+        </p:nvSpPr>
+        <p:spPr/>
+        <p:txBody>
+          <a:bodyPr>
+            <a:normAutofit fontScale="85000" lnSpcReduction="20000"/>
+          </a:bodyPr>
+          <a:lstStyle/>
+          <a:p>
+            <a:r>
+              <a:rPr lang="en-US" dirty="0" smtClean="0"/>
+              <a:t>Learn more: </a:t>
+            </a:r>
+            <a:r>
+              <a:rPr lang="en-US" dirty="0" smtClean="0">
+                <a:hlinkClick r:id="rId2"/>
+              </a:rPr>
+              <a:t>http://www.w3.org/TR/CSS2/box.html - border-properties</a:t>
+            </a:r>
+            <a:endParaRPr lang="en-US" dirty="0" smtClean="0"/>
+          </a:p>
+          <a:p>
+            <a:r>
+              <a:rPr lang="en-US" dirty="0" smtClean="0"/>
+              <a:t>Four sides: top, left, right, bottom</a:t>
+            </a:r>
+          </a:p>
+          <a:p>
+            <a:r>
+              <a:rPr lang="en-US" dirty="0" smtClean="0"/>
+              <a:t>border-top-width, border-left-width, border-right-width, border-bottom-width, border-width: thin, medium, thick, 2px</a:t>
+            </a:r>
+          </a:p>
+          <a:p>
+            <a:r>
+              <a:rPr lang="en-US" dirty="0"/>
+              <a:t>border-top</a:t>
+            </a:r>
+            <a:r>
+              <a:rPr lang="en-US" dirty="0" smtClean="0"/>
+              <a:t>-color, </a:t>
+            </a:r>
+            <a:r>
+              <a:rPr lang="en-US" dirty="0"/>
+              <a:t>border-left</a:t>
+            </a:r>
+            <a:r>
+              <a:rPr lang="en-US" dirty="0" smtClean="0"/>
+              <a:t>-</a:t>
+            </a:r>
+            <a:r>
+              <a:rPr lang="en-US" dirty="0"/>
+              <a:t>color</a:t>
+            </a:r>
+            <a:r>
+              <a:rPr lang="en-US" dirty="0" smtClean="0"/>
+              <a:t>, </a:t>
+            </a:r>
+            <a:r>
+              <a:rPr lang="en-US" dirty="0"/>
+              <a:t>border-right</a:t>
+            </a:r>
+            <a:r>
+              <a:rPr lang="en-US" dirty="0" smtClean="0"/>
+              <a:t>-</a:t>
+            </a:r>
+            <a:r>
+              <a:rPr lang="en-US" dirty="0"/>
+              <a:t>color</a:t>
+            </a:r>
+            <a:r>
+              <a:rPr lang="en-US" dirty="0" smtClean="0"/>
+              <a:t>, </a:t>
+            </a:r>
+            <a:r>
+              <a:rPr lang="en-US" dirty="0"/>
+              <a:t>border-bottom</a:t>
+            </a:r>
+            <a:r>
+              <a:rPr lang="en-US" dirty="0" smtClean="0"/>
+              <a:t>-</a:t>
+            </a:r>
+            <a:r>
+              <a:rPr lang="en-US" dirty="0"/>
+              <a:t>color</a:t>
+            </a:r>
+            <a:r>
+              <a:rPr lang="en-US" dirty="0" smtClean="0"/>
+              <a:t>, </a:t>
+            </a:r>
+            <a:r>
+              <a:rPr lang="en-US" dirty="0"/>
+              <a:t>border</a:t>
+            </a:r>
+            <a:r>
+              <a:rPr lang="en-US" dirty="0" smtClean="0"/>
+              <a:t>-</a:t>
+            </a:r>
+            <a:r>
+              <a:rPr lang="en-US" dirty="0"/>
+              <a:t>color</a:t>
+            </a:r>
+            <a:r>
+              <a:rPr lang="en-US" dirty="0" smtClean="0"/>
+              <a:t>: color, transparent</a:t>
+            </a:r>
+          </a:p>
+          <a:p>
+            <a:r>
+              <a:rPr lang="en-US" dirty="0"/>
+              <a:t>border-top</a:t>
+            </a:r>
+            <a:r>
+              <a:rPr lang="en-US" dirty="0" smtClean="0"/>
+              <a:t>-style, </a:t>
+            </a:r>
+            <a:r>
+              <a:rPr lang="en-US" dirty="0"/>
+              <a:t>border-left</a:t>
+            </a:r>
+            <a:r>
+              <a:rPr lang="en-US" dirty="0" smtClean="0"/>
+              <a:t>-</a:t>
+            </a:r>
+            <a:r>
+              <a:rPr lang="en-US" dirty="0"/>
+              <a:t>style</a:t>
+            </a:r>
+            <a:r>
+              <a:rPr lang="en-US" dirty="0" smtClean="0"/>
+              <a:t>, </a:t>
+            </a:r>
+            <a:r>
+              <a:rPr lang="en-US" dirty="0"/>
+              <a:t>border-right</a:t>
+            </a:r>
+            <a:r>
+              <a:rPr lang="en-US" dirty="0" smtClean="0"/>
+              <a:t>-</a:t>
+            </a:r>
+            <a:r>
+              <a:rPr lang="en-US" dirty="0"/>
+              <a:t>style</a:t>
+            </a:r>
+            <a:r>
+              <a:rPr lang="en-US" dirty="0" smtClean="0"/>
+              <a:t>, </a:t>
+            </a:r>
+            <a:r>
+              <a:rPr lang="en-US" dirty="0"/>
+              <a:t>border-bottom</a:t>
+            </a:r>
+            <a:r>
+              <a:rPr lang="en-US" dirty="0" smtClean="0"/>
+              <a:t>-</a:t>
+            </a:r>
+            <a:r>
+              <a:rPr lang="en-US" dirty="0"/>
+              <a:t>style</a:t>
+            </a:r>
+            <a:r>
+              <a:rPr lang="en-US" dirty="0" smtClean="0"/>
+              <a:t>, </a:t>
+            </a:r>
+            <a:r>
+              <a:rPr lang="en-US" dirty="0"/>
+              <a:t>border</a:t>
+            </a:r>
+            <a:r>
+              <a:rPr lang="en-US" dirty="0" smtClean="0"/>
+              <a:t>-</a:t>
+            </a:r>
+            <a:r>
+              <a:rPr lang="en-US" dirty="0"/>
+              <a:t>style</a:t>
+            </a:r>
+            <a:r>
+              <a:rPr lang="en-US" dirty="0" smtClean="0"/>
+              <a:t>: none, dotted, dashed, solid, double, groove, ridge, inset, outset</a:t>
+            </a:r>
+          </a:p>
+          <a:p>
+            <a:r>
+              <a:rPr lang="en-US" dirty="0" smtClean="0"/>
+              <a:t>border: width, style, color</a:t>
+            </a:r>
+            <a:endParaRPr lang="en-US" dirty="0"/>
+          </a:p>
+        </p:txBody>
+      </p:sp>
+      <p:sp>
+        <p:nvSpPr>
+          <p:cNvPr id="4" name="Footer Placeholder 3"/>
+          <p:cNvSpPr>
+            <a:spLocks noGrp="1"/>
+          </p:cNvSpPr>
+          <p:nvPr>
+            <p:ph type="ftr" sz="quarter" idx="11"/>
+          </p:nvPr>
+        </p:nvSpPr>
+        <p:spPr/>
+        <p:txBody>
+          <a:bodyPr/>
+          <a:lstStyle/>
+          <a:p>
+            <a:r>
+              <a:rPr lang="en-US" smtClean="0"/>
+              <a:t>http://dl.dropbox.com/u/41609448/art329/slides/classfour/slides/border/index.html </a:t>
+            </a:r>
+            <a:endParaRPr lang="en-US"/>
+          </a:p>
+        </p:txBody>
+      </p:sp>
+    </p:spTree>
+    <p:extLst>
+      <p:ext uri="{BB962C8B-B14F-4D97-AF65-F5344CB8AC3E}">
+        <p14:creationId xmlns:p14="http://schemas.microsoft.com/office/powerpoint/2010/main" val="51504665"/>
+      </p:ext>
+    </p:extLst>
+  </p:cSld>
+  <p:clrMapOvr>
+    <a:masterClrMapping/>
+  </p:clrMapOvr>
+</p:sld>
+</file>
+
+<file path=ppt/slides/slide14.xml><?xml version="1.0" encoding="utf-8"?>
+<p:sld xmlns:a="http://schemas.openxmlformats.org/drawingml/2006/main" xmlns:r="http://schemas.openxmlformats.org/officeDocument/2006/relationships" xmlns:p="http://schemas.openxmlformats.org/presentationml/2006/main">
+  <p:cSld>
+    <p:spTree>
+      <p:nvGrpSpPr>
+        <p:cNvPr id="1" name=""/>
+        <p:cNvGrpSpPr/>
+        <p:nvPr/>
+      </p:nvGrpSpPr>
+      <p:grpSpPr>
+        <a:xfrm>
+          <a:off x="0" y="0"/>
+          <a:ext cx="0" cy="0"/>
+          <a:chOff x="0" y="0"/>
+          <a:chExt cx="0" cy="0"/>
+        </a:xfrm>
+      </p:grpSpPr>
+      <p:sp>
+        <p:nvSpPr>
+          <p:cNvPr id="2" name="Title 1"/>
+          <p:cNvSpPr>
+            <a:spLocks noGrp="1"/>
+          </p:cNvSpPr>
+          <p:nvPr>
+            <p:ph type="title"/>
+          </p:nvPr>
+        </p:nvSpPr>
+        <p:spPr/>
+        <p:txBody>
+          <a:bodyPr/>
+          <a:lstStyle/>
+          <a:p>
+            <a:r>
+              <a:rPr lang="en-US" dirty="0" smtClean="0"/>
+              <a:t>Layout</a:t>
+            </a:r>
+            <a:endParaRPr lang="en-US" dirty="0"/>
+          </a:p>
+        </p:txBody>
+      </p:sp>
+      <p:sp>
+        <p:nvSpPr>
+          <p:cNvPr id="3" name="Content Placeholder 2"/>
+          <p:cNvSpPr>
+            <a:spLocks noGrp="1"/>
+          </p:cNvSpPr>
+          <p:nvPr>
+            <p:ph idx="1"/>
+          </p:nvPr>
+        </p:nvSpPr>
+        <p:spPr/>
+        <p:txBody>
+          <a:bodyPr>
+            <a:normAutofit fontScale="92500" lnSpcReduction="10000"/>
+          </a:bodyPr>
+          <a:lstStyle/>
+          <a:p>
+            <a:r>
+              <a:rPr lang="en-US" dirty="0" smtClean="0"/>
+              <a:t>position – absolute, </a:t>
+            </a:r>
+            <a:r>
+              <a:rPr lang="en-US" dirty="0"/>
+              <a:t>relative, fixed, </a:t>
+            </a:r>
+            <a:r>
+              <a:rPr lang="en-US" dirty="0" smtClean="0"/>
+              <a:t>static</a:t>
+            </a:r>
+          </a:p>
+          <a:p>
+            <a:r>
+              <a:rPr lang="en-US" dirty="0" smtClean="0"/>
+              <a:t>top</a:t>
+            </a:r>
+            <a:r>
+              <a:rPr lang="en-US" dirty="0"/>
+              <a:t>, left, right, </a:t>
+            </a:r>
+            <a:r>
+              <a:rPr lang="en-US" dirty="0" smtClean="0"/>
+              <a:t>bottom</a:t>
+            </a:r>
+            <a:r>
+              <a:rPr lang="en-US" dirty="0"/>
+              <a:t> </a:t>
+            </a:r>
+            <a:r>
+              <a:rPr lang="en-US" dirty="0" smtClean="0"/>
+              <a:t>– where to position</a:t>
+            </a:r>
+          </a:p>
+          <a:p>
+            <a:r>
+              <a:rPr lang="en-US" dirty="0"/>
+              <a:t>z-</a:t>
+            </a:r>
+            <a:r>
+              <a:rPr lang="en-US" dirty="0" smtClean="0"/>
+              <a:t>index - number</a:t>
+            </a:r>
+          </a:p>
+          <a:p>
+            <a:r>
+              <a:rPr lang="en-US" dirty="0" smtClean="0"/>
+              <a:t>float – left, right, none</a:t>
+            </a:r>
+          </a:p>
+          <a:p>
+            <a:r>
+              <a:rPr lang="en-US" dirty="0" smtClean="0"/>
+              <a:t>display – block, inline, inline-block, none</a:t>
+            </a:r>
+          </a:p>
+          <a:p>
+            <a:r>
+              <a:rPr lang="en-US" dirty="0" smtClean="0"/>
+              <a:t>width</a:t>
+            </a:r>
+            <a:r>
+              <a:rPr lang="en-US" dirty="0"/>
+              <a:t>, </a:t>
+            </a:r>
+            <a:r>
+              <a:rPr lang="en-US" dirty="0" smtClean="0"/>
+              <a:t>height – number in pixels (usually)</a:t>
+            </a:r>
+          </a:p>
+          <a:p>
+            <a:r>
+              <a:rPr lang="en-US" dirty="0" smtClean="0"/>
+              <a:t>margin</a:t>
+            </a:r>
+            <a:r>
+              <a:rPr lang="en-US" dirty="0"/>
+              <a:t>, </a:t>
+            </a:r>
+            <a:r>
+              <a:rPr lang="en-US" dirty="0" smtClean="0"/>
+              <a:t>padding – number in pixels (usually)</a:t>
+            </a:r>
+            <a:endParaRPr lang="en-US" dirty="0"/>
+          </a:p>
+          <a:p>
+            <a:r>
+              <a:rPr lang="en-US" dirty="0" smtClean="0"/>
+              <a:t>list-style: image, position, type</a:t>
+            </a:r>
+            <a:endParaRPr lang="en-US" dirty="0"/>
+          </a:p>
+          <a:p>
+            <a:r>
+              <a:rPr lang="en-US" dirty="0" smtClean="0"/>
+              <a:t>overflow – auto, hidden, scroll, visible</a:t>
+            </a:r>
+            <a:endParaRPr lang="en-US" dirty="0"/>
+          </a:p>
+        </p:txBody>
+      </p:sp>
+    </p:spTree>
+    <p:extLst>
+      <p:ext uri="{BB962C8B-B14F-4D97-AF65-F5344CB8AC3E}">
+        <p14:creationId xmlns:p14="http://schemas.microsoft.com/office/powerpoint/2010/main" val="1293711312"/>
+      </p:ext>
+    </p:extLst>
+  </p:cSld>
+  <p:clrMapOvr>
+    <a:masterClrMapping/>
+  </p:clrMapOvr>
+  <p:timing>
+    <p:tnLst>
+      <p:par>
+        <p:cTn xmlns:p14="http://schemas.microsoft.com/office/powerpoint/2010/main" id="1" dur="indefinite" restart="never" nodeType="tmRoot"/>
+      </p:par>
+    </p:tnLst>
+  </p:timing>
+</p:sld>
+</file>
+
+<file path=ppt/slides/slide15.xml><?xml version="1.0" encoding="utf-8"?>
+<p:sld xmlns:a="http://schemas.openxmlformats.org/drawingml/2006/main" xmlns:r="http://schemas.openxmlformats.org/officeDocument/2006/relationships" xmlns:p="http://schemas.openxmlformats.org/presentationml/2006/main">
+  <p:cSld>
+    <p:spTree>
+      <p:nvGrpSpPr>
+        <p:cNvPr id="1" name=""/>
+        <p:cNvGrpSpPr/>
+        <p:nvPr/>
+      </p:nvGrpSpPr>
+      <p:grpSpPr>
+        <a:xfrm>
+          <a:off x="0" y="0"/>
+          <a:ext cx="0" cy="0"/>
+          <a:chOff x="0" y="0"/>
+          <a:chExt cx="0" cy="0"/>
+        </a:xfrm>
+      </p:grpSpPr>
+      <p:sp>
+        <p:nvSpPr>
+          <p:cNvPr id="4" name="Title 3"/>
+          <p:cNvSpPr>
+            <a:spLocks noGrp="1"/>
+          </p:cNvSpPr>
+          <p:nvPr>
+            <p:ph type="title"/>
+          </p:nvPr>
+        </p:nvSpPr>
+        <p:spPr/>
+        <p:txBody>
+          <a:bodyPr/>
+          <a:lstStyle/>
+          <a:p>
+            <a:r>
+              <a:rPr lang="en-US" dirty="0" smtClean="0"/>
+              <a:t>position</a:t>
+            </a:r>
+            <a:endParaRPr lang="en-US" dirty="0"/>
+          </a:p>
+        </p:txBody>
+      </p:sp>
+      <p:sp>
+        <p:nvSpPr>
+          <p:cNvPr id="5" name="Content Placeholder 4"/>
+          <p:cNvSpPr>
+            <a:spLocks noGrp="1"/>
+          </p:cNvSpPr>
+          <p:nvPr>
+            <p:ph sz="quarter" idx="13"/>
+          </p:nvPr>
+        </p:nvSpPr>
+        <p:spPr/>
+        <p:txBody>
+          <a:bodyPr>
+            <a:normAutofit/>
+          </a:bodyPr>
+          <a:lstStyle/>
+          <a:p>
+            <a:pPr marL="0" indent="0">
+              <a:buNone/>
+            </a:pPr>
+            <a:r>
+              <a:rPr lang="en-US" sz="1800" dirty="0" smtClean="0">
+                <a:latin typeface="Courier New"/>
+                <a:cs typeface="Courier New"/>
+              </a:rPr>
+              <a:t>&lt;div id="big</a:t>
+            </a:r>
+            <a:r>
+              <a:rPr lang="en-US" sz="1800" dirty="0">
+                <a:latin typeface="Courier New"/>
+                <a:cs typeface="Courier New"/>
+              </a:rPr>
+              <a:t>"</a:t>
+            </a:r>
+            <a:r>
+              <a:rPr lang="en-US" sz="1800" dirty="0" smtClean="0">
+                <a:latin typeface="Courier New"/>
+                <a:cs typeface="Courier New"/>
+              </a:rPr>
+              <a:t>&gt;</a:t>
+            </a:r>
+          </a:p>
+          <a:p>
+            <a:pPr marL="0" indent="0">
+              <a:buNone/>
+            </a:pPr>
+            <a:r>
+              <a:rPr lang="en-US" sz="1800" dirty="0" smtClean="0">
+                <a:latin typeface="Courier New"/>
+                <a:cs typeface="Courier New"/>
+              </a:rPr>
+              <a:t>I am big.</a:t>
+            </a:r>
+          </a:p>
+          <a:p>
+            <a:pPr marL="0" indent="0">
+              <a:buNone/>
+            </a:pPr>
+            <a:r>
+              <a:rPr lang="en-US" sz="1800" dirty="0" smtClean="0">
+                <a:latin typeface="Courier New"/>
+                <a:cs typeface="Courier New"/>
+              </a:rPr>
+              <a:t>&lt;div id="small</a:t>
+            </a:r>
+            <a:r>
+              <a:rPr lang="en-US" sz="1800" dirty="0">
+                <a:latin typeface="Courier New"/>
+                <a:cs typeface="Courier New"/>
+              </a:rPr>
+              <a:t>"</a:t>
+            </a:r>
+            <a:r>
+              <a:rPr lang="en-US" sz="1800" dirty="0" smtClean="0">
+                <a:latin typeface="Courier New"/>
+                <a:cs typeface="Courier New"/>
+              </a:rPr>
+              <a:t>&gt;</a:t>
+            </a:r>
+          </a:p>
+          <a:p>
+            <a:pPr marL="0" indent="0">
+              <a:buNone/>
+            </a:pPr>
+            <a:r>
+              <a:rPr lang="en-US" sz="1800" dirty="0" smtClean="0">
+                <a:latin typeface="Courier New"/>
+                <a:cs typeface="Courier New"/>
+              </a:rPr>
+              <a:t>I am small.</a:t>
+            </a:r>
+          </a:p>
+          <a:p>
+            <a:pPr marL="0" indent="0">
+              <a:buNone/>
+            </a:pPr>
+            <a:r>
+              <a:rPr lang="en-US" sz="1800" dirty="0" smtClean="0">
+                <a:latin typeface="Courier New"/>
+                <a:cs typeface="Courier New"/>
+              </a:rPr>
+              <a:t>&lt;/div&gt;</a:t>
+            </a:r>
+            <a:endParaRPr lang="en-US" sz="1800" dirty="0">
+              <a:latin typeface="Courier New"/>
+              <a:cs typeface="Courier New"/>
+            </a:endParaRPr>
+          </a:p>
+          <a:p>
+            <a:pPr marL="0" indent="0">
+              <a:buNone/>
+            </a:pPr>
+            <a:r>
+              <a:rPr lang="en-US" sz="1800" dirty="0" smtClean="0">
+                <a:latin typeface="Courier New"/>
+                <a:cs typeface="Courier New"/>
+              </a:rPr>
+              <a:t>&lt;/div&gt;</a:t>
+            </a:r>
+            <a:endParaRPr lang="en-US" sz="1800" dirty="0">
+              <a:latin typeface="Courier New"/>
+              <a:cs typeface="Courier New"/>
+            </a:endParaRPr>
+          </a:p>
+        </p:txBody>
+      </p:sp>
+      <p:sp>
+        <p:nvSpPr>
+          <p:cNvPr id="6" name="Content Placeholder 5"/>
+          <p:cNvSpPr>
+            <a:spLocks noGrp="1"/>
+          </p:cNvSpPr>
+          <p:nvPr>
+            <p:ph sz="quarter" idx="14"/>
+          </p:nvPr>
+        </p:nvSpPr>
+        <p:spPr/>
+        <p:txBody>
+          <a:bodyPr>
+            <a:normAutofit/>
+          </a:bodyPr>
+          <a:lstStyle/>
+          <a:p>
+            <a:pPr marL="0" indent="0">
+              <a:buNone/>
+            </a:pPr>
+            <a:r>
+              <a:rPr lang="en-US" sz="1800" dirty="0" smtClean="0">
+                <a:latin typeface="Courier New"/>
+                <a:cs typeface="Courier New"/>
+              </a:rPr>
+              <a:t>#big { position: absolute; top: 0; left: 0; width: 400px; height: 400px; background: red; }</a:t>
+            </a:r>
+          </a:p>
+          <a:p>
+            <a:pPr marL="0" indent="0">
+              <a:buNone/>
+            </a:pPr>
+            <a:r>
+              <a:rPr lang="en-US" sz="1800" dirty="0" smtClean="0">
+                <a:latin typeface="Courier New"/>
+                <a:cs typeface="Courier New"/>
+              </a:rPr>
+              <a:t>#small { position: absolute; right: 0; bottom: 0; width: 100px; height: 100px; background: yellow; }</a:t>
+            </a:r>
+            <a:endParaRPr lang="en-US" sz="1800" dirty="0">
+              <a:latin typeface="Courier New"/>
+              <a:cs typeface="Courier New"/>
+            </a:endParaRPr>
+          </a:p>
+        </p:txBody>
+      </p:sp>
+    </p:spTree>
+    <p:extLst>
+      <p:ext uri="{BB962C8B-B14F-4D97-AF65-F5344CB8AC3E}">
+        <p14:creationId xmlns:p14="http://schemas.microsoft.com/office/powerpoint/2010/main" val="2601200652"/>
+      </p:ext>
+    </p:extLst>
+  </p:cSld>
+  <p:clrMapOvr>
+    <a:masterClrMapping/>
+  </p:clrMapOvr>
+</p:sld>
+</file>
+
+<file path=ppt/slides/slide16.xml><?xml version="1.0" encoding="utf-8"?>
+<p:sld xmlns:a="http://schemas.openxmlformats.org/drawingml/2006/main" xmlns:r="http://schemas.openxmlformats.org/officeDocument/2006/relationships" xmlns:p="http://schemas.openxmlformats.org/presentationml/2006/main">
+  <p:cSld>
+    <p:spTree>
+      <p:nvGrpSpPr>
+        <p:cNvPr id="1" name=""/>
+        <p:cNvGrpSpPr/>
+        <p:nvPr/>
+      </p:nvGrpSpPr>
+      <p:grpSpPr>
+        <a:xfrm>
+          <a:off x="0" y="0"/>
+          <a:ext cx="0" cy="0"/>
+          <a:chOff x="0" y="0"/>
+          <a:chExt cx="0" cy="0"/>
+        </a:xfrm>
+      </p:grpSpPr>
+      <p:sp>
+        <p:nvSpPr>
           <p:cNvPr id="4" name="Title 3"/>
           <p:cNvSpPr>
             <a:spLocks noGrp="1"/>
@@ -6988,7 +8042,7 @@
 </p:sld>
 </file>
 
-<file path=ppt/slides/slide12.xml><?xml version="1.0" encoding="utf-8"?>
+<file path=ppt/slides/slide17.xml><?xml version="1.0" encoding="utf-8"?>
 <p:sld xmlns:a="http://schemas.openxmlformats.org/drawingml/2006/main" xmlns:r="http://schemas.openxmlformats.org/officeDocument/2006/relationships" xmlns:p="http://schemas.openxmlformats.org/presentationml/2006/main">
   <p:cSld>
     <p:spTree>
@@ -7067,7 +8121,7 @@
 </p:sld>
 </file>
 
-<file path=ppt/slides/slide13.xml><?xml version="1.0" encoding="utf-8"?>
+<file path=ppt/slides/slide18.xml><?xml version="1.0" encoding="utf-8"?>
 <p:sld xmlns:a="http://schemas.openxmlformats.org/drawingml/2006/main" xmlns:r="http://schemas.openxmlformats.org/officeDocument/2006/relationships" xmlns:p="http://schemas.openxmlformats.org/presentationml/2006/main">
   <p:cSld>
     <p:spTree>
@@ -7154,7 +8208,7 @@
 </p:sld>
 </file>
 
-<file path=ppt/slides/slide14.xml><?xml version="1.0" encoding="utf-8"?>
+<file path=ppt/slides/slide19.xml><?xml version="1.0" encoding="utf-8"?>
 <p:sld xmlns:a="http://schemas.openxmlformats.org/drawingml/2006/main" xmlns:r="http://schemas.openxmlformats.org/officeDocument/2006/relationships" xmlns:p="http://schemas.openxmlformats.org/presentationml/2006/main">
   <p:cSld>
     <p:spTree>
@@ -7261,7 +8315,132 @@
 </p:sld>
 </file>
 
-<file path=ppt/slides/slide15.xml><?xml version="1.0" encoding="utf-8"?>
+<file path=ppt/slides/slide2.xml><?xml version="1.0" encoding="utf-8"?>
+<p:sld xmlns:a="http://schemas.openxmlformats.org/drawingml/2006/main" xmlns:r="http://schemas.openxmlformats.org/officeDocument/2006/relationships" xmlns:p="http://schemas.openxmlformats.org/presentationml/2006/main">
+  <p:cSld>
+    <p:spTree>
+      <p:nvGrpSpPr>
+        <p:cNvPr id="1" name=""/>
+        <p:cNvGrpSpPr/>
+        <p:nvPr/>
+      </p:nvGrpSpPr>
+      <p:grpSpPr>
+        <a:xfrm>
+          <a:off x="0" y="0"/>
+          <a:ext cx="0" cy="0"/>
+          <a:chOff x="0" y="0"/>
+          <a:chExt cx="0" cy="0"/>
+        </a:xfrm>
+      </p:grpSpPr>
+      <p:sp>
+        <p:nvSpPr>
+          <p:cNvPr id="2" name="Title 1"/>
+          <p:cNvSpPr>
+            <a:spLocks noGrp="1"/>
+          </p:cNvSpPr>
+          <p:nvPr>
+            <p:ph type="title"/>
+          </p:nvPr>
+        </p:nvSpPr>
+        <p:spPr/>
+        <p:txBody>
+          <a:bodyPr/>
+          <a:lstStyle/>
+          <a:p>
+            <a:r>
+              <a:rPr lang="en-US" dirty="0" smtClean="0"/>
+              <a:t>Overview</a:t>
+            </a:r>
+            <a:endParaRPr lang="en-US" dirty="0"/>
+          </a:p>
+        </p:txBody>
+      </p:sp>
+      <p:sp>
+        <p:nvSpPr>
+          <p:cNvPr id="3" name="Content Placeholder 2"/>
+          <p:cNvSpPr>
+            <a:spLocks noGrp="1"/>
+          </p:cNvSpPr>
+          <p:nvPr>
+            <p:ph idx="1"/>
+          </p:nvPr>
+        </p:nvSpPr>
+        <p:spPr/>
+        <p:txBody>
+          <a:bodyPr/>
+          <a:lstStyle/>
+          <a:p>
+            <a:pPr>
+              <a:buFont typeface="Wingdings" charset="2"/>
+              <a:buChar char="v"/>
+            </a:pPr>
+            <a:r>
+              <a:rPr lang="en-US" dirty="0" smtClean="0"/>
+              <a:t>Attendance</a:t>
+            </a:r>
+          </a:p>
+          <a:p>
+            <a:pPr>
+              <a:buFont typeface="Wingdings" charset="2"/>
+              <a:buChar char="v"/>
+            </a:pPr>
+            <a:r>
+              <a:rPr lang="en-US" dirty="0" smtClean="0"/>
+              <a:t>Quiz</a:t>
+            </a:r>
+          </a:p>
+          <a:p>
+            <a:pPr>
+              <a:buFont typeface="Wingdings" charset="2"/>
+              <a:buChar char="v"/>
+            </a:pPr>
+            <a:r>
+              <a:rPr lang="en-US" dirty="0" smtClean="0"/>
+              <a:t>Autopsy</a:t>
+            </a:r>
+            <a:endParaRPr lang="en-US" dirty="0"/>
+          </a:p>
+          <a:p>
+            <a:r>
+              <a:rPr lang="en-US" dirty="0" smtClean="0"/>
+              <a:t>What is CSS 2?</a:t>
+            </a:r>
+            <a:endParaRPr lang="en-US" dirty="0"/>
+          </a:p>
+          <a:p>
+            <a:pPr>
+              <a:buFont typeface="Wingdings" charset="2"/>
+              <a:buChar char="v"/>
+            </a:pPr>
+            <a:r>
+              <a:rPr lang="en-US" dirty="0" smtClean="0"/>
+              <a:t>The Chapter</a:t>
+            </a:r>
+            <a:endParaRPr lang="en-US" dirty="0"/>
+          </a:p>
+        </p:txBody>
+      </p:sp>
+    </p:spTree>
+    <p:extLst>
+      <p:ext uri="{BB962C8B-B14F-4D97-AF65-F5344CB8AC3E}">
+        <p14:creationId xmlns:p14="http://schemas.microsoft.com/office/powerpoint/2010/main" val="3889961293"/>
+      </p:ext>
+    </p:extLst>
+  </p:cSld>
+  <p:clrMapOvr>
+    <a:masterClrMapping/>
+  </p:clrMapOvr>
+  <p:timing>
+    <p:tnLst>
+      <p:par>
+        <p:cTn xmlns:p14="http://schemas.microsoft.com/office/powerpoint/2010/main" id="1" dur="indefinite" restart="never" nodeType="tmRoot"/>
+      </p:par>
+    </p:tnLst>
+  </p:timing>
+</p:sld>
+</file>
+
+<file path=ppt/slides/slide20.xml><?xml version="1.0" encoding="utf-8"?>
 <p:sld xmlns:a="http://schemas.openxmlformats.org/drawingml/2006/main" xmlns:r="http://schemas.openxmlformats.org/officeDocument/2006/relationships" xmlns:p="http://schemas.openxmlformats.org/presentationml/2006/main">
   <p:cSld>
     <p:spTree>
@@ -7549,7 +8728,7 @@
 </p:sld>
 </file>
 
-<file path=ppt/slides/slide16.xml><?xml version="1.0" encoding="utf-8"?>
+<file path=ppt/slides/slide21.xml><?xml version="1.0" encoding="utf-8"?>
 <p:sld xmlns:a="http://schemas.openxmlformats.org/drawingml/2006/main" xmlns:r="http://schemas.openxmlformats.org/officeDocument/2006/relationships" xmlns:p="http://schemas.openxmlformats.org/presentationml/2006/main">
   <p:cSld>
     <p:spTree>
@@ -7638,131 +8817,6 @@
     <p:extLst>
       <p:ext uri="{BB962C8B-B14F-4D97-AF65-F5344CB8AC3E}">
         <p14:creationId xmlns:p14="http://schemas.microsoft.com/office/powerpoint/2010/main" val="472547524"/>
-      </p:ext>
-    </p:extLst>
-  </p:cSld>
-  <p:clrMapOvr>
-    <a:masterClrMapping/>
-  </p:clrMapOvr>
-  <p:timing>
-    <p:tnLst>
-      <p:par>
-        <p:cTn xmlns:p14="http://schemas.microsoft.com/office/powerpoint/2010/main" id="1" dur="indefinite" restart="never" nodeType="tmRoot"/>
-      </p:par>
-    </p:tnLst>
-  </p:timing>
-</p:sld>
-</file>
-
-<file path=ppt/slides/slide2.xml><?xml version="1.0" encoding="utf-8"?>
-<p:sld xmlns:a="http://schemas.openxmlformats.org/drawingml/2006/main" xmlns:r="http://schemas.openxmlformats.org/officeDocument/2006/relationships" xmlns:p="http://schemas.openxmlformats.org/presentationml/2006/main">
-  <p:cSld>
-    <p:spTree>
-      <p:nvGrpSpPr>
-        <p:cNvPr id="1" name=""/>
-        <p:cNvGrpSpPr/>
-        <p:nvPr/>
-      </p:nvGrpSpPr>
-      <p:grpSpPr>
-        <a:xfrm>
-          <a:off x="0" y="0"/>
-          <a:ext cx="0" cy="0"/>
-          <a:chOff x="0" y="0"/>
-          <a:chExt cx="0" cy="0"/>
-        </a:xfrm>
-      </p:grpSpPr>
-      <p:sp>
-        <p:nvSpPr>
-          <p:cNvPr id="2" name="Title 1"/>
-          <p:cNvSpPr>
-            <a:spLocks noGrp="1"/>
-          </p:cNvSpPr>
-          <p:nvPr>
-            <p:ph type="title"/>
-          </p:nvPr>
-        </p:nvSpPr>
-        <p:spPr/>
-        <p:txBody>
-          <a:bodyPr/>
-          <a:lstStyle/>
-          <a:p>
-            <a:r>
-              <a:rPr lang="en-US" dirty="0" smtClean="0"/>
-              <a:t>Overview</a:t>
-            </a:r>
-            <a:endParaRPr lang="en-US" dirty="0"/>
-          </a:p>
-        </p:txBody>
-      </p:sp>
-      <p:sp>
-        <p:nvSpPr>
-          <p:cNvPr id="3" name="Content Placeholder 2"/>
-          <p:cNvSpPr>
-            <a:spLocks noGrp="1"/>
-          </p:cNvSpPr>
-          <p:nvPr>
-            <p:ph idx="1"/>
-          </p:nvPr>
-        </p:nvSpPr>
-        <p:spPr/>
-        <p:txBody>
-          <a:bodyPr/>
-          <a:lstStyle/>
-          <a:p>
-            <a:pPr>
-              <a:buFont typeface="Wingdings" charset="2"/>
-              <a:buChar char="v"/>
-            </a:pPr>
-            <a:r>
-              <a:rPr lang="en-US" dirty="0" smtClean="0"/>
-              <a:t>Attendance</a:t>
-            </a:r>
-          </a:p>
-          <a:p>
-            <a:pPr>
-              <a:buFont typeface="Wingdings" charset="2"/>
-              <a:buChar char="v"/>
-            </a:pPr>
-            <a:r>
-              <a:rPr lang="en-US" dirty="0" smtClean="0"/>
-              <a:t>Quiz</a:t>
-            </a:r>
-          </a:p>
-          <a:p>
-            <a:pPr>
-              <a:buFont typeface="Wingdings" charset="2"/>
-              <a:buChar char="v"/>
-            </a:pPr>
-            <a:r>
-              <a:rPr lang="en-US" dirty="0" smtClean="0"/>
-              <a:t>Autopsy</a:t>
-            </a:r>
-            <a:endParaRPr lang="en-US" dirty="0"/>
-          </a:p>
-          <a:p>
-            <a:r>
-              <a:rPr lang="en-US" dirty="0" smtClean="0"/>
-              <a:t>What is CSS 2?</a:t>
-            </a:r>
-            <a:endParaRPr lang="en-US" dirty="0"/>
-          </a:p>
-          <a:p>
-            <a:pPr>
-              <a:buFont typeface="Wingdings" charset="2"/>
-              <a:buChar char="v"/>
-            </a:pPr>
-            <a:r>
-              <a:rPr lang="en-US" dirty="0" smtClean="0"/>
-              <a:t>The Chapter</a:t>
-            </a:r>
-            <a:endParaRPr lang="en-US" dirty="0"/>
-          </a:p>
-        </p:txBody>
-      </p:sp>
-    </p:spTree>
-    <p:extLst>
-      <p:ext uri="{BB962C8B-B14F-4D97-AF65-F5344CB8AC3E}">
-        <p14:creationId xmlns:p14="http://schemas.microsoft.com/office/powerpoint/2010/main" val="3889961293"/>
       </p:ext>
     </p:extLst>
   </p:cSld>
@@ -7813,7 +8867,55 @@
           <a:p>
             <a:r>
               <a:rPr lang="en-US" dirty="0" smtClean="0"/>
-              <a:t>Quiz Time</a:t>
+              <a:t>What’s New?</a:t>
+            </a:r>
+            <a:endParaRPr lang="en-US" dirty="0"/>
+          </a:p>
+        </p:txBody>
+      </p:sp>
+      <p:sp>
+        <p:nvSpPr>
+          <p:cNvPr id="3" name="Content Placeholder 2"/>
+          <p:cNvSpPr>
+            <a:spLocks noGrp="1"/>
+          </p:cNvSpPr>
+          <p:nvPr>
+            <p:ph idx="1"/>
+          </p:nvPr>
+        </p:nvSpPr>
+        <p:spPr/>
+        <p:txBody>
+          <a:bodyPr/>
+          <a:lstStyle/>
+          <a:p>
+            <a:r>
+              <a:rPr lang="en-US" dirty="0" smtClean="0"/>
+              <a:t>Forgot to mention tutorials in </a:t>
+            </a:r>
+            <a:r>
+              <a:rPr lang="en-US" dirty="0" err="1" smtClean="0"/>
+              <a:t>My.USF</a:t>
+            </a:r>
+            <a:endParaRPr lang="en-US" dirty="0" smtClean="0"/>
+          </a:p>
+          <a:p>
+            <a:r>
+              <a:rPr lang="en-US" dirty="0" smtClean="0"/>
+              <a:t>Fake </a:t>
+            </a:r>
+            <a:r>
+              <a:rPr lang="en-US" dirty="0" smtClean="0"/>
+              <a:t>assignment submission</a:t>
+            </a:r>
+          </a:p>
+          <a:p>
+            <a:r>
+              <a:rPr lang="en-US" dirty="0" smtClean="0"/>
+              <a:t>Discuss </a:t>
+            </a:r>
+            <a:r>
+              <a:rPr lang="en-US" dirty="0" smtClean="0"/>
+              <a:t>theme issue</a:t>
             </a:r>
             <a:endParaRPr lang="en-US" dirty="0"/>
           </a:p>
@@ -7822,20 +8924,13 @@
     </p:spTree>
     <p:extLst>
       <p:ext uri="{BB962C8B-B14F-4D97-AF65-F5344CB8AC3E}">
-        <p14:creationId xmlns:p14="http://schemas.microsoft.com/office/powerpoint/2010/main" val="2813428287"/>
+        <p14:creationId xmlns:p14="http://schemas.microsoft.com/office/powerpoint/2010/main" val="2724553790"/>
       </p:ext>
     </p:extLst>
   </p:cSld>
   <p:clrMapOvr>
     <a:masterClrMapping/>
   </p:clrMapOvr>
-  <p:timing>
-    <p:tnLst>
-      <p:par>
-        <p:cTn xmlns:p14="http://schemas.microsoft.com/office/powerpoint/2010/main" id="1" dur="indefinite" restart="never" nodeType="tmRoot"/>
-      </p:par>
-    </p:tnLst>
-  </p:timing>
 </p:sld>
 </file>
 
@@ -7873,52 +8968,7 @@
           <a:p>
             <a:r>
               <a:rPr lang="en-US" dirty="0" smtClean="0"/>
-              <a:t>Website Autopsy</a:t>
-            </a:r>
-            <a:endParaRPr lang="en-US" dirty="0"/>
-          </a:p>
-        </p:txBody>
-      </p:sp>
-      <p:sp>
-        <p:nvSpPr>
-          <p:cNvPr id="3" name="Content Placeholder 2"/>
-          <p:cNvSpPr>
-            <a:spLocks noGrp="1"/>
-          </p:cNvSpPr>
-          <p:nvPr>
-            <p:ph idx="1"/>
-          </p:nvPr>
-        </p:nvSpPr>
-        <p:spPr/>
-        <p:txBody>
-          <a:bodyPr>
-            <a:normAutofit/>
-          </a:bodyPr>
-          <a:lstStyle/>
-          <a:p>
-            <a:r>
-              <a:rPr lang="en-US" dirty="0" smtClean="0"/>
-              <a:t>Miles </a:t>
-            </a:r>
-            <a:r>
-              <a:rPr lang="en-US" dirty="0"/>
-              <a:t>- </a:t>
-            </a:r>
-            <a:r>
-              <a:rPr lang="en-US" dirty="0">
-                <a:hlinkClick r:id="rId3"/>
-              </a:rPr>
-              <a:t>http://thewildernessdowntown.com</a:t>
-            </a:r>
-            <a:r>
-              <a:rPr lang="en-US" dirty="0" smtClean="0">
-                <a:hlinkClick r:id="rId3"/>
-              </a:rPr>
-              <a:t>/</a:t>
-            </a:r>
-            <a:r>
-              <a:rPr lang="en-US" dirty="0" smtClean="0"/>
-              <a:t> </a:t>
+              <a:t>Quiz Time</a:t>
             </a:r>
             <a:endParaRPr lang="en-US" dirty="0"/>
           </a:p>
@@ -7927,7 +8977,7 @@
     </p:spTree>
     <p:extLst>
       <p:ext uri="{BB962C8B-B14F-4D97-AF65-F5344CB8AC3E}">
-        <p14:creationId xmlns:p14="http://schemas.microsoft.com/office/powerpoint/2010/main" val="2577880583"/>
+        <p14:creationId xmlns:p14="http://schemas.microsoft.com/office/powerpoint/2010/main" val="2813428287"/>
       </p:ext>
     </p:extLst>
   </p:cSld>
@@ -7978,6 +9028,124 @@
           <a:p>
             <a:r>
               <a:rPr lang="en-US" dirty="0" smtClean="0"/>
+              <a:t>Website Autopsy</a:t>
+            </a:r>
+            <a:endParaRPr lang="en-US" dirty="0"/>
+          </a:p>
+        </p:txBody>
+      </p:sp>
+      <p:sp>
+        <p:nvSpPr>
+          <p:cNvPr id="3" name="Content Placeholder 2"/>
+          <p:cNvSpPr>
+            <a:spLocks noGrp="1"/>
+          </p:cNvSpPr>
+          <p:nvPr>
+            <p:ph idx="1"/>
+          </p:nvPr>
+        </p:nvSpPr>
+        <p:spPr/>
+        <p:txBody>
+          <a:bodyPr>
+            <a:normAutofit/>
+          </a:bodyPr>
+          <a:lstStyle/>
+          <a:p>
+            <a:r>
+              <a:rPr lang="en-US" dirty="0" smtClean="0"/>
+              <a:t>Tyler - </a:t>
+            </a:r>
+            <a:r>
+              <a:rPr lang="en-US" u="sng" dirty="0">
+                <a:hlinkClick r:id="rId3"/>
+              </a:rPr>
+              <a:t>http://www.midwestvirtualtour.com/tours/target%20field/target%20field_target%20field%20rough2.html</a:t>
+            </a:r>
+            <a:endParaRPr lang="en-US" dirty="0" smtClean="0"/>
+          </a:p>
+          <a:p>
+            <a:r>
+              <a:rPr lang="en-US" dirty="0" smtClean="0"/>
+              <a:t>Miles </a:t>
+            </a:r>
+            <a:r>
+              <a:rPr lang="en-US" dirty="0"/>
+              <a:t>- </a:t>
+            </a:r>
+            <a:r>
+              <a:rPr lang="en-US" dirty="0">
+                <a:hlinkClick r:id="rId4"/>
+              </a:rPr>
+              <a:t>http://thewildernessdowntown.com</a:t>
+            </a:r>
+            <a:r>
+              <a:rPr lang="en-US" dirty="0" smtClean="0">
+                <a:hlinkClick r:id="rId4"/>
+              </a:rPr>
+              <a:t>/</a:t>
+            </a:r>
+            <a:r>
+              <a:rPr lang="en-US" dirty="0" smtClean="0"/>
+              <a:t> </a:t>
+            </a:r>
+            <a:endParaRPr lang="en-US" dirty="0"/>
+          </a:p>
+        </p:txBody>
+      </p:sp>
+    </p:spTree>
+    <p:extLst>
+      <p:ext uri="{BB962C8B-B14F-4D97-AF65-F5344CB8AC3E}">
+        <p14:creationId xmlns:p14="http://schemas.microsoft.com/office/powerpoint/2010/main" val="2577880583"/>
+      </p:ext>
+    </p:extLst>
+  </p:cSld>
+  <p:clrMapOvr>
+    <a:masterClrMapping/>
+  </p:clrMapOvr>
+  <p:timing>
+    <p:tnLst>
+      <p:par>
+        <p:cTn xmlns:p14="http://schemas.microsoft.com/office/powerpoint/2010/main" id="1" dur="indefinite" restart="never" nodeType="tmRoot"/>
+      </p:par>
+    </p:tnLst>
+  </p:timing>
+</p:sld>
+</file>
+
+<file path=ppt/slides/slide6.xml><?xml version="1.0" encoding="utf-8"?>
+<p:sld xmlns:a="http://schemas.openxmlformats.org/drawingml/2006/main" xmlns:r="http://schemas.openxmlformats.org/officeDocument/2006/relationships" xmlns:p="http://schemas.openxmlformats.org/presentationml/2006/main">
+  <p:cSld>
+    <p:spTree>
+      <p:nvGrpSpPr>
+        <p:cNvPr id="1" name=""/>
+        <p:cNvGrpSpPr/>
+        <p:nvPr/>
+      </p:nvGrpSpPr>
+      <p:grpSpPr>
+        <a:xfrm>
+          <a:off x="0" y="0"/>
+          <a:ext cx="0" cy="0"/>
+          <a:chOff x="0" y="0"/>
+          <a:chExt cx="0" cy="0"/>
+        </a:xfrm>
+      </p:grpSpPr>
+      <p:sp>
+        <p:nvSpPr>
+          <p:cNvPr id="2" name="Title 1"/>
+          <p:cNvSpPr>
+            <a:spLocks noGrp="1"/>
+          </p:cNvSpPr>
+          <p:nvPr>
+            <p:ph type="title"/>
+          </p:nvPr>
+        </p:nvSpPr>
+        <p:spPr/>
+        <p:txBody>
+          <a:bodyPr/>
+          <a:lstStyle/>
+          <a:p>
+            <a:r>
+              <a:rPr lang="en-US" dirty="0" smtClean="0"/>
               <a:t>Lesson: What is CSS 2?</a:t>
             </a:r>
             <a:endParaRPr lang="en-US" dirty="0"/>
@@ -8004,7 +9172,7 @@
 </p:sld>
 </file>
 
-<file path=ppt/slides/slide6.xml><?xml version="1.0" encoding="utf-8"?>
+<file path=ppt/slides/slide7.xml><?xml version="1.0" encoding="utf-8"?>
 <p:sld xmlns:a="http://schemas.openxmlformats.org/drawingml/2006/main" xmlns:r="http://schemas.openxmlformats.org/officeDocument/2006/relationships" xmlns:p="http://schemas.openxmlformats.org/presentationml/2006/main">
   <p:cSld>
     <p:spTree>
@@ -8770,187 +9938,6 @@
 </p:sld>
 </file>
 
-<file path=ppt/slides/slide7.xml><?xml version="1.0" encoding="utf-8"?>
-<p:sld xmlns:a="http://schemas.openxmlformats.org/drawingml/2006/main" xmlns:r="http://schemas.openxmlformats.org/officeDocument/2006/relationships" xmlns:p="http://schemas.openxmlformats.org/presentationml/2006/main">
-  <p:cSld>
-    <p:spTree>
-      <p:nvGrpSpPr>
-        <p:cNvPr id="1" name=""/>
-        <p:cNvGrpSpPr/>
-        <p:nvPr/>
-      </p:nvGrpSpPr>
-      <p:grpSpPr>
-        <a:xfrm>
-          <a:off x="0" y="0"/>
-          <a:ext cx="0" cy="0"/>
-          <a:chOff x="0" y="0"/>
-          <a:chExt cx="0" cy="0"/>
-        </a:xfrm>
-      </p:grpSpPr>
-      <p:sp>
-        <p:nvSpPr>
-          <p:cNvPr id="2" name="Title 1"/>
-          <p:cNvSpPr>
-            <a:spLocks noGrp="1"/>
-          </p:cNvSpPr>
-          <p:nvPr>
-            <p:ph type="title"/>
-          </p:nvPr>
-        </p:nvSpPr>
-        <p:spPr/>
-        <p:txBody>
-          <a:bodyPr/>
-          <a:lstStyle/>
-          <a:p>
-            <a:r>
-              <a:rPr lang="en-US" dirty="0" smtClean="0"/>
-              <a:t>Selectors</a:t>
-            </a:r>
-            <a:endParaRPr lang="en-US" dirty="0"/>
-          </a:p>
-        </p:txBody>
-      </p:sp>
-      <p:sp>
-        <p:nvSpPr>
-          <p:cNvPr id="3" name="Content Placeholder 2"/>
-          <p:cNvSpPr>
-            <a:spLocks noGrp="1"/>
-          </p:cNvSpPr>
-          <p:nvPr>
-            <p:ph idx="1"/>
-          </p:nvPr>
-        </p:nvSpPr>
-        <p:spPr/>
-        <p:txBody>
-          <a:bodyPr>
-            <a:normAutofit fontScale="92500" lnSpcReduction="20000"/>
-          </a:bodyPr>
-          <a:lstStyle/>
-          <a:p>
-            <a:r>
-              <a:rPr lang="en-US" dirty="0" smtClean="0"/>
-              <a:t>* - matches any element</a:t>
-            </a:r>
-          </a:p>
-          <a:p>
-            <a:r>
-              <a:rPr lang="en-US" dirty="0" smtClean="0"/>
-              <a:t>E – matches any E element</a:t>
-            </a:r>
-          </a:p>
-          <a:p>
-            <a:r>
-              <a:rPr lang="en-US" dirty="0" smtClean="0"/>
-              <a:t>E F – matches any F element that is a descendent of an E element</a:t>
-            </a:r>
-          </a:p>
-          <a:p>
-            <a:r>
-              <a:rPr lang="en-US" dirty="0" smtClean="0"/>
-              <a:t>E &gt; F – matches any F element that is a child of an E element</a:t>
-            </a:r>
-          </a:p>
-          <a:p>
-            <a:r>
-              <a:rPr lang="en-US" dirty="0" err="1" smtClean="0"/>
-              <a:t>a:link</a:t>
-            </a:r>
-            <a:r>
-              <a:rPr lang="en-US" dirty="0" smtClean="0"/>
-              <a:t>, </a:t>
-            </a:r>
-            <a:r>
-              <a:rPr lang="en-US" dirty="0" err="1" smtClean="0"/>
-              <a:t>a:visited</a:t>
-            </a:r>
-            <a:r>
-              <a:rPr lang="en-US" dirty="0" smtClean="0"/>
-              <a:t>, </a:t>
-            </a:r>
-            <a:r>
-              <a:rPr lang="en-US" dirty="0" err="1" smtClean="0"/>
-              <a:t>a:active</a:t>
-            </a:r>
-            <a:r>
-              <a:rPr lang="en-US" dirty="0" smtClean="0"/>
-              <a:t>, </a:t>
-            </a:r>
-            <a:r>
-              <a:rPr lang="en-US" dirty="0" err="1" smtClean="0"/>
-              <a:t>a:hover</a:t>
-            </a:r>
-            <a:r>
-              <a:rPr lang="en-US" dirty="0" smtClean="0"/>
-              <a:t>, </a:t>
-            </a:r>
-            <a:r>
-              <a:rPr lang="en-US" dirty="0" err="1" smtClean="0"/>
-              <a:t>a:focus</a:t>
-            </a:r>
-            <a:endParaRPr lang="en-US" dirty="0" smtClean="0"/>
-          </a:p>
-          <a:p>
-            <a:r>
-              <a:rPr lang="en-US" dirty="0" smtClean="0"/>
-              <a:t>.[class]– matches any element with a class attribute of [class]</a:t>
-            </a:r>
-          </a:p>
-          <a:p>
-            <a:r>
-              <a:rPr lang="en-US" dirty="0" smtClean="0"/>
-              <a:t>#[id] – matches any element with an id attribute of [id]</a:t>
-            </a:r>
-            <a:endParaRPr lang="en-US" dirty="0"/>
-          </a:p>
-        </p:txBody>
-      </p:sp>
-      <p:sp>
-        <p:nvSpPr>
-          <p:cNvPr id="4" name="Footer Placeholder 3"/>
-          <p:cNvSpPr>
-            <a:spLocks noGrp="1"/>
-          </p:cNvSpPr>
-          <p:nvPr>
-            <p:ph type="ftr" sz="quarter" idx="11"/>
-          </p:nvPr>
-        </p:nvSpPr>
-        <p:spPr/>
-        <p:txBody>
-          <a:bodyPr/>
-          <a:lstStyle/>
-          <a:p>
-            <a:r>
-              <a:rPr lang="en-US" dirty="0" smtClean="0"/>
-              <a:t>http://www.w3.org/TR/CSS2/</a:t>
-            </a:r>
-            <a:r>
-              <a:rPr lang="en-US" dirty="0" err="1" smtClean="0"/>
-              <a:t>selector.html</a:t>
-            </a:r>
-            <a:endParaRPr lang="en-US" dirty="0"/>
-          </a:p>
-        </p:txBody>
-      </p:sp>
-    </p:spTree>
-    <p:extLst>
-      <p:ext uri="{BB962C8B-B14F-4D97-AF65-F5344CB8AC3E}">
-        <p14:creationId xmlns:p14="http://schemas.microsoft.com/office/powerpoint/2010/main" val="3501414438"/>
-      </p:ext>
-    </p:extLst>
-  </p:cSld>
-  <p:clrMapOvr>
-    <a:masterClrMapping/>
-  </p:clrMapOvr>
-  <p:timing>
-    <p:tnLst>
-      <p:par>
-        <p:cTn xmlns:p14="http://schemas.microsoft.com/office/powerpoint/2010/main" id="1" dur="indefinite" restart="never" nodeType="tmRoot"/>
-      </p:par>
-    </p:tnLst>
-  </p:timing>
-</p:sld>
-</file>
-
 <file path=ppt/slides/slide8.xml><?xml version="1.0" encoding="utf-8"?>
 <p:sld xmlns:a="http://schemas.openxmlformats.org/drawingml/2006/main" xmlns:r="http://schemas.openxmlformats.org/officeDocument/2006/relationships" xmlns:p="http://schemas.openxmlformats.org/presentationml/2006/main">
   <p:cSld>
@@ -8985,7 +9972,7 @@
           <a:p>
             <a:r>
               <a:rPr lang="en-US" dirty="0" smtClean="0"/>
-              <a:t>Example</a:t>
+              <a:t>Selectors</a:t>
             </a:r>
             <a:endParaRPr lang="en-US" dirty="0"/>
           </a:p>
@@ -8998,409 +9985,124 @@
             <a:spLocks noGrp="1"/>
           </p:cNvSpPr>
           <p:nvPr>
-            <p:ph sz="quarter" idx="13"/>
+            <p:ph idx="1"/>
           </p:nvPr>
         </p:nvSpPr>
         <p:spPr/>
         <p:txBody>
           <a:bodyPr>
-            <a:normAutofit/>
+            <a:normAutofit fontScale="92500" lnSpcReduction="20000"/>
           </a:bodyPr>
           <a:lstStyle/>
           <a:p>
-            <a:pPr marL="0" indent="0">
-              <a:buNone/>
-            </a:pPr>
-            <a:r>
-              <a:rPr lang="en-US" sz="1400" dirty="0">
-                <a:solidFill>
-                  <a:srgbClr val="000000"/>
-                </a:solidFill>
-                <a:latin typeface="Courier New"/>
-                <a:cs typeface="Courier New"/>
-              </a:rPr>
-              <a:t>&lt;body&gt;</a:t>
-            </a:r>
-          </a:p>
-          <a:p>
-            <a:pPr marL="0" indent="0">
-              <a:buNone/>
-            </a:pPr>
-            <a:r>
-              <a:rPr lang="en-US" sz="1400" dirty="0">
-                <a:solidFill>
-                  <a:srgbClr val="000000"/>
-                </a:solidFill>
-                <a:latin typeface="Courier New"/>
-                <a:cs typeface="Courier New"/>
-              </a:rPr>
-              <a:t>&lt;p&gt;Welcome to our site.&lt;/p&gt;</a:t>
-            </a:r>
-          </a:p>
-          <a:p>
-            <a:pPr marL="0" indent="0">
-              <a:buNone/>
-            </a:pPr>
-            <a:r>
-              <a:rPr lang="en-US" sz="1400" dirty="0">
-                <a:solidFill>
-                  <a:srgbClr val="000000"/>
-                </a:solidFill>
-                <a:latin typeface="Courier New"/>
-                <a:cs typeface="Courier New"/>
-              </a:rPr>
-              <a:t>&lt;div id="content"&gt;</a:t>
-            </a:r>
-          </a:p>
-          <a:p>
-            <a:pPr marL="0" indent="0">
-              <a:buNone/>
-            </a:pPr>
-            <a:r>
-              <a:rPr lang="en-US" sz="1400" dirty="0">
-                <a:solidFill>
-                  <a:srgbClr val="000000"/>
-                </a:solidFill>
-                <a:latin typeface="Courier New"/>
-                <a:cs typeface="Courier New"/>
-              </a:rPr>
-              <a:t>	&lt;p&gt;&lt;a </a:t>
-            </a:r>
-            <a:r>
-              <a:rPr lang="en-US" sz="1400" dirty="0" err="1">
-                <a:solidFill>
-                  <a:srgbClr val="000000"/>
-                </a:solidFill>
-                <a:latin typeface="Courier New"/>
-                <a:cs typeface="Courier New"/>
-              </a:rPr>
-              <a:t>href</a:t>
-            </a:r>
-            <a:r>
-              <a:rPr lang="en-US" sz="1400" dirty="0">
-                <a:solidFill>
-                  <a:srgbClr val="000000"/>
-                </a:solidFill>
-                <a:latin typeface="Courier New"/>
-                <a:cs typeface="Courier New"/>
-              </a:rPr>
-              <a:t>="http://</a:t>
-            </a:r>
-            <a:r>
-              <a:rPr lang="en-US" sz="1400" dirty="0" err="1">
-                <a:solidFill>
-                  <a:srgbClr val="000000"/>
-                </a:solidFill>
-                <a:latin typeface="Courier New"/>
-                <a:cs typeface="Courier New"/>
-              </a:rPr>
-              <a:t>google.com</a:t>
-            </a:r>
-            <a:r>
-              <a:rPr lang="en-US" sz="1400" dirty="0">
-                <a:solidFill>
-                  <a:srgbClr val="000000"/>
-                </a:solidFill>
-                <a:latin typeface="Courier New"/>
-                <a:cs typeface="Courier New"/>
-              </a:rPr>
-              <a:t>"&gt;Visit Google&lt;/a&gt; if you want a search engine.&lt;/p&gt;</a:t>
-            </a:r>
-          </a:p>
-          <a:p>
-            <a:pPr marL="0" indent="0">
-              <a:buNone/>
-            </a:pPr>
-            <a:r>
-              <a:rPr lang="en-US" sz="1400" dirty="0">
-                <a:solidFill>
-                  <a:srgbClr val="000000"/>
-                </a:solidFill>
-                <a:latin typeface="Courier New"/>
-                <a:cs typeface="Courier New"/>
-              </a:rPr>
-              <a:t>	&lt;span class="message"&gt;</a:t>
-            </a:r>
-          </a:p>
-          <a:p>
-            <a:pPr marL="0" indent="0">
-              <a:buNone/>
-            </a:pPr>
-            <a:r>
-              <a:rPr lang="en-US" sz="1400" dirty="0">
-                <a:solidFill>
-                  <a:srgbClr val="000000"/>
-                </a:solidFill>
-                <a:latin typeface="Courier New"/>
-                <a:cs typeface="Courier New"/>
-              </a:rPr>
-              <a:t>		&lt;p&gt;For more details, keep reading.&lt;/p&gt;</a:t>
-            </a:r>
-          </a:p>
-          <a:p>
-            <a:pPr marL="0" indent="0">
-              <a:buNone/>
-            </a:pPr>
-            <a:r>
-              <a:rPr lang="en-US" sz="1400" dirty="0">
-                <a:solidFill>
-                  <a:srgbClr val="000000"/>
-                </a:solidFill>
-                <a:latin typeface="Courier New"/>
-                <a:cs typeface="Courier New"/>
-              </a:rPr>
-              <a:t>	&lt;/span&gt;</a:t>
-            </a:r>
-          </a:p>
-          <a:p>
-            <a:pPr marL="0" indent="0">
-              <a:buNone/>
-            </a:pPr>
-            <a:r>
-              <a:rPr lang="en-US" sz="1400" dirty="0">
-                <a:solidFill>
-                  <a:srgbClr val="000000"/>
-                </a:solidFill>
-                <a:latin typeface="Courier New"/>
-                <a:cs typeface="Courier New"/>
-              </a:rPr>
-              <a:t>&lt;/div&gt;</a:t>
-            </a:r>
-          </a:p>
-          <a:p>
-            <a:pPr marL="0" indent="0">
-              <a:buNone/>
-            </a:pPr>
-            <a:r>
-              <a:rPr lang="en-US" sz="1400" dirty="0">
-                <a:solidFill>
-                  <a:srgbClr val="000000"/>
-                </a:solidFill>
-                <a:latin typeface="Courier New"/>
-                <a:cs typeface="Courier New"/>
-              </a:rPr>
-              <a:t>&lt;/body&gt;</a:t>
-            </a:r>
-          </a:p>
-        </p:txBody>
-      </p:sp>
-      <p:sp>
-        <p:nvSpPr>
-          <p:cNvPr id="4" name="Content Placeholder 3"/>
-          <p:cNvSpPr>
-            <a:spLocks noGrp="1"/>
-          </p:cNvSpPr>
-          <p:nvPr>
-            <p:ph sz="quarter" idx="14"/>
+            <a:r>
+              <a:rPr lang="en-US" dirty="0" smtClean="0"/>
+              <a:t>* - matches any element</a:t>
+            </a:r>
+          </a:p>
+          <a:p>
+            <a:r>
+              <a:rPr lang="en-US" dirty="0" smtClean="0"/>
+              <a:t>E – matches any E element</a:t>
+            </a:r>
+          </a:p>
+          <a:p>
+            <a:r>
+              <a:rPr lang="en-US" dirty="0" smtClean="0"/>
+              <a:t>E F – matches any F element that is a descendent of an E element</a:t>
+            </a:r>
+          </a:p>
+          <a:p>
+            <a:r>
+              <a:rPr lang="en-US" dirty="0" smtClean="0"/>
+              <a:t>E &gt; F – matches any F element that is a child of an E element</a:t>
+            </a:r>
+          </a:p>
+          <a:p>
+            <a:r>
+              <a:rPr lang="en-US" dirty="0" err="1" smtClean="0"/>
+              <a:t>a:link</a:t>
+            </a:r>
+            <a:r>
+              <a:rPr lang="en-US" dirty="0" smtClean="0"/>
+              <a:t>, </a:t>
+            </a:r>
+            <a:r>
+              <a:rPr lang="en-US" dirty="0" err="1" smtClean="0"/>
+              <a:t>a:visited</a:t>
+            </a:r>
+            <a:r>
+              <a:rPr lang="en-US" dirty="0" smtClean="0"/>
+              <a:t>, </a:t>
+            </a:r>
+            <a:r>
+              <a:rPr lang="en-US" dirty="0" err="1" smtClean="0"/>
+              <a:t>a:active</a:t>
+            </a:r>
+            <a:r>
+              <a:rPr lang="en-US" dirty="0" smtClean="0"/>
+              <a:t>, </a:t>
+            </a:r>
+            <a:r>
+              <a:rPr lang="en-US" dirty="0" err="1" smtClean="0"/>
+              <a:t>a:hover</a:t>
+            </a:r>
+            <a:r>
+              <a:rPr lang="en-US" dirty="0" smtClean="0"/>
+              <a:t>, </a:t>
+            </a:r>
+            <a:r>
+              <a:rPr lang="en-US" dirty="0" err="1" smtClean="0"/>
+              <a:t>a:focus</a:t>
+            </a:r>
+            <a:endParaRPr lang="en-US" dirty="0" smtClean="0"/>
+          </a:p>
+          <a:p>
+            <a:r>
+              <a:rPr lang="en-US" dirty="0" smtClean="0"/>
+              <a:t>.[class]– matches any element with a class attribute of [class]</a:t>
+            </a:r>
+          </a:p>
+          <a:p>
+            <a:r>
+              <a:rPr lang="en-US" dirty="0" smtClean="0"/>
+              <a:t>#[id] – matches any element with an id attribute of [id]</a:t>
+            </a:r>
+            <a:endParaRPr lang="en-US" dirty="0"/>
+          </a:p>
+        </p:txBody>
+      </p:sp>
+      <p:sp>
+        <p:nvSpPr>
+          <p:cNvPr id="4" name="Footer Placeholder 3"/>
+          <p:cNvSpPr>
+            <a:spLocks noGrp="1"/>
+          </p:cNvSpPr>
+          <p:nvPr>
+            <p:ph type="ftr" sz="quarter" idx="11"/>
           </p:nvPr>
         </p:nvSpPr>
         <p:spPr/>
         <p:txBody>
-          <a:bodyPr>
-            <a:noAutofit/>
-          </a:bodyPr>
-          <a:lstStyle/>
-          <a:p>
-            <a:pPr marL="0" indent="0">
-              <a:buNone/>
-            </a:pPr>
-            <a:r>
-              <a:rPr lang="en-US" sz="1400" dirty="0">
-                <a:solidFill>
-                  <a:srgbClr val="000000"/>
-                </a:solidFill>
-                <a:latin typeface="Courier New"/>
-                <a:cs typeface="Courier New"/>
-              </a:rPr>
-              <a:t>* { margin: 0; padding: 0; }</a:t>
-            </a:r>
-          </a:p>
-          <a:p>
-            <a:pPr marL="0" indent="0">
-              <a:buNone/>
-            </a:pPr>
-            <a:r>
-              <a:rPr lang="en-US" sz="1400" dirty="0">
-                <a:solidFill>
-                  <a:srgbClr val="000000"/>
-                </a:solidFill>
-                <a:latin typeface="Courier New"/>
-                <a:cs typeface="Courier New"/>
-              </a:rPr>
-              <a:t>p { padding-bottom: 10px; }</a:t>
-            </a:r>
-          </a:p>
-          <a:p>
-            <a:pPr marL="0" indent="0">
-              <a:buNone/>
-            </a:pPr>
-            <a:r>
-              <a:rPr lang="en-US" sz="1400" dirty="0">
-                <a:solidFill>
-                  <a:srgbClr val="000000"/>
-                </a:solidFill>
-                <a:latin typeface="Courier New"/>
-                <a:cs typeface="Courier New"/>
-              </a:rPr>
-              <a:t>div p { color: green; }</a:t>
-            </a:r>
-          </a:p>
-          <a:p>
-            <a:pPr marL="0" indent="0">
-              <a:buNone/>
-            </a:pPr>
-            <a:r>
-              <a:rPr lang="en-US" sz="1400" dirty="0">
-                <a:solidFill>
-                  <a:srgbClr val="000000"/>
-                </a:solidFill>
-                <a:latin typeface="Courier New"/>
-                <a:cs typeface="Courier New"/>
-              </a:rPr>
-              <a:t>div &gt; p { color: blue; }</a:t>
-            </a:r>
-          </a:p>
-          <a:p>
-            <a:pPr marL="0" indent="0">
-              <a:buNone/>
-            </a:pPr>
-            <a:r>
-              <a:rPr lang="en-US" sz="1400" dirty="0" err="1">
-                <a:solidFill>
-                  <a:srgbClr val="000000"/>
-                </a:solidFill>
-                <a:latin typeface="Courier New"/>
-                <a:cs typeface="Courier New"/>
-              </a:rPr>
-              <a:t>a:link</a:t>
-            </a:r>
-            <a:r>
-              <a:rPr lang="en-US" sz="1400" dirty="0">
-                <a:solidFill>
-                  <a:srgbClr val="000000"/>
-                </a:solidFill>
-                <a:latin typeface="Courier New"/>
-                <a:cs typeface="Courier New"/>
-              </a:rPr>
-              <a:t>, </a:t>
-            </a:r>
-            <a:r>
-              <a:rPr lang="en-US" sz="1400" dirty="0" err="1">
-                <a:solidFill>
-                  <a:srgbClr val="000000"/>
-                </a:solidFill>
-                <a:latin typeface="Courier New"/>
-                <a:cs typeface="Courier New"/>
-              </a:rPr>
-              <a:t>a:visited</a:t>
-            </a:r>
-            <a:r>
-              <a:rPr lang="en-US" sz="1400" dirty="0">
-                <a:solidFill>
-                  <a:srgbClr val="000000"/>
-                </a:solidFill>
-                <a:latin typeface="Courier New"/>
-                <a:cs typeface="Courier New"/>
-              </a:rPr>
-              <a:t>, </a:t>
-            </a:r>
-            <a:r>
-              <a:rPr lang="en-US" sz="1400" dirty="0" err="1">
-                <a:solidFill>
-                  <a:srgbClr val="000000"/>
-                </a:solidFill>
-                <a:latin typeface="Courier New"/>
-                <a:cs typeface="Courier New"/>
-              </a:rPr>
-              <a:t>a:active</a:t>
-            </a:r>
-            <a:r>
-              <a:rPr lang="en-US" sz="1400" dirty="0">
-                <a:solidFill>
-                  <a:srgbClr val="000000"/>
-                </a:solidFill>
-                <a:latin typeface="Courier New"/>
-                <a:cs typeface="Courier New"/>
-              </a:rPr>
-              <a:t>, </a:t>
-            </a:r>
-            <a:r>
-              <a:rPr lang="en-US" sz="1400" dirty="0" err="1">
-                <a:solidFill>
-                  <a:srgbClr val="000000"/>
-                </a:solidFill>
-                <a:latin typeface="Courier New"/>
-                <a:cs typeface="Courier New"/>
-              </a:rPr>
-              <a:t>a:hover</a:t>
-            </a:r>
-            <a:r>
-              <a:rPr lang="en-US" sz="1400" dirty="0">
-                <a:solidFill>
-                  <a:srgbClr val="000000"/>
-                </a:solidFill>
-                <a:latin typeface="Courier New"/>
-                <a:cs typeface="Courier New"/>
-              </a:rPr>
-              <a:t>, </a:t>
-            </a:r>
-            <a:r>
-              <a:rPr lang="en-US" sz="1400" dirty="0" err="1">
-                <a:solidFill>
-                  <a:srgbClr val="000000"/>
-                </a:solidFill>
-                <a:latin typeface="Courier New"/>
-                <a:cs typeface="Courier New"/>
-              </a:rPr>
-              <a:t>a:focus</a:t>
-            </a:r>
-            <a:r>
-              <a:rPr lang="en-US" sz="1400" dirty="0">
-                <a:solidFill>
-                  <a:srgbClr val="000000"/>
-                </a:solidFill>
-                <a:latin typeface="Courier New"/>
-                <a:cs typeface="Courier New"/>
-              </a:rPr>
-              <a:t> { color: black; }</a:t>
-            </a:r>
-          </a:p>
-          <a:p>
-            <a:pPr marL="0" indent="0">
-              <a:buNone/>
-            </a:pPr>
-            <a:r>
-              <a:rPr lang="en-US" sz="1400" dirty="0">
-                <a:solidFill>
-                  <a:srgbClr val="000000"/>
-                </a:solidFill>
-                <a:latin typeface="Courier New"/>
-                <a:cs typeface="Courier New"/>
-              </a:rPr>
-              <a:t>.message { background: red; }</a:t>
-            </a:r>
-          </a:p>
-          <a:p>
-            <a:pPr marL="0" indent="0">
-              <a:buNone/>
-            </a:pPr>
-            <a:r>
-              <a:rPr lang="en-US" sz="1400" dirty="0">
-                <a:solidFill>
-                  <a:srgbClr val="000000"/>
-                </a:solidFill>
-                <a:latin typeface="Courier New"/>
-                <a:cs typeface="Courier New"/>
-              </a:rPr>
-              <a:t>#content { width: 200px; }</a:t>
-            </a:r>
+          <a:bodyPr/>
+          <a:lstStyle/>
+          <a:p>
+            <a:r>
+              <a:rPr lang="en-US" dirty="0" smtClean="0"/>
+              <a:t>http://www.w3.org/TR/CSS2/</a:t>
+            </a:r>
+            <a:r>
+              <a:rPr lang="en-US" dirty="0" err="1" smtClean="0"/>
+              <a:t>selector.html</a:t>
+            </a:r>
+            <a:endParaRPr lang="en-US" dirty="0"/>
           </a:p>
         </p:txBody>
       </p:sp>
     </p:spTree>
     <p:extLst>
       <p:ext uri="{BB962C8B-B14F-4D97-AF65-F5344CB8AC3E}">
-        <p14:creationId xmlns:p14="http://schemas.microsoft.com/office/powerpoint/2010/main" val="2141280921"/>
+        <p14:creationId xmlns:p14="http://schemas.microsoft.com/office/powerpoint/2010/main" val="3501414438"/>
       </p:ext>
     </p:extLst>
   </p:cSld>
@@ -9451,7 +10153,7 @@
           <a:p>
             <a:r>
               <a:rPr lang="en-US" dirty="0" smtClean="0"/>
-              <a:t>Layout</a:t>
+              <a:t>Example</a:t>
             </a:r>
             <a:endParaRPr lang="en-US" dirty="0"/>
           </a:p>
@@ -9464,122 +10166,409 @@
             <a:spLocks noGrp="1"/>
           </p:cNvSpPr>
           <p:nvPr>
-            <p:ph idx="1"/>
+            <p:ph sz="quarter" idx="13"/>
           </p:nvPr>
         </p:nvSpPr>
         <p:spPr/>
         <p:txBody>
           <a:bodyPr>
-            <a:normAutofit fontScale="92500" lnSpcReduction="10000"/>
+            <a:normAutofit/>
           </a:bodyPr>
           <a:lstStyle/>
           <a:p>
-            <a:r>
-              <a:rPr lang="en-US" dirty="0" smtClean="0"/>
-              <a:t>position – absolute, </a:t>
-            </a:r>
-            <a:r>
-              <a:rPr lang="en-US" dirty="0"/>
-              <a:t>relative, fixed, </a:t>
-            </a:r>
-            <a:r>
-              <a:rPr lang="en-US" dirty="0" smtClean="0"/>
-              <a:t>static</a:t>
-            </a:r>
-          </a:p>
-          <a:p>
-            <a:r>
-              <a:rPr lang="en-US" dirty="0" smtClean="0"/>
-              <a:t>top</a:t>
-            </a:r>
-            <a:r>
-              <a:rPr lang="en-US" dirty="0"/>
-              <a:t>, left, right, </a:t>
-            </a:r>
-            <a:r>
-              <a:rPr lang="en-US" dirty="0" smtClean="0"/>
-              <a:t>bottom</a:t>
-            </a:r>
-            <a:r>
-              <a:rPr lang="en-US" dirty="0"/>
-              <a:t> </a:t>
-            </a:r>
-            <a:r>
-              <a:rPr lang="en-US" dirty="0" smtClean="0"/>
-              <a:t>– where to position</a:t>
-            </a:r>
-          </a:p>
-          <a:p>
-            <a:r>
-              <a:rPr lang="en-US" dirty="0"/>
-              <a:t>z-</a:t>
-            </a:r>
-            <a:r>
-              <a:rPr lang="en-US" dirty="0" smtClean="0"/>
-              <a:t>index - number</a:t>
-            </a:r>
-          </a:p>
-          <a:p>
-            <a:r>
-              <a:rPr lang="en-US" dirty="0" smtClean="0"/>
-              <a:t>float – left, right, none</a:t>
-            </a:r>
-          </a:p>
-          <a:p>
-            <a:r>
-              <a:rPr lang="en-US" dirty="0" smtClean="0"/>
-              <a:t>display – block, inline, inline-block, none</a:t>
-            </a:r>
-          </a:p>
-          <a:p>
-            <a:r>
-              <a:rPr lang="en-US" dirty="0" smtClean="0"/>
-              <a:t>width</a:t>
-            </a:r>
-            <a:r>
-              <a:rPr lang="en-US" dirty="0"/>
+            <a:pPr marL="0" indent="0">
+              <a:buNone/>
+            </a:pPr>
+            <a:r>
+              <a:rPr lang="en-US" sz="1400" dirty="0">
+                <a:solidFill>
+                  <a:srgbClr val="000000"/>
+                </a:solidFill>
+                <a:latin typeface="Courier New"/>
+                <a:cs typeface="Courier New"/>
+              </a:rPr>
+              <a:t>&lt;body&gt;</a:t>
+            </a:r>
+          </a:p>
+          <a:p>
+            <a:pPr marL="0" indent="0">
+              <a:buNone/>
+            </a:pPr>
+            <a:r>
+              <a:rPr lang="en-US" sz="1400" dirty="0">
+                <a:solidFill>
+                  <a:srgbClr val="000000"/>
+                </a:solidFill>
+                <a:latin typeface="Courier New"/>
+                <a:cs typeface="Courier New"/>
+              </a:rPr>
+              <a:t>&lt;p&gt;Welcome to our site.&lt;/p&gt;</a:t>
+            </a:r>
+          </a:p>
+          <a:p>
+            <a:pPr marL="0" indent="0">
+              <a:buNone/>
+            </a:pPr>
+            <a:r>
+              <a:rPr lang="en-US" sz="1400" dirty="0">
+                <a:solidFill>
+                  <a:srgbClr val="000000"/>
+                </a:solidFill>
+                <a:latin typeface="Courier New"/>
+                <a:cs typeface="Courier New"/>
+              </a:rPr>
+              <a:t>&lt;div id="content"&gt;</a:t>
+            </a:r>
+          </a:p>
+          <a:p>
+            <a:pPr marL="0" indent="0">
+              <a:buNone/>
+            </a:pPr>
+            <a:r>
+              <a:rPr lang="en-US" sz="1400" dirty="0">
+                <a:solidFill>
+                  <a:srgbClr val="000000"/>
+                </a:solidFill>
+                <a:latin typeface="Courier New"/>
+                <a:cs typeface="Courier New"/>
+              </a:rPr>
+              <a:t>	&lt;p&gt;&lt;a </a:t>
+            </a:r>
+            <a:r>
+              <a:rPr lang="en-US" sz="1400" dirty="0" err="1">
+                <a:solidFill>
+                  <a:srgbClr val="000000"/>
+                </a:solidFill>
+                <a:latin typeface="Courier New"/>
+                <a:cs typeface="Courier New"/>
+              </a:rPr>
+              <a:t>href</a:t>
+            </a:r>
+            <a:r>
+              <a:rPr lang="en-US" sz="1400" dirty="0">
+                <a:solidFill>
+                  <a:srgbClr val="000000"/>
+                </a:solidFill>
+                <a:latin typeface="Courier New"/>
+                <a:cs typeface="Courier New"/>
+              </a:rPr>
+              <a:t>="http://</a:t>
+            </a:r>
+            <a:r>
+              <a:rPr lang="en-US" sz="1400" dirty="0" err="1">
+                <a:solidFill>
+                  <a:srgbClr val="000000"/>
+                </a:solidFill>
+                <a:latin typeface="Courier New"/>
+                <a:cs typeface="Courier New"/>
+              </a:rPr>
+              <a:t>google.com</a:t>
+            </a:r>
+            <a:r>
+              <a:rPr lang="en-US" sz="1400" dirty="0">
+                <a:solidFill>
+                  <a:srgbClr val="000000"/>
+                </a:solidFill>
+                <a:latin typeface="Courier New"/>
+                <a:cs typeface="Courier New"/>
+              </a:rPr>
+              <a:t>"&gt;Visit Google&lt;/a&gt; if you want a search engine.&lt;/p&gt;</a:t>
+            </a:r>
+          </a:p>
+          <a:p>
+            <a:pPr marL="0" indent="0">
+              <a:buNone/>
+            </a:pPr>
+            <a:r>
+              <a:rPr lang="en-US" sz="1400" dirty="0">
+                <a:solidFill>
+                  <a:srgbClr val="000000"/>
+                </a:solidFill>
+                <a:latin typeface="Courier New"/>
+                <a:cs typeface="Courier New"/>
+              </a:rPr>
+              <a:t>	&lt;span class="message"&gt;</a:t>
+            </a:r>
+          </a:p>
+          <a:p>
+            <a:pPr marL="0" indent="0">
+              <a:buNone/>
+            </a:pPr>
+            <a:r>
+              <a:rPr lang="en-US" sz="1400" dirty="0">
+                <a:solidFill>
+                  <a:srgbClr val="000000"/>
+                </a:solidFill>
+                <a:latin typeface="Courier New"/>
+                <a:cs typeface="Courier New"/>
+              </a:rPr>
+              <a:t>		&lt;p&gt;For more details, keep reading.&lt;/p&gt;</a:t>
+            </a:r>
+          </a:p>
+          <a:p>
+            <a:pPr marL="0" indent="0">
+              <a:buNone/>
+            </a:pPr>
+            <a:r>
+              <a:rPr lang="en-US" sz="1400" dirty="0">
+                <a:solidFill>
+                  <a:srgbClr val="000000"/>
+                </a:solidFill>
+                <a:latin typeface="Courier New"/>
+                <a:cs typeface="Courier New"/>
+              </a:rPr>
+              <a:t>	&lt;/span&gt;</a:t>
+            </a:r>
+          </a:p>
+          <a:p>
+            <a:pPr marL="0" indent="0">
+              <a:buNone/>
+            </a:pPr>
+            <a:r>
+              <a:rPr lang="en-US" sz="1400" dirty="0">
+                <a:solidFill>
+                  <a:srgbClr val="000000"/>
+                </a:solidFill>
+                <a:latin typeface="Courier New"/>
+                <a:cs typeface="Courier New"/>
+              </a:rPr>
+              <a:t>&lt;/div&gt;</a:t>
+            </a:r>
+          </a:p>
+          <a:p>
+            <a:pPr marL="0" indent="0">
+              <a:buNone/>
+            </a:pPr>
+            <a:r>
+              <a:rPr lang="en-US" sz="1400" dirty="0">
+                <a:solidFill>
+                  <a:srgbClr val="000000"/>
+                </a:solidFill>
+                <a:latin typeface="Courier New"/>
+                <a:cs typeface="Courier New"/>
+              </a:rPr>
+              <a:t>&lt;/body&gt;</a:t>
+            </a:r>
+          </a:p>
+        </p:txBody>
+      </p:sp>
+      <p:sp>
+        <p:nvSpPr>
+          <p:cNvPr id="4" name="Content Placeholder 3"/>
+          <p:cNvSpPr>
+            <a:spLocks noGrp="1"/>
+          </p:cNvSpPr>
+          <p:nvPr>
+            <p:ph sz="quarter" idx="14"/>
+          </p:nvPr>
+        </p:nvSpPr>
+        <p:spPr/>
+        <p:txBody>
+          <a:bodyPr>
+            <a:noAutofit/>
+          </a:bodyPr>
+          <a:lstStyle/>
+          <a:p>
+            <a:pPr marL="0" indent="0">
+              <a:buNone/>
+            </a:pPr>
+            <a:r>
+              <a:rPr lang="en-US" sz="1400" dirty="0">
+                <a:solidFill>
+                  <a:srgbClr val="000000"/>
+                </a:solidFill>
+                <a:latin typeface="Courier New"/>
+                <a:cs typeface="Courier New"/>
+              </a:rPr>
+              <a:t>* { margin: 0; padding: 0; }</a:t>
+            </a:r>
+          </a:p>
+          <a:p>
+            <a:pPr marL="0" indent="0">
+              <a:buNone/>
+            </a:pPr>
+            <a:r>
+              <a:rPr lang="en-US" sz="1400" dirty="0">
+                <a:solidFill>
+                  <a:srgbClr val="000000"/>
+                </a:solidFill>
+                <a:latin typeface="Courier New"/>
+                <a:cs typeface="Courier New"/>
+              </a:rPr>
+              <a:t>p { padding-bottom: 10px; }</a:t>
+            </a:r>
+          </a:p>
+          <a:p>
+            <a:pPr marL="0" indent="0">
+              <a:buNone/>
+            </a:pPr>
+            <a:r>
+              <a:rPr lang="en-US" sz="1400" dirty="0">
+                <a:solidFill>
+                  <a:srgbClr val="000000"/>
+                </a:solidFill>
+                <a:latin typeface="Courier New"/>
+                <a:cs typeface="Courier New"/>
+              </a:rPr>
+              <a:t>div p { color: green; }</a:t>
+            </a:r>
+          </a:p>
+          <a:p>
+            <a:pPr marL="0" indent="0">
+              <a:buNone/>
+            </a:pPr>
+            <a:r>
+              <a:rPr lang="en-US" sz="1400" dirty="0">
+                <a:solidFill>
+                  <a:srgbClr val="000000"/>
+                </a:solidFill>
+                <a:latin typeface="Courier New"/>
+                <a:cs typeface="Courier New"/>
+              </a:rPr>
+              <a:t>div &gt; p { color: blue; }</a:t>
+            </a:r>
+          </a:p>
+          <a:p>
+            <a:pPr marL="0" indent="0">
+              <a:buNone/>
+            </a:pPr>
+            <a:r>
+              <a:rPr lang="en-US" sz="1400" dirty="0" err="1">
+                <a:solidFill>
+                  <a:srgbClr val="000000"/>
+                </a:solidFill>
+                <a:latin typeface="Courier New"/>
+                <a:cs typeface="Courier New"/>
+              </a:rPr>
+              <a:t>a:link</a:t>
+            </a:r>
+            <a:r>
+              <a:rPr lang="en-US" sz="1400" dirty="0">
+                <a:solidFill>
+                  <a:srgbClr val="000000"/>
+                </a:solidFill>
+                <a:latin typeface="Courier New"/>
+                <a:cs typeface="Courier New"/>
+              </a:rPr>
               <a:t>, </a:t>
             </a:r>
             <a:r>
-              <a:rPr lang="en-US" dirty="0" smtClean="0"/>
-              <a:t>height – number in pixels (usually)</a:t>
-            </a:r>
-          </a:p>
-          <a:p>
-            <a:r>
-              <a:rPr lang="en-US" dirty="0" smtClean="0"/>
-              <a:t>margin</a:t>
-            </a:r>
-            <a:r>
-              <a:rPr lang="en-US" dirty="0"/>
+              <a:rPr lang="en-US" sz="1400" dirty="0" err="1">
+                <a:solidFill>
+                  <a:srgbClr val="000000"/>
+                </a:solidFill>
+                <a:latin typeface="Courier New"/>
+                <a:cs typeface="Courier New"/>
+              </a:rPr>
+              <a:t>a:visited</a:t>
+            </a:r>
+            <a:r>
+              <a:rPr lang="en-US" sz="1400" dirty="0">
+                <a:solidFill>
+                  <a:srgbClr val="000000"/>
+                </a:solidFill>
+                <a:latin typeface="Courier New"/>
+                <a:cs typeface="Courier New"/>
+              </a:rPr>
               <a:t>, </a:t>
             </a:r>
             <a:r>
-              <a:rPr lang="en-US" dirty="0" smtClean="0"/>
-              <a:t>padding – number in pixels (usually)</a:t>
-            </a:r>
-            <a:endParaRPr lang="en-US" dirty="0"/>
-          </a:p>
-          <a:p>
-            <a:r>
-              <a:rPr lang="en-US" dirty="0" smtClean="0"/>
-              <a:t>list-style: image, position, type</a:t>
-            </a:r>
-            <a:endParaRPr lang="en-US" dirty="0"/>
-          </a:p>
-          <a:p>
-            <a:r>
-              <a:rPr lang="en-US" dirty="0" smtClean="0"/>
-              <a:t>overflow – auto, hidden, scroll, visible</a:t>
-            </a:r>
-            <a:endParaRPr lang="en-US" dirty="0"/>
+              <a:rPr lang="en-US" sz="1400" dirty="0" err="1">
+                <a:solidFill>
+                  <a:srgbClr val="000000"/>
+                </a:solidFill>
+                <a:latin typeface="Courier New"/>
+                <a:cs typeface="Courier New"/>
+              </a:rPr>
+              <a:t>a:active</a:t>
+            </a:r>
+            <a:r>
+              <a:rPr lang="en-US" sz="1400" dirty="0">
+                <a:solidFill>
+                  <a:srgbClr val="000000"/>
+                </a:solidFill>
+                <a:latin typeface="Courier New"/>
+                <a:cs typeface="Courier New"/>
+              </a:rPr>
+              <a:t>, </a:t>
+            </a:r>
+            <a:r>
+              <a:rPr lang="en-US" sz="1400" dirty="0" err="1">
+                <a:solidFill>
+                  <a:srgbClr val="000000"/>
+                </a:solidFill>
+                <a:latin typeface="Courier New"/>
+                <a:cs typeface="Courier New"/>
+              </a:rPr>
+              <a:t>a:hover</a:t>
+            </a:r>
+            <a:r>
+              <a:rPr lang="en-US" sz="1400" dirty="0">
+                <a:solidFill>
+                  <a:srgbClr val="000000"/>
+                </a:solidFill>
+                <a:latin typeface="Courier New"/>
+                <a:cs typeface="Courier New"/>
+              </a:rPr>
+              <a:t>, </a:t>
+            </a:r>
+            <a:r>
+              <a:rPr lang="en-US" sz="1400" dirty="0" err="1">
+                <a:solidFill>
+                  <a:srgbClr val="000000"/>
+                </a:solidFill>
+                <a:latin typeface="Courier New"/>
+                <a:cs typeface="Courier New"/>
+              </a:rPr>
+              <a:t>a:focus</a:t>
+            </a:r>
+            <a:r>
+              <a:rPr lang="en-US" sz="1400" dirty="0">
+                <a:solidFill>
+                  <a:srgbClr val="000000"/>
+                </a:solidFill>
+                <a:latin typeface="Courier New"/>
+                <a:cs typeface="Courier New"/>
+              </a:rPr>
+              <a:t> { color: black; }</a:t>
+            </a:r>
+          </a:p>
+          <a:p>
+            <a:pPr marL="0" indent="0">
+              <a:buNone/>
+            </a:pPr>
+            <a:r>
+              <a:rPr lang="en-US" sz="1400" dirty="0">
+                <a:solidFill>
+                  <a:srgbClr val="000000"/>
+                </a:solidFill>
+                <a:latin typeface="Courier New"/>
+                <a:cs typeface="Courier New"/>
+              </a:rPr>
+              <a:t>.message { background: red; }</a:t>
+            </a:r>
+          </a:p>
+          <a:p>
+            <a:pPr marL="0" indent="0">
+              <a:buNone/>
+            </a:pPr>
+            <a:r>
+              <a:rPr lang="en-US" sz="1400" dirty="0">
+                <a:solidFill>
+                  <a:srgbClr val="000000"/>
+                </a:solidFill>
+                <a:latin typeface="Courier New"/>
+                <a:cs typeface="Courier New"/>
+              </a:rPr>
+              <a:t>#content { width: 200px; }</a:t>
+            </a:r>
           </a:p>
         </p:txBody>
       </p:sp>
     </p:spTree>
     <p:extLst>
       <p:ext uri="{BB962C8B-B14F-4D97-AF65-F5344CB8AC3E}">
-        <p14:creationId xmlns:p14="http://schemas.microsoft.com/office/powerpoint/2010/main" val="1293711312"/>
+        <p14:creationId xmlns:p14="http://schemas.microsoft.com/office/powerpoint/2010/main" val="2141280921"/>
       </p:ext>
     </p:extLst>
   </p:cSld>

--- a/slides/classthree/slides.pptx
+++ b/slides/classthree/slides.pptx
@@ -5,7 +5,7 @@
     <p:sldMasterId id="2147483660" r:id="rId1"/>
   </p:sldMasterIdLst>
   <p:notesMasterIdLst>
-    <p:notesMasterId r:id="rId23"/>
+    <p:notesMasterId r:id="rId36"/>
   </p:notesMasterIdLst>
   <p:sldIdLst>
     <p:sldId id="256" r:id="rId2"/>
@@ -20,15 +20,28 @@
     <p:sldId id="337" r:id="rId11"/>
     <p:sldId id="344" r:id="rId12"/>
     <p:sldId id="345" r:id="rId13"/>
-    <p:sldId id="346" r:id="rId14"/>
-    <p:sldId id="315" r:id="rId15"/>
-    <p:sldId id="343" r:id="rId16"/>
-    <p:sldId id="340" r:id="rId17"/>
-    <p:sldId id="312" r:id="rId18"/>
-    <p:sldId id="268" r:id="rId19"/>
-    <p:sldId id="341" r:id="rId20"/>
-    <p:sldId id="270" r:id="rId21"/>
-    <p:sldId id="267" r:id="rId22"/>
+    <p:sldId id="347" r:id="rId14"/>
+    <p:sldId id="348" r:id="rId15"/>
+    <p:sldId id="349" r:id="rId16"/>
+    <p:sldId id="350" r:id="rId17"/>
+    <p:sldId id="351" r:id="rId18"/>
+    <p:sldId id="352" r:id="rId19"/>
+    <p:sldId id="357" r:id="rId20"/>
+    <p:sldId id="353" r:id="rId21"/>
+    <p:sldId id="358" r:id="rId22"/>
+    <p:sldId id="354" r:id="rId23"/>
+    <p:sldId id="355" r:id="rId24"/>
+    <p:sldId id="359" r:id="rId25"/>
+    <p:sldId id="360" r:id="rId26"/>
+    <p:sldId id="315" r:id="rId27"/>
+    <p:sldId id="343" r:id="rId28"/>
+    <p:sldId id="356" r:id="rId29"/>
+    <p:sldId id="340" r:id="rId30"/>
+    <p:sldId id="312" r:id="rId31"/>
+    <p:sldId id="268" r:id="rId32"/>
+    <p:sldId id="341" r:id="rId33"/>
+    <p:sldId id="270" r:id="rId34"/>
+    <p:sldId id="267" r:id="rId35"/>
   </p:sldIdLst>
   <p:sldSz cx="9144000" cy="6858000" type="screen4x3"/>
   <p:notesSz cx="6858000" cy="9144000"/>
@@ -212,7 +225,7 @@
           <a:p>
             <a:fld id="{9B5D41C8-0A92-DD47-AB00-F0EFFD66679B}" type="datetimeFigureOut">
               <a:rPr lang="en-US" smtClean="0"/>
-              <a:t>10/1/11</a:t>
+              <a:t>10/2/11</a:t>
             </a:fld>
             <a:endParaRPr lang="en-US"/>
           </a:p>
@@ -909,7 +922,7 @@
           <a:p>
             <a:fld id="{F0AB357A-3C6D-9E43-AB07-807CDFEA83A0}" type="slidenum">
               <a:rPr lang="en-US" smtClean="0"/>
-              <a:t>16</a:t>
+              <a:t>29</a:t>
             </a:fld>
             <a:endParaRPr lang="en-US"/>
           </a:p>
@@ -997,7 +1010,7 @@
           <a:p>
             <a:fld id="{F0AB357A-3C6D-9E43-AB07-807CDFEA83A0}" type="slidenum">
               <a:rPr lang="en-US" smtClean="0"/>
-              <a:t>17</a:t>
+              <a:t>30</a:t>
             </a:fld>
             <a:endParaRPr lang="en-US"/>
           </a:p>
@@ -1085,7 +1098,7 @@
           <a:p>
             <a:fld id="{F0AB357A-3C6D-9E43-AB07-807CDFEA83A0}" type="slidenum">
               <a:rPr lang="en-US" smtClean="0"/>
-              <a:t>18</a:t>
+              <a:t>31</a:t>
             </a:fld>
             <a:endParaRPr lang="en-US"/>
           </a:p>
@@ -1173,7 +1186,7 @@
           <a:p>
             <a:fld id="{F0AB357A-3C6D-9E43-AB07-807CDFEA83A0}" type="slidenum">
               <a:rPr lang="en-US" smtClean="0"/>
-              <a:t>20</a:t>
+              <a:t>33</a:t>
             </a:fld>
             <a:endParaRPr lang="en-US"/>
           </a:p>
@@ -1269,7 +1282,7 @@
           <a:p>
             <a:fld id="{F0AB357A-3C6D-9E43-AB07-807CDFEA83A0}" type="slidenum">
               <a:rPr lang="en-US" smtClean="0"/>
-              <a:t>21</a:t>
+              <a:t>34</a:t>
             </a:fld>
             <a:endParaRPr lang="en-US"/>
           </a:p>
@@ -1916,7 +1929,7 @@
             <a:fld id="{B7C3F878-F5E8-489B-AC8A-64F2A7E22C28}" type="datetimeFigureOut">
               <a:rPr lang="en-US" smtClean="0"/>
               <a:pPr/>
-              <a:t>10/1/11</a:t>
+              <a:t>10/2/11</a:t>
             </a:fld>
             <a:endParaRPr lang="en-US"/>
           </a:p>
@@ -2123,7 +2136,7 @@
             <a:fld id="{B7C3F878-F5E8-489B-AC8A-64F2A7E22C28}" type="datetimeFigureOut">
               <a:rPr lang="en-US" smtClean="0"/>
               <a:pPr/>
-              <a:t>10/1/11</a:t>
+              <a:t>10/2/11</a:t>
             </a:fld>
             <a:endParaRPr lang="en-US"/>
           </a:p>
@@ -2330,7 +2343,7 @@
             <a:fld id="{B7C3F878-F5E8-489B-AC8A-64F2A7E22C28}" type="datetimeFigureOut">
               <a:rPr lang="en-US" smtClean="0"/>
               <a:pPr/>
-              <a:t>10/1/11</a:t>
+              <a:t>10/2/11</a:t>
             </a:fld>
             <a:endParaRPr lang="en-US"/>
           </a:p>
@@ -2523,7 +2536,7 @@
             <a:fld id="{B7C3F878-F5E8-489B-AC8A-64F2A7E22C28}" type="datetimeFigureOut">
               <a:rPr lang="en-US" smtClean="0"/>
               <a:pPr/>
-              <a:t>10/1/11</a:t>
+              <a:t>10/2/11</a:t>
             </a:fld>
             <a:endParaRPr lang="en-US"/>
           </a:p>
@@ -2764,7 +2777,7 @@
             <a:fld id="{B7C3F878-F5E8-489B-AC8A-64F2A7E22C28}" type="datetimeFigureOut">
               <a:rPr lang="en-US" smtClean="0"/>
               <a:pPr/>
-              <a:t>10/1/11</a:t>
+              <a:t>10/2/11</a:t>
             </a:fld>
             <a:endParaRPr lang="en-US"/>
           </a:p>
@@ -2879,7 +2892,7 @@
             <a:fld id="{B7C3F878-F5E8-489B-AC8A-64F2A7E22C28}" type="datetimeFigureOut">
               <a:rPr lang="en-US" smtClean="0"/>
               <a:pPr/>
-              <a:t>10/1/11</a:t>
+              <a:t>10/2/11</a:t>
             </a:fld>
             <a:endParaRPr lang="en-US"/>
           </a:p>
@@ -3311,7 +3324,7 @@
             <a:fld id="{B7C3F878-F5E8-489B-AC8A-64F2A7E22C28}" type="datetimeFigureOut">
               <a:rPr lang="en-US" smtClean="0"/>
               <a:pPr/>
-              <a:t>10/1/11</a:t>
+              <a:t>10/2/11</a:t>
             </a:fld>
             <a:endParaRPr lang="en-US"/>
           </a:p>
@@ -3592,7 +3605,7 @@
             <a:fld id="{B7C3F878-F5E8-489B-AC8A-64F2A7E22C28}" type="datetimeFigureOut">
               <a:rPr lang="en-US" smtClean="0"/>
               <a:pPr/>
-              <a:t>10/1/11</a:t>
+              <a:t>10/2/11</a:t>
             </a:fld>
             <a:endParaRPr lang="en-US"/>
           </a:p>
@@ -3684,7 +3697,7 @@
             <a:fld id="{B7C3F878-F5E8-489B-AC8A-64F2A7E22C28}" type="datetimeFigureOut">
               <a:rPr lang="en-US" smtClean="0"/>
               <a:pPr/>
-              <a:t>10/1/11</a:t>
+              <a:t>10/2/11</a:t>
             </a:fld>
             <a:endParaRPr lang="en-US"/>
           </a:p>
@@ -4523,7 +4536,7 @@
             <a:fld id="{B7C3F878-F5E8-489B-AC8A-64F2A7E22C28}" type="datetimeFigureOut">
               <a:rPr lang="en-US" smtClean="0"/>
               <a:pPr/>
-              <a:t>10/1/11</a:t>
+              <a:t>10/2/11</a:t>
             </a:fld>
             <a:endParaRPr lang="en-US"/>
           </a:p>
@@ -5356,7 +5369,7 @@
             <a:fld id="{B7C3F878-F5E8-489B-AC8A-64F2A7E22C28}" type="datetimeFigureOut">
               <a:rPr lang="en-US" smtClean="0"/>
               <a:pPr/>
-              <a:t>10/1/11</a:t>
+              <a:t>10/2/11</a:t>
             </a:fld>
             <a:endParaRPr lang="en-US"/>
           </a:p>
@@ -6012,7 +6025,7 @@
             <a:fld id="{B7C3F878-F5E8-489B-AC8A-64F2A7E22C28}" type="datetimeFigureOut">
               <a:rPr lang="en-US" smtClean="0"/>
               <a:pPr/>
-              <a:t>10/1/11</a:t>
+              <a:t>10/2/11</a:t>
             </a:fld>
             <a:endParaRPr lang="en-US" dirty="0"/>
           </a:p>
@@ -6596,41 +6609,36 @@
         <p:spPr/>
         <p:txBody>
           <a:bodyPr>
-            <a:normAutofit fontScale="77500" lnSpcReduction="20000"/>
+            <a:normAutofit fontScale="62500" lnSpcReduction="20000"/>
           </a:bodyPr>
           <a:lstStyle/>
           <a:p>
             <a:r>
               <a:rPr lang="en-US" dirty="0" smtClean="0"/>
-              <a:t>color – </a:t>
-            </a:r>
-            <a:r>
-              <a:rPr lang="en-US" dirty="0" err="1" smtClean="0"/>
-              <a:t>hexidecimal</a:t>
-            </a:r>
-            <a:r>
-              <a:rPr lang="en-US" dirty="0" smtClean="0"/>
-              <a:t> number with # in front</a:t>
-            </a:r>
-            <a:endParaRPr lang="en-US" dirty="0"/>
-          </a:p>
-          <a:p>
-            <a:r>
-              <a:rPr lang="en-US" dirty="0" smtClean="0"/>
-              <a:t>background – color (like above) or image</a:t>
-            </a:r>
-          </a:p>
-          <a:p>
-            <a:r>
-              <a:rPr lang="en-US" dirty="0" smtClean="0"/>
-              <a:t>border – size, type, color</a:t>
-            </a:r>
-          </a:p>
-          <a:p>
-            <a:r>
-              <a:rPr lang="en-US" dirty="0" smtClean="0"/>
-              <a:t>font-style – normal, italic</a:t>
-            </a:r>
+              <a:t>color</a:t>
+            </a:r>
+          </a:p>
+          <a:p>
+            <a:r>
+              <a:rPr lang="en-US" dirty="0" smtClean="0"/>
+              <a:t>background</a:t>
+            </a:r>
+            <a:endParaRPr lang="en-US" dirty="0" smtClean="0"/>
+          </a:p>
+          <a:p>
+            <a:r>
+              <a:rPr lang="en-US" dirty="0" smtClean="0"/>
+              <a:t>font</a:t>
+            </a:r>
+            <a:r>
+              <a:rPr lang="en-US" dirty="0" smtClean="0"/>
+              <a:t>-</a:t>
+            </a:r>
+            <a:r>
+              <a:rPr lang="en-US" dirty="0" smtClean="0"/>
+              <a:t>style</a:t>
+            </a:r>
+            <a:endParaRPr lang="en-US" dirty="0" smtClean="0"/>
           </a:p>
           <a:p>
             <a:r>
@@ -6643,8 +6651,9 @@
             </a:r>
             <a:r>
               <a:rPr lang="en-US" dirty="0" smtClean="0"/>
-              <a:t>variant – normal, small-caps</a:t>
-            </a:r>
+              <a:t>variant</a:t>
+            </a:r>
+            <a:endParaRPr lang="en-US" dirty="0" smtClean="0"/>
           </a:p>
           <a:p>
             <a:r>
@@ -6657,8 +6666,9 @@
             </a:r>
             <a:r>
               <a:rPr lang="en-US" dirty="0" smtClean="0"/>
-              <a:t>weight – normal, bold, number (100, 200, 300…)</a:t>
-            </a:r>
+              <a:t>weight</a:t>
+            </a:r>
+            <a:endParaRPr lang="en-US" dirty="0" smtClean="0"/>
           </a:p>
           <a:p>
             <a:r>
@@ -6671,24 +6681,9 @@
             </a:r>
             <a:r>
               <a:rPr lang="en-US" dirty="0" smtClean="0"/>
-              <a:t>size – number in pixels, %, </a:t>
-            </a:r>
-            <a:r>
-              <a:rPr lang="en-US" dirty="0" err="1" smtClean="0"/>
-              <a:t>em</a:t>
-            </a:r>
-            <a:r>
-              <a:rPr lang="en-US" dirty="0" smtClean="0"/>
-              <a:t>, in, </a:t>
-            </a:r>
-            <a:r>
-              <a:rPr lang="en-US" dirty="0" err="1" smtClean="0"/>
-              <a:t>pt</a:t>
-            </a:r>
-            <a:r>
-              <a:rPr lang="en-US" dirty="0" smtClean="0"/>
-              <a:t>, etc.</a:t>
-            </a:r>
+              <a:t>size</a:t>
+            </a:r>
+            <a:endParaRPr lang="en-US" dirty="0" smtClean="0"/>
           </a:p>
           <a:p>
             <a:r>
@@ -6697,8 +6692,9 @@
             </a:r>
             <a:r>
               <a:rPr lang="en-US" dirty="0" smtClean="0"/>
-              <a:t>family – name of font family</a:t>
-            </a:r>
+              <a:t>family</a:t>
+            </a:r>
+            <a:endParaRPr lang="en-US" dirty="0" smtClean="0"/>
           </a:p>
           <a:p>
             <a:r>
@@ -6711,38 +6707,59 @@
             </a:r>
             <a:r>
               <a:rPr lang="en-US" dirty="0" smtClean="0"/>
-              <a:t>height – number alone or as pixels</a:t>
+              <a:t>height</a:t>
+            </a:r>
+          </a:p>
+          <a:p>
+            <a:r>
+              <a:rPr lang="en-US" dirty="0" smtClean="0"/>
+              <a:t>text-indent</a:t>
             </a:r>
             <a:endParaRPr lang="en-US" dirty="0"/>
           </a:p>
           <a:p>
             <a:r>
               <a:rPr lang="en-US" dirty="0" smtClean="0"/>
-              <a:t>text-align – left, right, center, justify</a:t>
-            </a:r>
-          </a:p>
-          <a:p>
-            <a:r>
-              <a:rPr lang="en-US" dirty="0" smtClean="0"/>
-              <a:t>text-decoration – underline, </a:t>
-            </a:r>
-            <a:r>
-              <a:rPr lang="en-US" dirty="0" err="1" smtClean="0"/>
-              <a:t>overline</a:t>
-            </a:r>
-            <a:r>
-              <a:rPr lang="en-US" dirty="0" smtClean="0"/>
-              <a:t>, line-through, none</a:t>
-            </a:r>
-          </a:p>
-          <a:p>
-            <a:r>
-              <a:rPr lang="en-US" dirty="0" smtClean="0"/>
-              <a:t>text-transform – none, uppercase, lowercase, capitalize</a:t>
-            </a:r>
-          </a:p>
-          <a:p>
-            <a:endParaRPr lang="en-US" dirty="0"/>
+              <a:t>text-</a:t>
+            </a:r>
+            <a:r>
+              <a:rPr lang="en-US" dirty="0" smtClean="0"/>
+              <a:t>align</a:t>
+            </a:r>
+            <a:endParaRPr lang="en-US" dirty="0" smtClean="0"/>
+          </a:p>
+          <a:p>
+            <a:r>
+              <a:rPr lang="en-US" dirty="0" smtClean="0"/>
+              <a:t>text-</a:t>
+            </a:r>
+            <a:r>
+              <a:rPr lang="en-US" dirty="0" smtClean="0"/>
+              <a:t>decoration</a:t>
+            </a:r>
+            <a:endParaRPr lang="en-US" dirty="0" smtClean="0"/>
+          </a:p>
+          <a:p>
+            <a:r>
+              <a:rPr lang="en-US" dirty="0" smtClean="0"/>
+              <a:t>text-</a:t>
+            </a:r>
+            <a:r>
+              <a:rPr lang="en-US" dirty="0" smtClean="0"/>
+              <a:t>transform</a:t>
+            </a:r>
+          </a:p>
+          <a:p>
+            <a:r>
+              <a:rPr lang="en-US" dirty="0" smtClean="0"/>
+              <a:t>letter-spacing</a:t>
+            </a:r>
+          </a:p>
+          <a:p>
+            <a:r>
+              <a:rPr lang="en-US" dirty="0" smtClean="0"/>
+              <a:t>word-spacing</a:t>
+            </a:r>
           </a:p>
         </p:txBody>
       </p:sp>
@@ -6819,7 +6836,7 @@
         <p:spPr/>
         <p:txBody>
           <a:bodyPr>
-            <a:normAutofit fontScale="92500" lnSpcReduction="20000"/>
+            <a:normAutofit fontScale="77500" lnSpcReduction="20000"/>
           </a:bodyPr>
           <a:lstStyle/>
           <a:p>
@@ -6831,20 +6848,27 @@
               <a:rPr lang="en-US" dirty="0">
                 <a:hlinkClick r:id="rId2"/>
               </a:rPr>
-              <a:t>http://www.w3.org/TR/CSS2/</a:t>
-            </a:r>
-            <a:r>
-              <a:rPr lang="en-US" dirty="0" err="1">
+              <a:t>http://www.w3.org/TR/CSS2/colors.html#propdef-</a:t>
+            </a:r>
+            <a:r>
+              <a:rPr lang="en-US" dirty="0" smtClean="0">
                 <a:hlinkClick r:id="rId2"/>
               </a:rPr>
-              <a:t>colors.html#propdef-color</a:t>
+              <a:t>color</a:t>
+            </a:r>
+            <a:endParaRPr lang="en-US" dirty="0" smtClean="0"/>
+          </a:p>
+          <a:p>
+            <a:r>
+              <a:rPr lang="en-US" dirty="0" smtClean="0"/>
+              <a:t>Sets the foreground color</a:t>
             </a:r>
             <a:endParaRPr lang="en-US" dirty="0"/>
           </a:p>
           <a:p>
             <a:r>
               <a:rPr lang="en-US" dirty="0" smtClean="0"/>
-              <a:t>Names</a:t>
+              <a:t>Can be names</a:t>
             </a:r>
             <a:r>
               <a:rPr lang="en-US" dirty="0"/>
@@ -6858,7 +6882,11 @@
           <a:p>
             <a:r>
               <a:rPr lang="en-US" dirty="0" smtClean="0"/>
-              <a:t>Hexadecimal: #</a:t>
+              <a:t>Can be hexadecimal</a:t>
+            </a:r>
+            <a:r>
+              <a:rPr lang="en-US" dirty="0" smtClean="0"/>
+              <a:t>: #</a:t>
             </a:r>
             <a:r>
               <a:rPr lang="en-US" dirty="0" err="1" smtClean="0"/>
@@ -6894,7 +6922,11 @@
           <a:p>
             <a:r>
               <a:rPr lang="en-US" dirty="0" smtClean="0"/>
-              <a:t>RGB: </a:t>
+              <a:t>Can be RGB</a:t>
+            </a:r>
+            <a:r>
+              <a:rPr lang="en-US" dirty="0" smtClean="0"/>
+              <a:t>: </a:t>
             </a:r>
             <a:r>
               <a:rPr lang="en-US" dirty="0" err="1" smtClean="0"/>
@@ -6910,8 +6942,37 @@
             </a:r>
             <a:r>
               <a:rPr lang="en-US" dirty="0" smtClean="0"/>
-              <a:t>(100%, 0%, 0%)</a:t>
-            </a:r>
+              <a:t>(100%, 0%, 0%</a:t>
+            </a:r>
+            <a:r>
+              <a:rPr lang="en-US" dirty="0" smtClean="0"/>
+              <a:t>)</a:t>
+            </a:r>
+          </a:p>
+          <a:p>
+            <a:pPr marL="0" indent="0">
+              <a:buNone/>
+            </a:pPr>
+            <a:endParaRPr lang="en-US" dirty="0" smtClean="0">
+              <a:latin typeface="Courier New"/>
+              <a:cs typeface="Courier New"/>
+            </a:endParaRPr>
+          </a:p>
+          <a:p>
+            <a:pPr marL="0" indent="0">
+              <a:buNone/>
+            </a:pPr>
+            <a:r>
+              <a:rPr lang="en-US" dirty="0" smtClean="0">
+                <a:latin typeface="Courier New"/>
+                <a:cs typeface="Courier New"/>
+              </a:rPr>
+              <a:t>color: red;</a:t>
+            </a:r>
+            <a:endParaRPr lang="en-US" dirty="0" smtClean="0">
+              <a:latin typeface="Courier New"/>
+              <a:cs typeface="Courier New"/>
+            </a:endParaRPr>
           </a:p>
         </p:txBody>
       </p:sp>
@@ -7004,7 +7065,7 @@
         <p:spPr/>
         <p:txBody>
           <a:bodyPr>
-            <a:normAutofit fontScale="85000" lnSpcReduction="20000"/>
+            <a:normAutofit fontScale="77500" lnSpcReduction="20000"/>
           </a:bodyPr>
           <a:lstStyle/>
           <a:p>
@@ -7016,13 +7077,26 @@
               <a:rPr lang="en-US" dirty="0">
                 <a:hlinkClick r:id="rId2"/>
               </a:rPr>
-              <a:t>http://www.w3.org/TR/CSS2/</a:t>
-            </a:r>
-            <a:r>
-              <a:rPr lang="en-US" dirty="0" err="1">
+              <a:t>http://www.w3.org/TR/CSS2/colors.html#</a:t>
+            </a:r>
+            <a:r>
+              <a:rPr lang="en-US" dirty="0" smtClean="0">
                 <a:hlinkClick r:id="rId2"/>
               </a:rPr>
-              <a:t>colors.html#background</a:t>
+              <a:t>background</a:t>
+            </a:r>
+            <a:endParaRPr lang="en-US" dirty="0" smtClean="0"/>
+          </a:p>
+          <a:p>
+            <a:r>
+              <a:rPr lang="en-US" dirty="0" smtClean="0"/>
+              <a:t>Sets the background for an element</a:t>
+            </a:r>
+          </a:p>
+          <a:p>
+            <a:r>
+              <a:rPr lang="en-US" dirty="0" smtClean="0"/>
+              <a:t>Can be a color or an image</a:t>
             </a:r>
             <a:endParaRPr lang="en-US" dirty="0"/>
           </a:p>
@@ -7075,9 +7149,37 @@
           <a:p>
             <a:r>
               <a:rPr lang="en-US" dirty="0" smtClean="0"/>
-              <a:t>background: color, image, repeat, attachment, position</a:t>
-            </a:r>
-            <a:endParaRPr lang="en-US" dirty="0"/>
+              <a:t>background: color, image, repeat, attachment, </a:t>
+            </a:r>
+            <a:r>
+              <a:rPr lang="en-US" dirty="0" smtClean="0"/>
+              <a:t>position</a:t>
+            </a:r>
+          </a:p>
+          <a:p>
+            <a:pPr marL="0" indent="0">
+              <a:buNone/>
+            </a:pPr>
+            <a:endParaRPr lang="en-US" dirty="0" smtClean="0">
+              <a:latin typeface="Courier New"/>
+              <a:cs typeface="Courier New"/>
+            </a:endParaRPr>
+          </a:p>
+          <a:p>
+            <a:pPr marL="0" indent="0">
+              <a:buNone/>
+            </a:pPr>
+            <a:r>
+              <a:rPr lang="en-US" dirty="0" smtClean="0">
+                <a:latin typeface="Courier New"/>
+                <a:cs typeface="Courier New"/>
+              </a:rPr>
+              <a:t>background: red;</a:t>
+            </a:r>
+            <a:endParaRPr lang="en-US" dirty="0">
+              <a:latin typeface="Courier New"/>
+              <a:cs typeface="Courier New"/>
+            </a:endParaRPr>
           </a:p>
         </p:txBody>
       </p:sp>
@@ -7171,7 +7273,7 @@
           <a:p>
             <a:r>
               <a:rPr lang="en-US" dirty="0" smtClean="0"/>
-              <a:t>border</a:t>
+              <a:t>font-style</a:t>
             </a:r>
             <a:endParaRPr lang="en-US" dirty="0"/>
           </a:p>
@@ -7189,190 +7291,61 @@
         </p:nvSpPr>
         <p:spPr/>
         <p:txBody>
-          <a:bodyPr>
-            <a:normAutofit fontScale="85000" lnSpcReduction="20000"/>
-          </a:bodyPr>
-          <a:lstStyle/>
-          <a:p>
-            <a:r>
-              <a:rPr lang="en-US" dirty="0" smtClean="0"/>
-              <a:t>Learn more: </a:t>
+          <a:bodyPr/>
+          <a:lstStyle/>
+          <a:p>
+            <a:r>
+              <a:rPr lang="en-US" dirty="0" smtClean="0"/>
+              <a:t>Learn </a:t>
+            </a:r>
+            <a:r>
+              <a:rPr lang="en-US" dirty="0" err="1" smtClean="0"/>
+              <a:t>more:</a:t>
+            </a:r>
+            <a:r>
+              <a:rPr lang="en-US" dirty="0" err="1" smtClean="0">
+                <a:hlinkClick r:id="rId2"/>
+              </a:rPr>
+              <a:t>http</a:t>
             </a:r>
             <a:r>
               <a:rPr lang="en-US" dirty="0" smtClean="0">
                 <a:hlinkClick r:id="rId2"/>
               </a:rPr>
-              <a:t>http://www.w3.org/TR/CSS2/box.html - border-properties</a:t>
+              <a:t>://www.w3.org/TR/CSS2/fonts.html - font-styling</a:t>
             </a:r>
             <a:endParaRPr lang="en-US" dirty="0" smtClean="0"/>
           </a:p>
           <a:p>
             <a:r>
               <a:rPr lang="en-US" dirty="0" smtClean="0"/>
-              <a:t>Four sides: top, left, right, bottom</a:t>
-            </a:r>
-          </a:p>
-          <a:p>
-            <a:r>
-              <a:rPr lang="en-US" dirty="0" smtClean="0"/>
-              <a:t>border-top-width, border-left-width, border-right-width, border-bottom-width, border-width: thin, medium, thick, 2px</a:t>
-            </a:r>
-          </a:p>
-          <a:p>
-            <a:r>
-              <a:rPr lang="en-US" dirty="0"/>
-              <a:t>border-top</a:t>
-            </a:r>
-            <a:r>
-              <a:rPr lang="en-US" dirty="0" smtClean="0"/>
-              <a:t>-color, </a:t>
-            </a:r>
-            <a:r>
-              <a:rPr lang="en-US" dirty="0"/>
-              <a:t>border-left</a:t>
-            </a:r>
-            <a:r>
-              <a:rPr lang="en-US" dirty="0" smtClean="0"/>
-              <a:t>-</a:t>
-            </a:r>
-            <a:r>
-              <a:rPr lang="en-US" dirty="0"/>
-              <a:t>color</a:t>
-            </a:r>
-            <a:r>
-              <a:rPr lang="en-US" dirty="0" smtClean="0"/>
-              <a:t>, </a:t>
-            </a:r>
-            <a:r>
-              <a:rPr lang="en-US" dirty="0"/>
-              <a:t>border-right</a:t>
-            </a:r>
-            <a:r>
-              <a:rPr lang="en-US" dirty="0" smtClean="0"/>
-              <a:t>-</a:t>
-            </a:r>
-            <a:r>
-              <a:rPr lang="en-US" dirty="0"/>
-              <a:t>color</a:t>
-            </a:r>
-            <a:r>
-              <a:rPr lang="en-US" dirty="0" smtClean="0"/>
-              <a:t>, </a:t>
-            </a:r>
-            <a:r>
-              <a:rPr lang="en-US" dirty="0"/>
-              <a:t>border-bottom</a:t>
-            </a:r>
-            <a:r>
-              <a:rPr lang="en-US" dirty="0" smtClean="0"/>
-              <a:t>-</a:t>
-            </a:r>
-            <a:r>
-              <a:rPr lang="en-US" dirty="0"/>
-              <a:t>color</a:t>
-            </a:r>
-            <a:r>
-              <a:rPr lang="en-US" dirty="0" smtClean="0"/>
-              <a:t>, </a:t>
-            </a:r>
-            <a:r>
-              <a:rPr lang="en-US" dirty="0"/>
-              <a:t>border</a:t>
-            </a:r>
-            <a:r>
-              <a:rPr lang="en-US" dirty="0" smtClean="0"/>
-              <a:t>-</a:t>
-            </a:r>
-            <a:r>
-              <a:rPr lang="en-US" dirty="0"/>
-              <a:t>color</a:t>
-            </a:r>
-            <a:r>
-              <a:rPr lang="en-US" dirty="0" smtClean="0"/>
-              <a:t>: color, transparent</a:t>
-            </a:r>
-          </a:p>
-          <a:p>
-            <a:r>
-              <a:rPr lang="en-US" dirty="0"/>
-              <a:t>border-top</a:t>
-            </a:r>
-            <a:r>
-              <a:rPr lang="en-US" dirty="0" smtClean="0"/>
-              <a:t>-style, </a:t>
-            </a:r>
-            <a:r>
-              <a:rPr lang="en-US" dirty="0"/>
-              <a:t>border-left</a:t>
-            </a:r>
-            <a:r>
-              <a:rPr lang="en-US" dirty="0" smtClean="0"/>
-              <a:t>-</a:t>
-            </a:r>
-            <a:r>
-              <a:rPr lang="en-US" dirty="0"/>
-              <a:t>style</a:t>
-            </a:r>
-            <a:r>
-              <a:rPr lang="en-US" dirty="0" smtClean="0"/>
-              <a:t>, </a:t>
-            </a:r>
-            <a:r>
-              <a:rPr lang="en-US" dirty="0"/>
-              <a:t>border-right</a:t>
-            </a:r>
-            <a:r>
-              <a:rPr lang="en-US" dirty="0" smtClean="0"/>
-              <a:t>-</a:t>
-            </a:r>
-            <a:r>
-              <a:rPr lang="en-US" dirty="0"/>
-              <a:t>style</a:t>
-            </a:r>
-            <a:r>
-              <a:rPr lang="en-US" dirty="0" smtClean="0"/>
-              <a:t>, </a:t>
-            </a:r>
-            <a:r>
-              <a:rPr lang="en-US" dirty="0"/>
-              <a:t>border-bottom</a:t>
-            </a:r>
-            <a:r>
-              <a:rPr lang="en-US" dirty="0" smtClean="0"/>
-              <a:t>-</a:t>
-            </a:r>
-            <a:r>
-              <a:rPr lang="en-US" dirty="0"/>
-              <a:t>style</a:t>
-            </a:r>
-            <a:r>
-              <a:rPr lang="en-US" dirty="0" smtClean="0"/>
-              <a:t>, </a:t>
-            </a:r>
-            <a:r>
-              <a:rPr lang="en-US" dirty="0"/>
-              <a:t>border</a:t>
-            </a:r>
-            <a:r>
-              <a:rPr lang="en-US" dirty="0" smtClean="0"/>
-              <a:t>-</a:t>
-            </a:r>
-            <a:r>
-              <a:rPr lang="en-US" dirty="0"/>
-              <a:t>style</a:t>
-            </a:r>
-            <a:r>
-              <a:rPr lang="en-US" dirty="0" smtClean="0"/>
-              <a:t>: none, dotted, dashed, solid, double, groove, ridge, inset, outset</a:t>
-            </a:r>
-          </a:p>
-          <a:p>
-            <a:r>
-              <a:rPr lang="en-US" dirty="0" smtClean="0"/>
-              <a:t>border: width, style, color</a:t>
-            </a:r>
+              <a:t>Sets the style for your font</a:t>
+            </a:r>
+          </a:p>
+          <a:p>
+            <a:r>
+              <a:rPr lang="en-US" dirty="0" smtClean="0"/>
+              <a:t>Can be normal, italic, oblique</a:t>
+            </a:r>
+          </a:p>
+          <a:p>
+            <a:pPr marL="0" indent="0">
+              <a:buNone/>
+            </a:pPr>
             <a:endParaRPr lang="en-US" dirty="0"/>
           </a:p>
+          <a:p>
+            <a:pPr marL="0" indent="0">
+              <a:buNone/>
+            </a:pPr>
+            <a:r>
+              <a:rPr lang="en-US" sz="2000" dirty="0" smtClean="0">
+                <a:latin typeface="Courier New"/>
+                <a:cs typeface="Courier New"/>
+              </a:rPr>
+              <a:t>font-style: italic;</a:t>
+            </a:r>
+          </a:p>
         </p:txBody>
       </p:sp>
       <p:sp>
@@ -7392,7 +7365,7 @@
           <a:p>
             <a:r>
               <a:rPr lang="en-US" smtClean="0"/>
-              <a:t>http://dl.dropbox.com/u/41609448/art329/slides/classfour/slides/border/index.html </a:t>
+              <a:t>http://dl.dropbox.com/u/41609448/art329/slides/classfour/slides/fontstyle/index.html</a:t>
             </a:r>
             <a:endParaRPr lang="en-US"/>
           </a:p>
@@ -7401,7 +7374,7 @@
     </p:spTree>
     <p:extLst>
       <p:ext uri="{BB962C8B-B14F-4D97-AF65-F5344CB8AC3E}">
-        <p14:creationId xmlns:p14="http://schemas.microsoft.com/office/powerpoint/2010/main" val="51504665"/>
+        <p14:creationId xmlns:p14="http://schemas.microsoft.com/office/powerpoint/2010/main" val="375906942"/>
       </p:ext>
     </p:extLst>
   </p:cSld>
@@ -7445,7 +7418,7 @@
           <a:p>
             <a:r>
               <a:rPr lang="en-US" dirty="0" smtClean="0"/>
-              <a:t>Layout</a:t>
+              <a:t>font-variant</a:t>
             </a:r>
             <a:endParaRPr lang="en-US" dirty="0"/>
           </a:p>
@@ -7463,108 +7436,108 @@
         </p:nvSpPr>
         <p:spPr/>
         <p:txBody>
-          <a:bodyPr>
-            <a:normAutofit fontScale="92500" lnSpcReduction="10000"/>
-          </a:bodyPr>
-          <a:lstStyle/>
-          <a:p>
-            <a:r>
-              <a:rPr lang="en-US" dirty="0" smtClean="0"/>
-              <a:t>position – absolute, </a:t>
+          <a:bodyPr/>
+          <a:lstStyle/>
+          <a:p>
+            <a:r>
+              <a:rPr lang="en-US" dirty="0" smtClean="0"/>
+              <a:t>Learn more: </a:t>
+            </a:r>
+            <a:r>
+              <a:rPr lang="en-US" dirty="0" smtClean="0">
+                <a:hlinkClick r:id="rId2"/>
+              </a:rPr>
+              <a:t>http://www.w3.org/TR/CSS2/fonts.html - small-caps</a:t>
+            </a:r>
+            <a:endParaRPr lang="en-US" dirty="0" smtClean="0"/>
+          </a:p>
+          <a:p>
+            <a:r>
+              <a:rPr lang="en-US" dirty="0" smtClean="0"/>
+              <a:t>Chooses a variant of the font</a:t>
+            </a:r>
+          </a:p>
+          <a:p>
+            <a:r>
+              <a:rPr lang="en-US" dirty="0" smtClean="0"/>
+              <a:t>Can be normal</a:t>
             </a:r>
             <a:r>
               <a:rPr lang="en-US" dirty="0"/>
-              <a:t>relative, fixed, </a:t>
-            </a:r>
-            <a:r>
-              <a:rPr lang="en-US" dirty="0" smtClean="0"/>
-              <a:t>static</a:t>
-            </a:r>
-          </a:p>
-          <a:p>
-            <a:r>
-              <a:rPr lang="en-US" dirty="0" smtClean="0"/>
-              <a:t>top</a:t>
-            </a:r>
-            <a:r>
-              <a:rPr lang="en-US" dirty="0"/>
-              <a:t>, left, right, </a:t>
-            </a:r>
-            <a:r>
-              <a:rPr lang="en-US" dirty="0" smtClean="0"/>
-              <a:t>bottom</a:t>
-            </a:r>
-            <a:r>
-              <a:rPr lang="en-US" dirty="0"/>
-              <a:t> </a:t>
-            </a:r>
-            <a:r>
-              <a:rPr lang="en-US" dirty="0" smtClean="0"/>
-              <a:t>– where to position</a:t>
-            </a:r>
-          </a:p>
-          <a:p>
-            <a:r>
-              <a:rPr lang="en-US" dirty="0"/>
-              <a:t>z-</a:t>
-            </a:r>
-            <a:r>
-              <a:rPr lang="en-US" dirty="0" smtClean="0"/>
-              <a:t>index - number</a:t>
-            </a:r>
-          </a:p>
-          <a:p>
-            <a:r>
-              <a:rPr lang="en-US" dirty="0" smtClean="0"/>
-              <a:t>float – left, right, none</a:t>
-            </a:r>
-          </a:p>
-          <a:p>
-            <a:r>
-              <a:rPr lang="en-US" dirty="0" smtClean="0"/>
-              <a:t>display – block, inline, inline-block, none</a:t>
-            </a:r>
-          </a:p>
-          <a:p>
-            <a:r>
-              <a:rPr lang="en-US" dirty="0" smtClean="0"/>
-              <a:t>width</a:t>
-            </a:r>
-            <a:r>
-              <a:rPr lang="en-US" dirty="0"/>
-              <a:t>, </a:t>
-            </a:r>
-            <a:r>
-              <a:rPr lang="en-US" dirty="0" smtClean="0"/>
-              <a:t>height – number in pixels (usually)</a:t>
-            </a:r>
-          </a:p>
-          <a:p>
-            <a:r>
-              <a:rPr lang="en-US" dirty="0" smtClean="0"/>
-              <a:t>margin</a:t>
-            </a:r>
-            <a:r>
-              <a:rPr lang="en-US" dirty="0"/>
-              <a:t>, </a:t>
-            </a:r>
-            <a:r>
-              <a:rPr lang="en-US" dirty="0" smtClean="0"/>
-              <a:t>padding – number in pixels (usually)</a:t>
-            </a:r>
+              <a:t>, small-</a:t>
+            </a:r>
+            <a:r>
+              <a:rPr lang="en-US" dirty="0" smtClean="0"/>
+              <a:t>caps</a:t>
+            </a:r>
+          </a:p>
+          <a:p>
             <a:endParaRPr lang="en-US" dirty="0"/>
           </a:p>
           <a:p>
-            <a:r>
-              <a:rPr lang="en-US" dirty="0" smtClean="0"/>
-              <a:t>list-style: image, position, type</a:t>
-            </a:r>
-            <a:endParaRPr lang="en-US" dirty="0"/>
-          </a:p>
-          <a:p>
-            <a:r>
-              <a:rPr lang="en-US" dirty="0" smtClean="0"/>
-              <a:t>overflow – auto, hidden, scroll, visible</a:t>
+            <a:pPr marL="0" indent="0">
+              <a:buNone/>
+            </a:pPr>
+            <a:r>
+              <a:rPr lang="en-US" sz="2000" dirty="0" smtClean="0">
+                <a:latin typeface="Courier New"/>
+                <a:cs typeface="Courier New"/>
+              </a:rPr>
+              <a:t>font-variant: small-caps;</a:t>
+            </a:r>
+            <a:endParaRPr lang="en-US" sz="2000" dirty="0">
+              <a:latin typeface="Courier New"/>
+              <a:cs typeface="Courier New"/>
+            </a:endParaRPr>
+          </a:p>
+        </p:txBody>
+      </p:sp>
+      <p:sp>
+        <p:nvSpPr>
+          <p:cNvPr id="4" name="Footer Placeholder 3"/>
+          <p:cNvSpPr>
+            <a:spLocks noGrp="1"/>
+          </p:cNvSpPr>
+          <p:nvPr>
+            <p:ph type="ftr" sz="quarter" idx="11"/>
+          </p:nvPr>
+        </p:nvSpPr>
+        <p:spPr/>
+        <p:txBody>
+          <a:bodyPr/>
+          <a:lstStyle/>
+          <a:p>
+            <a:r>
+              <a:rPr lang="en-US" dirty="0" smtClean="0"/>
+              <a:t>http://</a:t>
+            </a:r>
+            <a:r>
+              <a:rPr lang="en-US" dirty="0" err="1" smtClean="0"/>
+              <a:t>dl.dropbox.com</a:t>
+            </a:r>
+            <a:r>
+              <a:rPr lang="en-US" dirty="0" smtClean="0"/>
+              <a:t>/u/41609448/art329/slides/</a:t>
+            </a:r>
+            <a:r>
+              <a:rPr lang="en-US" dirty="0" err="1" smtClean="0"/>
+              <a:t>classfour</a:t>
+            </a:r>
+            <a:r>
+              <a:rPr lang="en-US" dirty="0" smtClean="0"/>
+              <a:t>/slides/</a:t>
+            </a:r>
+            <a:r>
+              <a:rPr lang="en-US" dirty="0" err="1" smtClean="0"/>
+              <a:t>fontvariant</a:t>
+            </a:r>
+            <a:r>
+              <a:rPr lang="en-US" dirty="0" smtClean="0"/>
+              <a:t>/</a:t>
+            </a:r>
+            <a:r>
+              <a:rPr lang="en-US" dirty="0" err="1" smtClean="0"/>
+              <a:t>index.html</a:t>
             </a:r>
             <a:endParaRPr lang="en-US" dirty="0"/>
           </a:p>
@@ -7573,20 +7546,13 @@
     </p:spTree>
     <p:extLst>
       <p:ext uri="{BB962C8B-B14F-4D97-AF65-F5344CB8AC3E}">
-        <p14:creationId xmlns:p14="http://schemas.microsoft.com/office/powerpoint/2010/main" val="1293711312"/>
+        <p14:creationId xmlns:p14="http://schemas.microsoft.com/office/powerpoint/2010/main" val="1390208586"/>
       </p:ext>
     </p:extLst>
   </p:cSld>
   <p:clrMapOvr>
     <a:masterClrMapping/>
   </p:clrMapOvr>
-  <p:timing>
-    <p:tnLst>
-      <p:par>
-        <p:cTn xmlns:p14="http://schemas.microsoft.com/office/powerpoint/2010/main" id="1" dur="indefinite" restart="never" nodeType="tmRoot"/>
-      </p:par>
-    </p:tnLst>
-  </p:timing>
 </p:sld>
 </file>
 
@@ -7609,7 +7575,7 @@
       </p:grpSpPr>
       <p:sp>
         <p:nvSpPr>
-          <p:cNvPr id="4" name="Title 3"/>
+          <p:cNvPr id="2" name="Title 1"/>
           <p:cNvSpPr>
             <a:spLocks noGrp="1"/>
           </p:cNvSpPr>
@@ -7624,7 +7590,7 @@
           <a:p>
             <a:r>
               <a:rPr lang="en-US" dirty="0" smtClean="0"/>
-              <a:t>position</a:t>
+              <a:t>font-weight</a:t>
             </a:r>
             <a:endParaRPr lang="en-US" dirty="0"/>
           </a:p>
@@ -7632,180 +7598,165 @@
       </p:sp>
       <p:sp>
         <p:nvSpPr>
-          <p:cNvPr id="5" name="Content Placeholder 4"/>
-          <p:cNvSpPr>
-            <a:spLocks noGrp="1"/>
-          </p:cNvSpPr>
-          <p:nvPr>
-            <p:ph sz="quarter" idx="13"/>
+          <p:cNvPr id="3" name="Content Placeholder 2"/>
+          <p:cNvSpPr>
+            <a:spLocks noGrp="1"/>
+          </p:cNvSpPr>
+          <p:nvPr>
+            <p:ph idx="1"/>
           </p:nvPr>
         </p:nvSpPr>
         <p:spPr/>
         <p:txBody>
           <a:bodyPr>
-            <a:normAutofit/>
+            <a:normAutofit lnSpcReduction="10000"/>
           </a:bodyPr>
           <a:lstStyle/>
+          <a:p>
+            <a:r>
+              <a:rPr lang="en-US" dirty="0" smtClean="0"/>
+              <a:t>Learn </a:t>
+            </a:r>
+            <a:r>
+              <a:rPr lang="en-US" dirty="0" err="1" smtClean="0"/>
+              <a:t>more:</a:t>
+            </a:r>
+            <a:r>
+              <a:rPr lang="en-US" dirty="0" err="1" smtClean="0">
+                <a:hlinkClick r:id="rId2"/>
+              </a:rPr>
+              <a:t>http</a:t>
+            </a:r>
+            <a:r>
+              <a:rPr lang="en-US" dirty="0" smtClean="0">
+                <a:hlinkClick r:id="rId2"/>
+              </a:rPr>
+              <a:t>://www.w3.org/TR/CSS2/fonts.html - font-boldness</a:t>
+            </a:r>
+            <a:endParaRPr lang="en-US" dirty="0" smtClean="0"/>
+          </a:p>
+          <a:p>
+            <a:r>
+              <a:rPr lang="en-US" dirty="0" smtClean="0"/>
+              <a:t>Sets the weight, or boldness, of a font</a:t>
+            </a:r>
+          </a:p>
+          <a:p>
+            <a:r>
+              <a:rPr lang="en-US" dirty="0" smtClean="0"/>
+              <a:t>Can be normal, bold, bolder, lighter</a:t>
+            </a:r>
+          </a:p>
+          <a:p>
+            <a:r>
+              <a:rPr lang="en-US" dirty="0" smtClean="0"/>
+              <a:t>Can also be a number: 100</a:t>
+            </a:r>
+            <a:r>
+              <a:rPr lang="en-US" dirty="0"/>
+              <a:t>, 200, </a:t>
+            </a:r>
+            <a:r>
+              <a:rPr lang="en-US" dirty="0" smtClean="0"/>
+              <a:t>300, </a:t>
+            </a:r>
+            <a:r>
+              <a:rPr lang="en-US" b="1" dirty="0" smtClean="0"/>
+              <a:t>400</a:t>
+            </a:r>
+            <a:r>
+              <a:rPr lang="en-US" dirty="0" smtClean="0"/>
+              <a:t>, 500, 600, </a:t>
+            </a:r>
+            <a:r>
+              <a:rPr lang="en-US" b="1" dirty="0" smtClean="0"/>
+              <a:t>700</a:t>
+            </a:r>
+            <a:r>
+              <a:rPr lang="en-US" dirty="0" smtClean="0"/>
+              <a:t>, 800, 900</a:t>
+            </a:r>
+            <a:endParaRPr lang="en-US" dirty="0"/>
+          </a:p>
           <a:p>
             <a:pPr marL="0" indent="0">
               <a:buNone/>
             </a:pPr>
-            <a:r>
-              <a:rPr lang="en-US" sz="1800" dirty="0" smtClean="0">
+            <a:endParaRPr lang="en-US" dirty="0" smtClean="0"/>
+          </a:p>
+          <a:p>
+            <a:pPr marL="0" indent="0">
+              <a:buNone/>
+            </a:pPr>
+            <a:r>
+              <a:rPr lang="en-US" sz="2000" dirty="0" smtClean="0">
                 <a:latin typeface="Courier New"/>
                 <a:cs typeface="Courier New"/>
               </a:rPr>
-              <a:t>&lt;div id="big</a:t>
-            </a:r>
-            <a:r>
-              <a:rPr lang="en-US" sz="1800" dirty="0">
-                <a:latin typeface="Courier New"/>
-                <a:cs typeface="Courier New"/>
-              </a:rPr>
-              <a:t>"</a:t>
-            </a:r>
-            <a:r>
-              <a:rPr lang="en-US" sz="1800" dirty="0" smtClean="0">
-                <a:latin typeface="Courier New"/>
-                <a:cs typeface="Courier New"/>
-              </a:rPr>
-              <a:t>&gt;</a:t>
-            </a:r>
-          </a:p>
-          <a:p>
-            <a:pPr marL="0" indent="0">
-              <a:buNone/>
-            </a:pPr>
-            <a:r>
-              <a:rPr lang="en-US" sz="1800" dirty="0" smtClean="0">
-                <a:latin typeface="Courier New"/>
-                <a:cs typeface="Courier New"/>
-              </a:rPr>
-              <a:t>I am big.</a:t>
-            </a:r>
-          </a:p>
-          <a:p>
-            <a:pPr marL="0" indent="0">
-              <a:buNone/>
-            </a:pPr>
-            <a:r>
-              <a:rPr lang="en-US" sz="1800" dirty="0" smtClean="0">
-                <a:latin typeface="Courier New"/>
-                <a:cs typeface="Courier New"/>
-              </a:rPr>
-              <a:t>&lt;div id="small</a:t>
-            </a:r>
-            <a:r>
-              <a:rPr lang="en-US" sz="1800" dirty="0">
-                <a:latin typeface="Courier New"/>
-                <a:cs typeface="Courier New"/>
-              </a:rPr>
-              <a:t>"</a:t>
-            </a:r>
-            <a:r>
-              <a:rPr lang="en-US" sz="1800" dirty="0" smtClean="0">
-                <a:latin typeface="Courier New"/>
-                <a:cs typeface="Courier New"/>
-              </a:rPr>
-              <a:t>&gt;</a:t>
-            </a:r>
-          </a:p>
-          <a:p>
-            <a:pPr marL="0" indent="0">
-              <a:buNone/>
-            </a:pPr>
-            <a:r>
-              <a:rPr lang="en-US" sz="1800" dirty="0" smtClean="0">
-                <a:latin typeface="Courier New"/>
-                <a:cs typeface="Courier New"/>
-              </a:rPr>
-              <a:t>I am small.</a:t>
-            </a:r>
-          </a:p>
-          <a:p>
-            <a:pPr marL="0" indent="0">
-              <a:buNone/>
-            </a:pPr>
-            <a:r>
-              <a:rPr lang="en-US" sz="1800" dirty="0" smtClean="0">
-                <a:latin typeface="Courier New"/>
-                <a:cs typeface="Courier New"/>
-              </a:rPr>
-              <a:t>&lt;/div&gt;</a:t>
-            </a:r>
-            <a:endParaRPr lang="en-US" sz="1800" dirty="0">
+              <a:t>font-weight: bold;</a:t>
+            </a:r>
+            <a:endParaRPr lang="en-US" sz="2000" dirty="0">
               <a:latin typeface="Courier New"/>
               <a:cs typeface="Courier New"/>
             </a:endParaRPr>
           </a:p>
-          <a:p>
-            <a:pPr marL="0" indent="0">
-              <a:buNone/>
-            </a:pPr>
-            <a:r>
-              <a:rPr lang="en-US" sz="1800" dirty="0" smtClean="0">
-                <a:latin typeface="Courier New"/>
-                <a:cs typeface="Courier New"/>
-              </a:rPr>
-              <a:t>&lt;/div&gt;</a:t>
-            </a:r>
-            <a:endParaRPr lang="en-US" sz="1800" dirty="0">
-              <a:latin typeface="Courier New"/>
-              <a:cs typeface="Courier New"/>
-            </a:endParaRPr>
-          </a:p>
-        </p:txBody>
-      </p:sp>
-      <p:sp>
-        <p:nvSpPr>
-          <p:cNvPr id="6" name="Content Placeholder 5"/>
-          <p:cNvSpPr>
-            <a:spLocks noGrp="1"/>
-          </p:cNvSpPr>
-          <p:nvPr>
-            <p:ph sz="quarter" idx="14"/>
-          </p:nvPr>
-        </p:nvSpPr>
-        <p:spPr/>
-        <p:txBody>
-          <a:bodyPr>
-            <a:normAutofit/>
-          </a:bodyPr>
-          <a:lstStyle/>
-          <a:p>
-            <a:pPr marL="0" indent="0">
-              <a:buNone/>
-            </a:pPr>
-            <a:r>
-              <a:rPr lang="en-US" sz="1800" dirty="0" smtClean="0">
-                <a:latin typeface="Courier New"/>
-                <a:cs typeface="Courier New"/>
-              </a:rPr>
-              <a:t>#big { position: absolute; top: 0; left: 0; width: 400px; height: 400px; background: red; }</a:t>
-            </a:r>
-          </a:p>
-          <a:p>
-            <a:pPr marL="0" indent="0">
-              <a:buNone/>
-            </a:pPr>
-            <a:r>
-              <a:rPr lang="en-US" sz="1800" dirty="0" smtClean="0">
-                <a:latin typeface="Courier New"/>
-                <a:cs typeface="Courier New"/>
-              </a:rPr>
-              <a:t>#small { position: absolute; right: 0; bottom: 0; width: 100px; height: 100px; background: yellow; }</a:t>
-            </a:r>
-            <a:endParaRPr lang="en-US" sz="1800" dirty="0">
-              <a:latin typeface="Courier New"/>
-              <a:cs typeface="Courier New"/>
-            </a:endParaRPr>
+        </p:txBody>
+      </p:sp>
+      <p:sp>
+        <p:nvSpPr>
+          <p:cNvPr id="4" name="Footer Placeholder 3"/>
+          <p:cNvSpPr>
+            <a:spLocks noGrp="1"/>
+          </p:cNvSpPr>
+          <p:nvPr>
+            <p:ph type="ftr" sz="quarter" idx="11"/>
+          </p:nvPr>
+        </p:nvSpPr>
+        <p:spPr/>
+        <p:txBody>
+          <a:bodyPr/>
+          <a:lstStyle/>
+          <a:p>
+            <a:r>
+              <a:rPr lang="en-US" dirty="0" smtClean="0"/>
+              <a:t>http://</a:t>
+            </a:r>
+            <a:r>
+              <a:rPr lang="en-US" dirty="0" err="1" smtClean="0"/>
+              <a:t>dl.dropbox.com</a:t>
+            </a:r>
+            <a:r>
+              <a:rPr lang="en-US" dirty="0" smtClean="0"/>
+              <a:t>/u/41609448/art329/slides/</a:t>
+            </a:r>
+            <a:r>
+              <a:rPr lang="en-US" dirty="0" err="1" smtClean="0"/>
+              <a:t>classfour</a:t>
+            </a:r>
+            <a:r>
+              <a:rPr lang="en-US" dirty="0" smtClean="0"/>
+              <a:t>/slides/</a:t>
+            </a:r>
+            <a:r>
+              <a:rPr lang="en-US" dirty="0" err="1" smtClean="0"/>
+              <a:t>fontweight</a:t>
+            </a:r>
+            <a:r>
+              <a:rPr lang="en-US" dirty="0" smtClean="0"/>
+              <a:t>/</a:t>
+            </a:r>
+            <a:r>
+              <a:rPr lang="en-US" dirty="0" err="1" smtClean="0"/>
+              <a:t>index.html</a:t>
+            </a:r>
+            <a:endParaRPr lang="en-US" dirty="0"/>
           </a:p>
         </p:txBody>
       </p:sp>
     </p:spTree>
     <p:extLst>
       <p:ext uri="{BB962C8B-B14F-4D97-AF65-F5344CB8AC3E}">
-        <p14:creationId xmlns:p14="http://schemas.microsoft.com/office/powerpoint/2010/main" val="2601200652"/>
+        <p14:creationId xmlns:p14="http://schemas.microsoft.com/office/powerpoint/2010/main" val="3694922325"/>
       </p:ext>
     </p:extLst>
   </p:cSld>
@@ -7834,7 +7785,7 @@
       </p:grpSpPr>
       <p:sp>
         <p:nvSpPr>
-          <p:cNvPr id="4" name="Title 3"/>
+          <p:cNvPr id="2" name="Title 1"/>
           <p:cNvSpPr>
             <a:spLocks noGrp="1"/>
           </p:cNvSpPr>
@@ -7844,27 +7795,142 @@
         </p:nvSpPr>
         <p:spPr/>
         <p:txBody>
+          <a:bodyPr/>
+          <a:lstStyle/>
+          <a:p>
+            <a:r>
+              <a:rPr lang="en-US" dirty="0" smtClean="0"/>
+              <a:t>font-size</a:t>
+            </a:r>
+            <a:endParaRPr lang="en-US" dirty="0"/>
+          </a:p>
+        </p:txBody>
+      </p:sp>
+      <p:sp>
+        <p:nvSpPr>
+          <p:cNvPr id="3" name="Content Placeholder 2"/>
+          <p:cNvSpPr>
+            <a:spLocks noGrp="1"/>
+          </p:cNvSpPr>
+          <p:nvPr>
+            <p:ph idx="1"/>
+          </p:nvPr>
+        </p:nvSpPr>
+        <p:spPr/>
+        <p:txBody>
           <a:bodyPr>
-            <a:normAutofit fontScale="90000"/>
+            <a:normAutofit fontScale="85000" lnSpcReduction="10000"/>
           </a:bodyPr>
           <a:lstStyle/>
           <a:p>
             <a:r>
               <a:rPr lang="en-US" dirty="0" smtClean="0"/>
-              <a:t>Exercise / Activity</a:t>
-            </a:r>
+              <a:t>Learn </a:t>
+            </a:r>
+            <a:r>
+              <a:rPr lang="en-US" dirty="0" err="1" smtClean="0"/>
+              <a:t>more:</a:t>
+            </a:r>
+            <a:r>
+              <a:rPr lang="en-US" dirty="0" err="1" smtClean="0">
+                <a:hlinkClick r:id="rId2"/>
+              </a:rPr>
+              <a:t>http</a:t>
+            </a:r>
+            <a:r>
+              <a:rPr lang="en-US" dirty="0" smtClean="0">
+                <a:hlinkClick r:id="rId2"/>
+              </a:rPr>
+              <a:t>://www.w3.org/TR/CSS2/fonts.html - font-size-props</a:t>
+            </a:r>
+            <a:endParaRPr lang="en-US" dirty="0" smtClean="0"/>
+          </a:p>
+          <a:p>
+            <a:r>
+              <a:rPr lang="en-US" dirty="0" smtClean="0"/>
+              <a:t>Sets the size of the font</a:t>
+            </a:r>
+          </a:p>
+          <a:p>
+            <a:r>
+              <a:rPr lang="en-US" dirty="0" smtClean="0"/>
+              <a:t>Can be absolute size, relative size, length, percentage</a:t>
+            </a:r>
+          </a:p>
+          <a:p>
+            <a:r>
+              <a:rPr lang="en-US" dirty="0" smtClean="0"/>
+              <a:t>Absolute sizes: xx-small, x-small, small, medium, large, x-large, xx-large</a:t>
+            </a:r>
+          </a:p>
+          <a:p>
+            <a:r>
+              <a:rPr lang="en-US" dirty="0" smtClean="0"/>
+              <a:t>Relative sizes: larger, smaller</a:t>
+            </a:r>
+          </a:p>
+          <a:p>
+            <a:r>
+              <a:rPr lang="en-US" dirty="0" smtClean="0"/>
+              <a:t>Length: </a:t>
+            </a:r>
+            <a:r>
+              <a:rPr lang="en-US" dirty="0" err="1" smtClean="0"/>
+              <a:t>em</a:t>
+            </a:r>
+            <a:r>
+              <a:rPr lang="en-US" dirty="0" smtClean="0"/>
+              <a:t>, ex, in, cm, mm, </a:t>
+            </a:r>
+            <a:r>
+              <a:rPr lang="en-US" dirty="0" err="1" smtClean="0"/>
+              <a:t>pt</a:t>
+            </a:r>
+            <a:r>
+              <a:rPr lang="en-US" dirty="0" smtClean="0"/>
+              <a:t>, pc, </a:t>
+            </a:r>
+            <a:r>
+              <a:rPr lang="en-US" dirty="0" err="1" smtClean="0"/>
+              <a:t>px</a:t>
+            </a:r>
+            <a:endParaRPr lang="en-US" dirty="0" smtClean="0"/>
+          </a:p>
+          <a:p>
+            <a:pPr marL="0" indent="0">
+              <a:buNone/>
+            </a:pPr>
+            <a:endParaRPr lang="en-US" dirty="0" smtClean="0"/>
+          </a:p>
+          <a:p>
+            <a:pPr marL="0" indent="0">
+              <a:buNone/>
+            </a:pPr>
+            <a:r>
+              <a:rPr lang="en-US" sz="2000" dirty="0" smtClean="0">
+                <a:latin typeface="Courier New"/>
+                <a:cs typeface="Courier New"/>
+              </a:rPr>
+              <a:t>font-size: 1em;</a:t>
+            </a:r>
+            <a:endParaRPr lang="en-US" sz="2000" dirty="0">
+              <a:latin typeface="Courier New"/>
+              <a:cs typeface="Courier New"/>
+            </a:endParaRPr>
+          </a:p>
+          <a:p>
             <a:endParaRPr lang="en-US" dirty="0"/>
           </a:p>
         </p:txBody>
       </p:sp>
       <p:sp>
         <p:nvSpPr>
-          <p:cNvPr id="5" name="Text Placeholder 4"/>
-          <p:cNvSpPr>
-            <a:spLocks noGrp="1"/>
-          </p:cNvSpPr>
-          <p:nvPr>
-            <p:ph type="body" idx="1"/>
+          <p:cNvPr id="4" name="Footer Placeholder 3"/>
+          <p:cNvSpPr>
+            <a:spLocks noGrp="1"/>
+          </p:cNvSpPr>
+          <p:nvPr>
+            <p:ph type="ftr" sz="quarter" idx="11"/>
           </p:nvPr>
         </p:nvSpPr>
         <p:spPr/>
@@ -7874,150 +7940,36 @@
           <a:p>
             <a:r>
               <a:rPr lang="en-US" dirty="0" smtClean="0"/>
-              <a:t>Layout</a:t>
-            </a:r>
-            <a:endParaRPr lang="en-US" dirty="0"/>
-          </a:p>
-        </p:txBody>
-      </p:sp>
-      <p:sp>
-        <p:nvSpPr>
-          <p:cNvPr id="6" name="Text Placeholder 5"/>
-          <p:cNvSpPr>
-            <a:spLocks noGrp="1"/>
-          </p:cNvSpPr>
-          <p:nvPr>
-            <p:ph type="body" sz="quarter" idx="3"/>
-          </p:nvPr>
-        </p:nvSpPr>
-        <p:spPr/>
-        <p:txBody>
-          <a:bodyPr/>
-          <a:lstStyle/>
-          <a:p>
-            <a:r>
-              <a:rPr lang="en-US" dirty="0" smtClean="0"/>
-              <a:t>Color &amp; Typography</a:t>
-            </a:r>
-            <a:endParaRPr lang="en-US" dirty="0"/>
-          </a:p>
-        </p:txBody>
-      </p:sp>
-      <p:sp>
-        <p:nvSpPr>
-          <p:cNvPr id="7" name="Content Placeholder 6"/>
-          <p:cNvSpPr>
-            <a:spLocks noGrp="1"/>
-          </p:cNvSpPr>
-          <p:nvPr>
-            <p:ph sz="quarter" idx="13"/>
-          </p:nvPr>
-        </p:nvSpPr>
-        <p:spPr/>
-        <p:txBody>
-          <a:bodyPr/>
-          <a:lstStyle/>
-          <a:p>
-            <a:pPr>
-              <a:buFont typeface="Wingdings" charset="2"/>
-              <a:buChar char="v"/>
-            </a:pPr>
-            <a:r>
-              <a:rPr lang="en-US" dirty="0" smtClean="0"/>
-              <a:t>Move something</a:t>
-            </a:r>
-          </a:p>
-          <a:p>
-            <a:pPr>
-              <a:buFont typeface="Wingdings" charset="2"/>
-              <a:buChar char="v"/>
-            </a:pPr>
-            <a:r>
-              <a:rPr lang="en-US" dirty="0" smtClean="0"/>
-              <a:t>Hide something</a:t>
-            </a:r>
-          </a:p>
-          <a:p>
-            <a:pPr>
-              <a:buFont typeface="Wingdings" charset="2"/>
-              <a:buChar char="v"/>
-            </a:pPr>
-            <a:r>
-              <a:rPr lang="en-US" dirty="0" smtClean="0"/>
-              <a:t>Change width, height</a:t>
-            </a:r>
-          </a:p>
-          <a:p>
-            <a:pPr>
-              <a:buFont typeface="Wingdings" charset="2"/>
-              <a:buChar char="v"/>
-            </a:pPr>
-            <a:r>
-              <a:rPr lang="en-US" dirty="0" smtClean="0"/>
-              <a:t>Change margin, padding</a:t>
-            </a:r>
-          </a:p>
-          <a:p>
-            <a:pPr>
-              <a:buFont typeface="Wingdings" charset="2"/>
-              <a:buChar char="v"/>
-            </a:pPr>
-            <a:r>
-              <a:rPr lang="en-US" dirty="0" smtClean="0"/>
-              <a:t>Float something</a:t>
-            </a:r>
-          </a:p>
-          <a:p>
-            <a:pPr>
-              <a:buFont typeface="Wingdings" charset="2"/>
-              <a:buChar char="v"/>
-            </a:pPr>
-            <a:r>
-              <a:rPr lang="en-US" dirty="0" smtClean="0"/>
-              <a:t>Change list-style</a:t>
-            </a:r>
-          </a:p>
-        </p:txBody>
-      </p:sp>
-      <p:sp>
-        <p:nvSpPr>
-          <p:cNvPr id="8" name="Content Placeholder 7"/>
-          <p:cNvSpPr>
-            <a:spLocks noGrp="1"/>
-          </p:cNvSpPr>
-          <p:nvPr>
-            <p:ph sz="quarter" idx="14"/>
-          </p:nvPr>
-        </p:nvSpPr>
-        <p:spPr/>
-        <p:txBody>
-          <a:bodyPr/>
-          <a:lstStyle/>
-          <a:p>
-            <a:r>
-              <a:rPr lang="en-US" dirty="0" smtClean="0"/>
-              <a:t>Change color, background</a:t>
-            </a:r>
-          </a:p>
-          <a:p>
-            <a:r>
-              <a:rPr lang="en-US" dirty="0" smtClean="0"/>
-              <a:t>Add border</a:t>
-            </a:r>
-          </a:p>
-          <a:p>
-            <a:r>
-              <a:rPr lang="en-US" dirty="0" smtClean="0"/>
-              <a:t>Make italic, bold, uppercase, small caps</a:t>
-            </a:r>
-          </a:p>
-          <a:p>
-            <a:r>
-              <a:rPr lang="en-US" dirty="0" smtClean="0"/>
-              <a:t>Change font size, family, alignment</a:t>
-            </a:r>
-          </a:p>
-          <a:p>
+              <a:t>http://</a:t>
+            </a:r>
+            <a:r>
+              <a:rPr lang="en-US" dirty="0" err="1" smtClean="0"/>
+              <a:t>dl.dropbox.com</a:t>
+            </a:r>
+            <a:r>
+              <a:rPr lang="en-US" dirty="0" smtClean="0"/>
+              <a:t>/u/41609448/art329/slides/</a:t>
+            </a:r>
+            <a:r>
+              <a:rPr lang="en-US" dirty="0" err="1" smtClean="0"/>
+              <a:t>classfour</a:t>
+            </a:r>
+            <a:r>
+              <a:rPr lang="en-US" dirty="0" smtClean="0"/>
+              <a:t>/slides/</a:t>
+            </a:r>
+            <a:r>
+              <a:rPr lang="en-US" dirty="0" err="1" smtClean="0"/>
+              <a:t>fontsize</a:t>
+            </a:r>
+            <a:r>
+              <a:rPr lang="en-US" dirty="0" smtClean="0"/>
+              <a:t>/</a:t>
+            </a:r>
+            <a:r>
+              <a:rPr lang="en-US" dirty="0" err="1" smtClean="0"/>
+              <a:t>index.html</a:t>
+            </a:r>
             <a:endParaRPr lang="en-US" dirty="0"/>
           </a:p>
         </p:txBody>
@@ -8025,20 +7977,13 @@
     </p:spTree>
     <p:extLst>
       <p:ext uri="{BB962C8B-B14F-4D97-AF65-F5344CB8AC3E}">
-        <p14:creationId xmlns:p14="http://schemas.microsoft.com/office/powerpoint/2010/main" val="276724819"/>
+        <p14:creationId xmlns:p14="http://schemas.microsoft.com/office/powerpoint/2010/main" val="3648849593"/>
       </p:ext>
     </p:extLst>
   </p:cSld>
   <p:clrMapOvr>
     <a:masterClrMapping/>
   </p:clrMapOvr>
-  <p:timing>
-    <p:tnLst>
-      <p:par>
-        <p:cTn xmlns:p14="http://schemas.microsoft.com/office/powerpoint/2010/main" id="1" dur="indefinite" restart="never" nodeType="tmRoot"/>
-      </p:par>
-    </p:tnLst>
-  </p:timing>
 </p:sld>
 </file>
 
@@ -8061,7 +8006,7 @@
       </p:grpSpPr>
       <p:sp>
         <p:nvSpPr>
-          <p:cNvPr id="3" name="Title 2"/>
+          <p:cNvPr id="2" name="Title 1"/>
           <p:cNvSpPr>
             <a:spLocks noGrp="1"/>
           </p:cNvSpPr>
@@ -8076,7 +8021,7 @@
           <a:p>
             <a:r>
               <a:rPr lang="en-US" dirty="0" smtClean="0"/>
-              <a:t>Break</a:t>
+              <a:t>font-family</a:t>
             </a:r>
             <a:endParaRPr lang="en-US" dirty="0"/>
           </a:p>
@@ -8084,12 +8029,100 @@
       </p:sp>
       <p:sp>
         <p:nvSpPr>
-          <p:cNvPr id="4" name="Text Placeholder 3"/>
-          <p:cNvSpPr>
-            <a:spLocks noGrp="1"/>
-          </p:cNvSpPr>
-          <p:nvPr>
-            <p:ph type="body" idx="1"/>
+          <p:cNvPr id="3" name="Content Placeholder 2"/>
+          <p:cNvSpPr>
+            <a:spLocks noGrp="1"/>
+          </p:cNvSpPr>
+          <p:nvPr>
+            <p:ph idx="1"/>
+          </p:nvPr>
+        </p:nvSpPr>
+        <p:spPr/>
+        <p:txBody>
+          <a:bodyPr>
+            <a:normAutofit fontScale="85000" lnSpcReduction="10000"/>
+          </a:bodyPr>
+          <a:lstStyle/>
+          <a:p>
+            <a:r>
+              <a:rPr lang="en-US" dirty="0" smtClean="0"/>
+              <a:t>Learn </a:t>
+            </a:r>
+            <a:r>
+              <a:rPr lang="en-US" dirty="0" err="1" smtClean="0"/>
+              <a:t>more:</a:t>
+            </a:r>
+            <a:r>
+              <a:rPr lang="en-US" dirty="0" err="1" smtClean="0">
+                <a:hlinkClick r:id="rId2"/>
+              </a:rPr>
+              <a:t>http</a:t>
+            </a:r>
+            <a:r>
+              <a:rPr lang="en-US" dirty="0" smtClean="0">
+                <a:hlinkClick r:id="rId2"/>
+              </a:rPr>
+              <a:t>://www.w3.org/TR/CSS2/fonts.html - font-family-prop</a:t>
+            </a:r>
+            <a:endParaRPr lang="en-US" dirty="0" smtClean="0"/>
+          </a:p>
+          <a:p>
+            <a:r>
+              <a:rPr lang="en-US" dirty="0" smtClean="0"/>
+              <a:t>Sets the font family</a:t>
+            </a:r>
+          </a:p>
+          <a:p>
+            <a:r>
+              <a:rPr lang="en-US" dirty="0" smtClean="0"/>
+              <a:t>Can be a list of font families with including generic names (if previous font isn't available)</a:t>
+            </a:r>
+          </a:p>
+          <a:p>
+            <a:r>
+              <a:rPr lang="en-US" dirty="0" smtClean="0"/>
+              <a:t>Generics: serif, sans-serif, cursive, fantasy, </a:t>
+            </a:r>
+            <a:r>
+              <a:rPr lang="en-US" dirty="0" err="1" smtClean="0"/>
+              <a:t>monospace</a:t>
+            </a:r>
+            <a:endParaRPr lang="en-US" dirty="0" smtClean="0"/>
+          </a:p>
+          <a:p>
+            <a:r>
+              <a:rPr lang="en-US" dirty="0" smtClean="0"/>
+              <a:t>Browser chooses font from left to right</a:t>
+            </a:r>
+          </a:p>
+          <a:p>
+            <a:pPr marL="0" indent="0">
+              <a:buNone/>
+            </a:pPr>
+            <a:endParaRPr lang="en-US" dirty="0" smtClean="0"/>
+          </a:p>
+          <a:p>
+            <a:pPr marL="0" indent="0">
+              <a:buNone/>
+            </a:pPr>
+            <a:r>
+              <a:rPr lang="en-US" sz="2200" dirty="0" smtClean="0">
+                <a:latin typeface="Courier New"/>
+                <a:cs typeface="Courier New"/>
+              </a:rPr>
+              <a:t>font-family: Gill, Helvetica, sans-serif;</a:t>
+            </a:r>
+          </a:p>
+        </p:txBody>
+      </p:sp>
+      <p:sp>
+        <p:nvSpPr>
+          <p:cNvPr id="4" name="Footer Placeholder 3"/>
+          <p:cNvSpPr>
+            <a:spLocks noGrp="1"/>
+          </p:cNvSpPr>
+          <p:nvPr>
+            <p:ph type="ftr" sz="quarter" idx="11"/>
           </p:nvPr>
         </p:nvSpPr>
         <p:spPr/>
@@ -8097,27 +8130,52 @@
           <a:bodyPr/>
           <a:lstStyle/>
           <a:p>
-            <a:endParaRPr lang="en-US"/>
+            <a:r>
+              <a:rPr lang="en-US" dirty="0" smtClean="0"/>
+              <a:t>http://</a:t>
+            </a:r>
+            <a:r>
+              <a:rPr lang="en-US" dirty="0" err="1" smtClean="0"/>
+              <a:t>dl.dropbox.com</a:t>
+            </a:r>
+            <a:r>
+              <a:rPr lang="en-US" dirty="0" smtClean="0"/>
+              <a:t>/u/41609448/art329/slides/</a:t>
+            </a:r>
+            <a:r>
+              <a:rPr lang="en-US" dirty="0" err="1" smtClean="0"/>
+              <a:t>classfour</a:t>
+            </a:r>
+            <a:r>
+              <a:rPr lang="en-US" dirty="0" smtClean="0"/>
+              <a:t>/slides/</a:t>
+            </a:r>
+            <a:r>
+              <a:rPr lang="en-US" dirty="0" err="1" smtClean="0"/>
+              <a:t>fontfamily</a:t>
+            </a:r>
+            <a:r>
+              <a:rPr lang="en-US" dirty="0" smtClean="0"/>
+              <a:t>/</a:t>
+            </a:r>
+            <a:r>
+              <a:rPr lang="en-US" dirty="0" err="1" smtClean="0"/>
+              <a:t>index.html</a:t>
+            </a:r>
+            <a:endParaRPr lang="en-US" dirty="0"/>
           </a:p>
         </p:txBody>
       </p:sp>
     </p:spTree>
     <p:extLst>
       <p:ext uri="{BB962C8B-B14F-4D97-AF65-F5344CB8AC3E}">
-        <p14:creationId xmlns:p14="http://schemas.microsoft.com/office/powerpoint/2010/main" val="3610379708"/>
+        <p14:creationId xmlns:p14="http://schemas.microsoft.com/office/powerpoint/2010/main" val="1989972338"/>
       </p:ext>
     </p:extLst>
   </p:cSld>
   <p:clrMapOvr>
     <a:masterClrMapping/>
   </p:clrMapOvr>
-  <p:timing>
-    <p:tnLst>
-      <p:par>
-        <p:cTn xmlns:p14="http://schemas.microsoft.com/office/powerpoint/2010/main" id="1" dur="indefinite" restart="never" nodeType="tmRoot"/>
-      </p:par>
-    </p:tnLst>
-  </p:timing>
 </p:sld>
 </file>
 
@@ -8145,7 +8203,7 @@
             <a:spLocks noGrp="1"/>
           </p:cNvSpPr>
           <p:nvPr>
-            <p:ph type="ctrTitle"/>
+            <p:ph type="title"/>
           </p:nvPr>
         </p:nvSpPr>
         <p:spPr/>
@@ -8155,7 +8213,7 @@
           <a:p>
             <a:r>
               <a:rPr lang="en-US" dirty="0" smtClean="0"/>
-              <a:t>Lesson: Chapter 2</a:t>
+              <a:t>line-height</a:t>
             </a:r>
             <a:endParaRPr lang="en-US" dirty="0"/>
           </a:p>
@@ -8163,12 +8221,12 @@
       </p:sp>
       <p:sp>
         <p:nvSpPr>
-          <p:cNvPr id="3" name="Subtitle 2"/>
-          <p:cNvSpPr>
-            <a:spLocks noGrp="1"/>
-          </p:cNvSpPr>
-          <p:nvPr>
-            <p:ph type="subTitle" idx="1"/>
+          <p:cNvPr id="3" name="Content Placeholder 2"/>
+          <p:cNvSpPr>
+            <a:spLocks noGrp="1"/>
+          </p:cNvSpPr>
+          <p:nvPr>
+            <p:ph idx="1"/>
           </p:nvPr>
         </p:nvSpPr>
         <p:spPr/>
@@ -8177,12 +8235,115 @@
           <a:lstStyle/>
           <a:p>
             <a:r>
-              <a:rPr lang="en-US" dirty="0"/>
-              <a:t>Pre-production (Part </a:t>
-            </a:r>
-            <a:r>
-              <a:rPr lang="en-US" dirty="0" smtClean="0"/>
-              <a:t>II)</a:t>
+              <a:rPr lang="en-US" dirty="0" smtClean="0"/>
+              <a:t>Learn </a:t>
+            </a:r>
+            <a:r>
+              <a:rPr lang="en-US" dirty="0" err="1" smtClean="0"/>
+              <a:t>more:</a:t>
+            </a:r>
+            <a:r>
+              <a:rPr lang="en-US" dirty="0" err="1" smtClean="0">
+                <a:hlinkClick r:id="rId2"/>
+              </a:rPr>
+              <a:t>http</a:t>
+            </a:r>
+            <a:r>
+              <a:rPr lang="en-US" dirty="0" smtClean="0">
+                <a:hlinkClick r:id="rId2"/>
+              </a:rPr>
+              <a:t>://www.w3.org/TR/CSS2/visudet.html - propdef-line-height</a:t>
+            </a:r>
+            <a:endParaRPr lang="en-US" dirty="0" smtClean="0"/>
+          </a:p>
+          <a:p>
+            <a:r>
+              <a:rPr lang="en-US" dirty="0" smtClean="0"/>
+              <a:t>Sets the height of the line</a:t>
+            </a:r>
+          </a:p>
+          <a:p>
+            <a:r>
+              <a:rPr lang="en-US" dirty="0" smtClean="0"/>
+              <a:t>Can be normal, number, length, percentage</a:t>
+            </a:r>
+          </a:p>
+          <a:p>
+            <a:pPr marL="0" indent="0">
+              <a:buNone/>
+            </a:pPr>
+            <a:endParaRPr lang="en-US" sz="2000" dirty="0" smtClean="0">
+              <a:latin typeface="Courier New"/>
+              <a:cs typeface="Courier New"/>
+            </a:endParaRPr>
+          </a:p>
+          <a:p>
+            <a:pPr marL="0" indent="0">
+              <a:buNone/>
+            </a:pPr>
+            <a:r>
+              <a:rPr lang="en-US" sz="2000" dirty="0" smtClean="0">
+                <a:latin typeface="Courier New"/>
+                <a:cs typeface="Courier New"/>
+              </a:rPr>
+              <a:t>line-height: 1.5;</a:t>
+            </a:r>
+            <a:endParaRPr lang="en-US" sz="2000" dirty="0">
+              <a:latin typeface="Courier New"/>
+              <a:cs typeface="Courier New"/>
+            </a:endParaRPr>
+          </a:p>
+          <a:p>
+            <a:endParaRPr lang="en-US" dirty="0"/>
+          </a:p>
+        </p:txBody>
+      </p:sp>
+      <p:sp>
+        <p:nvSpPr>
+          <p:cNvPr id="4" name="Footer Placeholder 3"/>
+          <p:cNvSpPr>
+            <a:spLocks noGrp="1"/>
+          </p:cNvSpPr>
+          <p:nvPr>
+            <p:ph type="ftr" sz="quarter" idx="11"/>
+          </p:nvPr>
+        </p:nvSpPr>
+        <p:spPr/>
+        <p:txBody>
+          <a:bodyPr/>
+          <a:lstStyle/>
+          <a:p>
+            <a:r>
+              <a:rPr lang="en-US" dirty="0" smtClean="0"/>
+              <a:t>http://</a:t>
+            </a:r>
+            <a:r>
+              <a:rPr lang="en-US" dirty="0" err="1" smtClean="0"/>
+              <a:t>dl.dropbox.com</a:t>
+            </a:r>
+            <a:r>
+              <a:rPr lang="en-US" dirty="0" smtClean="0"/>
+              <a:t>/u/41609448/art329/slides/</a:t>
+            </a:r>
+            <a:r>
+              <a:rPr lang="en-US" dirty="0" err="1" smtClean="0"/>
+              <a:t>classfour</a:t>
+            </a:r>
+            <a:r>
+              <a:rPr lang="en-US" dirty="0" smtClean="0"/>
+              <a:t>/slides/</a:t>
+            </a:r>
+            <a:r>
+              <a:rPr lang="en-US" dirty="0" err="1" smtClean="0"/>
+              <a:t>lineheight</a:t>
+            </a:r>
+            <a:r>
+              <a:rPr lang="en-US" dirty="0" smtClean="0"/>
+              <a:t>/</a:t>
+            </a:r>
+            <a:r>
+              <a:rPr lang="en-US" dirty="0" err="1" smtClean="0"/>
+              <a:t>index.html</a:t>
             </a:r>
             <a:endParaRPr lang="en-US" dirty="0"/>
           </a:p>
@@ -8191,20 +8352,13 @@
     </p:spTree>
     <p:extLst>
       <p:ext uri="{BB962C8B-B14F-4D97-AF65-F5344CB8AC3E}">
-        <p14:creationId xmlns:p14="http://schemas.microsoft.com/office/powerpoint/2010/main" val="1158543244"/>
+        <p14:creationId xmlns:p14="http://schemas.microsoft.com/office/powerpoint/2010/main" val="100948068"/>
       </p:ext>
     </p:extLst>
   </p:cSld>
   <p:clrMapOvr>
     <a:masterClrMapping/>
   </p:clrMapOvr>
-  <p:timing>
-    <p:tnLst>
-      <p:par>
-        <p:cTn xmlns:p14="http://schemas.microsoft.com/office/powerpoint/2010/main" id="1" dur="indefinite" restart="never" nodeType="tmRoot"/>
-      </p:par>
-    </p:tnLst>
-  </p:timing>
 </p:sld>
 </file>
 
@@ -8242,7 +8396,7 @@
           <a:p>
             <a:r>
               <a:rPr lang="en-US" dirty="0" smtClean="0"/>
-              <a:t>Storyboards</a:t>
+              <a:t>font Shortcut</a:t>
             </a:r>
             <a:endParaRPr lang="en-US" dirty="0"/>
           </a:p>
@@ -8260,43 +8414,101 @@
         </p:nvSpPr>
         <p:spPr/>
         <p:txBody>
+          <a:bodyPr>
+            <a:normAutofit lnSpcReduction="10000"/>
+          </a:bodyPr>
+          <a:lstStyle/>
+          <a:p>
+            <a:r>
+              <a:rPr lang="en-US" dirty="0" smtClean="0"/>
+              <a:t>Learn more: </a:t>
+            </a:r>
+            <a:r>
+              <a:rPr lang="en-US" dirty="0" smtClean="0">
+                <a:hlinkClick r:id="rId2"/>
+              </a:rPr>
+              <a:t>http://www.w3.org/TR/CSS2/fonts.html - font-shorthand</a:t>
+            </a:r>
+            <a:endParaRPr lang="en-US" dirty="0" smtClean="0"/>
+          </a:p>
+          <a:p>
+            <a:r>
+              <a:rPr lang="en-US" dirty="0" smtClean="0"/>
+              <a:t>Sets all the font properties</a:t>
+            </a:r>
+          </a:p>
+          <a:p>
+            <a:r>
+              <a:rPr lang="en-US" dirty="0" smtClean="0"/>
+              <a:t>Set in this order: style, variant, weight, size/line-height, family</a:t>
+            </a:r>
+          </a:p>
+          <a:p>
+            <a:pPr marL="0" indent="0">
+              <a:buNone/>
+            </a:pPr>
+            <a:endParaRPr lang="en-US" dirty="0" smtClean="0"/>
+          </a:p>
+          <a:p>
+            <a:pPr marL="0" indent="0">
+              <a:buNone/>
+            </a:pPr>
+            <a:r>
+              <a:rPr lang="en-US" sz="2200" dirty="0" smtClean="0">
+                <a:latin typeface="Courier New"/>
+                <a:cs typeface="Courier New"/>
+              </a:rPr>
+              <a:t>font: normal normal normal 1em/1.5 Gill, Helvetica, sans-serif;</a:t>
+            </a:r>
+          </a:p>
+        </p:txBody>
+      </p:sp>
+      <p:sp>
+        <p:nvSpPr>
+          <p:cNvPr id="4" name="Footer Placeholder 3"/>
+          <p:cNvSpPr>
+            <a:spLocks noGrp="1"/>
+          </p:cNvSpPr>
+          <p:nvPr>
+            <p:ph type="ftr" sz="quarter" idx="11"/>
+          </p:nvPr>
+        </p:nvSpPr>
+        <p:spPr/>
+        <p:txBody>
           <a:bodyPr/>
           <a:lstStyle/>
           <a:p>
             <a:r>
               <a:rPr lang="en-US" dirty="0" smtClean="0"/>
-              <a:t>Find some paper</a:t>
-            </a:r>
-          </a:p>
-          <a:p>
-            <a:r>
-              <a:rPr lang="en-US" dirty="0" smtClean="0"/>
-              <a:t>Make a grid (or use grid paper)</a:t>
-            </a:r>
-          </a:p>
-          <a:p>
-            <a:r>
-              <a:rPr lang="en-US" dirty="0" smtClean="0"/>
-              <a:t>Sketch your design</a:t>
-            </a:r>
-          </a:p>
-          <a:p>
-            <a:pPr lvl="1"/>
-            <a:r>
-              <a:rPr lang="en-US" dirty="0" smtClean="0"/>
-              <a:t>Use scribble lines or filler for text</a:t>
-            </a:r>
-          </a:p>
-          <a:p>
-            <a:r>
-              <a:rPr lang="en-US" dirty="0" smtClean="0"/>
-              <a:t>Add color</a:t>
-            </a:r>
-          </a:p>
-          <a:p>
-            <a:r>
-              <a:rPr lang="en-US" dirty="0" smtClean="0"/>
-              <a:t>Can use digital tools instead of paper if you want</a:t>
+              <a:t>http://</a:t>
+            </a:r>
+            <a:r>
+              <a:rPr lang="en-US" dirty="0" err="1" smtClean="0"/>
+              <a:t>dl.dropbox.com</a:t>
+            </a:r>
+            <a:r>
+              <a:rPr lang="en-US" dirty="0" smtClean="0"/>
+              <a:t>/u/41609448/art329/slides/</a:t>
+            </a:r>
+            <a:r>
+              <a:rPr lang="en-US" dirty="0" err="1" smtClean="0"/>
+              <a:t>classfour</a:t>
+            </a:r>
+            <a:r>
+              <a:rPr lang="en-US" dirty="0" smtClean="0"/>
+              <a:t>/slides/</a:t>
+            </a:r>
+            <a:r>
+              <a:rPr lang="en-US" dirty="0" err="1" smtClean="0"/>
+              <a:t>fontfont</a:t>
+            </a:r>
+            <a:r>
+              <a:rPr lang="en-US" dirty="0" smtClean="0"/>
+              <a:t>/</a:t>
+            </a:r>
+            <a:r>
+              <a:rPr lang="en-US" dirty="0" err="1" smtClean="0"/>
+              <a:t>index.html</a:t>
             </a:r>
             <a:endParaRPr lang="en-US" dirty="0"/>
           </a:p>
@@ -8305,7 +8517,7 @@
     </p:spTree>
     <p:extLst>
       <p:ext uri="{BB962C8B-B14F-4D97-AF65-F5344CB8AC3E}">
-        <p14:creationId xmlns:p14="http://schemas.microsoft.com/office/powerpoint/2010/main" val="23954742"/>
+        <p14:creationId xmlns:p14="http://schemas.microsoft.com/office/powerpoint/2010/main" val="1634048797"/>
       </p:ext>
     </p:extLst>
   </p:cSld>
@@ -8459,7 +8671,7 @@
       </p:grpSpPr>
       <p:sp>
         <p:nvSpPr>
-          <p:cNvPr id="4" name="Title 3"/>
+          <p:cNvPr id="2" name="Title 1"/>
           <p:cNvSpPr>
             <a:spLocks noGrp="1"/>
           </p:cNvSpPr>
@@ -8469,14 +8681,12 @@
         </p:nvSpPr>
         <p:spPr/>
         <p:txBody>
-          <a:bodyPr>
-            <a:normAutofit fontScale="90000"/>
-          </a:bodyPr>
-          <a:lstStyle/>
-          <a:p>
-            <a:r>
-              <a:rPr lang="en-US" dirty="0" smtClean="0"/>
-              <a:t>Exercise &amp; Activity</a:t>
+          <a:bodyPr/>
+          <a:lstStyle/>
+          <a:p>
+            <a:r>
+              <a:rPr lang="en-US" dirty="0" smtClean="0"/>
+              <a:t>text-indent</a:t>
             </a:r>
             <a:endParaRPr lang="en-US" dirty="0"/>
           </a:p>
@@ -8484,12 +8694,12 @@
       </p:sp>
       <p:sp>
         <p:nvSpPr>
-          <p:cNvPr id="5" name="Text Placeholder 4"/>
-          <p:cNvSpPr>
-            <a:spLocks noGrp="1"/>
-          </p:cNvSpPr>
-          <p:nvPr>
-            <p:ph type="body" idx="1"/>
+          <p:cNvPr id="3" name="Content Placeholder 2"/>
+          <p:cNvSpPr>
+            <a:spLocks noGrp="1"/>
+          </p:cNvSpPr>
+          <p:nvPr>
+            <p:ph idx="1"/>
           </p:nvPr>
         </p:nvSpPr>
         <p:spPr/>
@@ -8498,211 +8708,111 @@
           <a:lstStyle/>
           <a:p>
             <a:r>
+              <a:rPr lang="en-US" dirty="0" smtClean="0"/>
+              <a:t>Learn more: </a:t>
+            </a:r>
+            <a:r>
+              <a:rPr lang="en-US" dirty="0" smtClean="0">
+                <a:hlinkClick r:id="rId2"/>
+              </a:rPr>
+              <a:t>http://www.w3.org/TR/CSS2/text.html - indentation-prop</a:t>
+            </a:r>
+            <a:endParaRPr lang="en-US" dirty="0" smtClean="0"/>
+          </a:p>
+          <a:p>
+            <a:r>
+              <a:rPr lang="en-US" dirty="0" smtClean="0"/>
+              <a:t>Indents the first line of text</a:t>
+            </a:r>
+          </a:p>
+          <a:p>
+            <a:r>
+              <a:rPr lang="en-US" dirty="0" smtClean="0"/>
+              <a:t>Can be length, percentage</a:t>
+            </a:r>
+          </a:p>
+          <a:p>
+            <a:r>
+              <a:rPr lang="en-US" dirty="0" smtClean="0"/>
+              <a:t>Can be negative</a:t>
+            </a:r>
+          </a:p>
+          <a:p>
+            <a:pPr marL="0" indent="0">
+              <a:buNone/>
+            </a:pPr>
+            <a:endParaRPr lang="en-US" dirty="0" smtClean="0">
+              <a:latin typeface="Courier New"/>
+              <a:cs typeface="Courier New"/>
+            </a:endParaRPr>
+          </a:p>
+          <a:p>
+            <a:pPr marL="0" indent="0">
+              <a:buNone/>
+            </a:pPr>
+            <a:r>
+              <a:rPr lang="en-US" sz="2000" dirty="0" smtClean="0">
+                <a:latin typeface="Courier New"/>
+                <a:cs typeface="Courier New"/>
+              </a:rPr>
+              <a:t>text-indent: 3em;</a:t>
+            </a:r>
+            <a:endParaRPr lang="en-US" sz="2000" dirty="0">
+              <a:latin typeface="Courier New"/>
+              <a:cs typeface="Courier New"/>
+            </a:endParaRPr>
+          </a:p>
+          <a:p>
+            <a:endParaRPr lang="en-US" dirty="0"/>
+          </a:p>
+        </p:txBody>
+      </p:sp>
+      <p:sp>
+        <p:nvSpPr>
+          <p:cNvPr id="4" name="Footer Placeholder 3"/>
+          <p:cNvSpPr>
+            <a:spLocks noGrp="1"/>
+          </p:cNvSpPr>
+          <p:nvPr>
+            <p:ph type="ftr" sz="quarter" idx="11"/>
+          </p:nvPr>
+        </p:nvSpPr>
+        <p:spPr/>
+        <p:txBody>
+          <a:bodyPr/>
+          <a:lstStyle/>
+          <a:p>
+            <a:r>
+              <a:rPr lang="en-US" dirty="0" smtClean="0"/>
+              <a:t>http://</a:t>
+            </a:r>
+            <a:r>
               <a:rPr lang="en-US" dirty="0" err="1" smtClean="0"/>
-              <a:t>Excercise</a:t>
-            </a:r>
-            <a:endParaRPr lang="en-US" dirty="0"/>
-          </a:p>
-        </p:txBody>
-      </p:sp>
-      <p:sp>
-        <p:nvSpPr>
-          <p:cNvPr id="6" name="Text Placeholder 5"/>
-          <p:cNvSpPr>
-            <a:spLocks noGrp="1"/>
-          </p:cNvSpPr>
-          <p:nvPr>
-            <p:ph type="body" sz="quarter" idx="3"/>
-          </p:nvPr>
-        </p:nvSpPr>
-        <p:spPr/>
-        <p:txBody>
-          <a:bodyPr/>
-          <a:lstStyle/>
-          <a:p>
-            <a:r>
-              <a:rPr lang="en-US" dirty="0" smtClean="0"/>
-              <a:t>Activity</a:t>
-            </a:r>
-            <a:endParaRPr lang="en-US" dirty="0"/>
-          </a:p>
-        </p:txBody>
-      </p:sp>
-      <p:sp>
-        <p:nvSpPr>
-          <p:cNvPr id="7" name="Content Placeholder 6"/>
-          <p:cNvSpPr>
-            <a:spLocks noGrp="1"/>
-          </p:cNvSpPr>
-          <p:nvPr>
-            <p:ph sz="quarter" idx="13"/>
-          </p:nvPr>
-        </p:nvSpPr>
-        <p:spPr/>
-        <p:txBody>
-          <a:bodyPr/>
-          <a:lstStyle/>
-          <a:p>
-            <a:pPr>
-              <a:buFont typeface="Wingdings" charset="2"/>
-              <a:buChar char="v"/>
-            </a:pPr>
-            <a:r>
-              <a:rPr lang="en-US" dirty="0" smtClean="0"/>
-              <a:t>Visual Metaphor: </a:t>
-            </a:r>
-            <a:r>
-              <a:rPr lang="en-US" dirty="0" smtClean="0">
-                <a:hlinkClick r:id="rId3"/>
-              </a:rPr>
-              <a:t>http://google.com</a:t>
-            </a:r>
-            <a:r>
-              <a:rPr lang="en-US" dirty="0" smtClean="0"/>
-              <a:t> </a:t>
-            </a:r>
-          </a:p>
-          <a:p>
-            <a:r>
-              <a:rPr lang="en-US" dirty="0" smtClean="0"/>
-              <a:t>Theme</a:t>
-            </a:r>
-            <a:r>
-              <a:rPr lang="en-US" dirty="0"/>
-              <a:t>: </a:t>
-            </a:r>
-            <a:r>
-              <a:rPr lang="en-US" dirty="0">
-                <a:hlinkClick r:id="rId4"/>
-              </a:rPr>
-              <a:t>http://www.usiouxfalls.edu</a:t>
-            </a:r>
-            <a:r>
-              <a:rPr lang="en-US" dirty="0" smtClean="0">
-                <a:hlinkClick r:id="rId4"/>
-              </a:rPr>
+              <a:t>dl.dropbox.com</a:t>
+            </a:r>
+            <a:r>
+              <a:rPr lang="en-US" dirty="0" smtClean="0"/>
+              <a:t>/u/41609448/art329/slides/</a:t>
+            </a:r>
+            <a:r>
+              <a:rPr lang="en-US" dirty="0" err="1" smtClean="0"/>
+              <a:t>classfour</a:t>
+            </a:r>
+            <a:r>
+              <a:rPr lang="en-US" dirty="0" smtClean="0"/>
+              <a:t>/slides/</a:t>
+            </a:r>
+            <a:r>
+              <a:rPr lang="en-US" dirty="0" err="1" smtClean="0"/>
+              <a:t>textindent</a:t>
+            </a:r>
+            <a:r>
+              <a:rPr lang="en-US" dirty="0" smtClean="0"/>
               <a:t>/</a:t>
             </a:r>
             <a:r>
-              <a:rPr lang="en-US" dirty="0" smtClean="0"/>
-              <a:t> </a:t>
-            </a:r>
-          </a:p>
-          <a:p>
-            <a:r>
-              <a:rPr lang="en-US" dirty="0" smtClean="0"/>
-              <a:t>Interface elements</a:t>
-            </a:r>
-            <a:r>
-              <a:rPr lang="en-US" dirty="0"/>
-              <a:t>: </a:t>
-            </a:r>
-            <a:r>
-              <a:rPr lang="en-US" dirty="0">
-                <a:hlinkClick r:id="rId5"/>
-              </a:rPr>
-              <a:t>http://www.apple.com</a:t>
-            </a:r>
-            <a:r>
-              <a:rPr lang="en-US" dirty="0" smtClean="0">
-                <a:hlinkClick r:id="rId5"/>
-              </a:rPr>
-              <a:t>/</a:t>
-            </a:r>
-            <a:r>
-              <a:rPr lang="en-US" dirty="0" smtClean="0"/>
-              <a:t> </a:t>
-            </a:r>
-            <a:endParaRPr lang="en-US" dirty="0"/>
-          </a:p>
-        </p:txBody>
-      </p:sp>
-      <p:sp>
-        <p:nvSpPr>
-          <p:cNvPr id="8" name="Content Placeholder 7"/>
-          <p:cNvSpPr>
-            <a:spLocks noGrp="1"/>
-          </p:cNvSpPr>
-          <p:nvPr>
-            <p:ph sz="quarter" idx="14"/>
-          </p:nvPr>
-        </p:nvSpPr>
-        <p:spPr/>
-        <p:txBody>
-          <a:bodyPr/>
-          <a:lstStyle/>
-          <a:p>
-            <a:r>
-              <a:rPr lang="en-US" dirty="0" smtClean="0"/>
-              <a:t>Visual Metaphor</a:t>
-            </a:r>
-            <a:r>
-              <a:rPr lang="en-US" dirty="0"/>
-              <a:t>: </a:t>
-            </a:r>
-            <a:r>
-              <a:rPr lang="en-US" dirty="0">
-                <a:hlinkClick r:id="rId6"/>
-              </a:rPr>
-              <a:t>http://www.bing.com</a:t>
-            </a:r>
-            <a:r>
-              <a:rPr lang="en-US" dirty="0" smtClean="0">
-                <a:hlinkClick r:id="rId6"/>
-              </a:rPr>
-              <a:t>/</a:t>
-            </a:r>
-            <a:r>
-              <a:rPr lang="en-US" dirty="0" smtClean="0"/>
-              <a:t> </a:t>
-            </a:r>
-          </a:p>
-          <a:p>
-            <a:r>
-              <a:rPr lang="en-US" dirty="0" smtClean="0"/>
-              <a:t>Theme</a:t>
-            </a:r>
-            <a:r>
-              <a:rPr lang="en-US" dirty="0"/>
-              <a:t>: </a:t>
-            </a:r>
-            <a:r>
-              <a:rPr lang="en-US" dirty="0">
-                <a:hlinkClick r:id="rId7"/>
-              </a:rPr>
-              <a:t>http://l-s.com</a:t>
-            </a:r>
-            <a:r>
-              <a:rPr lang="en-US" dirty="0" smtClean="0">
-                <a:hlinkClick r:id="rId7"/>
-              </a:rPr>
-              <a:t>/</a:t>
-            </a:r>
-            <a:r>
-              <a:rPr lang="en-US" dirty="0" smtClean="0"/>
-              <a:t> </a:t>
-            </a:r>
-          </a:p>
-          <a:p>
-            <a:r>
-              <a:rPr lang="en-US" dirty="0"/>
-              <a:t>Interface elements: </a:t>
-            </a:r>
-            <a:r>
-              <a:rPr lang="en-US" dirty="0">
-                <a:hlinkClick r:id="rId8"/>
-              </a:rPr>
-              <a:t>http://</a:t>
-            </a:r>
-            <a:r>
-              <a:rPr lang="en-US" dirty="0" smtClean="0">
-                <a:hlinkClick r:id="rId8"/>
-              </a:rPr>
-              <a:t>www.microsoft.com</a:t>
-            </a:r>
-            <a:r>
-              <a:rPr lang="en-US" dirty="0" smtClean="0"/>
-              <a:t> </a:t>
+              <a:rPr lang="en-US" dirty="0" err="1" smtClean="0"/>
+              <a:t>index.html</a:t>
             </a:r>
             <a:endParaRPr lang="en-US" dirty="0"/>
           </a:p>
@@ -8711,20 +8821,13 @@
     </p:spTree>
     <p:extLst>
       <p:ext uri="{BB962C8B-B14F-4D97-AF65-F5344CB8AC3E}">
-        <p14:creationId xmlns:p14="http://schemas.microsoft.com/office/powerpoint/2010/main" val="1667360370"/>
+        <p14:creationId xmlns:p14="http://schemas.microsoft.com/office/powerpoint/2010/main" val="2454611156"/>
       </p:ext>
     </p:extLst>
   </p:cSld>
   <p:clrMapOvr>
     <a:masterClrMapping/>
   </p:clrMapOvr>
-  <p:timing>
-    <p:tnLst>
-      <p:par>
-        <p:cTn xmlns:p14="http://schemas.microsoft.com/office/powerpoint/2010/main" id="1" dur="indefinite" restart="never" nodeType="tmRoot"/>
-      </p:par>
-    </p:tnLst>
-  </p:timing>
 </p:sld>
 </file>
 
@@ -8747,7 +8850,7 @@
       </p:grpSpPr>
       <p:sp>
         <p:nvSpPr>
-          <p:cNvPr id="9" name="Title 8"/>
+          <p:cNvPr id="2" name="Title 1"/>
           <p:cNvSpPr>
             <a:spLocks noGrp="1"/>
           </p:cNvSpPr>
@@ -8762,7 +8865,7 @@
           <a:p>
             <a:r>
               <a:rPr lang="en-US" dirty="0" smtClean="0"/>
-              <a:t>Class Five</a:t>
+              <a:t>text-align</a:t>
             </a:r>
             <a:endParaRPr lang="en-US" dirty="0"/>
           </a:p>
@@ -8770,12 +8873,12 @@
       </p:sp>
       <p:sp>
         <p:nvSpPr>
-          <p:cNvPr id="10" name="Text Placeholder 9"/>
-          <p:cNvSpPr>
-            <a:spLocks noGrp="1"/>
-          </p:cNvSpPr>
-          <p:nvPr>
-            <p:ph type="body" idx="1"/>
+          <p:cNvPr id="3" name="Content Placeholder 2"/>
+          <p:cNvSpPr>
+            <a:spLocks noGrp="1"/>
+          </p:cNvSpPr>
+          <p:nvPr>
+            <p:ph idx="1"/>
           </p:nvPr>
         </p:nvSpPr>
         <p:spPr/>
@@ -8785,14 +8888,79 @@
           <a:p>
             <a:r>
               <a:rPr lang="en-US" dirty="0" smtClean="0"/>
-              <a:t>CHANGE</a:t>
-            </a:r>
-          </a:p>
-        </p:txBody>
-      </p:sp>
-      <p:sp>
-        <p:nvSpPr>
-          <p:cNvPr id="11" name="Footer Placeholder 10"/>
+              <a:t>Learn </a:t>
+            </a:r>
+            <a:r>
+              <a:rPr lang="en-US" dirty="0" err="1" smtClean="0"/>
+              <a:t>more:</a:t>
+            </a:r>
+            <a:r>
+              <a:rPr lang="en-US" dirty="0" err="1" smtClean="0">
+                <a:hlinkClick r:id="rId2"/>
+              </a:rPr>
+              <a:t>http</a:t>
+            </a:r>
+            <a:r>
+              <a:rPr lang="en-US" dirty="0" smtClean="0">
+                <a:hlinkClick r:id="rId2"/>
+              </a:rPr>
+              <a:t>://www.w3.org/TR/CSS2/text.html - alignment-prop</a:t>
+            </a:r>
+            <a:endParaRPr lang="en-US" dirty="0" smtClean="0"/>
+          </a:p>
+          <a:p>
+            <a:r>
+              <a:rPr lang="en-US" dirty="0" smtClean="0"/>
+              <a:t>Aligns the text in the element</a:t>
+            </a:r>
+          </a:p>
+          <a:p>
+            <a:r>
+              <a:rPr lang="en-US" dirty="0" smtClean="0"/>
+              <a:t>Can be left</a:t>
+            </a:r>
+            <a:r>
+              <a:rPr lang="en-US" dirty="0"/>
+              <a:t>, right, center, </a:t>
+            </a:r>
+            <a:r>
+              <a:rPr lang="en-US" dirty="0" smtClean="0"/>
+              <a:t>justify</a:t>
+            </a:r>
+          </a:p>
+          <a:p>
+            <a:pPr marL="0" indent="0">
+              <a:buNone/>
+            </a:pPr>
+            <a:endParaRPr lang="en-US" dirty="0" smtClean="0">
+              <a:latin typeface="Courier New"/>
+              <a:cs typeface="Courier New"/>
+            </a:endParaRPr>
+          </a:p>
+          <a:p>
+            <a:pPr marL="0" indent="0">
+              <a:buNone/>
+            </a:pPr>
+            <a:r>
+              <a:rPr lang="en-US" sz="2000" dirty="0" smtClean="0">
+                <a:latin typeface="Courier New"/>
+                <a:cs typeface="Courier New"/>
+              </a:rPr>
+              <a:t>text-align: left;</a:t>
+            </a:r>
+            <a:endParaRPr lang="en-US" sz="2000" dirty="0">
+              <a:latin typeface="Courier New"/>
+              <a:cs typeface="Courier New"/>
+            </a:endParaRPr>
+          </a:p>
+          <a:p>
+            <a:endParaRPr lang="en-US" dirty="0"/>
+          </a:p>
+        </p:txBody>
+      </p:sp>
+      <p:sp>
+        <p:nvSpPr>
+          <p:cNvPr id="4" name="Footer Placeholder 3"/>
           <p:cNvSpPr>
             <a:spLocks noGrp="1"/>
           </p:cNvSpPr>
@@ -8807,7 +8975,35 @@
           <a:p>
             <a:r>
               <a:rPr lang="en-US" dirty="0" smtClean="0"/>
-              <a:t>CHANGE</a:t>
+              <a:t>http://</a:t>
+            </a:r>
+            <a:r>
+              <a:rPr lang="en-US" dirty="0" err="1" smtClean="0"/>
+              <a:t>dl.dropbox.com</a:t>
+            </a:r>
+            <a:r>
+              <a:rPr lang="en-US" dirty="0" smtClean="0"/>
+              <a:t>/u/41609448/art329/slides/</a:t>
+            </a:r>
+            <a:r>
+              <a:rPr lang="en-US" dirty="0" err="1" smtClean="0"/>
+              <a:t>classfour</a:t>
+            </a:r>
+            <a:r>
+              <a:rPr lang="en-US" dirty="0" smtClean="0"/>
+              <a:t>/slides/</a:t>
+            </a:r>
+            <a:r>
+              <a:rPr lang="en-US" dirty="0" err="1" smtClean="0"/>
+              <a:t>textalign</a:t>
+            </a:r>
+            <a:r>
+              <a:rPr lang="en-US" dirty="0" smtClean="0"/>
+              <a:t>/</a:t>
+            </a:r>
+            <a:r>
+              <a:rPr lang="en-US" dirty="0" err="1" smtClean="0"/>
+              <a:t>index.html</a:t>
             </a:r>
             <a:endParaRPr lang="en-US" dirty="0"/>
           </a:p>
@@ -8816,7 +9012,1715 @@
     </p:spTree>
     <p:extLst>
       <p:ext uri="{BB962C8B-B14F-4D97-AF65-F5344CB8AC3E}">
-        <p14:creationId xmlns:p14="http://schemas.microsoft.com/office/powerpoint/2010/main" val="472547524"/>
+        <p14:creationId xmlns:p14="http://schemas.microsoft.com/office/powerpoint/2010/main" val="1805939706"/>
+      </p:ext>
+    </p:extLst>
+  </p:cSld>
+  <p:clrMapOvr>
+    <a:masterClrMapping/>
+  </p:clrMapOvr>
+</p:sld>
+</file>
+
+<file path=ppt/slides/slide22.xml><?xml version="1.0" encoding="utf-8"?>
+<p:sld xmlns:a="http://schemas.openxmlformats.org/drawingml/2006/main" xmlns:r="http://schemas.openxmlformats.org/officeDocument/2006/relationships" xmlns:p="http://schemas.openxmlformats.org/presentationml/2006/main">
+  <p:cSld>
+    <p:spTree>
+      <p:nvGrpSpPr>
+        <p:cNvPr id="1" name=""/>
+        <p:cNvGrpSpPr/>
+        <p:nvPr/>
+      </p:nvGrpSpPr>
+      <p:grpSpPr>
+        <a:xfrm>
+          <a:off x="0" y="0"/>
+          <a:ext cx="0" cy="0"/>
+          <a:chOff x="0" y="0"/>
+          <a:chExt cx="0" cy="0"/>
+        </a:xfrm>
+      </p:grpSpPr>
+      <p:sp>
+        <p:nvSpPr>
+          <p:cNvPr id="2" name="Title 1"/>
+          <p:cNvSpPr>
+            <a:spLocks noGrp="1"/>
+          </p:cNvSpPr>
+          <p:nvPr>
+            <p:ph type="title"/>
+          </p:nvPr>
+        </p:nvSpPr>
+        <p:spPr/>
+        <p:txBody>
+          <a:bodyPr/>
+          <a:lstStyle/>
+          <a:p>
+            <a:r>
+              <a:rPr lang="en-US" dirty="0" smtClean="0"/>
+              <a:t>text-decoration</a:t>
+            </a:r>
+            <a:endParaRPr lang="en-US" dirty="0"/>
+          </a:p>
+        </p:txBody>
+      </p:sp>
+      <p:sp>
+        <p:nvSpPr>
+          <p:cNvPr id="3" name="Content Placeholder 2"/>
+          <p:cNvSpPr>
+            <a:spLocks noGrp="1"/>
+          </p:cNvSpPr>
+          <p:nvPr>
+            <p:ph idx="1"/>
+          </p:nvPr>
+        </p:nvSpPr>
+        <p:spPr/>
+        <p:txBody>
+          <a:bodyPr/>
+          <a:lstStyle/>
+          <a:p>
+            <a:r>
+              <a:rPr lang="en-US" dirty="0" smtClean="0"/>
+              <a:t>Learn </a:t>
+            </a:r>
+            <a:r>
+              <a:rPr lang="en-US" dirty="0" err="1" smtClean="0"/>
+              <a:t>more:</a:t>
+            </a:r>
+            <a:r>
+              <a:rPr lang="en-US" dirty="0" err="1" smtClean="0">
+                <a:hlinkClick r:id="rId2"/>
+              </a:rPr>
+              <a:t>http</a:t>
+            </a:r>
+            <a:r>
+              <a:rPr lang="en-US" dirty="0" smtClean="0">
+                <a:hlinkClick r:id="rId2"/>
+              </a:rPr>
+              <a:t>://www.w3.org/TR/CSS2/text.html - decoration</a:t>
+            </a:r>
+            <a:endParaRPr lang="en-US" dirty="0" smtClean="0"/>
+          </a:p>
+          <a:p>
+            <a:r>
+              <a:rPr lang="en-US" dirty="0" smtClean="0"/>
+              <a:t>Decorates the text, usually as underline</a:t>
+            </a:r>
+          </a:p>
+          <a:p>
+            <a:r>
+              <a:rPr lang="en-US" dirty="0" smtClean="0"/>
+              <a:t>Can be none, underline</a:t>
+            </a:r>
+            <a:r>
+              <a:rPr lang="en-US" dirty="0"/>
+              <a:t>, </a:t>
+            </a:r>
+            <a:r>
+              <a:rPr lang="en-US" dirty="0" err="1"/>
+              <a:t>overline</a:t>
+            </a:r>
+            <a:r>
+              <a:rPr lang="en-US" dirty="0"/>
+              <a:t>, line-through, </a:t>
+            </a:r>
+            <a:r>
+              <a:rPr lang="en-US" dirty="0" smtClean="0"/>
+              <a:t>blink</a:t>
+            </a:r>
+            <a:endParaRPr lang="en-US" dirty="0"/>
+          </a:p>
+          <a:p>
+            <a:pPr marL="0" indent="0">
+              <a:buNone/>
+            </a:pPr>
+            <a:endParaRPr lang="en-US" dirty="0" smtClean="0">
+              <a:latin typeface="Courier New"/>
+              <a:cs typeface="Courier New"/>
+            </a:endParaRPr>
+          </a:p>
+          <a:p>
+            <a:pPr marL="0" indent="0">
+              <a:buNone/>
+            </a:pPr>
+            <a:r>
+              <a:rPr lang="en-US" sz="2000" dirty="0" smtClean="0">
+                <a:latin typeface="Courier New"/>
+                <a:cs typeface="Courier New"/>
+              </a:rPr>
+              <a:t>text-decoration: underline;</a:t>
+            </a:r>
+            <a:endParaRPr lang="en-US" sz="2000" dirty="0">
+              <a:latin typeface="Courier New"/>
+              <a:cs typeface="Courier New"/>
+            </a:endParaRPr>
+          </a:p>
+        </p:txBody>
+      </p:sp>
+      <p:sp>
+        <p:nvSpPr>
+          <p:cNvPr id="4" name="Footer Placeholder 3"/>
+          <p:cNvSpPr>
+            <a:spLocks noGrp="1"/>
+          </p:cNvSpPr>
+          <p:nvPr>
+            <p:ph type="ftr" sz="quarter" idx="11"/>
+          </p:nvPr>
+        </p:nvSpPr>
+        <p:spPr/>
+        <p:txBody>
+          <a:bodyPr/>
+          <a:lstStyle/>
+          <a:p>
+            <a:r>
+              <a:rPr lang="en-US" dirty="0" smtClean="0"/>
+              <a:t>http://</a:t>
+            </a:r>
+            <a:r>
+              <a:rPr lang="en-US" dirty="0" err="1" smtClean="0"/>
+              <a:t>dl.dropbox.com</a:t>
+            </a:r>
+            <a:r>
+              <a:rPr lang="en-US" dirty="0" smtClean="0"/>
+              <a:t>/u/41609448/art329/slides/</a:t>
+            </a:r>
+            <a:r>
+              <a:rPr lang="en-US" dirty="0" err="1" smtClean="0"/>
+              <a:t>classfour</a:t>
+            </a:r>
+            <a:r>
+              <a:rPr lang="en-US" dirty="0" smtClean="0"/>
+              <a:t>/slides/</a:t>
+            </a:r>
+            <a:r>
+              <a:rPr lang="en-US" dirty="0" err="1" smtClean="0"/>
+              <a:t>textdecoration</a:t>
+            </a:r>
+            <a:r>
+              <a:rPr lang="en-US" dirty="0" smtClean="0"/>
+              <a:t>/</a:t>
+            </a:r>
+            <a:r>
+              <a:rPr lang="en-US" dirty="0" err="1" smtClean="0"/>
+              <a:t>index.html</a:t>
+            </a:r>
+            <a:endParaRPr lang="en-US" dirty="0"/>
+          </a:p>
+        </p:txBody>
+      </p:sp>
+    </p:spTree>
+    <p:extLst>
+      <p:ext uri="{BB962C8B-B14F-4D97-AF65-F5344CB8AC3E}">
+        <p14:creationId xmlns:p14="http://schemas.microsoft.com/office/powerpoint/2010/main" val="1355894180"/>
+      </p:ext>
+    </p:extLst>
+  </p:cSld>
+  <p:clrMapOvr>
+    <a:masterClrMapping/>
+  </p:clrMapOvr>
+</p:sld>
+</file>
+
+<file path=ppt/slides/slide23.xml><?xml version="1.0" encoding="utf-8"?>
+<p:sld xmlns:a="http://schemas.openxmlformats.org/drawingml/2006/main" xmlns:r="http://schemas.openxmlformats.org/officeDocument/2006/relationships" xmlns:p="http://schemas.openxmlformats.org/presentationml/2006/main">
+  <p:cSld>
+    <p:spTree>
+      <p:nvGrpSpPr>
+        <p:cNvPr id="1" name=""/>
+        <p:cNvGrpSpPr/>
+        <p:nvPr/>
+      </p:nvGrpSpPr>
+      <p:grpSpPr>
+        <a:xfrm>
+          <a:off x="0" y="0"/>
+          <a:ext cx="0" cy="0"/>
+          <a:chOff x="0" y="0"/>
+          <a:chExt cx="0" cy="0"/>
+        </a:xfrm>
+      </p:grpSpPr>
+      <p:sp>
+        <p:nvSpPr>
+          <p:cNvPr id="2" name="Title 1"/>
+          <p:cNvSpPr>
+            <a:spLocks noGrp="1"/>
+          </p:cNvSpPr>
+          <p:nvPr>
+            <p:ph type="title"/>
+          </p:nvPr>
+        </p:nvSpPr>
+        <p:spPr/>
+        <p:txBody>
+          <a:bodyPr/>
+          <a:lstStyle/>
+          <a:p>
+            <a:r>
+              <a:rPr lang="en-US" dirty="0" smtClean="0"/>
+              <a:t>text-transform</a:t>
+            </a:r>
+            <a:endParaRPr lang="en-US" dirty="0"/>
+          </a:p>
+        </p:txBody>
+      </p:sp>
+      <p:sp>
+        <p:nvSpPr>
+          <p:cNvPr id="3" name="Content Placeholder 2"/>
+          <p:cNvSpPr>
+            <a:spLocks noGrp="1"/>
+          </p:cNvSpPr>
+          <p:nvPr>
+            <p:ph idx="1"/>
+          </p:nvPr>
+        </p:nvSpPr>
+        <p:spPr/>
+        <p:txBody>
+          <a:bodyPr/>
+          <a:lstStyle/>
+          <a:p>
+            <a:r>
+              <a:rPr lang="en-US" dirty="0" smtClean="0"/>
+              <a:t>Learn </a:t>
+            </a:r>
+            <a:r>
+              <a:rPr lang="en-US" dirty="0" err="1" smtClean="0"/>
+              <a:t>more:</a:t>
+            </a:r>
+            <a:r>
+              <a:rPr lang="en-US" dirty="0" err="1" smtClean="0">
+                <a:hlinkClick r:id="rId2"/>
+              </a:rPr>
+              <a:t>http</a:t>
+            </a:r>
+            <a:r>
+              <a:rPr lang="en-US" dirty="0" smtClean="0">
+                <a:hlinkClick r:id="rId2"/>
+              </a:rPr>
+              <a:t>://www.w3.org/TR/CSS2/text.html - caps-prop</a:t>
+            </a:r>
+            <a:endParaRPr lang="en-US" dirty="0" smtClean="0"/>
+          </a:p>
+          <a:p>
+            <a:r>
+              <a:rPr lang="en-US" dirty="0" smtClean="0"/>
+              <a:t>Transforms the text to some case</a:t>
+            </a:r>
+          </a:p>
+          <a:p>
+            <a:r>
+              <a:rPr lang="en-US" dirty="0" smtClean="0"/>
+              <a:t>Can be none</a:t>
+            </a:r>
+            <a:r>
+              <a:rPr lang="en-US" dirty="0"/>
+              <a:t>, uppercase, lowercase, capitalize</a:t>
+            </a:r>
+          </a:p>
+          <a:p>
+            <a:pPr marL="0" indent="0">
+              <a:buNone/>
+            </a:pPr>
+            <a:endParaRPr lang="en-US" dirty="0" smtClean="0">
+              <a:latin typeface="Courier New"/>
+              <a:cs typeface="Courier New"/>
+            </a:endParaRPr>
+          </a:p>
+          <a:p>
+            <a:pPr marL="0" indent="0">
+              <a:buNone/>
+            </a:pPr>
+            <a:r>
+              <a:rPr lang="en-US" sz="2000" dirty="0" smtClean="0">
+                <a:latin typeface="Courier New"/>
+                <a:cs typeface="Courier New"/>
+              </a:rPr>
+              <a:t>text-transform: uppercase;</a:t>
+            </a:r>
+            <a:endParaRPr lang="en-US" sz="2000" dirty="0">
+              <a:latin typeface="Courier New"/>
+              <a:cs typeface="Courier New"/>
+            </a:endParaRPr>
+          </a:p>
+        </p:txBody>
+      </p:sp>
+      <p:sp>
+        <p:nvSpPr>
+          <p:cNvPr id="4" name="Footer Placeholder 3"/>
+          <p:cNvSpPr>
+            <a:spLocks noGrp="1"/>
+          </p:cNvSpPr>
+          <p:nvPr>
+            <p:ph type="ftr" sz="quarter" idx="11"/>
+          </p:nvPr>
+        </p:nvSpPr>
+        <p:spPr/>
+        <p:txBody>
+          <a:bodyPr/>
+          <a:lstStyle/>
+          <a:p>
+            <a:r>
+              <a:rPr lang="en-US" dirty="0" smtClean="0"/>
+              <a:t>http://</a:t>
+            </a:r>
+            <a:r>
+              <a:rPr lang="en-US" dirty="0" err="1" smtClean="0"/>
+              <a:t>dl.dropbox.com</a:t>
+            </a:r>
+            <a:r>
+              <a:rPr lang="en-US" dirty="0" smtClean="0"/>
+              <a:t>/u/41609448/art329/slides/</a:t>
+            </a:r>
+            <a:r>
+              <a:rPr lang="en-US" dirty="0" err="1" smtClean="0"/>
+              <a:t>classfour</a:t>
+            </a:r>
+            <a:r>
+              <a:rPr lang="en-US" dirty="0" smtClean="0"/>
+              <a:t>/slides/</a:t>
+            </a:r>
+            <a:r>
+              <a:rPr lang="en-US" dirty="0" err="1" smtClean="0"/>
+              <a:t>texttransform</a:t>
+            </a:r>
+            <a:r>
+              <a:rPr lang="en-US" dirty="0" smtClean="0"/>
+              <a:t>/</a:t>
+            </a:r>
+            <a:r>
+              <a:rPr lang="en-US" dirty="0" err="1" smtClean="0"/>
+              <a:t>index.html</a:t>
+            </a:r>
+            <a:endParaRPr lang="en-US" dirty="0"/>
+          </a:p>
+        </p:txBody>
+      </p:sp>
+    </p:spTree>
+    <p:extLst>
+      <p:ext uri="{BB962C8B-B14F-4D97-AF65-F5344CB8AC3E}">
+        <p14:creationId xmlns:p14="http://schemas.microsoft.com/office/powerpoint/2010/main" val="1164274399"/>
+      </p:ext>
+    </p:extLst>
+  </p:cSld>
+  <p:clrMapOvr>
+    <a:masterClrMapping/>
+  </p:clrMapOvr>
+</p:sld>
+</file>
+
+<file path=ppt/slides/slide24.xml><?xml version="1.0" encoding="utf-8"?>
+<p:sld xmlns:a="http://schemas.openxmlformats.org/drawingml/2006/main" xmlns:r="http://schemas.openxmlformats.org/officeDocument/2006/relationships" xmlns:p="http://schemas.openxmlformats.org/presentationml/2006/main">
+  <p:cSld>
+    <p:spTree>
+      <p:nvGrpSpPr>
+        <p:cNvPr id="1" name=""/>
+        <p:cNvGrpSpPr/>
+        <p:nvPr/>
+      </p:nvGrpSpPr>
+      <p:grpSpPr>
+        <a:xfrm>
+          <a:off x="0" y="0"/>
+          <a:ext cx="0" cy="0"/>
+          <a:chOff x="0" y="0"/>
+          <a:chExt cx="0" cy="0"/>
+        </a:xfrm>
+      </p:grpSpPr>
+      <p:sp>
+        <p:nvSpPr>
+          <p:cNvPr id="2" name="Title 1"/>
+          <p:cNvSpPr>
+            <a:spLocks noGrp="1"/>
+          </p:cNvSpPr>
+          <p:nvPr>
+            <p:ph type="title"/>
+          </p:nvPr>
+        </p:nvSpPr>
+        <p:spPr/>
+        <p:txBody>
+          <a:bodyPr/>
+          <a:lstStyle/>
+          <a:p>
+            <a:r>
+              <a:rPr lang="en-US" dirty="0" smtClean="0"/>
+              <a:t>letter-spacing</a:t>
+            </a:r>
+            <a:endParaRPr lang="en-US" dirty="0"/>
+          </a:p>
+        </p:txBody>
+      </p:sp>
+      <p:sp>
+        <p:nvSpPr>
+          <p:cNvPr id="3" name="Content Placeholder 2"/>
+          <p:cNvSpPr>
+            <a:spLocks noGrp="1"/>
+          </p:cNvSpPr>
+          <p:nvPr>
+            <p:ph idx="1"/>
+          </p:nvPr>
+        </p:nvSpPr>
+        <p:spPr/>
+        <p:txBody>
+          <a:bodyPr/>
+          <a:lstStyle/>
+          <a:p>
+            <a:r>
+              <a:rPr lang="en-US" dirty="0" smtClean="0"/>
+              <a:t>Learn </a:t>
+            </a:r>
+            <a:r>
+              <a:rPr lang="en-US" dirty="0" err="1" smtClean="0"/>
+              <a:t>more:</a:t>
+            </a:r>
+            <a:r>
+              <a:rPr lang="en-US" dirty="0" err="1" smtClean="0">
+                <a:hlinkClick r:id="rId2"/>
+              </a:rPr>
+              <a:t>http</a:t>
+            </a:r>
+            <a:r>
+              <a:rPr lang="en-US" dirty="0" smtClean="0">
+                <a:hlinkClick r:id="rId2"/>
+              </a:rPr>
+              <a:t>://www.w3.org/TR/CSS2/text.html - propdef-letter-spacing</a:t>
+            </a:r>
+            <a:endParaRPr lang="en-US" dirty="0" smtClean="0"/>
+          </a:p>
+          <a:p>
+            <a:r>
+              <a:rPr lang="en-US" dirty="0" smtClean="0"/>
+              <a:t>Adds space between the letters</a:t>
+            </a:r>
+          </a:p>
+          <a:p>
+            <a:r>
+              <a:rPr lang="en-US" dirty="0" smtClean="0"/>
+              <a:t>Can be normal, length</a:t>
+            </a:r>
+            <a:endParaRPr lang="en-US" dirty="0"/>
+          </a:p>
+          <a:p>
+            <a:pPr marL="0" indent="0">
+              <a:buNone/>
+            </a:pPr>
+            <a:endParaRPr lang="en-US" dirty="0" smtClean="0">
+              <a:latin typeface="Courier New"/>
+              <a:cs typeface="Courier New"/>
+            </a:endParaRPr>
+          </a:p>
+          <a:p>
+            <a:pPr marL="0" indent="0">
+              <a:buNone/>
+            </a:pPr>
+            <a:r>
+              <a:rPr lang="en-US" sz="2000" dirty="0" smtClean="0">
+                <a:latin typeface="Courier New"/>
+                <a:cs typeface="Courier New"/>
+              </a:rPr>
+              <a:t>letter-spacing: 2px;</a:t>
+            </a:r>
+            <a:endParaRPr lang="en-US" sz="2000" dirty="0">
+              <a:latin typeface="Courier New"/>
+              <a:cs typeface="Courier New"/>
+            </a:endParaRPr>
+          </a:p>
+        </p:txBody>
+      </p:sp>
+      <p:sp>
+        <p:nvSpPr>
+          <p:cNvPr id="4" name="Footer Placeholder 3"/>
+          <p:cNvSpPr>
+            <a:spLocks noGrp="1"/>
+          </p:cNvSpPr>
+          <p:nvPr>
+            <p:ph type="ftr" sz="quarter" idx="11"/>
+          </p:nvPr>
+        </p:nvSpPr>
+        <p:spPr/>
+        <p:txBody>
+          <a:bodyPr/>
+          <a:lstStyle/>
+          <a:p>
+            <a:r>
+              <a:rPr lang="en-US" dirty="0" smtClean="0"/>
+              <a:t>http://</a:t>
+            </a:r>
+            <a:r>
+              <a:rPr lang="en-US" dirty="0" err="1" smtClean="0"/>
+              <a:t>dl.dropbox.com</a:t>
+            </a:r>
+            <a:r>
+              <a:rPr lang="en-US" dirty="0" smtClean="0"/>
+              <a:t>/u/41609448/art329/slides/</a:t>
+            </a:r>
+            <a:r>
+              <a:rPr lang="en-US" dirty="0" err="1" smtClean="0"/>
+              <a:t>classfour</a:t>
+            </a:r>
+            <a:r>
+              <a:rPr lang="en-US" dirty="0" smtClean="0"/>
+              <a:t>/slides/</a:t>
+            </a:r>
+            <a:r>
+              <a:rPr lang="en-US" dirty="0" err="1" smtClean="0"/>
+              <a:t>letterspacing</a:t>
+            </a:r>
+            <a:r>
+              <a:rPr lang="en-US" dirty="0" smtClean="0"/>
+              <a:t>/</a:t>
+            </a:r>
+            <a:r>
+              <a:rPr lang="en-US" dirty="0" err="1" smtClean="0"/>
+              <a:t>index.html</a:t>
+            </a:r>
+            <a:endParaRPr lang="en-US" dirty="0"/>
+          </a:p>
+        </p:txBody>
+      </p:sp>
+    </p:spTree>
+    <p:extLst>
+      <p:ext uri="{BB962C8B-B14F-4D97-AF65-F5344CB8AC3E}">
+        <p14:creationId xmlns:p14="http://schemas.microsoft.com/office/powerpoint/2010/main" val="1991312173"/>
+      </p:ext>
+    </p:extLst>
+  </p:cSld>
+  <p:clrMapOvr>
+    <a:masterClrMapping/>
+  </p:clrMapOvr>
+</p:sld>
+</file>
+
+<file path=ppt/slides/slide25.xml><?xml version="1.0" encoding="utf-8"?>
+<p:sld xmlns:a="http://schemas.openxmlformats.org/drawingml/2006/main" xmlns:r="http://schemas.openxmlformats.org/officeDocument/2006/relationships" xmlns:p="http://schemas.openxmlformats.org/presentationml/2006/main">
+  <p:cSld>
+    <p:spTree>
+      <p:nvGrpSpPr>
+        <p:cNvPr id="1" name=""/>
+        <p:cNvGrpSpPr/>
+        <p:nvPr/>
+      </p:nvGrpSpPr>
+      <p:grpSpPr>
+        <a:xfrm>
+          <a:off x="0" y="0"/>
+          <a:ext cx="0" cy="0"/>
+          <a:chOff x="0" y="0"/>
+          <a:chExt cx="0" cy="0"/>
+        </a:xfrm>
+      </p:grpSpPr>
+      <p:sp>
+        <p:nvSpPr>
+          <p:cNvPr id="2" name="Title 1"/>
+          <p:cNvSpPr>
+            <a:spLocks noGrp="1"/>
+          </p:cNvSpPr>
+          <p:nvPr>
+            <p:ph type="title"/>
+          </p:nvPr>
+        </p:nvSpPr>
+        <p:spPr/>
+        <p:txBody>
+          <a:bodyPr/>
+          <a:lstStyle/>
+          <a:p>
+            <a:r>
+              <a:rPr lang="en-US" dirty="0" smtClean="0"/>
+              <a:t>word-spacing</a:t>
+            </a:r>
+            <a:endParaRPr lang="en-US" dirty="0"/>
+          </a:p>
+        </p:txBody>
+      </p:sp>
+      <p:sp>
+        <p:nvSpPr>
+          <p:cNvPr id="3" name="Content Placeholder 2"/>
+          <p:cNvSpPr>
+            <a:spLocks noGrp="1"/>
+          </p:cNvSpPr>
+          <p:nvPr>
+            <p:ph idx="1"/>
+          </p:nvPr>
+        </p:nvSpPr>
+        <p:spPr/>
+        <p:txBody>
+          <a:bodyPr/>
+          <a:lstStyle/>
+          <a:p>
+            <a:r>
+              <a:rPr lang="en-US" dirty="0" smtClean="0"/>
+              <a:t>Learn </a:t>
+            </a:r>
+            <a:r>
+              <a:rPr lang="en-US" dirty="0" err="1" smtClean="0"/>
+              <a:t>more:</a:t>
+            </a:r>
+            <a:r>
+              <a:rPr lang="en-US" dirty="0" err="1" smtClean="0">
+                <a:hlinkClick r:id="rId2"/>
+              </a:rPr>
+              <a:t>http</a:t>
+            </a:r>
+            <a:r>
+              <a:rPr lang="en-US" dirty="0" smtClean="0">
+                <a:hlinkClick r:id="rId2"/>
+              </a:rPr>
+              <a:t>://www.w3.org/TR/CSS2/text.html - propdef-word-spacing</a:t>
+            </a:r>
+            <a:endParaRPr lang="en-US" dirty="0" smtClean="0"/>
+          </a:p>
+          <a:p>
+            <a:r>
+              <a:rPr lang="en-US" dirty="0" smtClean="0"/>
+              <a:t>Adds space between the words</a:t>
+            </a:r>
+          </a:p>
+          <a:p>
+            <a:r>
+              <a:rPr lang="en-US" dirty="0" smtClean="0"/>
+              <a:t>Can be normal, length</a:t>
+            </a:r>
+            <a:endParaRPr lang="en-US" dirty="0"/>
+          </a:p>
+          <a:p>
+            <a:pPr marL="0" indent="0">
+              <a:buNone/>
+            </a:pPr>
+            <a:endParaRPr lang="en-US" dirty="0" smtClean="0">
+              <a:latin typeface="Courier New"/>
+              <a:cs typeface="Courier New"/>
+            </a:endParaRPr>
+          </a:p>
+          <a:p>
+            <a:pPr marL="0" indent="0">
+              <a:buNone/>
+            </a:pPr>
+            <a:r>
+              <a:rPr lang="en-US" sz="2000" dirty="0" smtClean="0">
+                <a:latin typeface="Courier New"/>
+                <a:cs typeface="Courier New"/>
+              </a:rPr>
+              <a:t>word-spacing: 1em;</a:t>
+            </a:r>
+            <a:endParaRPr lang="en-US" sz="2000" dirty="0">
+              <a:latin typeface="Courier New"/>
+              <a:cs typeface="Courier New"/>
+            </a:endParaRPr>
+          </a:p>
+        </p:txBody>
+      </p:sp>
+      <p:sp>
+        <p:nvSpPr>
+          <p:cNvPr id="4" name="Footer Placeholder 3"/>
+          <p:cNvSpPr>
+            <a:spLocks noGrp="1"/>
+          </p:cNvSpPr>
+          <p:nvPr>
+            <p:ph type="ftr" sz="quarter" idx="11"/>
+          </p:nvPr>
+        </p:nvSpPr>
+        <p:spPr/>
+        <p:txBody>
+          <a:bodyPr/>
+          <a:lstStyle/>
+          <a:p>
+            <a:r>
+              <a:rPr lang="en-US" dirty="0" smtClean="0"/>
+              <a:t>http://</a:t>
+            </a:r>
+            <a:r>
+              <a:rPr lang="en-US" dirty="0" err="1" smtClean="0"/>
+              <a:t>dl.dropbox.com</a:t>
+            </a:r>
+            <a:r>
+              <a:rPr lang="en-US" dirty="0" smtClean="0"/>
+              <a:t>/u/41609448/art329/slides/</a:t>
+            </a:r>
+            <a:r>
+              <a:rPr lang="en-US" dirty="0" err="1" smtClean="0"/>
+              <a:t>classfour</a:t>
+            </a:r>
+            <a:r>
+              <a:rPr lang="en-US" dirty="0" smtClean="0"/>
+              <a:t>/slides/</a:t>
+            </a:r>
+            <a:r>
+              <a:rPr lang="en-US" dirty="0" err="1" smtClean="0"/>
+              <a:t>letterspacing</a:t>
+            </a:r>
+            <a:r>
+              <a:rPr lang="en-US" dirty="0" smtClean="0"/>
+              <a:t>/</a:t>
+            </a:r>
+            <a:r>
+              <a:rPr lang="en-US" dirty="0" err="1" smtClean="0"/>
+              <a:t>index.html</a:t>
+            </a:r>
+            <a:endParaRPr lang="en-US" dirty="0"/>
+          </a:p>
+        </p:txBody>
+      </p:sp>
+    </p:spTree>
+    <p:extLst>
+      <p:ext uri="{BB962C8B-B14F-4D97-AF65-F5344CB8AC3E}">
+        <p14:creationId xmlns:p14="http://schemas.microsoft.com/office/powerpoint/2010/main" val="4109324494"/>
+      </p:ext>
+    </p:extLst>
+  </p:cSld>
+  <p:clrMapOvr>
+    <a:masterClrMapping/>
+  </p:clrMapOvr>
+</p:sld>
+</file>
+
+<file path=ppt/slides/slide26.xml><?xml version="1.0" encoding="utf-8"?>
+<p:sld xmlns:a="http://schemas.openxmlformats.org/drawingml/2006/main" xmlns:r="http://schemas.openxmlformats.org/officeDocument/2006/relationships" xmlns:p="http://schemas.openxmlformats.org/presentationml/2006/main">
+  <p:cSld>
+    <p:spTree>
+      <p:nvGrpSpPr>
+        <p:cNvPr id="1" name=""/>
+        <p:cNvGrpSpPr/>
+        <p:nvPr/>
+      </p:nvGrpSpPr>
+      <p:grpSpPr>
+        <a:xfrm>
+          <a:off x="0" y="0"/>
+          <a:ext cx="0" cy="0"/>
+          <a:chOff x="0" y="0"/>
+          <a:chExt cx="0" cy="0"/>
+        </a:xfrm>
+      </p:grpSpPr>
+      <p:sp>
+        <p:nvSpPr>
+          <p:cNvPr id="2" name="Title 1"/>
+          <p:cNvSpPr>
+            <a:spLocks noGrp="1"/>
+          </p:cNvSpPr>
+          <p:nvPr>
+            <p:ph type="title"/>
+          </p:nvPr>
+        </p:nvSpPr>
+        <p:spPr/>
+        <p:txBody>
+          <a:bodyPr/>
+          <a:lstStyle/>
+          <a:p>
+            <a:r>
+              <a:rPr lang="en-US" dirty="0" smtClean="0"/>
+              <a:t>Layout</a:t>
+            </a:r>
+            <a:endParaRPr lang="en-US" dirty="0"/>
+          </a:p>
+        </p:txBody>
+      </p:sp>
+      <p:sp>
+        <p:nvSpPr>
+          <p:cNvPr id="3" name="Content Placeholder 2"/>
+          <p:cNvSpPr>
+            <a:spLocks noGrp="1"/>
+          </p:cNvSpPr>
+          <p:nvPr>
+            <p:ph idx="1"/>
+          </p:nvPr>
+        </p:nvSpPr>
+        <p:spPr/>
+        <p:txBody>
+          <a:bodyPr>
+            <a:normAutofit fontScale="92500" lnSpcReduction="20000"/>
+          </a:bodyPr>
+          <a:lstStyle/>
+          <a:p>
+            <a:r>
+              <a:rPr lang="en-US" dirty="0" smtClean="0"/>
+              <a:t>position – absolute, </a:t>
+            </a:r>
+            <a:r>
+              <a:rPr lang="en-US" dirty="0"/>
+              <a:t>relative, fixed, </a:t>
+            </a:r>
+            <a:r>
+              <a:rPr lang="en-US" dirty="0" smtClean="0"/>
+              <a:t>static</a:t>
+            </a:r>
+          </a:p>
+          <a:p>
+            <a:r>
+              <a:rPr lang="en-US" dirty="0" smtClean="0"/>
+              <a:t>top</a:t>
+            </a:r>
+            <a:r>
+              <a:rPr lang="en-US" dirty="0"/>
+              <a:t>, left, right, </a:t>
+            </a:r>
+            <a:r>
+              <a:rPr lang="en-US" dirty="0" smtClean="0"/>
+              <a:t>bottom</a:t>
+            </a:r>
+            <a:r>
+              <a:rPr lang="en-US" dirty="0"/>
+              <a:t> </a:t>
+            </a:r>
+            <a:r>
+              <a:rPr lang="en-US" dirty="0" smtClean="0"/>
+              <a:t>– where to position</a:t>
+            </a:r>
+          </a:p>
+          <a:p>
+            <a:r>
+              <a:rPr lang="en-US" dirty="0"/>
+              <a:t>z-</a:t>
+            </a:r>
+            <a:r>
+              <a:rPr lang="en-US" dirty="0" smtClean="0"/>
+              <a:t>index - number</a:t>
+            </a:r>
+          </a:p>
+          <a:p>
+            <a:r>
+              <a:rPr lang="en-US" dirty="0" smtClean="0"/>
+              <a:t>float – left, right, none</a:t>
+            </a:r>
+          </a:p>
+          <a:p>
+            <a:r>
+              <a:rPr lang="en-US" dirty="0" smtClean="0"/>
+              <a:t>display – block, inline, inline-block, none</a:t>
+            </a:r>
+          </a:p>
+          <a:p>
+            <a:r>
+              <a:rPr lang="en-US" dirty="0" smtClean="0"/>
+              <a:t>width</a:t>
+            </a:r>
+            <a:r>
+              <a:rPr lang="en-US" dirty="0"/>
+              <a:t>, </a:t>
+            </a:r>
+            <a:r>
+              <a:rPr lang="en-US" dirty="0" smtClean="0"/>
+              <a:t>height – number in pixels (usually)</a:t>
+            </a:r>
+          </a:p>
+          <a:p>
+            <a:r>
+              <a:rPr lang="en-US" dirty="0" smtClean="0"/>
+              <a:t>margin</a:t>
+            </a:r>
+            <a:r>
+              <a:rPr lang="en-US" dirty="0"/>
+              <a:t>, </a:t>
+            </a:r>
+            <a:r>
+              <a:rPr lang="en-US" dirty="0" smtClean="0"/>
+              <a:t>padding – number in pixels (usually</a:t>
+            </a:r>
+            <a:r>
+              <a:rPr lang="en-US" dirty="0" smtClean="0"/>
+              <a:t>)</a:t>
+            </a:r>
+          </a:p>
+          <a:p>
+            <a:r>
+              <a:rPr lang="en-US" dirty="0"/>
+              <a:t>border – size, type, </a:t>
+            </a:r>
+            <a:r>
+              <a:rPr lang="en-US" dirty="0" smtClean="0"/>
+              <a:t>color</a:t>
+            </a:r>
+            <a:endParaRPr lang="en-US" dirty="0"/>
+          </a:p>
+          <a:p>
+            <a:r>
+              <a:rPr lang="en-US" dirty="0" smtClean="0"/>
+              <a:t>list-style: image, position, type</a:t>
+            </a:r>
+            <a:endParaRPr lang="en-US" dirty="0"/>
+          </a:p>
+          <a:p>
+            <a:r>
+              <a:rPr lang="en-US" dirty="0" smtClean="0"/>
+              <a:t>overflow – auto, hidden, scroll, visible</a:t>
+            </a:r>
+            <a:endParaRPr lang="en-US" dirty="0"/>
+          </a:p>
+        </p:txBody>
+      </p:sp>
+    </p:spTree>
+    <p:extLst>
+      <p:ext uri="{BB962C8B-B14F-4D97-AF65-F5344CB8AC3E}">
+        <p14:creationId xmlns:p14="http://schemas.microsoft.com/office/powerpoint/2010/main" val="1293711312"/>
+      </p:ext>
+    </p:extLst>
+  </p:cSld>
+  <p:clrMapOvr>
+    <a:masterClrMapping/>
+  </p:clrMapOvr>
+  <p:timing>
+    <p:tnLst>
+      <p:par>
+        <p:cTn xmlns:p14="http://schemas.microsoft.com/office/powerpoint/2010/main" id="1" dur="indefinite" restart="never" nodeType="tmRoot"/>
+      </p:par>
+    </p:tnLst>
+  </p:timing>
+</p:sld>
+</file>
+
+<file path=ppt/slides/slide27.xml><?xml version="1.0" encoding="utf-8"?>
+<p:sld xmlns:a="http://schemas.openxmlformats.org/drawingml/2006/main" xmlns:r="http://schemas.openxmlformats.org/officeDocument/2006/relationships" xmlns:p="http://schemas.openxmlformats.org/presentationml/2006/main">
+  <p:cSld>
+    <p:spTree>
+      <p:nvGrpSpPr>
+        <p:cNvPr id="1" name=""/>
+        <p:cNvGrpSpPr/>
+        <p:nvPr/>
+      </p:nvGrpSpPr>
+      <p:grpSpPr>
+        <a:xfrm>
+          <a:off x="0" y="0"/>
+          <a:ext cx="0" cy="0"/>
+          <a:chOff x="0" y="0"/>
+          <a:chExt cx="0" cy="0"/>
+        </a:xfrm>
+      </p:grpSpPr>
+      <p:sp>
+        <p:nvSpPr>
+          <p:cNvPr id="4" name="Title 3"/>
+          <p:cNvSpPr>
+            <a:spLocks noGrp="1"/>
+          </p:cNvSpPr>
+          <p:nvPr>
+            <p:ph type="title"/>
+          </p:nvPr>
+        </p:nvSpPr>
+        <p:spPr/>
+        <p:txBody>
+          <a:bodyPr/>
+          <a:lstStyle/>
+          <a:p>
+            <a:r>
+              <a:rPr lang="en-US" dirty="0" smtClean="0"/>
+              <a:t>position</a:t>
+            </a:r>
+            <a:endParaRPr lang="en-US" dirty="0"/>
+          </a:p>
+        </p:txBody>
+      </p:sp>
+      <p:sp>
+        <p:nvSpPr>
+          <p:cNvPr id="5" name="Content Placeholder 4"/>
+          <p:cNvSpPr>
+            <a:spLocks noGrp="1"/>
+          </p:cNvSpPr>
+          <p:nvPr>
+            <p:ph sz="quarter" idx="13"/>
+          </p:nvPr>
+        </p:nvSpPr>
+        <p:spPr/>
+        <p:txBody>
+          <a:bodyPr>
+            <a:normAutofit/>
+          </a:bodyPr>
+          <a:lstStyle/>
+          <a:p>
+            <a:pPr marL="0" indent="0">
+              <a:buNone/>
+            </a:pPr>
+            <a:r>
+              <a:rPr lang="en-US" sz="1800" dirty="0" smtClean="0">
+                <a:latin typeface="Courier New"/>
+                <a:cs typeface="Courier New"/>
+              </a:rPr>
+              <a:t>&lt;div id="big</a:t>
+            </a:r>
+            <a:r>
+              <a:rPr lang="en-US" sz="1800" dirty="0">
+                <a:latin typeface="Courier New"/>
+                <a:cs typeface="Courier New"/>
+              </a:rPr>
+              <a:t>"</a:t>
+            </a:r>
+            <a:r>
+              <a:rPr lang="en-US" sz="1800" dirty="0" smtClean="0">
+                <a:latin typeface="Courier New"/>
+                <a:cs typeface="Courier New"/>
+              </a:rPr>
+              <a:t>&gt;</a:t>
+            </a:r>
+          </a:p>
+          <a:p>
+            <a:pPr marL="0" indent="0">
+              <a:buNone/>
+            </a:pPr>
+            <a:r>
+              <a:rPr lang="en-US" sz="1800" dirty="0" smtClean="0">
+                <a:latin typeface="Courier New"/>
+                <a:cs typeface="Courier New"/>
+              </a:rPr>
+              <a:t>I am big.</a:t>
+            </a:r>
+          </a:p>
+          <a:p>
+            <a:pPr marL="0" indent="0">
+              <a:buNone/>
+            </a:pPr>
+            <a:r>
+              <a:rPr lang="en-US" sz="1800" dirty="0" smtClean="0">
+                <a:latin typeface="Courier New"/>
+                <a:cs typeface="Courier New"/>
+              </a:rPr>
+              <a:t>&lt;div id="small</a:t>
+            </a:r>
+            <a:r>
+              <a:rPr lang="en-US" sz="1800" dirty="0">
+                <a:latin typeface="Courier New"/>
+                <a:cs typeface="Courier New"/>
+              </a:rPr>
+              <a:t>"</a:t>
+            </a:r>
+            <a:r>
+              <a:rPr lang="en-US" sz="1800" dirty="0" smtClean="0">
+                <a:latin typeface="Courier New"/>
+                <a:cs typeface="Courier New"/>
+              </a:rPr>
+              <a:t>&gt;</a:t>
+            </a:r>
+          </a:p>
+          <a:p>
+            <a:pPr marL="0" indent="0">
+              <a:buNone/>
+            </a:pPr>
+            <a:r>
+              <a:rPr lang="en-US" sz="1800" dirty="0" smtClean="0">
+                <a:latin typeface="Courier New"/>
+                <a:cs typeface="Courier New"/>
+              </a:rPr>
+              <a:t>I am small.</a:t>
+            </a:r>
+          </a:p>
+          <a:p>
+            <a:pPr marL="0" indent="0">
+              <a:buNone/>
+            </a:pPr>
+            <a:r>
+              <a:rPr lang="en-US" sz="1800" dirty="0" smtClean="0">
+                <a:latin typeface="Courier New"/>
+                <a:cs typeface="Courier New"/>
+              </a:rPr>
+              <a:t>&lt;/div&gt;</a:t>
+            </a:r>
+            <a:endParaRPr lang="en-US" sz="1800" dirty="0">
+              <a:latin typeface="Courier New"/>
+              <a:cs typeface="Courier New"/>
+            </a:endParaRPr>
+          </a:p>
+          <a:p>
+            <a:pPr marL="0" indent="0">
+              <a:buNone/>
+            </a:pPr>
+            <a:r>
+              <a:rPr lang="en-US" sz="1800" dirty="0" smtClean="0">
+                <a:latin typeface="Courier New"/>
+                <a:cs typeface="Courier New"/>
+              </a:rPr>
+              <a:t>&lt;/div&gt;</a:t>
+            </a:r>
+            <a:endParaRPr lang="en-US" sz="1800" dirty="0">
+              <a:latin typeface="Courier New"/>
+              <a:cs typeface="Courier New"/>
+            </a:endParaRPr>
+          </a:p>
+        </p:txBody>
+      </p:sp>
+      <p:sp>
+        <p:nvSpPr>
+          <p:cNvPr id="6" name="Content Placeholder 5"/>
+          <p:cNvSpPr>
+            <a:spLocks noGrp="1"/>
+          </p:cNvSpPr>
+          <p:nvPr>
+            <p:ph sz="quarter" idx="14"/>
+          </p:nvPr>
+        </p:nvSpPr>
+        <p:spPr/>
+        <p:txBody>
+          <a:bodyPr>
+            <a:normAutofit/>
+          </a:bodyPr>
+          <a:lstStyle/>
+          <a:p>
+            <a:pPr marL="0" indent="0">
+              <a:buNone/>
+            </a:pPr>
+            <a:r>
+              <a:rPr lang="en-US" sz="1800" dirty="0" smtClean="0">
+                <a:latin typeface="Courier New"/>
+                <a:cs typeface="Courier New"/>
+              </a:rPr>
+              <a:t>#big { position: absolute; top: 0; left: 0; width: 400px; height: 400px; background: red; }</a:t>
+            </a:r>
+          </a:p>
+          <a:p>
+            <a:pPr marL="0" indent="0">
+              <a:buNone/>
+            </a:pPr>
+            <a:r>
+              <a:rPr lang="en-US" sz="1800" dirty="0" smtClean="0">
+                <a:latin typeface="Courier New"/>
+                <a:cs typeface="Courier New"/>
+              </a:rPr>
+              <a:t>#small { position: absolute; right: 0; bottom: 0; width: 100px; height: 100px; background: yellow; }</a:t>
+            </a:r>
+            <a:endParaRPr lang="en-US" sz="1800" dirty="0">
+              <a:latin typeface="Courier New"/>
+              <a:cs typeface="Courier New"/>
+            </a:endParaRPr>
+          </a:p>
+        </p:txBody>
+      </p:sp>
+    </p:spTree>
+    <p:extLst>
+      <p:ext uri="{BB962C8B-B14F-4D97-AF65-F5344CB8AC3E}">
+        <p14:creationId xmlns:p14="http://schemas.microsoft.com/office/powerpoint/2010/main" val="2601200652"/>
+      </p:ext>
+    </p:extLst>
+  </p:cSld>
+  <p:clrMapOvr>
+    <a:masterClrMapping/>
+  </p:clrMapOvr>
+</p:sld>
+</file>
+
+<file path=ppt/slides/slide28.xml><?xml version="1.0" encoding="utf-8"?>
+<p:sld xmlns:a="http://schemas.openxmlformats.org/drawingml/2006/main" xmlns:r="http://schemas.openxmlformats.org/officeDocument/2006/relationships" xmlns:p="http://schemas.openxmlformats.org/presentationml/2006/main">
+  <p:cSld>
+    <p:spTree>
+      <p:nvGrpSpPr>
+        <p:cNvPr id="1" name=""/>
+        <p:cNvGrpSpPr/>
+        <p:nvPr/>
+      </p:nvGrpSpPr>
+      <p:grpSpPr>
+        <a:xfrm>
+          <a:off x="0" y="0"/>
+          <a:ext cx="0" cy="0"/>
+          <a:chOff x="0" y="0"/>
+          <a:chExt cx="0" cy="0"/>
+        </a:xfrm>
+      </p:grpSpPr>
+      <p:sp>
+        <p:nvSpPr>
+          <p:cNvPr id="2" name="Title 1"/>
+          <p:cNvSpPr>
+            <a:spLocks noGrp="1"/>
+          </p:cNvSpPr>
+          <p:nvPr>
+            <p:ph type="title"/>
+          </p:nvPr>
+        </p:nvSpPr>
+        <p:spPr/>
+        <p:txBody>
+          <a:bodyPr/>
+          <a:lstStyle/>
+          <a:p>
+            <a:r>
+              <a:rPr lang="en-US" dirty="0" smtClean="0"/>
+              <a:t>border</a:t>
+            </a:r>
+            <a:endParaRPr lang="en-US" dirty="0"/>
+          </a:p>
+        </p:txBody>
+      </p:sp>
+      <p:sp>
+        <p:nvSpPr>
+          <p:cNvPr id="3" name="Content Placeholder 2"/>
+          <p:cNvSpPr>
+            <a:spLocks noGrp="1"/>
+          </p:cNvSpPr>
+          <p:nvPr>
+            <p:ph idx="1"/>
+          </p:nvPr>
+        </p:nvSpPr>
+        <p:spPr/>
+        <p:txBody>
+          <a:bodyPr>
+            <a:normAutofit fontScale="70000" lnSpcReduction="20000"/>
+          </a:bodyPr>
+          <a:lstStyle/>
+          <a:p>
+            <a:r>
+              <a:rPr lang="en-US" dirty="0" smtClean="0"/>
+              <a:t>Learn more: </a:t>
+            </a:r>
+            <a:r>
+              <a:rPr lang="en-US" dirty="0" smtClean="0">
+                <a:hlinkClick r:id="rId2"/>
+              </a:rPr>
+              <a:t>http://www.w3.org/TR/CSS2/box.html - border-</a:t>
+            </a:r>
+            <a:r>
+              <a:rPr lang="en-US" dirty="0" smtClean="0">
+                <a:hlinkClick r:id="rId2"/>
+              </a:rPr>
+              <a:t>properties</a:t>
+            </a:r>
+            <a:endParaRPr lang="en-US" dirty="0" smtClean="0"/>
+          </a:p>
+          <a:p>
+            <a:r>
+              <a:rPr lang="en-US" dirty="0" smtClean="0"/>
+              <a:t>Sets the border properties</a:t>
+            </a:r>
+            <a:endParaRPr lang="en-US" dirty="0" smtClean="0"/>
+          </a:p>
+          <a:p>
+            <a:r>
+              <a:rPr lang="en-US" dirty="0" smtClean="0"/>
+              <a:t>Four sides: top, left, right, bottom</a:t>
+            </a:r>
+          </a:p>
+          <a:p>
+            <a:r>
+              <a:rPr lang="en-US" dirty="0" smtClean="0"/>
+              <a:t>border-top-width, border-left-width, border-right-width, border-bottom-width, border-width: thin, medium, thick, 2px</a:t>
+            </a:r>
+          </a:p>
+          <a:p>
+            <a:r>
+              <a:rPr lang="en-US" dirty="0"/>
+              <a:t>border-top</a:t>
+            </a:r>
+            <a:r>
+              <a:rPr lang="en-US" dirty="0" smtClean="0"/>
+              <a:t>-color, </a:t>
+            </a:r>
+            <a:r>
+              <a:rPr lang="en-US" dirty="0"/>
+              <a:t>border-left</a:t>
+            </a:r>
+            <a:r>
+              <a:rPr lang="en-US" dirty="0" smtClean="0"/>
+              <a:t>-</a:t>
+            </a:r>
+            <a:r>
+              <a:rPr lang="en-US" dirty="0"/>
+              <a:t>color</a:t>
+            </a:r>
+            <a:r>
+              <a:rPr lang="en-US" dirty="0" smtClean="0"/>
+              <a:t>, </a:t>
+            </a:r>
+            <a:r>
+              <a:rPr lang="en-US" dirty="0"/>
+              <a:t>border-right</a:t>
+            </a:r>
+            <a:r>
+              <a:rPr lang="en-US" dirty="0" smtClean="0"/>
+              <a:t>-</a:t>
+            </a:r>
+            <a:r>
+              <a:rPr lang="en-US" dirty="0"/>
+              <a:t>color</a:t>
+            </a:r>
+            <a:r>
+              <a:rPr lang="en-US" dirty="0" smtClean="0"/>
+              <a:t>, </a:t>
+            </a:r>
+            <a:r>
+              <a:rPr lang="en-US" dirty="0"/>
+              <a:t>border-bottom</a:t>
+            </a:r>
+            <a:r>
+              <a:rPr lang="en-US" dirty="0" smtClean="0"/>
+              <a:t>-</a:t>
+            </a:r>
+            <a:r>
+              <a:rPr lang="en-US" dirty="0"/>
+              <a:t>color</a:t>
+            </a:r>
+            <a:r>
+              <a:rPr lang="en-US" dirty="0" smtClean="0"/>
+              <a:t>, </a:t>
+            </a:r>
+            <a:r>
+              <a:rPr lang="en-US" dirty="0"/>
+              <a:t>border</a:t>
+            </a:r>
+            <a:r>
+              <a:rPr lang="en-US" dirty="0" smtClean="0"/>
+              <a:t>-</a:t>
+            </a:r>
+            <a:r>
+              <a:rPr lang="en-US" dirty="0"/>
+              <a:t>color</a:t>
+            </a:r>
+            <a:r>
+              <a:rPr lang="en-US" dirty="0" smtClean="0"/>
+              <a:t>: color, transparent</a:t>
+            </a:r>
+          </a:p>
+          <a:p>
+            <a:r>
+              <a:rPr lang="en-US" dirty="0"/>
+              <a:t>border-top</a:t>
+            </a:r>
+            <a:r>
+              <a:rPr lang="en-US" dirty="0" smtClean="0"/>
+              <a:t>-style, </a:t>
+            </a:r>
+            <a:r>
+              <a:rPr lang="en-US" dirty="0"/>
+              <a:t>border-left</a:t>
+            </a:r>
+            <a:r>
+              <a:rPr lang="en-US" dirty="0" smtClean="0"/>
+              <a:t>-</a:t>
+            </a:r>
+            <a:r>
+              <a:rPr lang="en-US" dirty="0"/>
+              <a:t>style</a:t>
+            </a:r>
+            <a:r>
+              <a:rPr lang="en-US" dirty="0" smtClean="0"/>
+              <a:t>, </a:t>
+            </a:r>
+            <a:r>
+              <a:rPr lang="en-US" dirty="0"/>
+              <a:t>border-right</a:t>
+            </a:r>
+            <a:r>
+              <a:rPr lang="en-US" dirty="0" smtClean="0"/>
+              <a:t>-</a:t>
+            </a:r>
+            <a:r>
+              <a:rPr lang="en-US" dirty="0"/>
+              <a:t>style</a:t>
+            </a:r>
+            <a:r>
+              <a:rPr lang="en-US" dirty="0" smtClean="0"/>
+              <a:t>, </a:t>
+            </a:r>
+            <a:r>
+              <a:rPr lang="en-US" dirty="0"/>
+              <a:t>border-bottom</a:t>
+            </a:r>
+            <a:r>
+              <a:rPr lang="en-US" dirty="0" smtClean="0"/>
+              <a:t>-</a:t>
+            </a:r>
+            <a:r>
+              <a:rPr lang="en-US" dirty="0"/>
+              <a:t>style</a:t>
+            </a:r>
+            <a:r>
+              <a:rPr lang="en-US" dirty="0" smtClean="0"/>
+              <a:t>, </a:t>
+            </a:r>
+            <a:r>
+              <a:rPr lang="en-US" dirty="0"/>
+              <a:t>border</a:t>
+            </a:r>
+            <a:r>
+              <a:rPr lang="en-US" dirty="0" smtClean="0"/>
+              <a:t>-</a:t>
+            </a:r>
+            <a:r>
+              <a:rPr lang="en-US" dirty="0"/>
+              <a:t>style</a:t>
+            </a:r>
+            <a:r>
+              <a:rPr lang="en-US" dirty="0" smtClean="0"/>
+              <a:t>: none, dotted, dashed, solid, double, groove, ridge, inset, outset</a:t>
+            </a:r>
+          </a:p>
+          <a:p>
+            <a:r>
+              <a:rPr lang="en-US" dirty="0" smtClean="0"/>
+              <a:t>border: width, style, </a:t>
+            </a:r>
+            <a:r>
+              <a:rPr lang="en-US" dirty="0" smtClean="0"/>
+              <a:t>color</a:t>
+            </a:r>
+          </a:p>
+          <a:p>
+            <a:r>
+              <a:rPr lang="en-US" dirty="0" smtClean="0">
+                <a:latin typeface="Courier New"/>
+                <a:cs typeface="Courier New"/>
+              </a:rPr>
+              <a:t>border: 1px solid #000;</a:t>
+            </a:r>
+            <a:endParaRPr lang="en-US" dirty="0">
+              <a:latin typeface="Courier New"/>
+              <a:cs typeface="Courier New"/>
+            </a:endParaRPr>
+          </a:p>
+        </p:txBody>
+      </p:sp>
+      <p:sp>
+        <p:nvSpPr>
+          <p:cNvPr id="4" name="Footer Placeholder 3"/>
+          <p:cNvSpPr>
+            <a:spLocks noGrp="1"/>
+          </p:cNvSpPr>
+          <p:nvPr>
+            <p:ph type="ftr" sz="quarter" idx="11"/>
+          </p:nvPr>
+        </p:nvSpPr>
+        <p:spPr/>
+        <p:txBody>
+          <a:bodyPr/>
+          <a:lstStyle/>
+          <a:p>
+            <a:r>
+              <a:rPr lang="en-US" dirty="0" smtClean="0"/>
+              <a:t>http://</a:t>
+            </a:r>
+            <a:r>
+              <a:rPr lang="en-US" dirty="0" err="1" smtClean="0"/>
+              <a:t>dl.dropbox.com</a:t>
+            </a:r>
+            <a:r>
+              <a:rPr lang="en-US" dirty="0" smtClean="0"/>
+              <a:t>/u/41609448/art329/slides/</a:t>
+            </a:r>
+            <a:r>
+              <a:rPr lang="en-US" dirty="0" err="1" smtClean="0"/>
+              <a:t>classfour</a:t>
+            </a:r>
+            <a:r>
+              <a:rPr lang="en-US" dirty="0" smtClean="0"/>
+              <a:t>/slides/border/</a:t>
+            </a:r>
+            <a:r>
+              <a:rPr lang="en-US" dirty="0" err="1" smtClean="0"/>
+              <a:t>index.html</a:t>
+            </a:r>
+            <a:r>
+              <a:rPr lang="en-US" dirty="0" smtClean="0"/>
+              <a:t> </a:t>
+            </a:r>
+            <a:endParaRPr lang="en-US" dirty="0"/>
+          </a:p>
+        </p:txBody>
+      </p:sp>
+    </p:spTree>
+    <p:extLst>
+      <p:ext uri="{BB962C8B-B14F-4D97-AF65-F5344CB8AC3E}">
+        <p14:creationId xmlns:p14="http://schemas.microsoft.com/office/powerpoint/2010/main" val="3601305251"/>
+      </p:ext>
+    </p:extLst>
+  </p:cSld>
+  <p:clrMapOvr>
+    <a:masterClrMapping/>
+  </p:clrMapOvr>
+</p:sld>
+</file>
+
+<file path=ppt/slides/slide29.xml><?xml version="1.0" encoding="utf-8"?>
+<p:sld xmlns:a="http://schemas.openxmlformats.org/drawingml/2006/main" xmlns:r="http://schemas.openxmlformats.org/officeDocument/2006/relationships" xmlns:p="http://schemas.openxmlformats.org/presentationml/2006/main">
+  <p:cSld>
+    <p:spTree>
+      <p:nvGrpSpPr>
+        <p:cNvPr id="1" name=""/>
+        <p:cNvGrpSpPr/>
+        <p:nvPr/>
+      </p:nvGrpSpPr>
+      <p:grpSpPr>
+        <a:xfrm>
+          <a:off x="0" y="0"/>
+          <a:ext cx="0" cy="0"/>
+          <a:chOff x="0" y="0"/>
+          <a:chExt cx="0" cy="0"/>
+        </a:xfrm>
+      </p:grpSpPr>
+      <p:sp>
+        <p:nvSpPr>
+          <p:cNvPr id="4" name="Title 3"/>
+          <p:cNvSpPr>
+            <a:spLocks noGrp="1"/>
+          </p:cNvSpPr>
+          <p:nvPr>
+            <p:ph type="title"/>
+          </p:nvPr>
+        </p:nvSpPr>
+        <p:spPr/>
+        <p:txBody>
+          <a:bodyPr>
+            <a:normAutofit fontScale="90000"/>
+          </a:bodyPr>
+          <a:lstStyle/>
+          <a:p>
+            <a:r>
+              <a:rPr lang="en-US" dirty="0" smtClean="0"/>
+              <a:t>Exercise / Activity</a:t>
+            </a:r>
+            <a:endParaRPr lang="en-US" dirty="0"/>
+          </a:p>
+        </p:txBody>
+      </p:sp>
+      <p:sp>
+        <p:nvSpPr>
+          <p:cNvPr id="5" name="Text Placeholder 4"/>
+          <p:cNvSpPr>
+            <a:spLocks noGrp="1"/>
+          </p:cNvSpPr>
+          <p:nvPr>
+            <p:ph type="body" idx="1"/>
+          </p:nvPr>
+        </p:nvSpPr>
+        <p:spPr/>
+        <p:txBody>
+          <a:bodyPr/>
+          <a:lstStyle/>
+          <a:p>
+            <a:r>
+              <a:rPr lang="en-US" dirty="0" smtClean="0"/>
+              <a:t>Layout</a:t>
+            </a:r>
+            <a:endParaRPr lang="en-US" dirty="0"/>
+          </a:p>
+        </p:txBody>
+      </p:sp>
+      <p:sp>
+        <p:nvSpPr>
+          <p:cNvPr id="6" name="Text Placeholder 5"/>
+          <p:cNvSpPr>
+            <a:spLocks noGrp="1"/>
+          </p:cNvSpPr>
+          <p:nvPr>
+            <p:ph type="body" sz="quarter" idx="3"/>
+          </p:nvPr>
+        </p:nvSpPr>
+        <p:spPr/>
+        <p:txBody>
+          <a:bodyPr/>
+          <a:lstStyle/>
+          <a:p>
+            <a:r>
+              <a:rPr lang="en-US" dirty="0" smtClean="0"/>
+              <a:t>Color &amp; Typography</a:t>
+            </a:r>
+            <a:endParaRPr lang="en-US" dirty="0"/>
+          </a:p>
+        </p:txBody>
+      </p:sp>
+      <p:sp>
+        <p:nvSpPr>
+          <p:cNvPr id="7" name="Content Placeholder 6"/>
+          <p:cNvSpPr>
+            <a:spLocks noGrp="1"/>
+          </p:cNvSpPr>
+          <p:nvPr>
+            <p:ph sz="quarter" idx="13"/>
+          </p:nvPr>
+        </p:nvSpPr>
+        <p:spPr/>
+        <p:txBody>
+          <a:bodyPr/>
+          <a:lstStyle/>
+          <a:p>
+            <a:pPr>
+              <a:buFont typeface="Wingdings" charset="2"/>
+              <a:buChar char="v"/>
+            </a:pPr>
+            <a:r>
+              <a:rPr lang="en-US" dirty="0" smtClean="0"/>
+              <a:t>Move something</a:t>
+            </a:r>
+          </a:p>
+          <a:p>
+            <a:pPr>
+              <a:buFont typeface="Wingdings" charset="2"/>
+              <a:buChar char="v"/>
+            </a:pPr>
+            <a:r>
+              <a:rPr lang="en-US" dirty="0" smtClean="0"/>
+              <a:t>Hide something</a:t>
+            </a:r>
+          </a:p>
+          <a:p>
+            <a:pPr>
+              <a:buFont typeface="Wingdings" charset="2"/>
+              <a:buChar char="v"/>
+            </a:pPr>
+            <a:r>
+              <a:rPr lang="en-US" dirty="0" smtClean="0"/>
+              <a:t>Change width, height</a:t>
+            </a:r>
+          </a:p>
+          <a:p>
+            <a:pPr>
+              <a:buFont typeface="Wingdings" charset="2"/>
+              <a:buChar char="v"/>
+            </a:pPr>
+            <a:r>
+              <a:rPr lang="en-US" dirty="0" smtClean="0"/>
+              <a:t>Change margin, padding</a:t>
+            </a:r>
+          </a:p>
+          <a:p>
+            <a:pPr>
+              <a:buFont typeface="Wingdings" charset="2"/>
+              <a:buChar char="v"/>
+            </a:pPr>
+            <a:r>
+              <a:rPr lang="en-US" dirty="0" smtClean="0"/>
+              <a:t>Float something</a:t>
+            </a:r>
+          </a:p>
+          <a:p>
+            <a:pPr>
+              <a:buFont typeface="Wingdings" charset="2"/>
+              <a:buChar char="v"/>
+            </a:pPr>
+            <a:r>
+              <a:rPr lang="en-US" dirty="0" smtClean="0"/>
+              <a:t>Change list-style</a:t>
+            </a:r>
+          </a:p>
+        </p:txBody>
+      </p:sp>
+      <p:sp>
+        <p:nvSpPr>
+          <p:cNvPr id="8" name="Content Placeholder 7"/>
+          <p:cNvSpPr>
+            <a:spLocks noGrp="1"/>
+          </p:cNvSpPr>
+          <p:nvPr>
+            <p:ph sz="quarter" idx="14"/>
+          </p:nvPr>
+        </p:nvSpPr>
+        <p:spPr/>
+        <p:txBody>
+          <a:bodyPr/>
+          <a:lstStyle/>
+          <a:p>
+            <a:r>
+              <a:rPr lang="en-US" dirty="0" smtClean="0"/>
+              <a:t>Change color, background</a:t>
+            </a:r>
+          </a:p>
+          <a:p>
+            <a:r>
+              <a:rPr lang="en-US" dirty="0" smtClean="0"/>
+              <a:t>Add border</a:t>
+            </a:r>
+          </a:p>
+          <a:p>
+            <a:r>
+              <a:rPr lang="en-US" dirty="0" smtClean="0"/>
+              <a:t>Make italic, bold, uppercase, small caps</a:t>
+            </a:r>
+          </a:p>
+          <a:p>
+            <a:r>
+              <a:rPr lang="en-US" dirty="0" smtClean="0"/>
+              <a:t>Change font size, family, alignment</a:t>
+            </a:r>
+          </a:p>
+          <a:p>
+            <a:endParaRPr lang="en-US" dirty="0"/>
+          </a:p>
+        </p:txBody>
+      </p:sp>
+    </p:spTree>
+    <p:extLst>
+      <p:ext uri="{BB962C8B-B14F-4D97-AF65-F5344CB8AC3E}">
+        <p14:creationId xmlns:p14="http://schemas.microsoft.com/office/powerpoint/2010/main" val="276724819"/>
       </p:ext>
     </p:extLst>
   </p:cSld>
@@ -8901,21 +10805,13 @@
           <a:p>
             <a:r>
               <a:rPr lang="en-US" dirty="0" smtClean="0"/>
-              <a:t>Fake </a:t>
-            </a:r>
-            <a:r>
-              <a:rPr lang="en-US" dirty="0" smtClean="0"/>
-              <a:t>assignment submission</a:t>
-            </a:r>
-          </a:p>
-          <a:p>
-            <a:r>
-              <a:rPr lang="en-US" dirty="0" smtClean="0"/>
-              <a:t>Discuss </a:t>
-            </a:r>
-            <a:r>
-              <a:rPr lang="en-US" dirty="0" smtClean="0"/>
-              <a:t>theme issue</a:t>
+              <a:t>Fake assignment submission</a:t>
+            </a:r>
+          </a:p>
+          <a:p>
+            <a:r>
+              <a:rPr lang="en-US" dirty="0" smtClean="0"/>
+              <a:t>Discuss theme issue</a:t>
             </a:r>
             <a:endParaRPr lang="en-US" dirty="0"/>
           </a:p>
@@ -8931,6 +10827,672 @@
   <p:clrMapOvr>
     <a:masterClrMapping/>
   </p:clrMapOvr>
+</p:sld>
+</file>
+
+<file path=ppt/slides/slide30.xml><?xml version="1.0" encoding="utf-8"?>
+<p:sld xmlns:a="http://schemas.openxmlformats.org/drawingml/2006/main" xmlns:r="http://schemas.openxmlformats.org/officeDocument/2006/relationships" xmlns:p="http://schemas.openxmlformats.org/presentationml/2006/main">
+  <p:cSld>
+    <p:spTree>
+      <p:nvGrpSpPr>
+        <p:cNvPr id="1" name=""/>
+        <p:cNvGrpSpPr/>
+        <p:nvPr/>
+      </p:nvGrpSpPr>
+      <p:grpSpPr>
+        <a:xfrm>
+          <a:off x="0" y="0"/>
+          <a:ext cx="0" cy="0"/>
+          <a:chOff x="0" y="0"/>
+          <a:chExt cx="0" cy="0"/>
+        </a:xfrm>
+      </p:grpSpPr>
+      <p:sp>
+        <p:nvSpPr>
+          <p:cNvPr id="3" name="Title 2"/>
+          <p:cNvSpPr>
+            <a:spLocks noGrp="1"/>
+          </p:cNvSpPr>
+          <p:nvPr>
+            <p:ph type="title"/>
+          </p:nvPr>
+        </p:nvSpPr>
+        <p:spPr/>
+        <p:txBody>
+          <a:bodyPr/>
+          <a:lstStyle/>
+          <a:p>
+            <a:r>
+              <a:rPr lang="en-US" dirty="0" smtClean="0"/>
+              <a:t>Break</a:t>
+            </a:r>
+            <a:endParaRPr lang="en-US" dirty="0"/>
+          </a:p>
+        </p:txBody>
+      </p:sp>
+      <p:sp>
+        <p:nvSpPr>
+          <p:cNvPr id="4" name="Text Placeholder 3"/>
+          <p:cNvSpPr>
+            <a:spLocks noGrp="1"/>
+          </p:cNvSpPr>
+          <p:nvPr>
+            <p:ph type="body" idx="1"/>
+          </p:nvPr>
+        </p:nvSpPr>
+        <p:spPr/>
+        <p:txBody>
+          <a:bodyPr/>
+          <a:lstStyle/>
+          <a:p>
+            <a:endParaRPr lang="en-US"/>
+          </a:p>
+        </p:txBody>
+      </p:sp>
+    </p:spTree>
+    <p:extLst>
+      <p:ext uri="{BB962C8B-B14F-4D97-AF65-F5344CB8AC3E}">
+        <p14:creationId xmlns:p14="http://schemas.microsoft.com/office/powerpoint/2010/main" val="3610379708"/>
+      </p:ext>
+    </p:extLst>
+  </p:cSld>
+  <p:clrMapOvr>
+    <a:masterClrMapping/>
+  </p:clrMapOvr>
+  <p:timing>
+    <p:tnLst>
+      <p:par>
+        <p:cTn xmlns:p14="http://schemas.microsoft.com/office/powerpoint/2010/main" id="1" dur="indefinite" restart="never" nodeType="tmRoot"/>
+      </p:par>
+    </p:tnLst>
+  </p:timing>
+</p:sld>
+</file>
+
+<file path=ppt/slides/slide31.xml><?xml version="1.0" encoding="utf-8"?>
+<p:sld xmlns:a="http://schemas.openxmlformats.org/drawingml/2006/main" xmlns:r="http://schemas.openxmlformats.org/officeDocument/2006/relationships" xmlns:p="http://schemas.openxmlformats.org/presentationml/2006/main">
+  <p:cSld>
+    <p:spTree>
+      <p:nvGrpSpPr>
+        <p:cNvPr id="1" name=""/>
+        <p:cNvGrpSpPr/>
+        <p:nvPr/>
+      </p:nvGrpSpPr>
+      <p:grpSpPr>
+        <a:xfrm>
+          <a:off x="0" y="0"/>
+          <a:ext cx="0" cy="0"/>
+          <a:chOff x="0" y="0"/>
+          <a:chExt cx="0" cy="0"/>
+        </a:xfrm>
+      </p:grpSpPr>
+      <p:sp>
+        <p:nvSpPr>
+          <p:cNvPr id="2" name="Title 1"/>
+          <p:cNvSpPr>
+            <a:spLocks noGrp="1"/>
+          </p:cNvSpPr>
+          <p:nvPr>
+            <p:ph type="ctrTitle"/>
+          </p:nvPr>
+        </p:nvSpPr>
+        <p:spPr/>
+        <p:txBody>
+          <a:bodyPr/>
+          <a:lstStyle/>
+          <a:p>
+            <a:r>
+              <a:rPr lang="en-US" dirty="0" smtClean="0"/>
+              <a:t>Lesson: Chapter 2</a:t>
+            </a:r>
+            <a:endParaRPr lang="en-US" dirty="0"/>
+          </a:p>
+        </p:txBody>
+      </p:sp>
+      <p:sp>
+        <p:nvSpPr>
+          <p:cNvPr id="3" name="Subtitle 2"/>
+          <p:cNvSpPr>
+            <a:spLocks noGrp="1"/>
+          </p:cNvSpPr>
+          <p:nvPr>
+            <p:ph type="subTitle" idx="1"/>
+          </p:nvPr>
+        </p:nvSpPr>
+        <p:spPr/>
+        <p:txBody>
+          <a:bodyPr/>
+          <a:lstStyle/>
+          <a:p>
+            <a:r>
+              <a:rPr lang="en-US" dirty="0"/>
+              <a:t>Pre-production (Part </a:t>
+            </a:r>
+            <a:r>
+              <a:rPr lang="en-US" dirty="0" smtClean="0"/>
+              <a:t>II)</a:t>
+            </a:r>
+            <a:endParaRPr lang="en-US" dirty="0"/>
+          </a:p>
+        </p:txBody>
+      </p:sp>
+    </p:spTree>
+    <p:extLst>
+      <p:ext uri="{BB962C8B-B14F-4D97-AF65-F5344CB8AC3E}">
+        <p14:creationId xmlns:p14="http://schemas.microsoft.com/office/powerpoint/2010/main" val="1158543244"/>
+      </p:ext>
+    </p:extLst>
+  </p:cSld>
+  <p:clrMapOvr>
+    <a:masterClrMapping/>
+  </p:clrMapOvr>
+  <p:timing>
+    <p:tnLst>
+      <p:par>
+        <p:cTn xmlns:p14="http://schemas.microsoft.com/office/powerpoint/2010/main" id="1" dur="indefinite" restart="never" nodeType="tmRoot"/>
+      </p:par>
+    </p:tnLst>
+  </p:timing>
+</p:sld>
+</file>
+
+<file path=ppt/slides/slide32.xml><?xml version="1.0" encoding="utf-8"?>
+<p:sld xmlns:a="http://schemas.openxmlformats.org/drawingml/2006/main" xmlns:r="http://schemas.openxmlformats.org/officeDocument/2006/relationships" xmlns:p="http://schemas.openxmlformats.org/presentationml/2006/main">
+  <p:cSld>
+    <p:spTree>
+      <p:nvGrpSpPr>
+        <p:cNvPr id="1" name=""/>
+        <p:cNvGrpSpPr/>
+        <p:nvPr/>
+      </p:nvGrpSpPr>
+      <p:grpSpPr>
+        <a:xfrm>
+          <a:off x="0" y="0"/>
+          <a:ext cx="0" cy="0"/>
+          <a:chOff x="0" y="0"/>
+          <a:chExt cx="0" cy="0"/>
+        </a:xfrm>
+      </p:grpSpPr>
+      <p:sp>
+        <p:nvSpPr>
+          <p:cNvPr id="2" name="Title 1"/>
+          <p:cNvSpPr>
+            <a:spLocks noGrp="1"/>
+          </p:cNvSpPr>
+          <p:nvPr>
+            <p:ph type="title"/>
+          </p:nvPr>
+        </p:nvSpPr>
+        <p:spPr/>
+        <p:txBody>
+          <a:bodyPr/>
+          <a:lstStyle/>
+          <a:p>
+            <a:r>
+              <a:rPr lang="en-US" dirty="0" smtClean="0"/>
+              <a:t>Storyboards</a:t>
+            </a:r>
+            <a:endParaRPr lang="en-US" dirty="0"/>
+          </a:p>
+        </p:txBody>
+      </p:sp>
+      <p:sp>
+        <p:nvSpPr>
+          <p:cNvPr id="3" name="Content Placeholder 2"/>
+          <p:cNvSpPr>
+            <a:spLocks noGrp="1"/>
+          </p:cNvSpPr>
+          <p:nvPr>
+            <p:ph idx="1"/>
+          </p:nvPr>
+        </p:nvSpPr>
+        <p:spPr/>
+        <p:txBody>
+          <a:bodyPr/>
+          <a:lstStyle/>
+          <a:p>
+            <a:r>
+              <a:rPr lang="en-US" dirty="0" smtClean="0"/>
+              <a:t>Find some paper</a:t>
+            </a:r>
+          </a:p>
+          <a:p>
+            <a:r>
+              <a:rPr lang="en-US" dirty="0" smtClean="0"/>
+              <a:t>Make a grid (or use grid paper)</a:t>
+            </a:r>
+          </a:p>
+          <a:p>
+            <a:r>
+              <a:rPr lang="en-US" dirty="0" smtClean="0"/>
+              <a:t>Sketch your design</a:t>
+            </a:r>
+          </a:p>
+          <a:p>
+            <a:pPr lvl="1"/>
+            <a:r>
+              <a:rPr lang="en-US" dirty="0" smtClean="0"/>
+              <a:t>Use scribble lines or filler for text</a:t>
+            </a:r>
+          </a:p>
+          <a:p>
+            <a:r>
+              <a:rPr lang="en-US" dirty="0" smtClean="0"/>
+              <a:t>Add color</a:t>
+            </a:r>
+          </a:p>
+          <a:p>
+            <a:r>
+              <a:rPr lang="en-US" dirty="0" smtClean="0"/>
+              <a:t>Can use digital tools instead of paper if you want</a:t>
+            </a:r>
+            <a:endParaRPr lang="en-US" dirty="0"/>
+          </a:p>
+        </p:txBody>
+      </p:sp>
+    </p:spTree>
+    <p:extLst>
+      <p:ext uri="{BB962C8B-B14F-4D97-AF65-F5344CB8AC3E}">
+        <p14:creationId xmlns:p14="http://schemas.microsoft.com/office/powerpoint/2010/main" val="23954742"/>
+      </p:ext>
+    </p:extLst>
+  </p:cSld>
+  <p:clrMapOvr>
+    <a:masterClrMapping/>
+  </p:clrMapOvr>
+</p:sld>
+</file>
+
+<file path=ppt/slides/slide33.xml><?xml version="1.0" encoding="utf-8"?>
+<p:sld xmlns:a="http://schemas.openxmlformats.org/drawingml/2006/main" xmlns:r="http://schemas.openxmlformats.org/officeDocument/2006/relationships" xmlns:p="http://schemas.openxmlformats.org/presentationml/2006/main">
+  <p:cSld>
+    <p:spTree>
+      <p:nvGrpSpPr>
+        <p:cNvPr id="1" name=""/>
+        <p:cNvGrpSpPr/>
+        <p:nvPr/>
+      </p:nvGrpSpPr>
+      <p:grpSpPr>
+        <a:xfrm>
+          <a:off x="0" y="0"/>
+          <a:ext cx="0" cy="0"/>
+          <a:chOff x="0" y="0"/>
+          <a:chExt cx="0" cy="0"/>
+        </a:xfrm>
+      </p:grpSpPr>
+      <p:sp>
+        <p:nvSpPr>
+          <p:cNvPr id="4" name="Title 3"/>
+          <p:cNvSpPr>
+            <a:spLocks noGrp="1"/>
+          </p:cNvSpPr>
+          <p:nvPr>
+            <p:ph type="title"/>
+          </p:nvPr>
+        </p:nvSpPr>
+        <p:spPr/>
+        <p:txBody>
+          <a:bodyPr>
+            <a:normAutofit fontScale="90000"/>
+          </a:bodyPr>
+          <a:lstStyle/>
+          <a:p>
+            <a:r>
+              <a:rPr lang="en-US" dirty="0" smtClean="0"/>
+              <a:t>Exercise &amp; Activity</a:t>
+            </a:r>
+            <a:endParaRPr lang="en-US" dirty="0"/>
+          </a:p>
+        </p:txBody>
+      </p:sp>
+      <p:sp>
+        <p:nvSpPr>
+          <p:cNvPr id="5" name="Text Placeholder 4"/>
+          <p:cNvSpPr>
+            <a:spLocks noGrp="1"/>
+          </p:cNvSpPr>
+          <p:nvPr>
+            <p:ph type="body" idx="1"/>
+          </p:nvPr>
+        </p:nvSpPr>
+        <p:spPr/>
+        <p:txBody>
+          <a:bodyPr/>
+          <a:lstStyle/>
+          <a:p>
+            <a:r>
+              <a:rPr lang="en-US" dirty="0" err="1" smtClean="0"/>
+              <a:t>Excercise</a:t>
+            </a:r>
+            <a:endParaRPr lang="en-US" dirty="0"/>
+          </a:p>
+        </p:txBody>
+      </p:sp>
+      <p:sp>
+        <p:nvSpPr>
+          <p:cNvPr id="6" name="Text Placeholder 5"/>
+          <p:cNvSpPr>
+            <a:spLocks noGrp="1"/>
+          </p:cNvSpPr>
+          <p:nvPr>
+            <p:ph type="body" sz="quarter" idx="3"/>
+          </p:nvPr>
+        </p:nvSpPr>
+        <p:spPr/>
+        <p:txBody>
+          <a:bodyPr/>
+          <a:lstStyle/>
+          <a:p>
+            <a:r>
+              <a:rPr lang="en-US" dirty="0" smtClean="0"/>
+              <a:t>Activity</a:t>
+            </a:r>
+            <a:endParaRPr lang="en-US" dirty="0"/>
+          </a:p>
+        </p:txBody>
+      </p:sp>
+      <p:sp>
+        <p:nvSpPr>
+          <p:cNvPr id="7" name="Content Placeholder 6"/>
+          <p:cNvSpPr>
+            <a:spLocks noGrp="1"/>
+          </p:cNvSpPr>
+          <p:nvPr>
+            <p:ph sz="quarter" idx="13"/>
+          </p:nvPr>
+        </p:nvSpPr>
+        <p:spPr/>
+        <p:txBody>
+          <a:bodyPr/>
+          <a:lstStyle/>
+          <a:p>
+            <a:pPr>
+              <a:buFont typeface="Wingdings" charset="2"/>
+              <a:buChar char="v"/>
+            </a:pPr>
+            <a:r>
+              <a:rPr lang="en-US" dirty="0" smtClean="0"/>
+              <a:t>Visual Metaphor: </a:t>
+            </a:r>
+            <a:r>
+              <a:rPr lang="en-US" dirty="0" smtClean="0">
+                <a:hlinkClick r:id="rId3"/>
+              </a:rPr>
+              <a:t>http://google.com</a:t>
+            </a:r>
+            <a:r>
+              <a:rPr lang="en-US" dirty="0" smtClean="0"/>
+              <a:t> </a:t>
+            </a:r>
+          </a:p>
+          <a:p>
+            <a:r>
+              <a:rPr lang="en-US" dirty="0" smtClean="0"/>
+              <a:t>Theme</a:t>
+            </a:r>
+            <a:r>
+              <a:rPr lang="en-US" dirty="0"/>
+              <a:t>: </a:t>
+            </a:r>
+            <a:r>
+              <a:rPr lang="en-US" dirty="0">
+                <a:hlinkClick r:id="rId4"/>
+              </a:rPr>
+              <a:t>http://www.usiouxfalls.edu</a:t>
+            </a:r>
+            <a:r>
+              <a:rPr lang="en-US" dirty="0" smtClean="0">
+                <a:hlinkClick r:id="rId4"/>
+              </a:rPr>
+              <a:t>/</a:t>
+            </a:r>
+            <a:r>
+              <a:rPr lang="en-US" dirty="0" smtClean="0"/>
+              <a:t> </a:t>
+            </a:r>
+          </a:p>
+          <a:p>
+            <a:r>
+              <a:rPr lang="en-US" dirty="0" smtClean="0"/>
+              <a:t>Interface elements</a:t>
+            </a:r>
+            <a:r>
+              <a:rPr lang="en-US" dirty="0"/>
+              <a:t>: </a:t>
+            </a:r>
+            <a:r>
+              <a:rPr lang="en-US" dirty="0">
+                <a:hlinkClick r:id="rId5"/>
+              </a:rPr>
+              <a:t>http://www.apple.com</a:t>
+            </a:r>
+            <a:r>
+              <a:rPr lang="en-US" dirty="0" smtClean="0">
+                <a:hlinkClick r:id="rId5"/>
+              </a:rPr>
+              <a:t>/</a:t>
+            </a:r>
+            <a:r>
+              <a:rPr lang="en-US" dirty="0" smtClean="0"/>
+              <a:t> </a:t>
+            </a:r>
+            <a:endParaRPr lang="en-US" dirty="0"/>
+          </a:p>
+        </p:txBody>
+      </p:sp>
+      <p:sp>
+        <p:nvSpPr>
+          <p:cNvPr id="8" name="Content Placeholder 7"/>
+          <p:cNvSpPr>
+            <a:spLocks noGrp="1"/>
+          </p:cNvSpPr>
+          <p:nvPr>
+            <p:ph sz="quarter" idx="14"/>
+          </p:nvPr>
+        </p:nvSpPr>
+        <p:spPr/>
+        <p:txBody>
+          <a:bodyPr/>
+          <a:lstStyle/>
+          <a:p>
+            <a:r>
+              <a:rPr lang="en-US" dirty="0" smtClean="0"/>
+              <a:t>Visual Metaphor</a:t>
+            </a:r>
+            <a:r>
+              <a:rPr lang="en-US" dirty="0"/>
+              <a:t>: </a:t>
+            </a:r>
+            <a:r>
+              <a:rPr lang="en-US" dirty="0">
+                <a:hlinkClick r:id="rId6"/>
+              </a:rPr>
+              <a:t>http://www.bing.com</a:t>
+            </a:r>
+            <a:r>
+              <a:rPr lang="en-US" dirty="0" smtClean="0">
+                <a:hlinkClick r:id="rId6"/>
+              </a:rPr>
+              <a:t>/</a:t>
+            </a:r>
+            <a:r>
+              <a:rPr lang="en-US" dirty="0" smtClean="0"/>
+              <a:t> </a:t>
+            </a:r>
+          </a:p>
+          <a:p>
+            <a:r>
+              <a:rPr lang="en-US" dirty="0" smtClean="0"/>
+              <a:t>Theme</a:t>
+            </a:r>
+            <a:r>
+              <a:rPr lang="en-US" dirty="0"/>
+              <a:t>: </a:t>
+            </a:r>
+            <a:r>
+              <a:rPr lang="en-US" dirty="0">
+                <a:hlinkClick r:id="rId7"/>
+              </a:rPr>
+              <a:t>http://l-s.com</a:t>
+            </a:r>
+            <a:r>
+              <a:rPr lang="en-US" dirty="0" smtClean="0">
+                <a:hlinkClick r:id="rId7"/>
+              </a:rPr>
+              <a:t>/</a:t>
+            </a:r>
+            <a:r>
+              <a:rPr lang="en-US" dirty="0" smtClean="0"/>
+              <a:t> </a:t>
+            </a:r>
+          </a:p>
+          <a:p>
+            <a:r>
+              <a:rPr lang="en-US" dirty="0"/>
+              <a:t>Interface elements: </a:t>
+            </a:r>
+            <a:r>
+              <a:rPr lang="en-US" dirty="0">
+                <a:hlinkClick r:id="rId8"/>
+              </a:rPr>
+              <a:t>http://</a:t>
+            </a:r>
+            <a:r>
+              <a:rPr lang="en-US" dirty="0" smtClean="0">
+                <a:hlinkClick r:id="rId8"/>
+              </a:rPr>
+              <a:t>www.microsoft.com</a:t>
+            </a:r>
+            <a:r>
+              <a:rPr lang="en-US" dirty="0" smtClean="0"/>
+              <a:t> </a:t>
+            </a:r>
+            <a:endParaRPr lang="en-US" dirty="0"/>
+          </a:p>
+        </p:txBody>
+      </p:sp>
+    </p:spTree>
+    <p:extLst>
+      <p:ext uri="{BB962C8B-B14F-4D97-AF65-F5344CB8AC3E}">
+        <p14:creationId xmlns:p14="http://schemas.microsoft.com/office/powerpoint/2010/main" val="1667360370"/>
+      </p:ext>
+    </p:extLst>
+  </p:cSld>
+  <p:clrMapOvr>
+    <a:masterClrMapping/>
+  </p:clrMapOvr>
+  <p:timing>
+    <p:tnLst>
+      <p:par>
+        <p:cTn xmlns:p14="http://schemas.microsoft.com/office/powerpoint/2010/main" id="1" dur="indefinite" restart="never" nodeType="tmRoot"/>
+      </p:par>
+    </p:tnLst>
+  </p:timing>
+</p:sld>
+</file>
+
+<file path=ppt/slides/slide34.xml><?xml version="1.0" encoding="utf-8"?>
+<p:sld xmlns:a="http://schemas.openxmlformats.org/drawingml/2006/main" xmlns:r="http://schemas.openxmlformats.org/officeDocument/2006/relationships" xmlns:p="http://schemas.openxmlformats.org/presentationml/2006/main">
+  <p:cSld>
+    <p:spTree>
+      <p:nvGrpSpPr>
+        <p:cNvPr id="1" name=""/>
+        <p:cNvGrpSpPr/>
+        <p:nvPr/>
+      </p:nvGrpSpPr>
+      <p:grpSpPr>
+        <a:xfrm>
+          <a:off x="0" y="0"/>
+          <a:ext cx="0" cy="0"/>
+          <a:chOff x="0" y="0"/>
+          <a:chExt cx="0" cy="0"/>
+        </a:xfrm>
+      </p:grpSpPr>
+      <p:sp>
+        <p:nvSpPr>
+          <p:cNvPr id="9" name="Title 8"/>
+          <p:cNvSpPr>
+            <a:spLocks noGrp="1"/>
+          </p:cNvSpPr>
+          <p:nvPr>
+            <p:ph type="title"/>
+          </p:nvPr>
+        </p:nvSpPr>
+        <p:spPr/>
+        <p:txBody>
+          <a:bodyPr/>
+          <a:lstStyle/>
+          <a:p>
+            <a:r>
+              <a:rPr lang="en-US" dirty="0" smtClean="0"/>
+              <a:t>Class Five</a:t>
+            </a:r>
+            <a:endParaRPr lang="en-US" dirty="0"/>
+          </a:p>
+        </p:txBody>
+      </p:sp>
+      <p:sp>
+        <p:nvSpPr>
+          <p:cNvPr id="10" name="Text Placeholder 9"/>
+          <p:cNvSpPr>
+            <a:spLocks noGrp="1"/>
+          </p:cNvSpPr>
+          <p:nvPr>
+            <p:ph type="body" idx="1"/>
+          </p:nvPr>
+        </p:nvSpPr>
+        <p:spPr/>
+        <p:txBody>
+          <a:bodyPr/>
+          <a:lstStyle/>
+          <a:p>
+            <a:r>
+              <a:rPr lang="en-US" dirty="0" smtClean="0"/>
+              <a:t>CHANGE</a:t>
+            </a:r>
+          </a:p>
+        </p:txBody>
+      </p:sp>
+      <p:sp>
+        <p:nvSpPr>
+          <p:cNvPr id="11" name="Footer Placeholder 10"/>
+          <p:cNvSpPr>
+            <a:spLocks noGrp="1"/>
+          </p:cNvSpPr>
+          <p:nvPr>
+            <p:ph type="ftr" sz="quarter" idx="11"/>
+          </p:nvPr>
+        </p:nvSpPr>
+        <p:spPr/>
+        <p:txBody>
+          <a:bodyPr/>
+          <a:lstStyle/>
+          <a:p>
+            <a:r>
+              <a:rPr lang="en-US" dirty="0" smtClean="0"/>
+              <a:t>CHANGE</a:t>
+            </a:r>
+            <a:endParaRPr lang="en-US" dirty="0"/>
+          </a:p>
+        </p:txBody>
+      </p:sp>
+    </p:spTree>
+    <p:extLst>
+      <p:ext uri="{BB962C8B-B14F-4D97-AF65-F5344CB8AC3E}">
+        <p14:creationId xmlns:p14="http://schemas.microsoft.com/office/powerpoint/2010/main" val="472547524"/>
+      </p:ext>
+    </p:extLst>
+  </p:cSld>
+  <p:clrMapOvr>
+    <a:masterClrMapping/>
+  </p:clrMapOvr>
+  <p:timing>
+    <p:tnLst>
+      <p:par>
+        <p:cTn xmlns:p14="http://schemas.microsoft.com/office/powerpoint/2010/main" id="1" dur="indefinite" restart="never" nodeType="tmRoot"/>
+      </p:par>
+    </p:tnLst>
+  </p:timing>
 </p:sld>
 </file>
 
